--- a/w7_redirect_pipe/maple_plot/sample_plot.pptx
+++ b/w7_redirect_pipe/maple_plot/sample_plot.pptx
@@ -7,6 +7,7 @@
   <p:sldIdLst>
     <p:sldId id="256" r:id="rId2"/>
     <p:sldId id="257" r:id="rId3"/>
+    <p:sldId id="258" r:id="rId4"/>
   </p:sldIdLst>
   <p:sldSz cx="12192000" cy="6858000"/>
   <p:notesSz cx="6858000" cy="9144000"/>
@@ -113,6 +114,1863 @@
 </p:presentation>
 </file>
 
+<file path=ppt/ink/ink1.xml><?xml version="1.0" encoding="utf-8"?>
+<inkml:ink xmlns:inkml="http://www.w3.org/2003/InkML">
+  <inkml:definitions>
+    <inkml:context xml:id="ctx0">
+      <inkml:inkSource xml:id="inkSrc0">
+        <inkml:traceFormat>
+          <inkml:channel name="X" type="integer" min="-2.14748E9" max="2.14748E9" units="cm"/>
+          <inkml:channel name="Y" type="integer" min="-2.14748E9" max="2.14748E9" units="cm"/>
+          <inkml:channel name="F" type="integer" max="32767" units="dev"/>
+          <inkml:channel name="OA" type="integer" max="360" units="deg"/>
+          <inkml:channel name="OE" type="integer" max="90" units="deg"/>
+        </inkml:traceFormat>
+        <inkml:channelProperties>
+          <inkml:channelProperty channel="X" name="resolution" value="1000" units="1/cm"/>
+          <inkml:channelProperty channel="Y" name="resolution" value="1000" units="1/cm"/>
+          <inkml:channelProperty channel="F" name="resolution" value="0" units="1/dev"/>
+          <inkml:channelProperty channel="OA" name="resolution" value="1000" units="1/deg"/>
+          <inkml:channelProperty channel="OE" name="resolution" value="1000" units="1/deg"/>
+        </inkml:channelProperties>
+      </inkml:inkSource>
+      <inkml:timestamp xml:id="ts0" timeString="2024-11-03T00:06:12.487"/>
+    </inkml:context>
+    <inkml:brush xml:id="br0">
+      <inkml:brushProperty name="width" value="0.2" units="cm"/>
+      <inkml:brushProperty name="height" value="0.2" units="cm"/>
+      <inkml:brushProperty name="color" value="#004F8B"/>
+    </inkml:brush>
+  </inkml:definitions>
+  <inkml:trace contextRef="#ctx0" brushRef="#br0">165 1216 7 0 0,'5'-1'0'0'0,"1"0"0"0"0,-1 1 0 0 0,0-2 0 0 0,0 1 0 0 0,10-4 1 0 0,-10 3-1 0 0,-1 1 0 0 0,1-1 0 0 0,0 1 0 0 0,0 0 0 0 0,10-1 0 0 0,2 2 16 0 0,0-1-1 0 0,0 0 1 0 0,25-6 0 0 0,-42 6-16 0 0,-17 0 0 0 0,-51 1 0 0 0,52 0 0 0 0,31 0 0 0 0,74 5 0 0 0,19-3 0 0 0,-97-2 0 0 0,1 0 0 0 0,-1 1 0 0 0,14 2 0 0 0,-14-1 0 0 0,40 8 0 0 0,-18-2 0 0 0,-1-2 0 0 0,2-2 0 0 0,-1 0 0 0 0,42-2 0 0 0,93-3 0 0 0,19-1 0 0 0,-38-16 0 0 0,-110 13 0 0 0,77-12 0 0 0,-37 7 0 0 0,-40 7 0 0 0,100-17 0 0 0,-115 14 0 0 0,1 0 0 0 0,-1-2 0 0 0,35-15 0 0 0,3-4 0 0 0,30-15 0 0 0,-86 38 0 0 0,0 1 0 0 0,0-1 0 0 0,0 0 0 0 0,-1 0 0 0 0,1 0 0 0 0,-1-1 0 0 0,0 0 0 0 0,0 0 0 0 0,-1 0 0 0 0,0-1 0 0 0,0 1 0 0 0,0-1 0 0 0,-1 0 0 0 0,1 0 0 0 0,-1-1 0 0 0,-1 1 0 0 0,1-1 0 0 0,-1 1 0 0 0,0-1 0 0 0,-1 0 0 0 0,0 1 0 0 0,0-1 0 0 0,0 0 0 0 0,-1-10 0 0 0,-6-84 0 0 0,-1-2 0 0 0,7 71 0 0 0,-5-34 0 0 0,4 54 0 0 0,-1 0 0 0 0,-1 1 0 0 0,0-1 0 0 0,-1 0 0 0 0,0 1 0 0 0,-8-13 0 0 0,-1 0 0 0 0,-1 1 0 0 0,-1 0 0 0 0,-1 1 0 0 0,-1 1 0 0 0,-1 0 0 0 0,0 2 0 0 0,-2 0 0 0 0,0 1 0 0 0,-1 1 0 0 0,-1 0 0 0 0,-27-14 0 0 0,-89-28 0 0 0,72 33 0 0 0,-232-77 64 0 0,255 93-64 0 0,-79-7 0 0 0,22 5 0 0 0,95 11 0 0 0,-37-6 0 0 0,-48-2 0 0 0,75 8 0 0 0,1 2 0 0 0,-1 0 0 0 0,1 0 0 0 0,-1 2 0 0 0,1-1 0 0 0,-1 2 0 0 0,-13 5 0 0 0,-74 33 0 0 0,-47 16 0 0 0,139-55 0 0 0,-98 35 0 0 0,99-34 0 0 0,1 0-1 0 0,-1 1 0 0 0,1 0 0 0 0,0 0 1 0 0,1 1-1 0 0,-11 9 0 0 0,-36 45 47 0 0,36-39-34 0 0,-21 21-1 0 0,-80 77-11 0 0,112-112 0 0 0,-1 0 0 0 0,1 1 0 0 0,1 0 0 0 0,0 1 0 0 0,0-1 0 0 0,0 1 0 0 0,1 1 0 0 0,1-1 0 0 0,0 0 0 0 0,0 1 0 0 0,0 0 0 0 0,1 0 0 0 0,1 0 0 0 0,0 0 0 0 0,0 1 0 0 0,1-1 0 0 0,0 1 0 0 0,1-1 0 0 0,2 16 0 0 0,4 141 0 0 0,-3-144 0 0 0,1 0 0 0 0,11 32 0 0 0,-4-13 0 0 0,-7-30 0 0 0,-1 0 0 0 0,2 0 0 0 0,0 0 0 0 0,1 0 0 0 0,0-1 0 0 0,8 12 0 0 0,5 4 0 0 0,29 28 0 0 0,-43-49 5 0 0,1-1-1 0 0,1 0 0 0 0,-1 0 1 0 0,1 0-1 0 0,0 0 0 0 0,0-1 0 0 0,0-1 1 0 0,0 1-1 0 0,1-1 0 0 0,-1 0 0 0 0,1-1 1 0 0,0 1-1 0 0,0-2 0 0 0,12 2 0 0 0,-19-3-4 0 0,-1 0 0 0 0,1 1 0 0 0,-1-1 0 0 0,1 0 0 0 0,0 0 0 0 0,-1 0 0 0 0,1 1 0 0 0,-1-1 0 0 0,1 0 0 0 0,-1 1 0 0 0,1-1 0 0 0,-1 0 0 0 0,1 1 0 0 0,-1-1 0 0 0,1 1 0 0 0,-1-1 0 0 0,1 0 0 0 0,-1 1 0 0 0,0-1 0 0 0,1 1 0 0 0,-1 0 0 0 0,0-1 0 0 0,1 1 0 0 0,-1-1 0 0 0,0 1 0 0 0,0-1 0 0 0,1 2 0 0 0,1 5 0 0 0</inkml:trace>
+</inkml:ink>
+</file>
+
+<file path=ppt/ink/ink10.xml><?xml version="1.0" encoding="utf-8"?>
+<inkml:ink xmlns:inkml="http://www.w3.org/2003/InkML">
+  <inkml:definitions>
+    <inkml:context xml:id="ctx0">
+      <inkml:inkSource xml:id="inkSrc0">
+        <inkml:traceFormat>
+          <inkml:channel name="X" type="integer" min="-2.14748E9" max="2.14748E9" units="cm"/>
+          <inkml:channel name="Y" type="integer" min="-2.14748E9" max="2.14748E9" units="cm"/>
+          <inkml:channel name="F" type="integer" max="32767" units="dev"/>
+          <inkml:channel name="OA" type="integer" max="360" units="deg"/>
+          <inkml:channel name="OE" type="integer" max="90" units="deg"/>
+        </inkml:traceFormat>
+        <inkml:channelProperties>
+          <inkml:channelProperty channel="X" name="resolution" value="1000" units="1/cm"/>
+          <inkml:channelProperty channel="Y" name="resolution" value="1000" units="1/cm"/>
+          <inkml:channelProperty channel="F" name="resolution" value="0" units="1/dev"/>
+          <inkml:channelProperty channel="OA" name="resolution" value="1000" units="1/deg"/>
+          <inkml:channelProperty channel="OE" name="resolution" value="1000" units="1/deg"/>
+        </inkml:channelProperties>
+      </inkml:inkSource>
+      <inkml:timestamp xml:id="ts0" timeString="2024-11-03T00:06:20.194"/>
+    </inkml:context>
+    <inkml:brush xml:id="br0">
+      <inkml:brushProperty name="width" value="0.2" units="cm"/>
+      <inkml:brushProperty name="height" value="0.2" units="cm"/>
+      <inkml:brushProperty name="color" value="#004F8B"/>
+    </inkml:brush>
+  </inkml:definitions>
+  <inkml:trace contextRef="#ctx0" brushRef="#br0">1 0 24 0 0,'4'1'0'0'0,"1"-1"0"0"0,0 1 0 0 0,-1 1 0 0 0,1-1 0 0 0,-1 1 0 0 0,0-1 0 0 0,7 5 0 0 0,8 2 0 0 0,-14-6 2 0 0,0 1 0 0 0,-1 0 0 0 0,1 0 0 0 0,0 0-1 0 0,-1 0 1 0 0,0 1 0 0 0,0-1 0 0 0,0 1 0 0 0,0 0 0 0 0,-1 1 0 0 0,0-1 0 0 0,1 1 0 0 0,-2-1 0 0 0,1 1 0 0 0,4 9 0 0 0,1 5 9 0 0,-1 1 0 0 0,9 36-1 0 0,-11-35-10 0 0,11 57 0 0 0,-14-69 0 0 0,-1 0 0 0 0,-1 0 0 0 0,0 0 0 0 0,0 0 0 0 0,-1 1 0 0 0,-2 13 0 0 0,1-17 0 0 0,-2 0 0 0 0</inkml:trace>
+</inkml:ink>
+</file>
+
+<file path=ppt/ink/ink11.xml><?xml version="1.0" encoding="utf-8"?>
+<inkml:ink xmlns:inkml="http://www.w3.org/2003/InkML">
+  <inkml:definitions>
+    <inkml:context xml:id="ctx0">
+      <inkml:inkSource xml:id="inkSrc0">
+        <inkml:traceFormat>
+          <inkml:channel name="X" type="integer" min="-2.14748E9" max="2.14748E9" units="cm"/>
+          <inkml:channel name="Y" type="integer" min="-2.14748E9" max="2.14748E9" units="cm"/>
+          <inkml:channel name="F" type="integer" max="32767" units="dev"/>
+          <inkml:channel name="OA" type="integer" max="360" units="deg"/>
+          <inkml:channel name="OE" type="integer" max="90" units="deg"/>
+        </inkml:traceFormat>
+        <inkml:channelProperties>
+          <inkml:channelProperty channel="X" name="resolution" value="1000" units="1/cm"/>
+          <inkml:channelProperty channel="Y" name="resolution" value="1000" units="1/cm"/>
+          <inkml:channelProperty channel="F" name="resolution" value="0" units="1/dev"/>
+          <inkml:channelProperty channel="OA" name="resolution" value="1000" units="1/deg"/>
+          <inkml:channelProperty channel="OE" name="resolution" value="1000" units="1/deg"/>
+        </inkml:channelProperties>
+      </inkml:inkSource>
+      <inkml:timestamp xml:id="ts0" timeString="2024-11-03T00:06:20.524"/>
+    </inkml:context>
+    <inkml:brush xml:id="br0">
+      <inkml:brushProperty name="width" value="0.2" units="cm"/>
+      <inkml:brushProperty name="height" value="0.2" units="cm"/>
+      <inkml:brushProperty name="color" value="#004F8B"/>
+    </inkml:brush>
+  </inkml:definitions>
+  <inkml:trace contextRef="#ctx0" brushRef="#br0">219 0 15 0 0,'-2'3'0'0'0,"0"0"0"0"0,0 0 0 0 0,0 0 0 0 0,0-1 0 0 0,0 1 0 0 0,0-1 0 0 0,-5 4 0 0 0,3-2 1 0 0,-174 170 62 0 0,176-173-63 0 0,0 1 0 0 0,0 0 0 0 0,0 0 0 0 0,1 1 0 0 0,-1-1 0 0 0,-1 4 0 0 0,3-6 0 0 0,-1 1 0 0 0,1-1 0 0 0,0 0 0 0 0,0 1 0 0 0,0-1 0 0 0,0 1 0 0 0,0-1 0 0 0,0 0 0 0 0,0 1 0 0 0,0-1 0 0 0,0 1 0 0 0,0-1 0 0 0,0 0 0 0 0,0 1 0 0 0,0-1 0 0 0,0 1 0 0 0,0-1 0 0 0,0 0 0 0 0,1 1 0 0 0,-1-1 0 0 0,0 1 0 0 0,1 0 0 0 0,-1-1 0 0 0,1 1 0 0 0,0-1 0 0 0,-1 1 0 0 0,1-1 0 0 0,0 1 0 0 0,0-1 0 0 0,-1 0 0 0 0,1 1 0 0 0,0-1 0 0 0,0 0 0 0 0,0 1 0 0 0,-1-1 0 0 0,3 0 0 0 0,86 10 0 0 0,-63-8 0 0 0,1 1 0 0 0,25 6 0 0 0,-37-6 0 0 0,131 29 0 0 0,-132-29 0 0 0,-8-2 0 0 0,-12-6 0 0 0,2 3 0 0 0,-2 0 0 0 0</inkml:trace>
+</inkml:ink>
+</file>
+
+<file path=ppt/ink/ink12.xml><?xml version="1.0" encoding="utf-8"?>
+<inkml:ink xmlns:inkml="http://www.w3.org/2003/InkML">
+  <inkml:definitions>
+    <inkml:context xml:id="ctx0">
+      <inkml:inkSource xml:id="inkSrc0">
+        <inkml:traceFormat>
+          <inkml:channel name="X" type="integer" min="-2.14748E9" max="2.14748E9" units="cm"/>
+          <inkml:channel name="Y" type="integer" min="-2.14748E9" max="2.14748E9" units="cm"/>
+          <inkml:channel name="F" type="integer" max="32767" units="dev"/>
+          <inkml:channel name="OA" type="integer" max="360" units="deg"/>
+          <inkml:channel name="OE" type="integer" max="90" units="deg"/>
+        </inkml:traceFormat>
+        <inkml:channelProperties>
+          <inkml:channelProperty channel="X" name="resolution" value="1000" units="1/cm"/>
+          <inkml:channelProperty channel="Y" name="resolution" value="1000" units="1/cm"/>
+          <inkml:channelProperty channel="F" name="resolution" value="0" units="1/dev"/>
+          <inkml:channelProperty channel="OA" name="resolution" value="1000" units="1/deg"/>
+          <inkml:channelProperty channel="OE" name="resolution" value="1000" units="1/deg"/>
+        </inkml:channelProperties>
+      </inkml:inkSource>
+      <inkml:timestamp xml:id="ts0" timeString="2024-11-03T00:06:20.853"/>
+    </inkml:context>
+    <inkml:brush xml:id="br0">
+      <inkml:brushProperty name="width" value="0.2" units="cm"/>
+      <inkml:brushProperty name="height" value="0.2" units="cm"/>
+      <inkml:brushProperty name="color" value="#004F8B"/>
+    </inkml:brush>
+  </inkml:definitions>
+  <inkml:trace contextRef="#ctx0" brushRef="#br0">0 171 24 0 0,'0'0'-1'0'0,"1"0"1"0"0,-1 0 0 0 0,0 0 0 0 0,0 0 0 0 0,0 0 0 0 0,0 1 0 0 0,1-1 0 0 0,-1 0 0 0 0,0 0 0 0 0,0 0 0 0 0,0 0 0 0 0,1 0 0 0 0,-1 0 0 0 0,0 0 0 0 0,0 0 0 0 0,1 0 0 0 0,-1 0 0 0 0,0 0-1 0 0,0 0 1 0 0,0 0 0 0 0,1 0 0 0 0,-1 0 0 0 0,0 0 0 0 0,0 0 0 0 0,0 0 0 0 0,1 0 0 0 0,-1 0 0 0 0,0 0 0 0 0,0-1 0 0 0,0 1 0 0 0,1 0 0 0 0,2-11 9 0 0,0 0 37 0 0,-1 2-50 0 0,0-1 36 0 0,0 1 0 0 0,5-14 1 0 0,-6 21-31 0 0,0 0 1 0 0,0 0-1 0 0,0 0 1 0 0,0 0-1 0 0,0 0 1 0 0,0 0-1 0 0,1 0 1 0 0,-1 0 0 0 0,0 1-1 0 0,1-1 1 0 0,0 1-1 0 0,-1-1 1 0 0,1 1-1 0 0,0-1 1 0 0,0 1-1 0 0,0 0 1 0 0,2-2-1 0 0,46-11 65 0 0,-36 11-68 0 0,0 0 1 0 0,-1-2 0 0 0,1 1-1 0 0,-1-2 1 0 0,22-12-1 0 0,-26 9 1 0 0,-8 6 0 0 0,-6 4 0 0 0,1 1 0 0 0</inkml:trace>
+</inkml:ink>
+</file>
+
+<file path=ppt/ink/ink13.xml><?xml version="1.0" encoding="utf-8"?>
+<inkml:ink xmlns:inkml="http://www.w3.org/2003/InkML">
+  <inkml:definitions>
+    <inkml:context xml:id="ctx0">
+      <inkml:inkSource xml:id="inkSrc0">
+        <inkml:traceFormat>
+          <inkml:channel name="X" type="integer" min="-2.14748E9" max="2.14748E9" units="cm"/>
+          <inkml:channel name="Y" type="integer" min="-2.14748E9" max="2.14748E9" units="cm"/>
+          <inkml:channel name="F" type="integer" max="32767" units="dev"/>
+          <inkml:channel name="OA" type="integer" max="360" units="deg"/>
+          <inkml:channel name="OE" type="integer" max="90" units="deg"/>
+        </inkml:traceFormat>
+        <inkml:channelProperties>
+          <inkml:channelProperty channel="X" name="resolution" value="1000" units="1/cm"/>
+          <inkml:channelProperty channel="Y" name="resolution" value="1000" units="1/cm"/>
+          <inkml:channelProperty channel="F" name="resolution" value="0" units="1/dev"/>
+          <inkml:channelProperty channel="OA" name="resolution" value="1000" units="1/deg"/>
+          <inkml:channelProperty channel="OE" name="resolution" value="1000" units="1/deg"/>
+        </inkml:channelProperties>
+      </inkml:inkSource>
+      <inkml:timestamp xml:id="ts0" timeString="2024-11-03T00:06:21.230"/>
+    </inkml:context>
+    <inkml:brush xml:id="br0">
+      <inkml:brushProperty name="width" value="0.2" units="cm"/>
+      <inkml:brushProperty name="height" value="0.2" units="cm"/>
+      <inkml:brushProperty name="color" value="#004F8B"/>
+    </inkml:brush>
+  </inkml:definitions>
+  <inkml:trace contextRef="#ctx0" brushRef="#br0">1 165 55 0 0,'7'-6'12'0'0,"1"0"0"0"0,-1 1-1 0 0,1 0 1 0 0,0 0-1 0 0,0 1 1 0 0,1 0 0 0 0,13-4-1 0 0,1-1 14 0 0,30-13-5 0 0,-3 2 7 0 0,57-33 0 0 0,-100 48-27 0 0,-5 4 0 0 0,0-1 0 0 0,1 1 0 0 0,-1-1 0 0 0,1 1 0 0 0,-1 0 0 0 0,1 0 0 0 0,-1 0 0 0 0,1 0 0 0 0,4-1 0 0 0,-1 3 0 0 0</inkml:trace>
+</inkml:ink>
+</file>
+
+<file path=ppt/ink/ink14.xml><?xml version="1.0" encoding="utf-8"?>
+<inkml:ink xmlns:inkml="http://www.w3.org/2003/InkML">
+  <inkml:definitions>
+    <inkml:context xml:id="ctx0">
+      <inkml:inkSource xml:id="inkSrc0">
+        <inkml:traceFormat>
+          <inkml:channel name="X" type="integer" min="-2.14748E9" max="2.14748E9" units="cm"/>
+          <inkml:channel name="Y" type="integer" min="-2.14748E9" max="2.14748E9" units="cm"/>
+          <inkml:channel name="F" type="integer" max="32767" units="dev"/>
+          <inkml:channel name="OA" type="integer" max="360" units="deg"/>
+          <inkml:channel name="OE" type="integer" max="90" units="deg"/>
+        </inkml:traceFormat>
+        <inkml:channelProperties>
+          <inkml:channelProperty channel="X" name="resolution" value="1000" units="1/cm"/>
+          <inkml:channelProperty channel="Y" name="resolution" value="1000" units="1/cm"/>
+          <inkml:channelProperty channel="F" name="resolution" value="0" units="1/dev"/>
+          <inkml:channelProperty channel="OA" name="resolution" value="1000" units="1/deg"/>
+          <inkml:channelProperty channel="OE" name="resolution" value="1000" units="1/deg"/>
+        </inkml:channelProperties>
+      </inkml:inkSource>
+      <inkml:timestamp xml:id="ts0" timeString="2024-11-03T00:06:21.559"/>
+    </inkml:context>
+    <inkml:brush xml:id="br0">
+      <inkml:brushProperty name="width" value="0.2" units="cm"/>
+      <inkml:brushProperty name="height" value="0.2" units="cm"/>
+      <inkml:brushProperty name="color" value="#004F8B"/>
+    </inkml:brush>
+  </inkml:definitions>
+  <inkml:trace contextRef="#ctx0" brushRef="#br0">71 0 7 0 0,'0'0'0'0'0,"1"1"0"0"0,-1-1 0 0 0,1 0 0 0 0,-1 0 0 0 0,1 1 0 0 0,0-1 0 0 0,-1 0 0 0 0,1 1 0 0 0,-1-1 0 0 0,1 1 0 0 0,-1-1 0 0 0,0 1 0 0 0,1-1 0 0 0,-1 1 0 0 0,1-1 1 0 0,-1 1-1 0 0,0-1 0 0 0,1 1 0 0 0,-1-1 0 0 0,1 2 0 0 0,5 16 0 0 0,-4-12 0 0 0,14 37 13 0 0,-3 0 0 0 0,11 60 0 0 0,10 39 11 0 0,14 1-24 0 0,-47-142 0 0 0,-1-1 0 0 0,0 1 0 0 0,0-1 0 0 0,1 1 0 0 0,-1-1 0 0 0,0 1 0 0 0,0-1 0 0 0,0 1 0 0 0,0-1 0 0 0,0 1 0 0 0,0-1 0 0 0,0 1 0 0 0,0-1 0 0 0,0 1 0 0 0,0-1 0 0 0,0 1 0 0 0,0 0 0 0 0,0-1 0 0 0,0 1 0 0 0,-1-1 0 0 0,1 1 0 0 0,0-1 0 0 0,0 0 0 0 0,0 1 0 0 0,-1-1 0 0 0,1 1 0 0 0,0-1 0 0 0,-1 1 0 0 0,0-1 0 0 0,0 1 0 0 0,0-1 0 0 0,0 0 0 0 0,1 1 0 0 0,-1-1 0 0 0,0 0 0 0 0,0 0 0 0 0,0 0 0 0 0,0 0 0 0 0,0 0 0 0 0,0 0 0 0 0,0 0 0 0 0,0 0 0 0 0,-1-1 0 0 0,-7-1 0 0 0,1 0 0 0 0,-15-7 0 0 0,16 6 0 0 0,-76-36 0 0 0,66 32 0 0 0</inkml:trace>
+  <inkml:trace contextRef="#ctx0" brushRef="#br0" timeOffset="1">0 395 24 0 0,'1'0'0'0'0,"-1"1"0"0"0,1-1 0 0 0,-1 0 0 0 0,0 1 0 0 0,1-1 0 0 0,-1 0 0 0 0,1 1 0 0 0,-1-1 0 0 0,1 0 0 0 0,-1 1 0 0 0,0-1 0 0 0,1 1 0 0 0,-1-1 0 0 0,0 1 0 0 0,0-1 0 0 0,1 1 0 0 0,-1-1 0 0 0,0 1 0 0 0,0-1 0 0 0,0 1 0 0 0,1-1 0 0 0,-1 1 0 0 0,0-1 0 0 0,0 1 0 0 0,3 15 0 0 0,-3-15 0 0 0,2 12 5 0 0,-1-5 5 0 0,0 1-1 0 0,0-1 1 0 0,-1 0 0 0 0,0 0 0 0 0,-1 14-1 0 0,-3-16-9 0 0,2-3 0 0 0</inkml:trace>
+</inkml:ink>
+</file>
+
+<file path=ppt/ink/ink15.xml><?xml version="1.0" encoding="utf-8"?>
+<inkml:ink xmlns:inkml="http://www.w3.org/2003/InkML">
+  <inkml:definitions>
+    <inkml:context xml:id="ctx0">
+      <inkml:inkSource xml:id="inkSrc0">
+        <inkml:traceFormat>
+          <inkml:channel name="X" type="integer" min="-2.14748E9" max="2.14748E9" units="cm"/>
+          <inkml:channel name="Y" type="integer" min="-2.14748E9" max="2.14748E9" units="cm"/>
+          <inkml:channel name="F" type="integer" max="32767" units="dev"/>
+          <inkml:channel name="OA" type="integer" max="360" units="deg"/>
+          <inkml:channel name="OE" type="integer" max="90" units="deg"/>
+        </inkml:traceFormat>
+        <inkml:channelProperties>
+          <inkml:channelProperty channel="X" name="resolution" value="1000" units="1/cm"/>
+          <inkml:channelProperty channel="Y" name="resolution" value="1000" units="1/cm"/>
+          <inkml:channelProperty channel="F" name="resolution" value="0" units="1/dev"/>
+          <inkml:channelProperty channel="OA" name="resolution" value="1000" units="1/deg"/>
+          <inkml:channelProperty channel="OE" name="resolution" value="1000" units="1/deg"/>
+        </inkml:channelProperties>
+      </inkml:inkSource>
+      <inkml:timestamp xml:id="ts0" timeString="2024-11-03T00:06:21.936"/>
+    </inkml:context>
+    <inkml:brush xml:id="br0">
+      <inkml:brushProperty name="width" value="0.2" units="cm"/>
+      <inkml:brushProperty name="height" value="0.2" units="cm"/>
+      <inkml:brushProperty name="color" value="#004F8B"/>
+    </inkml:brush>
+  </inkml:definitions>
+  <inkml:trace contextRef="#ctx0" brushRef="#br0">1 1 24 0 0,'20'14'18'0'0,"0"1"0"0"0,26 24 0 0 0,-8-5 2 0 0,-7-7 28 0 0,-13-11-46 0 0,1 0-1 0 0,0-2 0 0 0,37 22 0 0 0,-40-30-1 0 0,-15-5 0 0 0</inkml:trace>
+</inkml:ink>
+</file>
+
+<file path=ppt/ink/ink16.xml><?xml version="1.0" encoding="utf-8"?>
+<inkml:ink xmlns:inkml="http://www.w3.org/2003/InkML">
+  <inkml:definitions>
+    <inkml:context xml:id="ctx0">
+      <inkml:inkSource xml:id="inkSrc0">
+        <inkml:traceFormat>
+          <inkml:channel name="X" type="integer" min="-2.14748E9" max="2.14748E9" units="cm"/>
+          <inkml:channel name="Y" type="integer" min="-2.14748E9" max="2.14748E9" units="cm"/>
+          <inkml:channel name="F" type="integer" max="32767" units="dev"/>
+          <inkml:channel name="OA" type="integer" max="360" units="deg"/>
+          <inkml:channel name="OE" type="integer" max="90" units="deg"/>
+        </inkml:traceFormat>
+        <inkml:channelProperties>
+          <inkml:channelProperty channel="X" name="resolution" value="1000" units="1/cm"/>
+          <inkml:channelProperty channel="Y" name="resolution" value="1000" units="1/cm"/>
+          <inkml:channelProperty channel="F" name="resolution" value="0" units="1/dev"/>
+          <inkml:channelProperty channel="OA" name="resolution" value="1000" units="1/deg"/>
+          <inkml:channelProperty channel="OE" name="resolution" value="1000" units="1/deg"/>
+        </inkml:channelProperties>
+      </inkml:inkSource>
+      <inkml:timestamp xml:id="ts0" timeString="2024-11-03T00:06:24.618"/>
+    </inkml:context>
+    <inkml:brush xml:id="br0">
+      <inkml:brushProperty name="width" value="0.2" units="cm"/>
+      <inkml:brushProperty name="height" value="0.2" units="cm"/>
+      <inkml:brushProperty name="color" value="#004F8B"/>
+    </inkml:brush>
+  </inkml:definitions>
+  <inkml:trace contextRef="#ctx0" brushRef="#br0">0 6 55 0 0,'3'-1'0'0'0,"1"0"0"0"0,-1 0 0 0 0,0 0 0 0 0,1 1 0 0 0,-1-1 0 0 0,0 1 0 0 0,1 0 0 0 0,-1 0 0 0 0,0 0 0 0 0,1 0 0 0 0,-1 0 0 0 0,1 1 0 0 0,5 1 0 0 0,-6-1 0 0 0,1 0 0 0 0,0 1 0 0 0,0-1 0 0 0,-1 1 0 0 0,1 0 0 0 0,-1 0 0 0 0,1 0 0 0 0,-1 0 0 0 0,0 0 0 0 0,0 1 0 0 0,4 4 0 0 0,-3-2 2 0 0,0 0 0 0 0,-1 1 0 0 0,0-1 0 0 0,0 1 0 0 0,0 0 0 0 0,-1 0 0 0 0,0 0 0 0 0,0 0-1 0 0,-1 0 1 0 0,2 12 0 0 0,-1 5 15 0 0,-1 39 0 0 0,-2-11-8 0 0,2-28-9 0 0,13 177 0 0 0,-13-191 0 0 0,0-1 0 0 0,-1-22 0 0 0,0-12 0 0 0,2 1 0 0 0,0-1 0 0 0,2 1 0 0 0,1 0 0 0 0,0 0 0 0 0,2 0 0 0 0,1 1 0 0 0,1 0 0 0 0,2 0 0 0 0,12-22 0 0 0,-15 34 0 0 0,0 1 0 0 0,0 1 0 0 0,1 0 0 0 0,0 0 0 0 0,1 0 0 0 0,0 1 0 0 0,1 1 0 0 0,20-13 0 0 0,-28 19 2 0 0,-1 0 0 0 0,1 1 0 0 0,0 0 0 0 0,-1 0 0 0 0,1 0 0 0 0,0 0 0 0 0,0 0 0 0 0,0 0 0 0 0,0 1 0 0 0,0-1 0 0 0,0 1 0 0 0,0 0 0 0 0,0 0 0 0 0,0 0 0 0 0,0 0 0 0 0,0 1 0 0 0,0-1 0 0 0,0 1 0 0 0,0 0 0 0 0,0-1 0 0 0,0 1 0 0 0,0 1 0 0 0,-1-1 0 0 0,1 0 0 0 0,0 1 0 0 0,-1-1 0 0 0,1 1 0 0 0,-1 0 0 0 0,1 0 0 0 0,-1 0 0 0 0,3 4 0 0 0,4 4-2 0 0,-2 0 0 0 0,1 1 0 0 0,-1 0 0 0 0,-1 1 0 0 0,6 12 0 0 0,21 64 0 0 0,-7-4 0 0 0,11 32 0 0 0,-34-110 0 0 0,0 0 0 0 0,0 0 0 0 0,0-1 0 0 0,1 1 0 0 0,0-1 0 0 0,0 0 0 0 0,0 0 0 0 0,1 0 0 0 0,-1-1 0 0 0,1 1 0 0 0,0-1 0 0 0,1 0 0 0 0,-1 0 0 0 0,10 4 0 0 0,-12-6 0 0 0,1 0 0 0 0,0-1 0 0 0,0 1 0 0 0,0-1 0 0 0,0 1 0 0 0,0-1 0 0 0,0 0 0 0 0,0-1 0 0 0,0 1 0 0 0,0-1 0 0 0,1 0 0 0 0,-1 0 0 0 0,0 0 0 0 0,0-1 0 0 0,0 1 0 0 0,0-1 0 0 0,0 0 0 0 0,0 0 0 0 0,0 0 0 0 0,0-1 0 0 0,0 1 0 0 0,0-1 0 0 0,5-3 0 0 0,3-6 0 0 0</inkml:trace>
+</inkml:ink>
+</file>
+
+<file path=ppt/ink/ink17.xml><?xml version="1.0" encoding="utf-8"?>
+<inkml:ink xmlns:inkml="http://www.w3.org/2003/InkML">
+  <inkml:definitions>
+    <inkml:context xml:id="ctx0">
+      <inkml:inkSource xml:id="inkSrc0">
+        <inkml:traceFormat>
+          <inkml:channel name="X" type="integer" min="-2.14748E9" max="2.14748E9" units="cm"/>
+          <inkml:channel name="Y" type="integer" min="-2.14748E9" max="2.14748E9" units="cm"/>
+          <inkml:channel name="F" type="integer" max="32767" units="dev"/>
+          <inkml:channel name="OA" type="integer" max="360" units="deg"/>
+          <inkml:channel name="OE" type="integer" max="90" units="deg"/>
+        </inkml:traceFormat>
+        <inkml:channelProperties>
+          <inkml:channelProperty channel="X" name="resolution" value="1000" units="1/cm"/>
+          <inkml:channelProperty channel="Y" name="resolution" value="1000" units="1/cm"/>
+          <inkml:channelProperty channel="F" name="resolution" value="0" units="1/dev"/>
+          <inkml:channelProperty channel="OA" name="resolution" value="1000" units="1/deg"/>
+          <inkml:channelProperty channel="OE" name="resolution" value="1000" units="1/deg"/>
+        </inkml:channelProperties>
+      </inkml:inkSource>
+      <inkml:timestamp xml:id="ts0" timeString="2024-11-03T00:06:26.220"/>
+    </inkml:context>
+    <inkml:brush xml:id="br0">
+      <inkml:brushProperty name="width" value="0.2" units="cm"/>
+      <inkml:brushProperty name="height" value="0.2" units="cm"/>
+      <inkml:brushProperty name="color" value="#004F8B"/>
+    </inkml:brush>
+  </inkml:definitions>
+  <inkml:trace contextRef="#ctx0" brushRef="#br0">210 166 24 0 0,'4'-2'4'0'0,"0"-1"1"0"0,0 1-1 0 0,-1-1 1 0 0,1 0-1 0 0,0 0 1 0 0,5-6-1 0 0,-8 7-2 0 0,0 1 0 0 0,0-1-1 0 0,-1 1 1 0 0,1-1-1 0 0,0 0 1 0 0,-1 0-1 0 0,1 1 1 0 0,-1-1-1 0 0,1 0 1 0 0,-1 0-1 0 0,0 0 1 0 0,0 1-1 0 0,0-1 1 0 0,0 0-1 0 0,0 0 1 0 0,0 0-1 0 0,0 0 1 0 0,-1 1-1 0 0,1-1 1 0 0,-2-3-1 0 0,2 3-1 0 0,-1 0 0 0 0,0 0 0 0 0,1-1 0 0 0,-1 1 0 0 0,0 0 0 0 0,-1 0 0 0 0,1 0 0 0 0,0 0 0 0 0,0 1 0 0 0,-1-1 0 0 0,1 0 0 0 0,-1 0 0 0 0,0 1 0 0 0,1-1 0 0 0,-1 1 0 0 0,0 0 0 0 0,0-1 0 0 0,0 1 0 0 0,-2-1 0 0 0,0 1 0 0 0,1 0 0 0 0,0 0 0 0 0,0 1 0 0 0,0-1 0 0 0,-1 1 0 0 0,1 0 0 0 0,0 0 0 0 0,0 0 0 0 0,-1 0 0 0 0,1 0 0 0 0,0 1 0 0 0,-4 1 0 0 0,-2 0 0 0 0,-1 2 0 0 0,1 0 0 0 0,-1 0 0 0 0,1 0 0 0 0,1 1 0 0 0,-1 1 0 0 0,-13 10 0 0 0,14-9 0 0 0,1 1 0 0 0,-1 0 0 0 0,2 1 0 0 0,-1-1 0 0 0,1 1 0 0 0,0 0 0 0 0,1 1 0 0 0,0-1 0 0 0,1 1 0 0 0,0 0 0 0 0,0 0 0 0 0,1 1 0 0 0,1-1 0 0 0,-3 17 0 0 0,2-5 0 0 0,2 1 0 0 0,0-1 0 0 0,1 1 0 0 0,2-1 0 0 0,7 44 0 0 0,2-25 32 0 0,-10-39-29 0 0,0 1-1 0 0,0-1 1 0 0,1 1-1 0 0,-1-1 1 0 0,0 1-1 0 0,1-1 1 0 0,0 1-1 0 0,-1-1 1 0 0,1 0-1 0 0,0 0 1 0 0,0 0-1 0 0,5 3 0 0 0,-7-5-2 0 0,1 1 0 0 0,0-1 0 0 0,0 0 0 0 0,-1 0 0 0 0,1 0 0 0 0,0 1 0 0 0,0-1 0 0 0,-1 0 0 0 0,1 0 0 0 0,0 0 0 0 0,0 0 0 0 0,-1 0 0 0 0,1-1 0 0 0,0 1 0 0 0,0 0 0 0 0,-1 0 0 0 0,1 0 0 0 0,0-1 0 0 0,0 1 0 0 0,-1 0 0 0 0,1-1 0 0 0,0 1 0 0 0,-1-1 0 0 0,1 1 0 0 0,-1 0 0 0 0,2-2 0 0 0,15-15 0 0 0,-12 11 0 0 0,8-10 0 0 0,-1-1 0 0 0,0 1 0 0 0,-1-2 0 0 0,-1 0 0 0 0,-1 0 0 0 0,0 0 0 0 0,8-29 0 0 0,11-22 0 0 0,4-11 0 0 0,-31 77 0 0 0,-1 2 0 0 0,0 1 0 0 0,0-1 0 0 0,0 1 0 0 0,0-1 0 0 0,0 1 0 0 0,0-1 0 0 0,0 0 0 0 0,0 1 0 0 0,0-1 0 0 0,1 1 0 0 0,-1-1 0 0 0,0 1 0 0 0,0-1 0 0 0,1 1 0 0 0,-1-1 0 0 0,0 1 0 0 0,1 0 0 0 0,-1-1 0 0 0,0 1 0 0 0,1-1 0 0 0,-1 1 0 0 0,2-1 0 0 0,-2 1 0 0 0,-1 0 0 0 0,1 0 0 0 0,0 0 0 0 0,0 0 0 0 0,0 0 0 0 0,0 0 0 0 0,0 0 0 0 0,0 0 0 0 0,0 1 0 0 0,0-1 0 0 0,0 0 0 0 0,0 0 0 0 0,0 0 0 0 0,0 0 0 0 0,0 0 0 0 0,0 0 0 0 0,0 0 0 0 0,0 0 0 0 0,0 0 0 0 0,0 0 0 0 0,0 0 0 0 0,0 0 0 0 0,0 0 0 0 0,0 0 0 0 0,0 0 0 0 0,0 0 0 0 0,0 0 0 0 0,0 1 0 0 0,0-1 0 0 0,0 0 0 0 0,0 0 0 0 0,0 0 0 0 0,0 0 0 0 0,0 0 0 0 0,0 0 0 0 0,0 0 0 0 0,0 0 0 0 0,0 0 0 0 0,0 0 0 0 0,0 0 0 0 0,0 0 0 0 0,1 0 0 0 0,-1 0 0 0 0,0 0 0 0 0,0 0 0 0 0,0 0 0 0 0,0 0 0 0 0,0 0 0 0 0,0 0 0 0 0,0 0 0 0 0,0 0 0 0 0,0 0 0 0 0,0 0 0 0 0,0 0 0 0 0,0 0 0 0 0,0 0 0 0 0,0 0 0 0 0,0 0 0 0 0,0 0 0 0 0,0 0 0 0 0,0 0 0 0 0,1 0 0 0 0,-1 0 0 0 0,0 0 0 0 0,0 0 0 0 0,0 0 0 0 0,0 0 0 0 0,0 0 0 0 0,0 0 0 0 0,0 0 0 0 0,3 17 0 0 0,24 101 0 0 0,-25-111 0 0 0,0 1 0 0 0,1-1 0 0 0,0 0 0 0 0,0 0 0 0 0,0-1 0 0 0,1 1 0 0 0,0-1 0 0 0,0 0 0 0 0,6 7 0 0 0,0-2 0 0 0,0 0 0 0 0,1-1 0 0 0,20 15 0 0 0,-29-24 0 0 0,0 0 0 0 0,0 0 0 0 0,0 0 0 0 0,0 0 0 0 0,0 0 0 0 0,0-1 0 0 0,5 2 0 0 0,9 3 0 0 0,-13-4 0 0 0,-1 0 0 0 0,1 1 0 0 0,-1-1 0 0 0,1 0 0 0 0,0 0 0 0 0,-1 0 0 0 0,1 0 0 0 0,0-1 0 0 0,0 1 0 0 0,0-1 0 0 0,0 0 0 0 0,-1 0 0 0 0,1 0 0 0 0,0 0 0 0 0,0 0 0 0 0,0-1 0 0 0,0 1 0 0 0,-1-1 0 0 0,1 0 0 0 0,0 1 0 0 0,0-1 0 0 0,-1-1 0 0 0,1 1 0 0 0,-1 0 0 0 0,1-1 0 0 0,-1 1 0 0 0,1-1 0 0 0,-1 0 0 0 0,0 1 0 0 0,0-1 0 0 0,4-5 0 0 0,2-2 0 0 0,-1 0 0 0 0,0-1 0 0 0,-1 0 0 0 0,0-1 0 0 0,0 0 0 0 0,5-15 0 0 0,20-72 0 0 0,-23 67 0 0 0,22-53 0 0 0,-29 81 0 0 0,0 1 0 0 0,1-1 0 0 0,-1 1 0 0 0,1 0 0 0 0,-1 0 0 0 0,1 0 0 0 0,0 0 0 0 0,0 0 0 0 0,0 0 0 0 0,0 0 0 0 0,0 0 0 0 0,0 1 0 0 0,5-3 0 0 0,-7 3 0 0 0,1 1 0 0 0,0 0 0 0 0,0 0 0 0 0,0-1 0 0 0,-1 1 0 0 0,1 0 0 0 0,0 0 0 0 0,0 0 0 0 0,0 0 0 0 0,0 0 0 0 0,-1 0 0 0 0,1 0 0 0 0,0 0 0 0 0,0 0 0 0 0,0 1 0 0 0,0-1 0 0 0,-1 0 0 0 0,2 1 0 0 0,-1 0 0 0 0,1-1 0 0 0,-1 1 0 0 0,0 0 0 0 0,0 0 0 0 0,0 0 0 0 0,0 0 0 0 0,0 1 0 0 0,0-1 0 0 0,0 0 0 0 0,-1 0 0 0 0,1 0 0 0 0,0 1 0 0 0,-1-1 0 0 0,1 2 0 0 0,6 18 0 0 0,-2 0 0 0 0,-1 0 0 0 0,0 0 0 0 0,0 37 0 0 0,0-12 0 0 0,-3-41 0 0 0,0 11 0 0 0,1 0 0 0 0,0 0 0 0 0,1 1 0 0 0,1-2 0 0 0,11 30 0 0 0,-14-44 0 0 0,-1-1 0 0 0,0 1 0 0 0,1 0 0 0 0,-1 0 0 0 0,0 0 0 0 0,1-1 0 0 0,-1 1 0 0 0,1 0 0 0 0,0-1 0 0 0,-1 1 0 0 0,1-1 0 0 0,-1 1 0 0 0,1 0 0 0 0,0-1 0 0 0,-1 1 0 0 0,1-1 0 0 0,0 0 0 0 0,0 1 0 0 0,-1-1 0 0 0,1 0 0 0 0,1 1 0 0 0,-1-1 0 0 0,0 0 0 0 0,-1 0 0 0 0,1 0 0 0 0,0-1 0 0 0,0 1 0 0 0,-1 0 0 0 0,1 0 0 0 0,0-1 0 0 0,0 1 0 0 0,-1 0 0 0 0,1-1 0 0 0,0 1 0 0 0,-1-1 0 0 0,1 1 0 0 0,-1-1 0 0 0,1 1 0 0 0,0-1 0 0 0,0 0 0 0 0,3-5 0 0 0,1-1 0 0 0,-2 1 0 0 0,1-1 0 0 0,3-6 0 0 0,-2 2 0 0 0,20-38 0 0 0,-20 37 0 0 0,0 0 0 0 0,1 1 0 0 0,1 0 0 0 0,0 0 0 0 0,0 0 0 0 0,1 1 0 0 0,16-17 0 0 0,-23 27 0 0 0,-1-1 0 0 0,1 1 0 0 0,0-1 0 0 0,-1 1 0 0 0,1-1 0 0 0,0 1 0 0 0,0-1 0 0 0,-1 1 0 0 0,1-1 0 0 0,0 1 0 0 0,0 0 0 0 0,0 0 0 0 0,-1-1 0 0 0,1 1 0 0 0,0 0 0 0 0,0 0 0 0 0,0 0 0 0 0,0 0 0 0 0,0 0 0 0 0,-1 0 0 0 0,1 0 0 0 0,0 0 0 0 0,0 0 0 0 0,1 1 0 0 0,-1-1 0 0 0,0 1 0 0 0,0 0 0 0 0,0 0 0 0 0,0 0 0 0 0,0-1 0 0 0,0 1 0 0 0,0 0 0 0 0,0 0 0 0 0,0 0 0 0 0,0 1 0 0 0,-1-1 0 0 0,1 0 0 0 0,1 2 0 0 0,1 4 0 0 0,-1 0 0 0 0,1 1 0 0 0,2 14 0 0 0,-5-22 0 0 0,7 38 0 0 0,-3-14 0 0 0,1 1 0 0 0,11 28 0 0 0,-16-53 0 0 0,0 1 0 0 0,0-1 0 0 0,0 0 0 0 0,0 1 0 0 0,0-1 0 0 0,0 0 0 0 0,0 1 0 0 0,0-1 0 0 0,0 0 0 0 0,1 0 0 0 0,-1 1 0 0 0,0-1 0 0 0,0 0 0 0 0,0 0 0 0 0,0 1 0 0 0,1-1 0 0 0,-1 0 0 0 0,0 0 0 0 0,0 0 0 0 0,1 1 0 0 0,-1-1 0 0 0,0 0 0 0 0,0 0 0 0 0,1 0 0 0 0,-1 0 0 0 0,0 1 0 0 0,0-1 0 0 0,1 0 0 0 0,4-7 0 0 0,1-21 0 0 0,-5 22 0 0 0,11-42 0 0 0,21-50 0 0 0,-25 79 0 0 0,1-1 0 0 0,1 1 0 0 0,0 1 0 0 0,2 0 0 0 0,14-19 0 0 0,-20 30 0 0 0,1 0 0 0 0,-1 0 0 0 0,1 0 0 0 0,12-8 0 0 0,-18 14 0 0 0,0 0 0 0 0,0 0 0 0 0,0 0 0 0 0,1 0 0 0 0,-1 1 0 0 0,0-1 0 0 0,1 0 0 0 0,-1 1 0 0 0,0-1 0 0 0,1 1 0 0 0,-1-1 0 0 0,1 1 0 0 0,-1 0 0 0 0,1 0 0 0 0,-1 0 0 0 0,1-1 0 0 0,-1 1 0 0 0,1 1 0 0 0,-1-1 0 0 0,0 0 0 0 0,1 0 0 0 0,-1 1 0 0 0,1-1 0 0 0,-1 0 0 0 0,1 1 0 0 0,-1-1 0 0 0,0 1 0 0 0,1 0 0 0 0,-1 0 0 0 0,0-1 0 0 0,0 1 0 0 0,1 0 0 0 0,-1 0 0 0 0,0 0 0 0 0,0 0 0 0 0,0 0 0 0 0,0 0 0 0 0,1 3 0 0 0,2 2 0 0 0,0 1 0 0 0,0 0 0 0 0,-1 0 0 0 0,0 1 0 0 0,0-1 0 0 0,-1 1 0 0 0,1-1 0 0 0,0 12 0 0 0,0 7 0 0 0,0 33 0 0 0,-4-44 0 0 0,1 0 0 0 0,1 1 0 0 0,1-1 0 0 0,0 0 0 0 0,1 0 0 0 0,9 26 0 0 0,-11-37 0 0 0,2 0 0 0 0,-1 0 0 0 0,0 0 0 0 0,1 0 0 0 0,0-1 0 0 0,0 1 0 0 0,0-1 0 0 0,0 0 0 0 0,1 0 0 0 0,-1 0 0 0 0,1 0 0 0 0,0-1 0 0 0,-1 1 0 0 0,1-1 0 0 0,0 0 0 0 0,1 0 0 0 0,-1-1 0 0 0,0 1 0 0 0,0-1 0 0 0,1 0 0 0 0,-1 0 0 0 0,1 0 0 0 0,-1-1 0 0 0,9 1 0 0 0,0-1 0 0 0,0-1 0 0 0,-1 0 0 0 0,1 0 0 0 0,-1-2 0 0 0,1 1 0 0 0,-1-2 0 0 0,21-8 0 0 0,-18 6 0 0 0,-1-2 0 0 0,-1 1 0 0 0,1-2 0 0 0,-1 0 0 0 0,21-20 0 0 0,-15 11 0 0 0,-2 0 0 0 0,29-40 0 0 0,-40 49 0 0 0,-1 0 0 0 0,1 0 0 0 0,-2-1 0 0 0,0 0 0 0 0,0 1 0 0 0,-1-1 0 0 0,0-1 0 0 0,0 1 0 0 0,-1 0 0 0 0,-1-1 0 0 0,0 1 0 0 0,0-1 0 0 0,-1 1 0 0 0,0-1 0 0 0,-1 1 0 0 0,0-1 0 0 0,-1 1 0 0 0,0-1 0 0 0,-6-17 0 0 0,8 27 0 0 0,-1-1 0 0 0,1 1 0 0 0,-1-1 0 0 0,1 1 0 0 0,-1 0 0 0 0,0 0 0 0 0,1-1 0 0 0,-1 1 0 0 0,0 0 0 0 0,0 0 0 0 0,0 0 0 0 0,0-1 0 0 0,0 1 0 0 0,0 0 0 0 0,0 1 0 0 0,0-1 0 0 0,-1 0 0 0 0,1 0 0 0 0,0 0 0 0 0,0 1 0 0 0,-3-2 0 0 0,2 2 0 0 0,0 0 0 0 0,0 0 0 0 0,0-1 0 0 0,0 2 0 0 0,0-1 0 0 0,0 0 0 0 0,0 0 0 0 0,1 1 0 0 0,-1-1 0 0 0,0 1 0 0 0,0-1 0 0 0,0 1 0 0 0,0 0 0 0 0,-1 1 0 0 0,-6 3 0 0 0,0 0 0 0 0,1 1 0 0 0,0 0 0 0 0,-14 15 0 0 0,17-17 0 0 0,0 1 0 0 0,1 1 0 0 0,-1-1 0 0 0,1 1 0 0 0,0 0 0 0 0,0 0 0 0 0,0 0 0 0 0,1 0 0 0 0,0 1 0 0 0,1-1 0 0 0,-1 1 0 0 0,1 0 0 0 0,0 0 0 0 0,1 0 0 0 0,0 0 0 0 0,0 0 0 0 0,0 0 0 0 0,1 0 0 0 0,0 0 0 0 0,1 0 0 0 0,-1 0 0 0 0,3 10 0 0 0,1-4 5 0 0,-1-1 0 0 0,2 0 0 0 0,0 0 0 0 0,0 0 0 0 0,1 0 0 0 0,0-1 0 0 0,1 0 0 0 0,0 0 0 0 0,13 14 0 0 0,-6-10-2 0 0,1 0-1 0 0,0 0 0 0 0,1-2 1 0 0,1 0-1 0 0,20 12 0 0 0,-30-20-2 0 0,0-1 0 0 0,1 0 0 0 0,0-1 0 0 0,-1 0 0 0 0,1 0 0 0 0,0-1 0 0 0,0 0 0 0 0,0 0 0 0 0,1-1 0 0 0,-1 0 0 0 0,0 0 0 0 0,1-1 0 0 0,-1 0 0 0 0,14-2 0 0 0,-5-2 0 0 0</inkml:trace>
+</inkml:ink>
+</file>
+
+<file path=ppt/ink/ink18.xml><?xml version="1.0" encoding="utf-8"?>
+<inkml:ink xmlns:inkml="http://www.w3.org/2003/InkML">
+  <inkml:definitions>
+    <inkml:context xml:id="ctx0">
+      <inkml:inkSource xml:id="inkSrc0">
+        <inkml:traceFormat>
+          <inkml:channel name="X" type="integer" min="-2.14748E9" max="2.14748E9" units="cm"/>
+          <inkml:channel name="Y" type="integer" min="-2.14748E9" max="2.14748E9" units="cm"/>
+          <inkml:channel name="F" type="integer" max="32767" units="dev"/>
+          <inkml:channel name="OA" type="integer" max="360" units="deg"/>
+          <inkml:channel name="OE" type="integer" max="90" units="deg"/>
+        </inkml:traceFormat>
+        <inkml:channelProperties>
+          <inkml:channelProperty channel="X" name="resolution" value="1000" units="1/cm"/>
+          <inkml:channelProperty channel="Y" name="resolution" value="1000" units="1/cm"/>
+          <inkml:channelProperty channel="F" name="resolution" value="0" units="1/dev"/>
+          <inkml:channelProperty channel="OA" name="resolution" value="1000" units="1/deg"/>
+          <inkml:channelProperty channel="OE" name="resolution" value="1000" units="1/deg"/>
+        </inkml:channelProperties>
+      </inkml:inkSource>
+      <inkml:timestamp xml:id="ts0" timeString="2024-11-03T00:06:26.990"/>
+    </inkml:context>
+    <inkml:brush xml:id="br0">
+      <inkml:brushProperty name="width" value="0.2" units="cm"/>
+      <inkml:brushProperty name="height" value="0.2" units="cm"/>
+      <inkml:brushProperty name="color" value="#004F8B"/>
+    </inkml:brush>
+  </inkml:definitions>
+  <inkml:trace contextRef="#ctx0" brushRef="#br0">96 125 79 0 0,'24'-11'11'0'0,"-27"7"32"0"0,2 2-43 0 0,-1-1 1 0 0,1 1-1 0 0,-1 0 1 0 0,0 0-1 0 0,0-1 1 0 0,0 1 0 0 0,0 0-1 0 0,0 1 1 0 0,0-1-1 0 0,-1 0 1 0 0,1 1-1 0 0,0-1 1 0 0,-1 1-1 0 0,1 0 1 0 0,-1 0-1 0 0,0 0 1 0 0,1 0-1 0 0,-1 0 1 0 0,-3 0-1 0 0,2 0 0 0 0,1 1 0 0 0,-1 0 0 0 0,0 0 0 0 0,1 1 0 0 0,-1-1 0 0 0,1 1 0 0 0,-1 0 0 0 0,1 0 0 0 0,-1 0 0 0 0,1 0 0 0 0,0 0 0 0 0,-7 4 0 0 0,9-4 0 0 0,0 0 0 0 0,0 0 0 0 0,-1-1 0 0 0,1 1 0 0 0,0 0 0 0 0,0 0 0 0 0,0 1 0 0 0,0-1 0 0 0,0 0 0 0 0,0 0 0 0 0,1 0 0 0 0,-1 1 0 0 0,0-1 0 0 0,0 0 0 0 0,1 1 0 0 0,-1-1 0 0 0,1 1 0 0 0,0-1 0 0 0,-1 1 0 0 0,1-1 0 0 0,0 1 0 0 0,0-1 0 0 0,0 1 0 0 0,0-1 0 0 0,0 1 0 0 0,0-1 0 0 0,0 1 0 0 0,0-1 0 0 0,1 1 0 0 0,-1-1 0 0 0,0 0 0 0 0,1 1 0 0 0,1 2 0 0 0,2 5 7 0 0,0-1-1 0 0,1 0 1 0 0,-1 0-1 0 0,9 10 0 0 0,-12-17-4 0 0,0 1-1 0 0,1 0 0 0 0,-1-1 0 0 0,0 1 0 0 0,1-1 1 0 0,-1 1-1 0 0,1-1 0 0 0,0 0 0 0 0,-1 0 0 0 0,1 0 1 0 0,0 0-1 0 0,0 0 0 0 0,0 0 0 0 0,0 0 0 0 0,0 0 0 0 0,0-1 1 0 0,0 1-1 0 0,0-1 0 0 0,0 0 0 0 0,0 1 0 0 0,0-1 1 0 0,0 0-1 0 0,0 0 0 0 0,0 0 0 0 0,0-1 0 0 0,4 0 0 0 0,-4 0 2 0 0,0 0-1 0 0,0 0 0 0 0,0-1 1 0 0,0 1-1 0 0,0-1 0 0 0,0 1 0 0 0,0-1 1 0 0,-1 0-1 0 0,1 0 0 0 0,-1 0 1 0 0,1 0-1 0 0,-1 0 0 0 0,3-4 0 0 0,-1-1 9 0 0,1-1 0 0 0,4-14-1 0 0,-6 13-10 0 0,1 0 0 0 0,-2 0 0 0 0,1 0 0 0 0,-1 0 0 0 0,-1 0 0 0 0,0 0 0 0 0,0-1 0 0 0,0 1 0 0 0,-1 0 0 0 0,-3-12 0 0 0,3 19 0 0 0,1 0 0 0 0,-1 1 0 0 0,1-1 0 0 0,-1 1 0 0 0,0-1 0 0 0,1 0 0 0 0,-1 1 0 0 0,0 0 0 0 0,0-1 0 0 0,0 1 0 0 0,0-1 0 0 0,0 1 0 0 0,0 0 0 0 0,-1 0 0 0 0,1 0 0 0 0,0 0 0 0 0,-1 0 0 0 0,1 0 0 0 0,-3-2 0 0 0,3 3 0 0 0,0 0 0 0 0,0 0 0 0 0,0 0 0 0 0,0 0 0 0 0,0 0 0 0 0,0 0 0 0 0,0 0 0 0 0,0 0 0 0 0,0 0 0 0 0,0 0 0 0 0,0 1 0 0 0,0-1 0 0 0,0 0 0 0 0,0 1 0 0 0,0-1 0 0 0,0 0 0 0 0,0 1 0 0 0,0 0 0 0 0,0-1 0 0 0,0 1 0 0 0,1-1 0 0 0,-1 1 0 0 0,0 0 0 0 0,1 0 0 0 0,-1-1 0 0 0,0 1 0 0 0,1 0 0 0 0,-1 0 0 0 0,1 0 0 0 0,-1 0 0 0 0,0 1 0 0 0,-50 78 0 0 0,42-69 0 0 0</inkml:trace>
+</inkml:ink>
+</file>
+
+<file path=ppt/ink/ink19.xml><?xml version="1.0" encoding="utf-8"?>
+<inkml:ink xmlns:inkml="http://www.w3.org/2003/InkML">
+  <inkml:definitions>
+    <inkml:context xml:id="ctx0">
+      <inkml:inkSource xml:id="inkSrc0">
+        <inkml:traceFormat>
+          <inkml:channel name="X" type="integer" min="-2.14748E9" max="2.14748E9" units="cm"/>
+          <inkml:channel name="Y" type="integer" min="-2.14748E9" max="2.14748E9" units="cm"/>
+          <inkml:channel name="F" type="integer" max="32767" units="dev"/>
+          <inkml:channel name="OA" type="integer" max="360" units="deg"/>
+          <inkml:channel name="OE" type="integer" max="90" units="deg"/>
+        </inkml:traceFormat>
+        <inkml:channelProperties>
+          <inkml:channelProperty channel="X" name="resolution" value="1000" units="1/cm"/>
+          <inkml:channelProperty channel="Y" name="resolution" value="1000" units="1/cm"/>
+          <inkml:channelProperty channel="F" name="resolution" value="0" units="1/dev"/>
+          <inkml:channelProperty channel="OA" name="resolution" value="1000" units="1/deg"/>
+          <inkml:channelProperty channel="OE" name="resolution" value="1000" units="1/deg"/>
+        </inkml:channelProperties>
+      </inkml:inkSource>
+      <inkml:timestamp xml:id="ts0" timeString="2024-11-03T00:06:27.460"/>
+    </inkml:context>
+    <inkml:brush xml:id="br0">
+      <inkml:brushProperty name="width" value="0.2" units="cm"/>
+      <inkml:brushProperty name="height" value="0.2" units="cm"/>
+      <inkml:brushProperty name="color" value="#004F8B"/>
+    </inkml:brush>
+  </inkml:definitions>
+  <inkml:trace contextRef="#ctx0" brushRef="#br0">75 177 55 0 0,'2'-1'2'0'0,"0"1"0"0"0,0-1 0 0 0,1 0-1 0 0,-1 0 1 0 0,0 0 0 0 0,0-1 0 0 0,0 1-1 0 0,0 0 1 0 0,0-1 0 0 0,0 1 0 0 0,-1-1-1 0 0,1 0 1 0 0,0 1 0 0 0,-1-1-1 0 0,0 0 1 0 0,1 0 0 0 0,-1 0 0 0 0,0 0-1 0 0,0 0 1 0 0,0-1 0 0 0,0 1 0 0 0,0 0-1 0 0,0 0 1 0 0,-1-1 0 0 0,1 1-1 0 0,-1 0 1 0 0,0-1 0 0 0,1 1 0 0 0,-1-1-1 0 0,0 1 1 0 0,-1 0 0 0 0,1-1 0 0 0,0 1-1 0 0,-1 0 1 0 0,1-1 0 0 0,-2-3-1 0 0,2 6-1 0 0,-1 0 0 0 0,1-1 0 0 0,0 1 0 0 0,0 0 0 0 0,-1 0 0 0 0,1 0 0 0 0,0 0 0 0 0,0 0 0 0 0,-1 0 0 0 0,1 0 0 0 0,0 0 0 0 0,0 0 0 0 0,-1-1 0 0 0,1 1 0 0 0,0 0 0 0 0,0 0 0 0 0,-1 1 0 0 0,1-1 0 0 0,0 0 0 0 0,-1 0 0 0 0,1 0 0 0 0,0 0 0 0 0,0 0 0 0 0,-1 0 0 0 0,1 0 0 0 0,0 0 0 0 0,-1 1 0 0 0,1-1 0 0 0,-1 0 0 0 0,1 0 0 0 0,-1 0 0 0 0,0 0 0 0 0,1 1 0 0 0,-1-1 0 0 0,1 0 0 0 0,-1 0 0 0 0,1 0 0 0 0,-1 0 0 0 0,0 0 0 0 0,1-1 0 0 0,-1 1 0 0 0,1 0 0 0 0,-1 0 0 0 0,1 0 0 0 0,-1 0 0 0 0,1-1 0 0 0,-1 1 0 0 0,1 0 0 0 0,-2-1 0 0 0,1-1 0 0 0,0 2 0 0 0,1-1 0 0 0,0 1 0 0 0,0-1 0 0 0,0 1 0 0 0,0 0 0 0 0,-1-1 0 0 0,1 1 0 0 0,0 0 0 0 0,-1-1 0 0 0,1 1 0 0 0,0 0 0 0 0,0-1 0 0 0,-1 1 0 0 0,1 0 0 0 0,-1 0 0 0 0,1-1 0 0 0,0 1 0 0 0,-1 0 0 0 0,1 0 0 0 0,0 0 0 0 0,-1-1 0 0 0,1 1 0 0 0,-1 0 0 0 0,1 0 0 0 0,-1 0 0 0 0,1 0 0 0 0,0 0 0 0 0,-1 0 0 0 0,1 0 0 0 0,-1 0 0 0 0,1 0 0 0 0,-1 0 0 0 0,1 0 0 0 0,0 0 0 0 0,-1 0 0 0 0,1 0 0 0 0,-1 1 0 0 0,1-1 0 0 0,-1 0 0 0 0,1 0 0 0 0,0 0 0 0 0,-1 1 0 0 0,1-1 0 0 0,0 0 0 0 0,-1 1 0 0 0,0-1 0 0 0,1 1 0 0 0,-1-1 0 0 0,0 0 0 0 0,0 0 0 0 0,0 0 0 0 0,0 0 0 0 0,0 0 0 0 0,0-1 0 0 0,0 1 0 0 0,0 0 0 0 0,0 0 0 0 0,0-1 0 0 0,0 1 0 0 0,0 0 0 0 0,0-1 0 0 0,0 1 0 0 0,0-1 0 0 0,1 1 0 0 0,-1-1 0 0 0,0 1 0 0 0,0-1 0 0 0,1 0 0 0 0,-2-1 0 0 0,0 1 0 0 0,1 0 0 0 0,-1 0 0 0 0,1 0 0 0 0,-1 0 0 0 0,0 0 0 0 0,0 0 0 0 0,-3-1 0 0 0,4 2 0 0 0,-1 0 0 0 0,1 0 0 0 0,0 0 0 0 0,0 0 0 0 0,-1 0 0 0 0,1 1-1 0 0,0-1 1 0 0,0 0 0 0 0,0 1 0 0 0,-1-1 0 0 0,1 0 0 0 0,0 1 0 0 0,0 0-1 0 0,0-1 1 0 0,0 1 0 0 0,0 0 0 0 0,0-1 0 0 0,0 1 0 0 0,0 0 0 0 0,0 0-1 0 0,0 0 1 0 0,1 0 0 0 0,-1 0 0 0 0,0 0 0 0 0,0 0 0 0 0,1 0 0 0 0,-1 0-1 0 0,1 0 1 0 0,-1 0 0 0 0,1 1 0 0 0,-1-1 0 0 0,1 0 0 0 0,0 0 0 0 0,0 0-1 0 0,-1 2 1 0 0,1 1 7 0 0,-1 0-1 0 0,1 1 1 0 0,-1-1-1 0 0,1 0 1 0 0,1 1-1 0 0,-1-1 1 0 0,0 0-1 0 0,1 0 1 0 0,1 5-1 0 0,-2-8-4 0 0,5 14 34 0 0,13 26 0 0 0,-16-37-32 0 0,-1-1 1 0 0,1 0 0 0 0,0 1-1 0 0,1-1 1 0 0,-1 0-1 0 0,1 0 1 0 0,-1 0-1 0 0,1 0 1 0 0,0-1 0 0 0,0 1-1 0 0,0-1 1 0 0,0 0-1 0 0,5 3 1 0 0,-7-5-5 0 0,-1 0 1 0 0,1 1-1 0 0,0-1 1 0 0,-1 0-1 0 0,1 0 0 0 0,0 0 1 0 0,-1 0-1 0 0,1 0 1 0 0,0 0-1 0 0,-1 0 0 0 0,1 0 1 0 0,0 0-1 0 0,0 0 1 0 0,-1 0-1 0 0,1 0 1 0 0,0 0-1 0 0,-1-1 0 0 0,1 1 1 0 0,0 0-1 0 0,-1 0 1 0 0,1-1-1 0 0,0 1 0 0 0,0-1 1 0 0,0 0-1 0 0,1 0 0 0 0,-1-1 0 0 0,0 1 1 0 0,0-1-1 0 0,0 1 0 0 0,0-1 0 0 0,0 1 0 0 0,2-4 0 0 0,-1 1 0 0 0,0-1 0 0 0,-1 1 0 0 0,0-1 0 0 0,1 1 0 0 0,-1-1 0 0 0,-1 1 0 0 0,1-6-1 0 0,-1-6 1 0 0,-1 0 0 0 0,0 0 0 0 0,-1 0 0 0 0,-1 0 0 0 0,-1 0 0 0 0,0 1 0 0 0,-1 0 0 0 0,-1 0 0 0 0,-11-22 0 0 0,8 22 0 0 0</inkml:trace>
+</inkml:ink>
+</file>
+
+<file path=ppt/ink/ink2.xml><?xml version="1.0" encoding="utf-8"?>
+<inkml:ink xmlns:inkml="http://www.w3.org/2003/InkML">
+  <inkml:definitions>
+    <inkml:context xml:id="ctx0">
+      <inkml:inkSource xml:id="inkSrc0">
+        <inkml:traceFormat>
+          <inkml:channel name="X" type="integer" min="-2.14748E9" max="2.14748E9" units="cm"/>
+          <inkml:channel name="Y" type="integer" min="-2.14748E9" max="2.14748E9" units="cm"/>
+          <inkml:channel name="F" type="integer" max="32767" units="dev"/>
+          <inkml:channel name="OA" type="integer" max="360" units="deg"/>
+          <inkml:channel name="OE" type="integer" max="90" units="deg"/>
+        </inkml:traceFormat>
+        <inkml:channelProperties>
+          <inkml:channelProperty channel="X" name="resolution" value="1000" units="1/cm"/>
+          <inkml:channelProperty channel="Y" name="resolution" value="1000" units="1/cm"/>
+          <inkml:channelProperty channel="F" name="resolution" value="0" units="1/dev"/>
+          <inkml:channelProperty channel="OA" name="resolution" value="1000" units="1/deg"/>
+          <inkml:channelProperty channel="OE" name="resolution" value="1000" units="1/deg"/>
+        </inkml:channelProperties>
+      </inkml:inkSource>
+      <inkml:timestamp xml:id="ts0" timeString="2024-11-03T00:06:14.512"/>
+    </inkml:context>
+    <inkml:brush xml:id="br0">
+      <inkml:brushProperty name="width" value="0.2" units="cm"/>
+      <inkml:brushProperty name="height" value="0.2" units="cm"/>
+      <inkml:brushProperty name="color" value="#004F8B"/>
+    </inkml:brush>
+  </inkml:definitions>
+  <inkml:trace contextRef="#ctx0" brushRef="#br0">513 1162 24 0 0,'26'15'-1'0'0,"-14"-7"1"0"0,0-1 0 0 0,1 0 0 0 0,0-1 1 0 0,16 6-1 0 0,-27-12 0 0 0,0 0 0 0 0,0 0 0 0 0,0 0 0 0 0,0 0 0 0 0,0 0 0 0 0,0 0 0 0 0,-1-1 0 0 0,1 1 0 0 0,0-1 0 0 0,0 1 0 0 0,0-1 0 0 0,0 0 0 0 0,0 1 0 0 0,-1-1 0 0 0,1 0 0 0 0,0 0 0 0 0,-1 0 0 0 0,4-3 0 0 0,-3 2 0 0 0,0 1 0 0 0,0-1 0 0 0,1 1 0 0 0,-1 0 0 0 0,1 0 0 0 0,-1 0 0 0 0,1 0 0 0 0,3-1 0 0 0,0 1 2 0 0,-1-1 1 0 0,0 1 0 0 0,0-1 0 0 0,0 0 0 0 0,0 0 0 0 0,0-1 0 0 0,0 1 0 0 0,0-1 0 0 0,4-4 0 0 0,39-33 31 0 0,-43 35-34 0 0,15-14 0 0 0,32-37 0 0 0,-45 47 0 0 0,-1 0 0 0 0,0 0 0 0 0,-1-1 0 0 0,0 0 0 0 0,0 0 0 0 0,-1 0 0 0 0,5-16 0 0 0,-4 4 0 0 0,-1-1 0 0 0,-1 1 0 0 0,-1-1 0 0 0,-1 0 0 0 0,-1 0 0 0 0,0 0 0 0 0,-7-35 0 0 0,1 26 0 0 0,-2 1 0 0 0,0 0 0 0 0,-3 1 0 0 0,-25-55 0 0 0,35 85 0 0 0,-18-42 0 0 0,-3 2 0 0 0,-48-67 0 0 0,35 60 0 0 0,18 23 0 0 0,-22-24 0 0 0,30 40 0 0 0,0 0 0 0 0,-19-13 0 0 0,17 13 0 0 0,0 0 0 0 0,-10-10 0 0 0,-11-17 0 0 0,25 26 0 0 0,-1 0 0 0 0,0 0 0 0 0,-1 1 0 0 0,1 0 0 0 0,-2 0 0 0 0,1 1 0 0 0,-1 0 0 0 0,-18-9 0 0 0,15 11 0 0 0,1 1 0 0 0,-1 0 0 0 0,1 1 0 0 0,-1 0 0 0 0,0 1 0 0 0,0 1 0 0 0,-14-1 0 0 0,-2 6 25 0 0,25-3-20 0 0,0 0 0 0 0,-1 0 0 0 0,1 0 0 0 0,-1-1 0 0 0,1 0 0 0 0,-1 0 0 0 0,-4-1-1 0 0,-19 2-4 0 0,25-1 0 0 0,-1 1 0 0 0,1-1 0 0 0,0 0 0 0 0,-1 0 0 0 0,1 0 0 0 0,0 0 0 0 0,-1-1 0 0 0,1 1 0 0 0,-7-3 0 0 0,3 0 0 0 0,-22-7 0 0 0,28 9 0 0 0,0 1 0 0 0,-1 0 0 0 0,1 0 0 0 0,-1 0 0 0 0,1 0 0 0 0,0 0 0 0 0,-1 0 0 0 0,1 0 0 0 0,-1 0 0 0 0,1 0 0 0 0,0 1 0 0 0,-1-1 0 0 0,1 1 0 0 0,0-1 0 0 0,-1 1 0 0 0,1-1 0 0 0,0 1 0 0 0,-2 1 0 0 0,2-1 0 0 0,-1 0 0 0 0,1 0 0 0 0,-1 1 0 0 0,1-1 0 0 0,-1 0 0 0 0,0 0 0 0 0,0 0 0 0 0,1 0 0 0 0,-1 0 0 0 0,0 0 0 0 0,0 0 0 0 0,0-1 0 0 0,0 1 0 0 0,0-1 0 0 0,-4 1 0 0 0,6-1 0 0 0,-1 0 0 0 0,0 0 0 0 0,0 1 0 0 0,0-1 0 0 0,1 0 0 0 0,-1 1 0 0 0,0-1 0 0 0,0 1 0 0 0,1-1 0 0 0,-1 1 0 0 0,0-1 0 0 0,1 1 0 0 0,-1-1 0 0 0,0 1 0 0 0,1 0 0 0 0,-1-1 0 0 0,1 1 0 0 0,-1 0 0 0 0,1-1 0 0 0,-1 1 0 0 0,1 0 0 0 0,-1 1 0 0 0,1-2 0 0 0,0 1 0 0 0,-1 0 0 0 0,1 0 0 0 0,-1-1 0 0 0,1 1 0 0 0,-1 0 0 0 0,1-1 0 0 0,-1 1 0 0 0,1 0 0 0 0,-1-1 0 0 0,0 1 0 0 0,1-1 0 0 0,-1 1 0 0 0,0-1 0 0 0,1 1 0 0 0,-1-1 0 0 0,0 1 0 0 0,0-1 0 0 0,0 0 0 0 0,1 1 0 0 0,-2-1 0 0 0,1 0 0 0 0,0 1 0 0 0,0-1 0 0 0,0 1 0 0 0,0-1 0 0 0,0 1 0 0 0,0-1 0 0 0,0 1 0 0 0,0-1 0 0 0,0 1 0 0 0,0 0 0 0 0,1 0 0 0 0,-1-1 0 0 0,0 1 0 0 0,0 0 0 0 0,1 0 0 0 0,-1 0 0 0 0,1 0 0 0 0,-1 0 0 0 0,0 0 0 0 0,1 0 0 0 0,-1 1 0 0 0,-8 26 0 0 0,6-16 0 0 0,-4 6-7 0 0,5-13 16 0 0,0 0 0 0 0,0 1 0 0 0,1-1 0 0 0,-1 1 0 0 0,1-1 0 0 0,1 1 0 0 0,-1 5-1 0 0,1 14-8 0 0,1 0 0 0 0,2 0 0 0 0,9 45 0 0 0,2-12 0 0 0,12 110 0 0 0,-25-142 0 0 0,2-1 0 0 0,1 1 0 0 0,1-1 0 0 0,1 0 0 0 0,17 44 0 0 0,73 108 0 0 0,-47-92 0 0 0,-44-76 0 0 0,-2-3 0 0 0,0 0 0 0 0,0-1 0 0 0,1 1 0 0 0,6 6 0 0 0,-8-10 0 0 0,-1-1 0 0 0,1 1 0 0 0,0-1 0 0 0,0 0 0 0 0,0 1 0 0 0,0-1 0 0 0,0 0 0 0 0,0 0 0 0 0,0-1 0 0 0,0 1 0 0 0,0 0 0 0 0,0-1 0 0 0,0 1 0 0 0,0-1 0 0 0,1 0 0 0 0,-1 0 0 0 0,2 1 0 0 0,4-1 0 0 0,-1 1 0 0 0,0 0 0 0 0,0 0 0 0 0,0 0 0 0 0,0 1 0 0 0,0 1 0 0 0,-1-1 0 0 0,12 6 0 0 0,3 4 0 0 0,24 17 0 0 0,-25-15 0 0 0,-21-14 0 0 0,1 0 0 0 0,0-1 0 0 0,0 1 0 0 0,0 0 0 0 0,0 0 0 0 0,0 0 0 0 0,0 0 0 0 0,0 0 0 0 0,0 0 0 0 0,0 0 0 0 0,0-1 0 0 0,0 1 0 0 0,0 0 0 0 0,0 0 0 0 0,0 0 0 0 0,0 0 0 0 0,0 0 0 0 0,0 0 0 0 0,0 0 0 0 0,0-1 0 0 0,1 1 0 0 0,-1 0 0 0 0,0 0 0 0 0,0 0 0 0 0,0 0 0 0 0,0 0 0 0 0,0 0 0 0 0,0 0 0 0 0,0 0 0 0 0,0 0 0 0 0,0-1 0 0 0,0 1 0 0 0,0 0 0 0 0,1 0 0 0 0,-1 0 0 0 0,0 0 0 0 0,0 0 0 0 0,0 0 0 0 0,0 0 0 0 0,0 0 0 0 0,0 0 0 0 0,0 0 0 0 0,1 0 0 0 0,-1 0 0 0 0,0 0 0 0 0,0 0 0 0 0,0 0 0 0 0,0 0 0 0 0,0 0 0 0 0,0 0 0 0 0,0 0 0 0 0,1 0 0 0 0,-1 0 0 0 0,0 0 0 0 0,0 0 0 0 0,0 0 0 0 0,0 0 0 0 0,-1 0 0 0 0</inkml:trace>
+</inkml:ink>
+</file>
+
+<file path=ppt/ink/ink20.xml><?xml version="1.0" encoding="utf-8"?>
+<inkml:ink xmlns:inkml="http://www.w3.org/2003/InkML">
+  <inkml:definitions>
+    <inkml:context xml:id="ctx0">
+      <inkml:inkSource xml:id="inkSrc0">
+        <inkml:traceFormat>
+          <inkml:channel name="X" type="integer" min="-2.14748E9" max="2.14748E9" units="cm"/>
+          <inkml:channel name="Y" type="integer" min="-2.14748E9" max="2.14748E9" units="cm"/>
+          <inkml:channel name="F" type="integer" max="32767" units="dev"/>
+          <inkml:channel name="OA" type="integer" max="360" units="deg"/>
+          <inkml:channel name="OE" type="integer" max="90" units="deg"/>
+        </inkml:traceFormat>
+        <inkml:channelProperties>
+          <inkml:channelProperty channel="X" name="resolution" value="1000" units="1/cm"/>
+          <inkml:channelProperty channel="Y" name="resolution" value="1000" units="1/cm"/>
+          <inkml:channelProperty channel="F" name="resolution" value="0" units="1/dev"/>
+          <inkml:channelProperty channel="OA" name="resolution" value="1000" units="1/deg"/>
+          <inkml:channelProperty channel="OE" name="resolution" value="1000" units="1/deg"/>
+        </inkml:channelProperties>
+      </inkml:inkSource>
+      <inkml:timestamp xml:id="ts0" timeString="2024-11-03T00:06:27.900"/>
+    </inkml:context>
+    <inkml:brush xml:id="br0">
+      <inkml:brushProperty name="width" value="0.2" units="cm"/>
+      <inkml:brushProperty name="height" value="0.2" units="cm"/>
+      <inkml:brushProperty name="color" value="#004F8B"/>
+    </inkml:brush>
+  </inkml:definitions>
+  <inkml:trace contextRef="#ctx0" brushRef="#br0">0 35 55 0 0,'1'0'1'0'0,"-1"0"-1"0"0,1-1 1 0 0,0 1-1 0 0,-1-1 1 0 0,1 1-1 0 0,-1-1 1 0 0,0 0-1 0 0,1 1 1 0 0,-1-1-1 0 0,1 1 1 0 0,-1-1-1 0 0,0 0 1 0 0,1 1-1 0 0,-1-1 1 0 0,0 0-1 0 0,0 0 1 0 0,0 1-1 0 0,1-1 1 0 0,-1 0-1 0 0,0 1 1 0 0,0-2-1 0 0,5 1 53 0 0,2 1-40 0 0,0 0 0 0 0,1 1 0 0 0,-1-1 0 0 0,9 3-1 0 0,0 0 9 0 0,0-2-1 0 0,0 0 1 0 0,0 0-1 0 0,0-2 1 0 0,22-2-1 0 0,-21 1-15 0 0,-1 0 11 0 0,26-7 0 0 0,-26 5 0 0 0,29-3 0 0 0,-26 6-16 0 0,-1 0 0 0 0,0 1 0 0 0,27 5 0 0 0,-38-4 0 0 0,0 0 0 0 0,0 1 0 0 0,0 0 0 0 0,0 0 0 0 0,-1 0 0 0 0,1 1 0 0 0,-1 0 0 0 0,1 1 0 0 0,-1-1 0 0 0,0 1 0 0 0,-1 1 0 0 0,8 5 0 0 0,-12-9 0 0 0,0 0 0 0 0,0 0 0 0 0,0 0 0 0 0,-1 0 0 0 0,1 0 0 0 0,0 0 0 0 0,0 1 0 0 0,-1-1 0 0 0,1 0 0 0 0,0 0 0 0 0,-1 1 0 0 0,0-1 0 0 0,1 0 0 0 0,-1 1 0 0 0,0-1 0 0 0,1 1 0 0 0,-1-1 0 0 0,0 0 0 0 0,0 1 0 0 0,0-1 0 0 0,-1 2 0 0 0,-2 1 0 0 0</inkml:trace>
+</inkml:ink>
+</file>
+
+<file path=ppt/ink/ink21.xml><?xml version="1.0" encoding="utf-8"?>
+<inkml:ink xmlns:inkml="http://www.w3.org/2003/InkML">
+  <inkml:definitions>
+    <inkml:context xml:id="ctx0">
+      <inkml:inkSource xml:id="inkSrc0">
+        <inkml:traceFormat>
+          <inkml:channel name="X" type="integer" min="-2.14748E9" max="2.14748E9" units="cm"/>
+          <inkml:channel name="Y" type="integer" min="-2.14748E9" max="2.14748E9" units="cm"/>
+          <inkml:channel name="F" type="integer" max="32767" units="dev"/>
+          <inkml:channel name="OA" type="integer" max="360" units="deg"/>
+          <inkml:channel name="OE" type="integer" max="90" units="deg"/>
+        </inkml:traceFormat>
+        <inkml:channelProperties>
+          <inkml:channelProperty channel="X" name="resolution" value="1000" units="1/cm"/>
+          <inkml:channelProperty channel="Y" name="resolution" value="1000" units="1/cm"/>
+          <inkml:channelProperty channel="F" name="resolution" value="0" units="1/dev"/>
+          <inkml:channelProperty channel="OA" name="resolution" value="1000" units="1/deg"/>
+          <inkml:channelProperty channel="OE" name="resolution" value="1000" units="1/deg"/>
+        </inkml:channelProperties>
+      </inkml:inkSource>
+      <inkml:timestamp xml:id="ts0" timeString="2024-11-03T00:06:28.261"/>
+    </inkml:context>
+    <inkml:brush xml:id="br0">
+      <inkml:brushProperty name="width" value="0.2" units="cm"/>
+      <inkml:brushProperty name="height" value="0.2" units="cm"/>
+      <inkml:brushProperty name="color" value="#004F8B"/>
+    </inkml:brush>
+  </inkml:definitions>
+  <inkml:trace contextRef="#ctx0" brushRef="#br0">0 37 24 0 0,'2'1'3'0'0,"-1"1"0"0"0,1-1 0 0 0,0 1 0 0 0,-1-1 0 0 0,1 0 0 0 0,0 0 0 0 0,0 0 0 0 0,0 0 0 0 0,0 0 0 0 0,0 0 0 0 0,0 0 0 0 0,0 0 0 0 0,0-1 0 0 0,0 1 0 0 0,1-1 0 0 0,-1 0 0 0 0,0 0 0 0 0,0 0 1 0 0,0 0-1 0 0,1 0 0 0 0,-1 0 0 0 0,0 0 0 0 0,4-2 0 0 0,94-29 238 0 0,-1 14-106 0 0,-86 16-132 0 0,0 0-1 0 0,1 1 0 0 0,-1 0 1 0 0,0 2-1 0 0,20 3 0 0 0,-7 4-2 0 0,-3 5 0 0 0</inkml:trace>
+</inkml:ink>
+</file>
+
+<file path=ppt/ink/ink22.xml><?xml version="1.0" encoding="utf-8"?>
+<inkml:ink xmlns:inkml="http://www.w3.org/2003/InkML">
+  <inkml:definitions>
+    <inkml:context xml:id="ctx0">
+      <inkml:inkSource xml:id="inkSrc0">
+        <inkml:traceFormat>
+          <inkml:channel name="X" type="integer" min="-2.14748E9" max="2.14748E9" units="cm"/>
+          <inkml:channel name="Y" type="integer" min="-2.14748E9" max="2.14748E9" units="cm"/>
+          <inkml:channel name="F" type="integer" max="32767" units="dev"/>
+          <inkml:channel name="OA" type="integer" max="360" units="deg"/>
+          <inkml:channel name="OE" type="integer" max="90" units="deg"/>
+        </inkml:traceFormat>
+        <inkml:channelProperties>
+          <inkml:channelProperty channel="X" name="resolution" value="1000" units="1/cm"/>
+          <inkml:channelProperty channel="Y" name="resolution" value="1000" units="1/cm"/>
+          <inkml:channelProperty channel="F" name="resolution" value="0" units="1/dev"/>
+          <inkml:channelProperty channel="OA" name="resolution" value="1000" units="1/deg"/>
+          <inkml:channelProperty channel="OE" name="resolution" value="1000" units="1/deg"/>
+        </inkml:channelProperties>
+      </inkml:inkSource>
+      <inkml:timestamp xml:id="ts0" timeString="2024-11-03T00:06:28.841"/>
+    </inkml:context>
+    <inkml:brush xml:id="br0">
+      <inkml:brushProperty name="width" value="0.2" units="cm"/>
+      <inkml:brushProperty name="height" value="0.2" units="cm"/>
+      <inkml:brushProperty name="color" value="#004F8B"/>
+    </inkml:brush>
+  </inkml:definitions>
+  <inkml:trace contextRef="#ctx0" brushRef="#br0">141 0 55 0 0,'4'0'6'0'0,"0"1"0"0"0,0-1-1 0 0,0 1 1 0 0,-1 0-1 0 0,1 0 1 0 0,0 1-1 0 0,0-1 1 0 0,-1 1-1 0 0,4 1 1 0 0,-5-1-1 0 0,0 0 0 0 0,0 0 0 0 0,0-1 0 0 0,0 1 0 0 0,0 0 0 0 0,-1 0 0 0 0,1 1 0 0 0,-1-1 0 0 0,1 0 0 0 0,-1 1 0 0 0,0-1 0 0 0,0 0 0 0 0,0 1 0 0 0,1 4 0 0 0,-1-2-3 0 0,0 0 0 0 0,0 1 0 0 0,-1-1 0 0 0,1 0 0 0 0,-1 0 0 0 0,0 1 0 0 0,-1-1 0 0 0,1 0 0 0 0,-1 1 0 0 0,0-1 0 0 0,-2 6-1 0 0,0-2 3 0 0,-1-1 0 0 0,1 0-1 0 0,-1 0 1 0 0,-1 0 0 0 0,0 0-1 0 0,-6 8 1 0 0,0-3 0 0 0,-1 0 0 0 0,-1 0 0 0 0,0-1 0 0 0,-1-1 0 0 0,0 0 0 0 0,-20 11 0 0 0,-24 8-4 0 0,59-29 0 0 0,4-1 0 0 0,8-3 0 0 0,-11 3 0 0 0,9-2 0 0 0,4-2 0 0 0,0 1 0 0 0,1 1 0 0 0,-1 1 0 0 0,21 0 0 0 0,-32 1 0 0 0,1 1 0 0 0,0 0 0 0 0,-1 0 0 0 0,1 0 0 0 0,-1 0 0 0 0,1 1 0 0 0,-1-1 0 0 0,1 1 0 0 0,-1 0 0 0 0,0 1 0 0 0,0-1 0 0 0,0 1 0 0 0,0 0 0 0 0,-1 0 0 0 0,1 0 0 0 0,-1 0 0 0 0,1 1 0 0 0,4 6 0 0 0,4 10 0 0 0,0 0 0 0 0,-1 1 0 0 0,0 1 0 0 0,-2-1 0 0 0,-1 2 0 0 0,-1-1 0 0 0,0 1 0 0 0,-2 0 0 0 0,3 33 0 0 0,-6-43 0 0 0,-1 27 0 0 0,-2-36 0 0 0,1 0 0 0 0,0 0 0 0 0,-1 0 0 0 0,0 0 0 0 0,0-1 0 0 0,0 1 0 0 0,0 0 0 0 0,-1-1 0 0 0,1 1 0 0 0,-1 0 0 0 0,-3 4 0 0 0,5-7 0 0 0,-1-1 0 0 0,0 1 0 0 0,1 0 0 0 0,-1-1 0 0 0,1 1 0 0 0,-1-1 0 0 0,0 1 0 0 0,0-1 0 0 0,1 1 0 0 0,-1-1 0 0 0,0 1 0 0 0,0-1 0 0 0,0 0 0 0 0,1 1 0 0 0,-1-1 0 0 0,0 0 0 0 0,0 0 0 0 0,0 1 0 0 0,0-1 0 0 0,0 0 0 0 0,0 0 0 0 0,1 0 0 0 0,-1 0 0 0 0,0 0 0 0 0,0-1 0 0 0,0 1 0 0 0,0 0 0 0 0,0 0 0 0 0,0 0 0 0 0,1-1 0 0 0,-1 1 0 0 0,0-1 0 0 0,0 1 0 0 0,0 0 0 0 0,-1-2 0 0 0,-7-3 0 0 0</inkml:trace>
+</inkml:ink>
+</file>
+
+<file path=ppt/ink/ink23.xml><?xml version="1.0" encoding="utf-8"?>
+<inkml:ink xmlns:inkml="http://www.w3.org/2003/InkML">
+  <inkml:definitions>
+    <inkml:context xml:id="ctx0">
+      <inkml:inkSource xml:id="inkSrc0">
+        <inkml:traceFormat>
+          <inkml:channel name="X" type="integer" min="-2.14748E9" max="2.14748E9" units="cm"/>
+          <inkml:channel name="Y" type="integer" min="-2.14748E9" max="2.14748E9" units="cm"/>
+          <inkml:channel name="F" type="integer" max="32767" units="dev"/>
+          <inkml:channel name="OA" type="integer" max="360" units="deg"/>
+          <inkml:channel name="OE" type="integer" max="90" units="deg"/>
+        </inkml:traceFormat>
+        <inkml:channelProperties>
+          <inkml:channelProperty channel="X" name="resolution" value="1000" units="1/cm"/>
+          <inkml:channelProperty channel="Y" name="resolution" value="1000" units="1/cm"/>
+          <inkml:channelProperty channel="F" name="resolution" value="0" units="1/dev"/>
+          <inkml:channelProperty channel="OA" name="resolution" value="1000" units="1/deg"/>
+          <inkml:channelProperty channel="OE" name="resolution" value="1000" units="1/deg"/>
+        </inkml:channelProperties>
+      </inkml:inkSource>
+      <inkml:timestamp xml:id="ts0" timeString="2024-11-03T00:06:29.171"/>
+    </inkml:context>
+    <inkml:brush xml:id="br0">
+      <inkml:brushProperty name="width" value="0.2" units="cm"/>
+      <inkml:brushProperty name="height" value="0.2" units="cm"/>
+      <inkml:brushProperty name="color" value="#004F8B"/>
+    </inkml:brush>
+  </inkml:definitions>
+  <inkml:trace contextRef="#ctx0" brushRef="#br0">0 278 24 0 0,'3'-9'5'0'0,"-2"3"0"0"0,1 0 1 0 0,0-1-1 0 0,1 1 1 0 0,-1 1-1 0 0,1-1 1 0 0,0 0-1 0 0,0 1 0 0 0,1-1 1 0 0,0 1-1 0 0,0 0 1 0 0,0 0-1 0 0,7-6 0 0 0,20-10 94 0 0,2 0-1 0 0,0 3 0 0 0,44-19 1 0 0,15-8-94 0 0,-89 43-1 0 0,0 1 0 0 0,0-1 0 0 0,1 0-1 0 0,-1 1 1 0 0,1 0 0 0 0,-1 0 0 0 0,1 0 0 0 0,0 0-1 0 0,-1 1 1 0 0,1 0 0 0 0,0-1 0 0 0,-1 1 0 0 0,6 1-1 0 0,-7-1-3 0 0,0-1 0 0 0,0 1 0 0 0,0-1 0 0 0,0 1 0 0 0,0-1 0 0 0,0 0 0 0 0,-1 0 0 0 0,1 0 0 0 0,0 0 0 0 0,0 0 0 0 0,-1 0 0 0 0,1 0 0 0 0,0-1 0 0 0,-1 1 0 0 0,0-1 0 0 0,1 1 0 0 0,-1-1 0 0 0,0 1 0 0 0,2-4 0 0 0,6-5 0 0 0,-7 8-23 0 0,-3 3-20 0 0,-1-1 29 0 0</inkml:trace>
+</inkml:ink>
+</file>
+
+<file path=ppt/ink/ink24.xml><?xml version="1.0" encoding="utf-8"?>
+<inkml:ink xmlns:inkml="http://www.w3.org/2003/InkML">
+  <inkml:definitions>
+    <inkml:context xml:id="ctx0">
+      <inkml:inkSource xml:id="inkSrc0">
+        <inkml:traceFormat>
+          <inkml:channel name="X" type="integer" min="-2.14748E9" max="2.14748E9" units="cm"/>
+          <inkml:channel name="Y" type="integer" min="-2.14748E9" max="2.14748E9" units="cm"/>
+          <inkml:channel name="F" type="integer" max="32767" units="dev"/>
+          <inkml:channel name="OA" type="integer" max="360" units="deg"/>
+          <inkml:channel name="OE" type="integer" max="90" units="deg"/>
+        </inkml:traceFormat>
+        <inkml:channelProperties>
+          <inkml:channelProperty channel="X" name="resolution" value="1000" units="1/cm"/>
+          <inkml:channelProperty channel="Y" name="resolution" value="1000" units="1/cm"/>
+          <inkml:channelProperty channel="F" name="resolution" value="0" units="1/dev"/>
+          <inkml:channelProperty channel="OA" name="resolution" value="1000" units="1/deg"/>
+          <inkml:channelProperty channel="OE" name="resolution" value="1000" units="1/deg"/>
+        </inkml:channelProperties>
+      </inkml:inkSource>
+      <inkml:timestamp xml:id="ts0" timeString="2024-11-03T00:06:29.503"/>
+    </inkml:context>
+    <inkml:brush xml:id="br0">
+      <inkml:brushProperty name="width" value="0.2" units="cm"/>
+      <inkml:brushProperty name="height" value="0.2" units="cm"/>
+      <inkml:brushProperty name="color" value="#004F8B"/>
+    </inkml:brush>
+  </inkml:definitions>
+  <inkml:trace contextRef="#ctx0" brushRef="#br0">1 7 7 0 0,'0'0'0'0'0,"0"0"0"0"0,0 0 0 0 0,0 0 0 0 0,0-1 0 0 0,0 1 0 0 0,0 0 0 0 0,0 0 0 0 0,0 0 0 0 0,0-1 0 0 0,0 1 0 0 0,0 0 0 0 0,0 0 0 0 0,1 0 0 0 0,-1 0 0 0 0,0-1 0 0 0,0 1 0 0 0,0 0 0 0 0,0 0 0 0 0,0 0 0 0 0,0 0 0 0 0,0 0 0 0 0,1-1 0 0 0,-1 1 0 0 0,0 0 0 0 0,0 0 0 0 0,0 0 0 0 0,0 0 0 0 0,1 0 0 0 0,-1 0 0 0 0,0 0 0 0 0,0 0 0 0 0,0 0 0 0 0,1-1 0 0 0,-1 1 0 0 0,0 0 0 0 0,0 0 0 0 0,5-2 11 0 0,-2 7 32 0 0,10 22-4 0 0,-2 1 1 0 0,11 38 0 0 0,-2-6-10 0 0,9 13-13 0 0,51 93 1 0 0,52 61 0 0 0,-119-205-18 0 0,50 75 0 0 0,-54-85 0 0 0,0-1 0 0 0,1 0 0 0 0,0 0 0 0 0,0-1 0 0 0,22 15 0 0 0,-30-24 0 0 0,1 1 0 0 0,0 0 0 0 0,0-1 0 0 0,0 0 0 0 0,0 1 0 0 0,0-1 0 0 0,0 0 0 0 0,0-1 0 0 0,6 2 0 0 0,-8-2 0 0 0,0 0 0 0 0,0 0 0 0 0,0 0 0 0 0,1 0 0 0 0,-1-1 0 0 0,0 1 0 0 0,0 0 0 0 0,0 0 0 0 0,0-1 0 0 0,0 1 0 0 0,0-1 0 0 0,1 1 0 0 0,-1-1 0 0 0,0 1 0 0 0,0-1 0 0 0,-1 0 0 0 0,1 0 0 0 0,0 1 0 0 0,0-1 0 0 0,0 0 0 0 0,0 0 0 0 0,-1 0 0 0 0,1 0 0 0 0,0 0 0 0 0,-1 0 0 0 0,1 0 0 0 0,-1 0 0 0 0,1 0 0 0 0,0-2 0 0 0,3-10 0 0 0,-1 1 0 0 0,0-1 0 0 0,0 0 0 0 0,-1 0 0 0 0,-1 0 0 0 0,0 0 0 0 0,-2-21 0 0 0,-2 11 0 0 0</inkml:trace>
+</inkml:ink>
+</file>
+
+<file path=ppt/ink/ink25.xml><?xml version="1.0" encoding="utf-8"?>
+<inkml:ink xmlns:inkml="http://www.w3.org/2003/InkML">
+  <inkml:definitions>
+    <inkml:context xml:id="ctx0">
+      <inkml:inkSource xml:id="inkSrc0">
+        <inkml:traceFormat>
+          <inkml:channel name="X" type="integer" min="-2.14748E9" max="2.14748E9" units="cm"/>
+          <inkml:channel name="Y" type="integer" min="-2.14748E9" max="2.14748E9" units="cm"/>
+          <inkml:channel name="F" type="integer" max="32767" units="dev"/>
+          <inkml:channel name="OA" type="integer" max="360" units="deg"/>
+          <inkml:channel name="OE" type="integer" max="90" units="deg"/>
+        </inkml:traceFormat>
+        <inkml:channelProperties>
+          <inkml:channelProperty channel="X" name="resolution" value="1000" units="1/cm"/>
+          <inkml:channelProperty channel="Y" name="resolution" value="1000" units="1/cm"/>
+          <inkml:channelProperty channel="F" name="resolution" value="0" units="1/dev"/>
+          <inkml:channelProperty channel="OA" name="resolution" value="1000" units="1/deg"/>
+          <inkml:channelProperty channel="OE" name="resolution" value="1000" units="1/deg"/>
+        </inkml:channelProperties>
+      </inkml:inkSource>
+      <inkml:timestamp xml:id="ts0" timeString="2024-11-03T00:06:29.864"/>
+    </inkml:context>
+    <inkml:brush xml:id="br0">
+      <inkml:brushProperty name="width" value="0.2" units="cm"/>
+      <inkml:brushProperty name="height" value="0.2" units="cm"/>
+      <inkml:brushProperty name="color" value="#004F8B"/>
+    </inkml:brush>
+  </inkml:definitions>
+  <inkml:trace contextRef="#ctx0" brushRef="#br0">1 45 79 0 0,'3'-2'0'0'0,"1"0"0"0"0,0 0 0 0 0,-1 2 0 0 0,-1 0 0 0 0,2 0 0 0 0,5-2 0 0 0,4 1 0 0 0,6-3 0 0 0,3 2 0 0 0,2-3 0 0 0,0-1 0 0 0,-5 2 0 0 0,-1 1 0 0 0,1 1 0 0 0,-1-2 0 0 0,5-2 0 0 0</inkml:trace>
+</inkml:ink>
+</file>
+
+<file path=ppt/ink/ink26.xml><?xml version="1.0" encoding="utf-8"?>
+<inkml:ink xmlns:inkml="http://www.w3.org/2003/InkML">
+  <inkml:definitions>
+    <inkml:context xml:id="ctx0">
+      <inkml:inkSource xml:id="inkSrc0">
+        <inkml:traceFormat>
+          <inkml:channel name="X" type="integer" min="-2.14748E9" max="2.14748E9" units="cm"/>
+          <inkml:channel name="Y" type="integer" min="-2.14748E9" max="2.14748E9" units="cm"/>
+          <inkml:channel name="F" type="integer" max="32767" units="dev"/>
+          <inkml:channel name="OA" type="integer" max="360" units="deg"/>
+          <inkml:channel name="OE" type="integer" max="90" units="deg"/>
+        </inkml:traceFormat>
+        <inkml:channelProperties>
+          <inkml:channelProperty channel="X" name="resolution" value="1000" units="1/cm"/>
+          <inkml:channelProperty channel="Y" name="resolution" value="1000" units="1/cm"/>
+          <inkml:channelProperty channel="F" name="resolution" value="0" units="1/dev"/>
+          <inkml:channelProperty channel="OA" name="resolution" value="1000" units="1/deg"/>
+          <inkml:channelProperty channel="OE" name="resolution" value="1000" units="1/deg"/>
+        </inkml:channelProperties>
+      </inkml:inkSource>
+      <inkml:timestamp xml:id="ts0" timeString="2024-11-03T00:06:30.257"/>
+    </inkml:context>
+    <inkml:brush xml:id="br0">
+      <inkml:brushProperty name="width" value="0.2" units="cm"/>
+      <inkml:brushProperty name="height" value="0.2" units="cm"/>
+      <inkml:brushProperty name="color" value="#004F8B"/>
+    </inkml:brush>
+  </inkml:definitions>
+  <inkml:trace contextRef="#ctx0" brushRef="#br0">2 66 24 0 0,'-1'-3'2'0'0,"1"0"0"0"0,0 0 0 0 0,0 0 0 0 0,0 0 0 0 0,0 0 0 0 0,0 0 0 0 0,1 0 0 0 0,-1 0 0 0 0,1 0 0 0 0,0 1 1 0 0,2-7-1 0 0,-2 8 1 0 0,-1 0 1 0 0,0-1-1 0 0,1 1 0 0 0,-1 0 1 0 0,1 0-1 0 0,0 0 1 0 0,-1-1-1 0 0,1 1 0 0 0,0 0 1 0 0,0 0-1 0 0,0 0 1 0 0,0 0-1 0 0,0 0 0 0 0,0 0 1 0 0,0 0-1 0 0,0 1 1 0 0,0-1-1 0 0,0 0 1 0 0,0 0-1 0 0,1 1 0 0 0,-1-1 1 0 0,0 1-1 0 0,0-1 1 0 0,1 1-1 0 0,-1 0 0 0 0,3-1 1 0 0,-3 1-2 0 0,1 1 0 0 0,0 0-1 0 0,-1-1 1 0 0,1 1 0 0 0,-1 0 0 0 0,1 0 0 0 0,-1 0 0 0 0,1 0-1 0 0,-1 0 1 0 0,0 0 0 0 0,0 0 0 0 0,1 0 0 0 0,-1 1 0 0 0,0-1-1 0 0,1 2 1 0 0,14 25 43 0 0,-14-25-45 0 0,72 153 67 0 0,-14-30-70 0 0,-23-52 3 0 0,3-3 0 0 0,4-1 0 0 0,85 104 0 0 0,18-12 0 0 0,-101-116 0 0 0,70 54 0 0 0,-111-97 0 0 0,4 5 0 0 0,0-1 0 0 0,0-1 0 0 0,1 0 0 0 0,0 0 0 0 0,0-1 0 0 0,19 7 0 0 0,-29-12 0 0 0,1 1 0 0 0,0-1 0 0 0,-1 0 0 0 0,1 0 0 0 0,-1 1 0 0 0,1-1 0 0 0,0 0 0 0 0,-1 0 0 0 0,1 0 0 0 0,-1 0 0 0 0,1 0 0 0 0,0 0 0 0 0,-1 0 0 0 0,1 0 0 0 0,0 0 0 0 0,-1 0 0 0 0,1 0 0 0 0,-1-1 0 0 0,1 1 0 0 0,0 0 0 0 0,-1 0 0 0 0,1-1 0 0 0,-1 1 0 0 0,1 0 0 0 0,-1-1 0 0 0,1 1 0 0 0,-1 0 0 0 0,1-1 0 0 0,-1 1 0 0 0,1-1 0 0 0,-1 1 0 0 0,1-1 0 0 0,-1 1 0 0 0,0-1 0 0 0,1 1 0 0 0,-1-1 0 0 0,0 1 0 0 0,0-1 0 0 0,1 1 0 0 0,-1-2 0 0 0,0 1 0 0 0,0-1 0 0 0,0 1 0 0 0,0-1 0 0 0,0 1 0 0 0,0-1 0 0 0,0 1 0 0 0,-1 0 0 0 0,1-1 0 0 0,-1 1 0 0 0,1 0 0 0 0,-1-1 0 0 0,1 1 0 0 0,-1 0 0 0 0,0-1 0 0 0,0 1 0 0 0,-1-2 0 0 0,-5-3 0 0 0</inkml:trace>
+</inkml:ink>
+</file>
+
+<file path=ppt/ink/ink27.xml><?xml version="1.0" encoding="utf-8"?>
+<inkml:ink xmlns:inkml="http://www.w3.org/2003/InkML">
+  <inkml:definitions>
+    <inkml:context xml:id="ctx0">
+      <inkml:inkSource xml:id="inkSrc0">
+        <inkml:traceFormat>
+          <inkml:channel name="X" type="integer" min="-2.14748E9" max="2.14748E9" units="cm"/>
+          <inkml:channel name="Y" type="integer" min="-2.14748E9" max="2.14748E9" units="cm"/>
+          <inkml:channel name="F" type="integer" max="32767" units="dev"/>
+          <inkml:channel name="OA" type="integer" max="360" units="deg"/>
+          <inkml:channel name="OE" type="integer" max="90" units="deg"/>
+        </inkml:traceFormat>
+        <inkml:channelProperties>
+          <inkml:channelProperty channel="X" name="resolution" value="1000" units="1/cm"/>
+          <inkml:channelProperty channel="Y" name="resolution" value="1000" units="1/cm"/>
+          <inkml:channelProperty channel="F" name="resolution" value="0" units="1/dev"/>
+          <inkml:channelProperty channel="OA" name="resolution" value="1000" units="1/deg"/>
+          <inkml:channelProperty channel="OE" name="resolution" value="1000" units="1/deg"/>
+        </inkml:channelProperties>
+      </inkml:inkSource>
+      <inkml:timestamp xml:id="ts0" timeString="2024-11-03T00:06:30.587"/>
+    </inkml:context>
+    <inkml:brush xml:id="br0">
+      <inkml:brushProperty name="width" value="0.2" units="cm"/>
+      <inkml:brushProperty name="height" value="0.2" units="cm"/>
+      <inkml:brushProperty name="color" value="#004F8B"/>
+    </inkml:brush>
+  </inkml:definitions>
+  <inkml:trace contextRef="#ctx0" brushRef="#br0">394 18 24 0 0,'0'-1'0'0'0,"0"0"1"0"0,0 1 0 0 0,-1-1 0 0 0,1 0-1 0 0,0 0 1 0 0,0 1 0 0 0,0-1 0 0 0,-1 0 0 0 0,1 1-1 0 0,0-1 1 0 0,-1 0 0 0 0,1 1 0 0 0,-1-1-1 0 0,1 0 1 0 0,-1 1 0 0 0,1-1 0 0 0,-1 1 0 0 0,1-1-1 0 0,-1 1 1 0 0,1-1 0 0 0,-1 1 0 0 0,0-1-1 0 0,1 1 1 0 0,-1 0 0 0 0,0-1 0 0 0,1 1 0 0 0,-1 0-1 0 0,0 0 1 0 0,0-1 0 0 0,1 1 0 0 0,-1 0-1 0 0,0 0 1 0 0,0 0 0 0 0,1 0 0 0 0,-1 0 0 0 0,0 0-1 0 0,0 0 1 0 0,1 0 0 0 0,-1 0 0 0 0,-1 1-1 0 0,-2-1 5 0 0,0 1 0 0 0,0 0-1 0 0,1 0 1 0 0,-1 0-1 0 0,0 0 1 0 0,-6 3-1 0 0,-1 4 14 0 0,0 0-1 0 0,1 0 1 0 0,0 1-1 0 0,-12 14 1 0 0,0-1 12 0 0,-52 54-19 0 0,40-40-11 0 0,-1-1 0 0 0,-51 38-1 0 0,64-56 1 0 0</inkml:trace>
+</inkml:ink>
+</file>
+
+<file path=ppt/ink/ink28.xml><?xml version="1.0" encoding="utf-8"?>
+<inkml:ink xmlns:inkml="http://www.w3.org/2003/InkML">
+  <inkml:definitions>
+    <inkml:context xml:id="ctx0">
+      <inkml:inkSource xml:id="inkSrc0">
+        <inkml:traceFormat>
+          <inkml:channel name="X" type="integer" min="-2.14748E9" max="2.14748E9" units="cm"/>
+          <inkml:channel name="Y" type="integer" min="-2.14748E9" max="2.14748E9" units="cm"/>
+          <inkml:channel name="F" type="integer" max="32767" units="dev"/>
+          <inkml:channel name="OA" type="integer" max="360" units="deg"/>
+          <inkml:channel name="OE" type="integer" max="90" units="deg"/>
+        </inkml:traceFormat>
+        <inkml:channelProperties>
+          <inkml:channelProperty channel="X" name="resolution" value="1000" units="1/cm"/>
+          <inkml:channelProperty channel="Y" name="resolution" value="1000" units="1/cm"/>
+          <inkml:channelProperty channel="F" name="resolution" value="0" units="1/dev"/>
+          <inkml:channelProperty channel="OA" name="resolution" value="1000" units="1/deg"/>
+          <inkml:channelProperty channel="OE" name="resolution" value="1000" units="1/deg"/>
+        </inkml:channelProperties>
+      </inkml:inkSource>
+      <inkml:timestamp xml:id="ts0" timeString="2024-11-03T00:06:38.545"/>
+    </inkml:context>
+    <inkml:brush xml:id="br0">
+      <inkml:brushProperty name="width" value="0.2" units="cm"/>
+      <inkml:brushProperty name="height" value="0.2" units="cm"/>
+      <inkml:brushProperty name="color" value="#004F8B"/>
+    </inkml:brush>
+  </inkml:definitions>
+  <inkml:trace contextRef="#ctx0" brushRef="#br0">69 16 55 0 0,'8'-4'0'0'0,"-4"2"1"0"0,0 0 1 0 0,0 1 0 0 0,0-1-1 0 0,0 1 1 0 0,0 0 0 0 0,6-1-1 0 0,-9 2 20 0 0,1 4 17 0 0,-2-4-34 0 0,0 1 0 0 0,0-1 0 0 0,0 0 0 0 0,0 1 1 0 0,-1-1-1 0 0,1 0 0 0 0,0 1 0 0 0,0-1 0 0 0,-1 1 0 0 0,1-1 0 0 0,0 0 1 0 0,-1 0-1 0 0,1 1 0 0 0,0-1 0 0 0,-1 0 0 0 0,1 0 0 0 0,-1 1 0 0 0,1-1 1 0 0,0 0-1 0 0,-1 0 0 0 0,1 0 0 0 0,-1 0 0 0 0,1 0 0 0 0,0 1 1 0 0,-1-1-1 0 0,0 0 0 0 0,-6 1 8 0 0,-15 6-14 0 0,20-5 4 0 0,-1 0 0 0 0,1 0 0 0 0,-1 0 0 0 0,1 0 0 0 0,0 0 0 0 0,0 0 0 0 0,0 1 0 0 0,0-1 0 0 0,0 1 0 0 0,1 0 0 0 0,-1-1 0 0 0,-1 6 0 0 0,-15 39 33 0 0,14-34-32 0 0,-1 10 6 0 0,0 0 0 0 0,1 0-1 0 0,1 1 1 0 0,2-1 0 0 0,1 33-1 0 0,-2 10 4 0 0,-3 4-12 0 0,5-78 0 0 0,0 1 0 0 0,0-1 0 0 0,1 0 0 0 0,0 1 0 0 0,1-1 0 0 0,0 1 0 0 0,3-9 0 0 0,-4 16 0 0 0,-1 1 0 0 0</inkml:trace>
+</inkml:ink>
+</file>
+
+<file path=ppt/ink/ink29.xml><?xml version="1.0" encoding="utf-8"?>
+<inkml:ink xmlns:inkml="http://www.w3.org/2003/InkML">
+  <inkml:definitions>
+    <inkml:context xml:id="ctx0">
+      <inkml:inkSource xml:id="inkSrc0">
+        <inkml:traceFormat>
+          <inkml:channel name="X" type="integer" min="-2.14748E9" max="2.14748E9" units="cm"/>
+          <inkml:channel name="Y" type="integer" min="-2.14748E9" max="2.14748E9" units="cm"/>
+          <inkml:channel name="F" type="integer" max="32767" units="dev"/>
+          <inkml:channel name="OA" type="integer" max="360" units="deg"/>
+          <inkml:channel name="OE" type="integer" max="90" units="deg"/>
+        </inkml:traceFormat>
+        <inkml:channelProperties>
+          <inkml:channelProperty channel="X" name="resolution" value="1000" units="1/cm"/>
+          <inkml:channelProperty channel="Y" name="resolution" value="1000" units="1/cm"/>
+          <inkml:channelProperty channel="F" name="resolution" value="0" units="1/dev"/>
+          <inkml:channelProperty channel="OA" name="resolution" value="1000" units="1/deg"/>
+          <inkml:channelProperty channel="OE" name="resolution" value="1000" units="1/deg"/>
+        </inkml:channelProperties>
+      </inkml:inkSource>
+      <inkml:timestamp xml:id="ts0" timeString="2024-11-03T00:06:39.613"/>
+    </inkml:context>
+    <inkml:brush xml:id="br0">
+      <inkml:brushProperty name="width" value="0.2" units="cm"/>
+      <inkml:brushProperty name="height" value="0.2" units="cm"/>
+      <inkml:brushProperty name="color" value="#004F8B"/>
+    </inkml:brush>
+  </inkml:definitions>
+  <inkml:trace contextRef="#ctx0" brushRef="#br0">153 886 7 0 0,'1'-1'2'0'0,"0"1"-1"0"0,0 0 1 0 0,0 0-1 0 0,0 0 0 0 0,0 0 1 0 0,0 0-1 0 0,0 0 0 0 0,0 0 1 0 0,0 0-1 0 0,-1 0 0 0 0,1 0 1 0 0,0 1-1 0 0,0-1 0 0 0,0 0 1 0 0,0 1-1 0 0,0-1 0 0 0,-1 0 1 0 0,1 1-1 0 0,0-1 0 0 0,1 2 1 0 0,17 10 32 0 0,-19-12-33 0 0,67 47 127 0 0,-59-42-120 0 0,0 0-1 0 0,1-1 0 0 0,0 0 0 0 0,0 0 0 0 0,0-1 0 0 0,0 0 0 0 0,0 0 0 0 0,18 1 0 0 0,-22-3-7 0 0,150 7 0 0 0,-126-9 0 0 0,0 0 0 0 0,0-2 0 0 0,39-9 0 0 0,-48 7 0 0 0,1-1 0 0 0,-1-1 0 0 0,24-11 0 0 0,-35 13 0 0 0,0 0 0 0 0,0 0 0 0 0,0-1 0 0 0,-1 0 0 0 0,0 0 0 0 0,0-1 0 0 0,-1 0 0 0 0,12-15 0 0 0,5-8 0 0 0,-17 22 0 0 0,0 0 0 0 0,0-1 0 0 0,-1 1 0 0 0,0-1 0 0 0,-1-1 0 0 0,1 1 0 0 0,-2-1 0 0 0,0 0 0 0 0,5-17 0 0 0,-4-3 0 0 0,-1-1 0 0 0,-2 0 0 0 0,-1-1 0 0 0,-1 1 0 0 0,-2 0 0 0 0,-8-44 0 0 0,3 36 0 0 0,-1 1 0 0 0,-3 0 0 0 0,-1 0 0 0 0,-24-51 0 0 0,8 52 0 0 0,20 24 0 0 0,-1 0 0 0 0,-1 1 0 0 0,0 0 0 0 0,0 0 0 0 0,-1 1 0 0 0,-1 1 0 0 0,0-1 0 0 0,0 2 0 0 0,-1 0 0 0 0,-19-10 0 0 0,30 17 0 0 0,0 1 0 0 0,0 0 0 0 0,0 0 0 0 0,0 0 0 0 0,-1 0 0 0 0,1 0 0 0 0,0 0 0 0 0,-1 0 0 0 0,1 1 0 0 0,0-1 0 0 0,-1 1 0 0 0,1 0 0 0 0,-1 0 0 0 0,1 0 0 0 0,-1 0 0 0 0,1 0 0 0 0,-6 1 0 0 0,7-1 0 0 0,-1 0 0 0 0,0 0 0 0 0,0 0 0 0 0,0 0 0 0 0,0 0 0 0 0,0 0 0 0 0,1-1 0 0 0,-1 1 0 0 0,0-1 0 0 0,0 1 0 0 0,-2-2 0 0 0,2 1 0 0 0,0 0 0 0 0,0 1 0 0 0,0-1 0 0 0,-1 0 0 0 0,1 1 0 0 0,0 0 0 0 0,0 0 0 0 0,-3-1 0 0 0,-9 3 0 0 0,12-1 0 0 0,-1-1 0 0 0,1 0 0 0 0,-1 0 0 0 0,0 1 0 0 0,1-1 0 0 0,-1-1 0 0 0,1 1 0 0 0,-1 0 0 0 0,1-1 0 0 0,-5 0 0 0 0,-10-5 0 0 0,0 1 0 0 0,0 0 0 0 0,0 2 0 0 0,-1 0 0 0 0,-31-1 0 0 0,27 9 0 0 0,21-5 0 0 0,0 1 0 0 0,-1 0 0 0 0,1-1 0 0 0,0 0 0 0 0,0 1 0 0 0,0-1 0 0 0,-1 0 0 0 0,1 0 0 0 0,0 1 0 0 0,0-1 0 0 0,-1 0 0 0 0,1 0 0 0 0,0 0 0 0 0,0-1 0 0 0,-1 1 0 0 0,1 0 0 0 0,0 0 0 0 0,0-1 0 0 0,0 1 0 0 0,-1-1 0 0 0,1 1 0 0 0,0-1 0 0 0,0 1 0 0 0,0-1 0 0 0,0 0 0 0 0,0 1 0 0 0,0-1 0 0 0,0 0 0 0 0,0 0 0 0 0,0 0 0 0 0,0-1 0 0 0,-3-1 0 0 0,-8-8 0 0 0,12 11 0 0 0,-1 0 0 0 0,0 0 0 0 0,1 0 0 0 0,-1 0 0 0 0,0 0 0 0 0,1 0 0 0 0,-1 0 0 0 0,0 0 0 0 0,1 0 0 0 0,-1 0 0 0 0,1 0 0 0 0,-1 1 0 0 0,0-1 0 0 0,1 0 0 0 0,-1 0 0 0 0,1 1 0 0 0,-1-1 0 0 0,1 0 0 0 0,-1 1 0 0 0,1-1 0 0 0,-1 1 0 0 0,1-1 0 0 0,-1 1 0 0 0,1-1 0 0 0,-1 1 0 0 0,-9 10 6 0 0,-1-1 0 0 0,-1 0 0 0 0,1 0 0 0 0,-2-1 0 0 0,1-1-1 0 0,-1 0 1 0 0,0-1 0 0 0,-1 0 0 0 0,1-1 0 0 0,-16 4-1 0 0,20-6-5 0 0,1-1 0 0 0,0 1 0 0 0,0 1 0 0 0,0 0 0 0 0,1 0 0 0 0,0 0 0 0 0,-13 12 0 0 0,-39 41 0 0 0,54-53 0 0 0,1 1 0 0 0,0 0 0 0 0,0 0 0 0 0,0 0 0 0 0,1 1 0 0 0,0-1 0 0 0,0 1 0 0 0,-2 7 0 0 0,3-9 0 0 0,-3 10 8 0 0,1 0-1 0 0,1 0 0 0 0,0 0 1 0 0,1 0-1 0 0,0 0 0 0 0,2 1 1 0 0,1 28-1 0 0,4 7 28 0 0,13 49-1 0 0,-13-78-31 0 0,1-1 0 0 0,1 0-1 0 0,11 20 1 0 0,-18-41-2 0 0,0 0 0 0 0,0 0 0 0 0,0-1 0 0 0,0 1-1 0 0,0 0 1 0 0,0 0 0 0 0,0 0 0 0 0,0-1 0 0 0,0 1 0 0 0,1 0 0 0 0,-1 0-1 0 0,0 0 1 0 0,0 0 0 0 0,0-1 0 0 0,0 1 0 0 0,0 0 0 0 0,1 0 0 0 0,-1 0-1 0 0,0 0 1 0 0,0 0 0 0 0,0-1 0 0 0,0 1 0 0 0,1 0 0 0 0,-1 0-1 0 0,0 0 1 0 0,0 0 0 0 0,0 0 0 0 0,1 0 0 0 0,-1 0 0 0 0,0 0 0 0 0,0 0-1 0 0,1 0 1 0 0,-1 0 0 0 0,0 0 0 0 0,0 0 0 0 0,0 0 0 0 0,1 0 0 0 0,-1 0-1 0 0,0 0 1 0 0,0 0 0 0 0,0 0 0 0 0,1 0 0 0 0,-1 0 0 0 0,0 1 0 0 0,0-1-1 0 0,0 0 1 0 0,1 0 0 0 0,-1 0 0 0 0,0 0 0 0 0,0 0 0 0 0,0 0 0 0 0,0 1-1 0 0,0-1 1 0 0,1 0 0 0 0,-1 0 0 0 0,0 0 0 0 0,0 1 0 0 0,0-1-1 0 0,0 0 1 0 0,0 0 0 0 0,0 0 0 0 0,0 1 0 0 0,0-1 0 0 0,0 0 0 0 0,0 0-1 0 0,0 0 1 0 0,0 1 0 0 0,5-5-8 0 0,-1 15 9 0 0,-4-11-2 0 0,0 1 0 0 0,0-1 0 0 0,0 1 0 0 0,0-1 0 0 0,0 0 0 0 0,0 1 0 0 0,1-1 0 0 0,-1 1 0 0 0,0-1 0 0 0,0 1 0 0 0,0-1 0 0 0,0 1 0 0 0,1-1 0 0 0,-1 0 0 0 0,0 1 0 0 0,0-1 0 0 0,1 0 0 0 0,-1 1 0 0 0,0-1 0 0 0,1 1 0 0 0,0-1 0 0 0,3-5 0 0 0,2-3 0 0 0,-5 8 0 0 0,-1 0 0 0 0,0 0 0 0 0,1 0 0 0 0,-1 0 0 0 0,1 0 0 0 0,-1 0 0 0 0,0 0 0 0 0,1 0 0 0 0,-1 0 0 0 0,0 1 0 0 0,1-1 0 0 0,-1 0 0 0 0,0 0 0 0 0,1 0 0 0 0,-1 1 0 0 0,0-1 0 0 0,1 0 0 0 0,-1 0 0 0 0,0 1 0 0 0,0-1 0 0 0,1 0 0 0 0,-1 1 0 0 0,0-1 0 0 0,0 0 0 0 0,0 1 0 0 0,1-1 0 0 0,-1 0 0 0 0,0 1 0 0 0,0-1 0 0 0,0 0 0 0 0,0 1 0 0 0,0 0 0 0 0,2 2 0 0 0,0-1 0 0 0</inkml:trace>
+</inkml:ink>
+</file>
+
+<file path=ppt/ink/ink3.xml><?xml version="1.0" encoding="utf-8"?>
+<inkml:ink xmlns:inkml="http://www.w3.org/2003/InkML">
+  <inkml:definitions>
+    <inkml:context xml:id="ctx0">
+      <inkml:inkSource xml:id="inkSrc0">
+        <inkml:traceFormat>
+          <inkml:channel name="X" type="integer" min="-2.14748E9" max="2.14748E9" units="cm"/>
+          <inkml:channel name="Y" type="integer" min="-2.14748E9" max="2.14748E9" units="cm"/>
+          <inkml:channel name="F" type="integer" max="32767" units="dev"/>
+          <inkml:channel name="OA" type="integer" max="360" units="deg"/>
+          <inkml:channel name="OE" type="integer" max="90" units="deg"/>
+        </inkml:traceFormat>
+        <inkml:channelProperties>
+          <inkml:channelProperty channel="X" name="resolution" value="1000" units="1/cm"/>
+          <inkml:channelProperty channel="Y" name="resolution" value="1000" units="1/cm"/>
+          <inkml:channelProperty channel="F" name="resolution" value="0" units="1/dev"/>
+          <inkml:channelProperty channel="OA" name="resolution" value="1000" units="1/deg"/>
+          <inkml:channelProperty channel="OE" name="resolution" value="1000" units="1/deg"/>
+        </inkml:channelProperties>
+      </inkml:inkSource>
+      <inkml:timestamp xml:id="ts0" timeString="2024-11-03T00:06:15.972"/>
+    </inkml:context>
+    <inkml:brush xml:id="br0">
+      <inkml:brushProperty name="width" value="0.2" units="cm"/>
+      <inkml:brushProperty name="height" value="0.2" units="cm"/>
+      <inkml:brushProperty name="color" value="#004F8B"/>
+    </inkml:brush>
+  </inkml:definitions>
+  <inkml:trace contextRef="#ctx0" brushRef="#br0">154 88 24 0 0,'2'-14'-1'0'0,"-2"13"1"0"0,1-1 0 0 0,-1 1 0 0 0,0 0 1 0 0,0-1-1 0 0,0 1 0 0 0,0-1 0 0 0,0 1 0 0 0,0 0 0 0 0,0-1 0 0 0,0 1 0 0 0,-1-2 0 0 0,-1-4 8 0 0,2 5-3 0 0,0 1 0 0 0,-1-1 0 0 0,1 0 0 0 0,-1 1 0 0 0,0-1 0 0 0,1 1 0 0 0,-1-1 0 0 0,0 1 0 0 0,0-1 0 0 0,-2-1 0 0 0,-4-10 13 0 0,7 12-16 0 0,-1 0 0 0 0,1 1-1 0 0,0-1 1 0 0,-1 0 0 0 0,1 0-1 0 0,0 0 1 0 0,-1 1-1 0 0,1-1 1 0 0,-1 0 0 0 0,1 1-1 0 0,-1-1 1 0 0,0 1 0 0 0,1-1-1 0 0,-1 0 1 0 0,0 1 0 0 0,1-1-1 0 0,-1 1 1 0 0,0 0 0 0 0,0-1-1 0 0,1 1 1 0 0,-1 0 0 0 0,0-1-1 0 0,0 1 1 0 0,0 0 0 0 0,0 0-1 0 0,1-1 1 0 0,-3 1-1 0 0,0 0-1 0 0,-1-1 0 0 0,1 1 0 0 0,-1 0 0 0 0,0 0 0 0 0,1 0 0 0 0,-1 0 0 0 0,1 1 0 0 0,-1 0 0 0 0,0-1 0 0 0,1 1 0 0 0,-1 0 0 0 0,1 1 0 0 0,0-1 0 0 0,-1 1 0 0 0,1-1 0 0 0,0 1 0 0 0,0 0 0 0 0,0 0 0 0 0,0 1 0 0 0,1-1 0 0 0,-1 0 0 0 0,0 1 0 0 0,1 0 0 0 0,0-1 0 0 0,-1 1 0 0 0,1 0 0 0 0,0 0 0 0 0,1 1 0 0 0,-1-1 0 0 0,0 0 0 0 0,0 4 0 0 0,-1 2 6 0 0,0-1-1 0 0,0 0 0 0 0,1 1 0 0 0,1 0 0 0 0,-1 0 0 0 0,1-1 0 0 0,1 1 0 0 0,0 11 1 0 0,0-15-5 0 0,1 1 0 0 0,0-1 0 0 0,0 0 0 0 0,0 1 1 0 0,0-1-1 0 0,1 0 0 0 0,0 0 0 0 0,0 0 0 0 0,0 0 1 0 0,1 0-1 0 0,-1 0 0 0 0,1-1 0 0 0,0 1 0 0 0,6 5 0 0 0,-7-8-1 0 0,-1 0 0 0 0,1-1 0 0 0,0 1 0 0 0,0-1 0 0 0,0 1 0 0 0,0-1 0 0 0,0 0 0 0 0,0 0 0 0 0,0 0 0 0 0,1 0 0 0 0,-1 0 0 0 0,0-1 0 0 0,0 1 0 0 0,1-1 0 0 0,-1 1 0 0 0,1-1 0 0 0,-1 0 0 0 0,0 0 0 0 0,1 0 0 0 0,-1 0 0 0 0,0 0 0 0 0,1-1 0 0 0,2 0 0 0 0,-2 0 0 0 0,0 0 0 0 0,0 0 0 0 0,0-1 0 0 0,0 1 0 0 0,-1-1 0 0 0,1 1 0 0 0,0-1 0 0 0,-1 0 0 0 0,0 0 0 0 0,1-1 0 0 0,-1 1 0 0 0,0 0 0 0 0,0-1 0 0 0,0 1 0 0 0,-1-1 0 0 0,4-4 0 0 0,-1-3 0 0 0,0 0 0 0 0,-1-1 0 0 0,0 1 0 0 0,0-1 0 0 0,-1 1 0 0 0,0-1 0 0 0,-1 0 0 0 0,0 1 0 0 0,-1-1 0 0 0,-2-17 0 0 0,2 26 0 0 0,0 1 0 0 0,0-1 0 0 0,0 1 0 0 0,-1-1 0 0 0,1 1 0 0 0,0-1 0 0 0,-1 1 0 0 0,1-1 0 0 0,-1 1 0 0 0,0-1 0 0 0,0 1 0 0 0,1-1 0 0 0,-1 1 0 0 0,0 0 0 0 0,0 0 0 0 0,0-1 0 0 0,0 1 0 0 0,0 0 0 0 0,-1 0 0 0 0,1 0 0 0 0,-2-1 0 0 0,1 1 0 0 0,0 0 0 0 0,0 0 0 0 0,-1 1 0 0 0,1-1 0 0 0,0 1 0 0 0,-1-1 0 0 0,1 1 0 0 0,0 0 0 0 0,-1 0 0 0 0,1 0 0 0 0,0 0 0 0 0,-1 0 0 0 0,-1 1 0 0 0,-4 1 0 0 0,1 0 0 0 0,0 0 0 0 0,0 1 0 0 0,0-1 0 0 0,0 2 0 0 0,1-1 0 0 0,-1 1 0 0 0,-6 5 0 0 0,9-6 0 0 0,0 0 0 0 0,0 1 0 0 0,0-1 0 0 0,1 1 0 0 0,-1 0 0 0 0,1 0 0 0 0,0 0 0 0 0,0 0 0 0 0,-2 5 0 0 0,4-6 0 0 0,0 0 0 0 0,0 0 0 0 0,0-1 0 0 0,1 1 0 0 0,-1 0 0 0 0,1 0 0 0 0,-1 0 0 0 0,1 0 0 0 0,0 0 0 0 0,0 0 0 0 0,1 0 0 0 0,-1-1 0 0 0,0 1 0 0 0,1 0 0 0 0,0 0 0 0 0,0 0 0 0 0,1 4 0 0 0,3 5 0 0 0,1-1 0 0 0,0 1 0 0 0,0-1 0 0 0,10 11 0 0 0,-14-18 0 0 0,1-1 0 0 0,0 0 0 0 0,0 0 0 0 0,1 0 0 0 0,-1 0 0 0 0,0 0 0 0 0,5 1 0 0 0,-6-3 0 0 0,0 0 0 0 0,0 0 0 0 0,0 0 0 0 0,0 0 0 0 0,0-1 0 0 0,0 1 0 0 0,0-1 0 0 0,0 1 0 0 0,1-1 0 0 0,-1 0 0 0 0,0 0 0 0 0,0 0 0 0 0,0 0 0 0 0,5-1 0 0 0,-5 0 0 0 0,0 0 0 0 0,0 0 0 0 0,0 0 0 0 0,0 0 0 0 0,0 0 0 0 0,0-1 0 0 0,0 1 0 0 0,0 0 0 0 0,-1-1 0 0 0,1 0 0 0 0,0 1 0 0 0,-1-1 0 0 0,0 0 0 0 0,1 0 0 0 0,-1 0 0 0 0,0 0 0 0 0,0 0 0 0 0,0 0 0 0 0,0 0 0 0 0,0 0 0 0 0,0 0 0 0 0,0-4 0 0 0,1-3 0 0 0,0 0 0 0 0,0 0 0 0 0,-1 0 0 0 0,-1-12 0 0 0,0 15 0 0 0,0 0 0 0 0,0 0 0 0 0,-1 0 0 0 0,0 0 0 0 0,0 0 0 0 0,-1 0 0 0 0,0 0 0 0 0,0 0 0 0 0,0 1 0 0 0,-5-10 0 0 0,6 14 0 0 0,0 1 0 0 0,0-1 0 0 0,0 0 0 0 0,0 1 0 0 0,0-1 0 0 0,0 1 0 0 0,0-1 0 0 0,0 1 0 0 0,0 0 0 0 0,0-1 0 0 0,0 1 0 0 0,0 0 0 0 0,0 0 0 0 0,0 0 0 0 0,-1-1 0 0 0,1 1 0 0 0,0 1 0 0 0,0-1 0 0 0,0 0 0 0 0,0 0 0 0 0,0 0 0 0 0,0 0 0 0 0,0 1 0 0 0,0-1 0 0 0,0 1 0 0 0,0-1 0 0 0,-2 2 0 0 0,-3 0 0 0 0,0 1 0 0 0,0 0 0 0 0,-8 5 0 0 0,10-5 2 0 0,0 0 0 0 0,0 0-1 0 0,1 0 1 0 0,-1 0-1 0 0,1 1 1 0 0,0-1 0 0 0,-5 9-1 0 0,7-11 1 0 0,0 1 1 0 0,0 0-1 0 0,1 0 0 0 0,-1 0 1 0 0,0 0-1 0 0,1 0 0 0 0,0 0 1 0 0,-1 0-1 0 0,1 0 0 0 0,0 0 1 0 0,0 0-1 0 0,0 0 0 0 0,0 0 1 0 0,0 0-1 0 0,1 0 0 0 0,-1 0 1 0 0,1-1-1 0 0,-1 1 0 0 0,1 0 1 0 0,0 0-1 0 0,1 3 0 0 0,0 0 3 0 0,0 0 0 0 0,1 0-1 0 0,0-1 1 0 0,0 1-1 0 0,0 0 1 0 0,1-1-1 0 0,-1 0 1 0 0,1 0 0 0 0,0 0-1 0 0,0 0 1 0 0,0-1-1 0 0,1 1 1 0 0,4 2-1 0 0,0-4-4 0 0,-8-2 0 0 0,0 0 0 0 0,-1 0 0 0 0,1 0 0 0 0,0 0 0 0 0,-1 0 0 0 0,1 0 0 0 0,0 0 0 0 0,0 1 0 0 0,-1-1 0 0 0,1 0 0 0 0,0 1 0 0 0,-1-1 0 0 0,1 0 0 0 0,-1 1 0 0 0,2 0 0 0 0,1 2 0 0 0</inkml:trace>
+</inkml:ink>
+</file>
+
+<file path=ppt/ink/ink30.xml><?xml version="1.0" encoding="utf-8"?>
+<inkml:ink xmlns:inkml="http://www.w3.org/2003/InkML">
+  <inkml:definitions>
+    <inkml:context xml:id="ctx0">
+      <inkml:inkSource xml:id="inkSrc0">
+        <inkml:traceFormat>
+          <inkml:channel name="X" type="integer" min="-2.14748E9" max="2.14748E9" units="cm"/>
+          <inkml:channel name="Y" type="integer" min="-2.14748E9" max="2.14748E9" units="cm"/>
+          <inkml:channel name="F" type="integer" max="32767" units="dev"/>
+          <inkml:channel name="OA" type="integer" max="360" units="deg"/>
+          <inkml:channel name="OE" type="integer" max="90" units="deg"/>
+        </inkml:traceFormat>
+        <inkml:channelProperties>
+          <inkml:channelProperty channel="X" name="resolution" value="1000" units="1/cm"/>
+          <inkml:channelProperty channel="Y" name="resolution" value="1000" units="1/cm"/>
+          <inkml:channelProperty channel="F" name="resolution" value="0" units="1/dev"/>
+          <inkml:channelProperty channel="OA" name="resolution" value="1000" units="1/deg"/>
+          <inkml:channelProperty channel="OE" name="resolution" value="1000" units="1/deg"/>
+        </inkml:channelProperties>
+      </inkml:inkSource>
+      <inkml:timestamp xml:id="ts0" timeString="2024-11-03T00:06:41.341"/>
+    </inkml:context>
+    <inkml:brush xml:id="br0">
+      <inkml:brushProperty name="width" value="0.2" units="cm"/>
+      <inkml:brushProperty name="height" value="0.2" units="cm"/>
+      <inkml:brushProperty name="color" value="#004F8B"/>
+    </inkml:brush>
+  </inkml:definitions>
+  <inkml:trace contextRef="#ctx0" brushRef="#br0">184 209 24 0 0,'1'-2'-1'0'0,"1"-1"1"0"0,-1 0 0 0 0,0 0 0 0 0,0 0 0 0 0,-1 0 0 0 0,1 0 0 0 0,0 0 0 0 0,-1 0 0 0 0,0 0 0 0 0,0 0 0 0 0,0 0-1 0 0,0-4 1 0 0,-2-5 3 0 0,-5-22 0 0 0,1 6 46 0 0,5 24-43 0 0,-1-6 7 0 0,0 0 0 0 0,1-1 0 0 0,1 1 0 0 0,0-17-1 0 0,0 26-7 0 0,0 0-1 0 0,0 0 0 0 0,1 0 0 0 0,-1 0 0 0 0,0 1 0 0 0,0-1 1 0 0,1 0-1 0 0,-1 0 0 0 0,0 0 0 0 0,1 0 0 0 0,-1 1 0 0 0,1-1 0 0 0,-1 0 1 0 0,1 1-1 0 0,0-1 0 0 0,-1 0 0 0 0,1 1 0 0 0,-1-1 0 0 0,1 0 1 0 0,0 1-1 0 0,0-1 0 0 0,-1 1 0 0 0,3-1 0 0 0,-2 0 3 0 0,1 1 0 0 0,0-1-1 0 0,0 1 1 0 0,0 0 0 0 0,0 0-1 0 0,0 0 1 0 0,0 0 0 0 0,0 0 0 0 0,0 0-1 0 0,3 1 1 0 0,4 1 17 0 0,1 0-1 0 0,-1 1 1 0 0,12 6-1 0 0,-18-8-17 0 0,6 3-5 0 0,1 1 1 0 0,-1 0-1 0 0,0 0 1 0 0,-1 1-1 0 0,1 0 1 0 0,-1 0-1 0 0,0 1 1 0 0,7 8-1 0 0,-12-12-1 0 0,-1 0 0 0 0,1 0 0 0 0,-1 1 0 0 0,0-1 0 0 0,0 0-1 0 0,0 1 1 0 0,0 0 0 0 0,0-1 0 0 0,-1 1 0 0 0,0 0 0 0 0,0 0 0 0 0,0 0 0 0 0,0 0 0 0 0,0 0-1 0 0,-1 0 1 0 0,0 0 0 0 0,0 0 0 0 0,0 0 0 0 0,0 0 0 0 0,-1 0 0 0 0,0 0 0 0 0,1 0 0 0 0,-3 6-1 0 0,-1 2 1 0 0,-1-1 0 0 0,0 0 0 0 0,0-1 0 0 0,-1 1 0 0 0,0-1 0 0 0,-1 0 0 0 0,0-1 0 0 0,-1 1 0 0 0,0-2 0 0 0,-9 9 0 0 0,6-7 0 0 0,1 0 0 0 0,-11 13 0 0 0,12-12 0 0 0,-1-1 0 0 0,-13 11 0 0 0,1-4 0 0 0,-28 18 0 0 0,40-29 0 0 0,-1 0 0 0 0,0-1 0 0 0,-1 0 0 0 0,1-1 0 0 0,-15 3 0 0 0,21-6 0 0 0,1 0 0 0 0,0 0 0 0 0,0 0 0 0 0,0 1 0 0 0,0-1 0 0 0,0 1 0 0 0,0 0 0 0 0,0 0 0 0 0,0 1 0 0 0,-6 4 0 0 0,29-3 0 0 0,74 17 0 0 0,-57-12 0 0 0,68 9 0 0 0,-12-17 0 0 0,-4-1 0 0 0,-65 0 0 0 0,-19-1 0 0 0,-1 1 0 0 0,1 0 0 0 0,0 0 0 0 0,0 0 0 0 0,0 0 0 0 0,0 1 0 0 0,-1-1 0 0 0,1 1 0 0 0,0 0 0 0 0,0 0 0 0 0,3 2 0 0 0,-6-2 0 0 0,1 0 0 0 0,-1 0 0 0 0,-1 0 0 0 0,1 1 0 0 0,0-1 0 0 0,0 0 0 0 0,0 0 0 0 0,-1 0 0 0 0,1 1 0 0 0,0-1 0 0 0,-1 0 0 0 0,1 1 0 0 0,-1-1 0 0 0,0 1 0 0 0,1-1 0 0 0,-1 0 0 0 0,0 1 0 0 0,0-1 0 0 0,0 1 0 0 0,0-1 0 0 0,0 3 0 0 0,0 1 0 0 0,-1 1 0 0 0,0-1 0 0 0,0 0 0 0 0,-2 8 0 0 0,-7 5 0 0 0,5-14 0 0 0</inkml:trace>
+</inkml:ink>
+</file>
+
+<file path=ppt/ink/ink31.xml><?xml version="1.0" encoding="utf-8"?>
+<inkml:ink xmlns:inkml="http://www.w3.org/2003/InkML">
+  <inkml:definitions>
+    <inkml:context xml:id="ctx0">
+      <inkml:inkSource xml:id="inkSrc0">
+        <inkml:traceFormat>
+          <inkml:channel name="X" type="integer" min="-2.14748E9" max="2.14748E9" units="cm"/>
+          <inkml:channel name="Y" type="integer" min="-2.14748E9" max="2.14748E9" units="cm"/>
+          <inkml:channel name="F" type="integer" max="32767" units="dev"/>
+          <inkml:channel name="OA" type="integer" max="360" units="deg"/>
+          <inkml:channel name="OE" type="integer" max="90" units="deg"/>
+        </inkml:traceFormat>
+        <inkml:channelProperties>
+          <inkml:channelProperty channel="X" name="resolution" value="1000" units="1/cm"/>
+          <inkml:channelProperty channel="Y" name="resolution" value="1000" units="1/cm"/>
+          <inkml:channelProperty channel="F" name="resolution" value="0" units="1/dev"/>
+          <inkml:channelProperty channel="OA" name="resolution" value="1000" units="1/deg"/>
+          <inkml:channelProperty channel="OE" name="resolution" value="1000" units="1/deg"/>
+        </inkml:channelProperties>
+      </inkml:inkSource>
+      <inkml:timestamp xml:id="ts0" timeString="2024-11-03T00:06:42.488"/>
+    </inkml:context>
+    <inkml:brush xml:id="br0">
+      <inkml:brushProperty name="width" value="0.2" units="cm"/>
+      <inkml:brushProperty name="height" value="0.2" units="cm"/>
+      <inkml:brushProperty name="color" value="#004F8B"/>
+    </inkml:brush>
+  </inkml:definitions>
+  <inkml:trace contextRef="#ctx0" brushRef="#br0">561 1110 55 0 0,'3'3'6'0'0,"0"0"0"0"0,1-1 0 0 0,-1 0 0 0 0,8 4 0 0 0,-8-4 3 0 0,1 0 0 0 0,-1 0 0 0 0,0 0 0 0 0,6 6 0 0 0,-6-6 1 0 0,0 0 0 0 0,0 0 0 0 0,-1 0-1 0 0,1 0 1 0 0,1-1 0 0 0,-1 1 0 0 0,0-1 0 0 0,0 0 0 0 0,0 1-1 0 0,1-2 1 0 0,4 2 0 0 0,41 3 16 0 0,-35-5 11 0 0,73 7-37 0 0,-62-7 0 0 0,0-1 0 0 0,33-5 0 0 0,-42 4 0 0 0,2-1 0 0 0,0-1 0 0 0,0 0 0 0 0,-1-2 0 0 0,1 0 0 0 0,-1-1 0 0 0,-1 0 0 0 0,1-1 0 0 0,-1-1 0 0 0,-1-1 0 0 0,1 0 0 0 0,17-17 0 0 0,-21 16 0 0 0,0 0 0 0 0,0-1 0 0 0,-1-1 0 0 0,-1 1 0 0 0,0-2 0 0 0,-1 0 0 0 0,0 0 0 0 0,-1-1 0 0 0,-1 1 0 0 0,0-2 0 0 0,-1 1 0 0 0,7-27 0 0 0,-4-4 0 0 0,-2 0 0 0 0,-3 0 0 0 0,-1 0 0 0 0,-2 0 0 0 0,-7-63 0 0 0,2 84 0 0 0,0 0 0 0 0,-2 1 0 0 0,-1-1 0 0 0,-1 1 0 0 0,0 1 0 0 0,-2 0 0 0 0,-1 0 0 0 0,-1 1 0 0 0,-24-35 0 0 0,27 47 0 0 0,1-1 0 0 0,-2 2 0 0 0,1-1 0 0 0,-1 1 0 0 0,-1 0 0 0 0,0 1 0 0 0,0 1 0 0 0,-1 0 0 0 0,-14-7 0 0 0,-1 2 2 0 0,0 1 1 0 0,0 2 0 0 0,-36-8 0 0 0,44 13 8 0 0,-6-1 3 0 0,1-2 0 0 0,-23-8 0 0 0,30 9-14 0 0,0 1 0 0 0,0 0 0 0 0,-30-3 0 0 0,15 3 0 0 0,21 3 0 0 0,0-1 0 0 0,-19-9 0 0 0,19 8 0 0 0,-1-1 0 0 0,-15-2 0 0 0,5 1-2 0 0,-13-1 15 0 0,3 6 11 0 0,-42 5 1 0 0,55-3-21 0 0,-12 2 8 0 0,20-1-2 0 0,0-1 1 0 0,0 0-1 0 0,-1-1 1 0 0,-17-2-1 0 0,23 2-10 0 0,1 0 0 0 0,0 0 0 0 0,0 0 0 0 0,-1 1 0 0 0,1-1 0 0 0,0 1 0 0 0,0 1 0 0 0,0-1 0 0 0,0 1 0 0 0,0 0 0 0 0,0 0 0 0 0,0 0 0 0 0,1 0 0 0 0,-1 1 0 0 0,1 0 0 0 0,0 0 0 0 0,-5 4 0 0 0,-3 4 2 0 0,0 0 0 0 0,1 0 1 0 0,0 1-1 0 0,-12 18 0 0 0,7-6 24 0 0,-23 43 1 0 0,33-54-17 0 0,0 0 1 0 0,1 0 0 0 0,1 1 0 0 0,0-1 0 0 0,-3 23-1 0 0,-14 117-10 0 0,7 177 0 0 0,14-321 0 0 0,1 1 0 0 0,0-1 0 0 0,0 0 0 0 0,1 0 0 0 0,1 0 0 0 0,4 13 0 0 0,-6-18 0 0 0,1-1 0 0 0,0 1 0 0 0,0-1 0 0 0,0 1 0 0 0,0-1 0 0 0,1 0 0 0 0,0 1 0 0 0,-1-1 0 0 0,6 4 0 0 0,2 2 0 0 0,10 16 0 0 0,-18-22 0 0 0,0 1 0 0 0,1 0 0 0 0,0-1 0 0 0,-1 0 0 0 0,1 0 0 0 0,0 0 0 0 0,1 0 0 0 0,-1 0 0 0 0,0-1 0 0 0,1 1 0 0 0,0-1 0 0 0,7 3 0 0 0,7 2 0 0 0,-10-4 0 0 0,1 1 0 0 0,0-1 0 0 0,0-1 0 0 0,1 0 0 0 0,10 1 0 0 0,14 0 0 0 0,-18-1 0 0 0,28 0 0 0 0,3-10 0 0 0,-38 6 0 0 0,1 0 0 0 0,-1 0 0 0 0,1 1 0 0 0,13 0 0 0 0,-20 2 0 0 0,1-1 0 0 0,0 0 0 0 0,-1 0 0 0 0,1-1 0 0 0,-1 1 0 0 0,1-1 0 0 0,-1 0 0 0 0,1 0 0 0 0,-1 0 0 0 0,5-2 0 0 0,-5 3 0 0 0,0-1 0 0 0,0 0 0 0 0,-1 1 0 0 0,1 0 0 0 0,0-1 0 0 0,0 1 0 0 0,0 1 0 0 0,0-1 0 0 0,0 0 0 0 0,0 1 0 0 0,0-1 0 0 0,0 1 0 0 0,0 0 0 0 0,0 0 0 0 0,-1 0 0 0 0,1 0 0 0 0,0 1 0 0 0,-1-1 0 0 0,4 2 0 0 0,-3 0 0 0 0,1-2 0 0 0,-1 1 0 0 0,1 0 0 0 0,0-1 0 0 0,0 0 0 0 0,0 0 0 0 0,0 0 0 0 0,6 1 0 0 0,-9-2 0 0 0,0 0 0 0 0,0 0 0 0 0,-1 0 0 0 0,1-1 0 0 0,0 1 0 0 0,0 1 0 0 0,0-1 0 0 0,-1 0 0 0 0,1 0 0 0 0,0 0 0 0 0,0 0 0 0 0,0 0 0 0 0,-1 1 0 0 0,1-1 0 0 0,0 0 0 0 0,0 1 0 0 0,-1-1 0 0 0,1 1 0 0 0,0-1 0 0 0,-1 1 0 0 0,1-1 0 0 0,0 1 0 0 0,-5 5 0 0 0,-1-2 0 0 0</inkml:trace>
+</inkml:ink>
+</file>
+
+<file path=ppt/ink/ink32.xml><?xml version="1.0" encoding="utf-8"?>
+<inkml:ink xmlns:inkml="http://www.w3.org/2003/InkML">
+  <inkml:definitions>
+    <inkml:context xml:id="ctx0">
+      <inkml:inkSource xml:id="inkSrc0">
+        <inkml:traceFormat>
+          <inkml:channel name="X" type="integer" min="-2.14748E9" max="2.14748E9" units="cm"/>
+          <inkml:channel name="Y" type="integer" min="-2.14748E9" max="2.14748E9" units="cm"/>
+          <inkml:channel name="F" type="integer" max="32767" units="dev"/>
+          <inkml:channel name="OA" type="integer" max="360" units="deg"/>
+          <inkml:channel name="OE" type="integer" max="90" units="deg"/>
+        </inkml:traceFormat>
+        <inkml:channelProperties>
+          <inkml:channelProperty channel="X" name="resolution" value="1000" units="1/cm"/>
+          <inkml:channelProperty channel="Y" name="resolution" value="1000" units="1/cm"/>
+          <inkml:channelProperty channel="F" name="resolution" value="0" units="1/dev"/>
+          <inkml:channelProperty channel="OA" name="resolution" value="1000" units="1/deg"/>
+          <inkml:channelProperty channel="OE" name="resolution" value="1000" units="1/deg"/>
+        </inkml:channelProperties>
+      </inkml:inkSource>
+      <inkml:timestamp xml:id="ts0" timeString="2024-11-03T00:06:44.877"/>
+    </inkml:context>
+    <inkml:brush xml:id="br0">
+      <inkml:brushProperty name="width" value="0.2" units="cm"/>
+      <inkml:brushProperty name="height" value="0.2" units="cm"/>
+      <inkml:brushProperty name="color" value="#004F8B"/>
+    </inkml:brush>
+  </inkml:definitions>
+  <inkml:trace contextRef="#ctx0" brushRef="#br0">1 67 7 0 0,'5'-2'-5'0'0,"3"-4"74"0"0,-3 7-5 0 0,15 2-10 0 0,-20-3-53 0 0,0 0 0 0 0,1 0 0 0 0,-1 0 0 0 0,0 0 0 0 0,1 0 0 0 0,-1 0 0 0 0,0 0 0 0 0,0 0 0 0 0,1 0 0 0 0,-1 0 0 0 0,0 0 0 0 0,1 0 0 0 0,-1 0 0 0 0,0 0 0 0 0,1 0 0 0 0,-1 0 0 0 0,0-1 0 0 0,0 1 0 0 0,1 0 0 0 0,-1 0 0 0 0,0 0 0 0 0,0 0 0 0 0,1-1 0 0 0,-1 1 0 0 0,0 0 0 0 0,0 0 0 0 0,0-1 0 0 0,1 1 0 0 0,-1 0 0 0 0,0 0 0 0 0,0-1 0 0 0,0 1 0 0 0,0 0 0 0 0,0-1 0 0 0,0 1 0 0 0,1 0 0 0 0,-1 0 0 0 0,0-1 0 0 0,0 1 0 0 0,0-1 0 0 0,-2-9 31 0 0,2 10-31 0 0,-2-7-1 0 0,1 1 0 0 0,-1-1 0 0 0,0 1 0 0 0,-1 0 0 0 0,-2-6 0 0 0,4 10 0 0 0,0 4 0 0 0</inkml:trace>
+</inkml:ink>
+</file>
+
+<file path=ppt/ink/ink33.xml><?xml version="1.0" encoding="utf-8"?>
+<inkml:ink xmlns:inkml="http://www.w3.org/2003/InkML">
+  <inkml:definitions>
+    <inkml:context xml:id="ctx0">
+      <inkml:inkSource xml:id="inkSrc0">
+        <inkml:traceFormat>
+          <inkml:channel name="X" type="integer" min="-2.14748E9" max="2.14748E9" units="cm"/>
+          <inkml:channel name="Y" type="integer" min="-2.14748E9" max="2.14748E9" units="cm"/>
+          <inkml:channel name="F" type="integer" max="32767" units="dev"/>
+          <inkml:channel name="OA" type="integer" max="360" units="deg"/>
+          <inkml:channel name="OE" type="integer" max="90" units="deg"/>
+        </inkml:traceFormat>
+        <inkml:channelProperties>
+          <inkml:channelProperty channel="X" name="resolution" value="1000" units="1/cm"/>
+          <inkml:channelProperty channel="Y" name="resolution" value="1000" units="1/cm"/>
+          <inkml:channelProperty channel="F" name="resolution" value="0" units="1/dev"/>
+          <inkml:channelProperty channel="OA" name="resolution" value="1000" units="1/deg"/>
+          <inkml:channelProperty channel="OE" name="resolution" value="1000" units="1/deg"/>
+        </inkml:channelProperties>
+      </inkml:inkSource>
+      <inkml:timestamp xml:id="ts0" timeString="2024-11-03T00:07:01.879"/>
+    </inkml:context>
+    <inkml:brush xml:id="br0">
+      <inkml:brushProperty name="width" value="0.2" units="cm"/>
+      <inkml:brushProperty name="height" value="0.2" units="cm"/>
+      <inkml:brushProperty name="color" value="#004F8B"/>
+    </inkml:brush>
+  </inkml:definitions>
+  <inkml:trace contextRef="#ctx0" brushRef="#br0">5756 272 24 0 0,'39'1'0'0'0,"-35"0"0"0"0,-3-1 0 0 0,0 1 0 0 0,0-1 0 0 0,0 1 0 0 0,0-1 0 0 0,0 0 0 0 0,0 1 0 0 0,0-1 0 0 0,0 0 0 0 0,0 0 0 0 0,0 0 0 0 0,0 0 0 0 0,0 0 0 0 0,0 0 0 0 0,0 0 0 0 0,1 0 0 0 0,1-1 0 0 0,-4 1 0 0 0,1 0 0 0 0,-1 0 0 0 0,0 0 0 0 0,1 0 0 0 0,-1 0 0 0 0,1 0 0 0 0,-1 0 0 0 0,1 0 0 0 0,-1 0 0 0 0,1 0 0 0 0,-1 0 0 0 0,0-1 0 0 0,1 1 0 0 0,-1 0 0 0 0,1 0 0 0 0,-1 0 0 0 0,1-1 0 0 0,-1 1 0 0 0,1 0 0 0 0,-1-1 0 0 0,1 1 0 0 0,-1-1 0 0 0,-17-12-1 0 0,7 4 2 0 0,10 9 0 0 0,0-1 0 0 0,0 1 0 0 0,1-1 0 0 0,-1 1 0 0 0,0-1 0 0 0,0 1 0 0 0,0-1 0 0 0,0 1 0 0 0,0 0 0 0 0,0 0 0 0 0,0-1 0 0 0,1 1 0 0 0,-1 0 0 0 0,0 0 0 0 0,0 0 1 0 0,0 0-1 0 0,0 0 0 0 0,0 0 0 0 0,0 0 0 0 0,0 0 0 0 0,0 1 0 0 0,0-1 0 0 0,0 0 0 0 0,0 0 0 0 0,0 1 0 0 0,1-1 0 0 0,-1 1 0 0 0,0-1 0 0 0,-1 2 0 0 0,0 0 3 0 0,0 0-1 0 0,0 1 0 0 0,1-1 0 0 0,-1 0 0 0 0,1 1 1 0 0,-1 0-1 0 0,1-1 0 0 0,0 1 0 0 0,-1 3 0 0 0,-4 16 8 0 0,-4 23 0 0 0,8-30-4 0 0,-1 0 0 0 0,-1-1 0 0 0,0 1 0 0 0,-1-1 0 0 0,-9 17 0 0 0,7-17-7 0 0,-20 32 0 0 0,25-43 0 0 0,-1 1 0 0 0,0 0 0 0 0,0-1 0 0 0,0 0 0 0 0,0 0 0 0 0,0 0 0 0 0,-1 0 0 0 0,0 0 0 0 0,-4 2 0 0 0,7-5 0 0 0,0 1 0 0 0,0-1 0 0 0,0 0 0 0 0,0 0 0 0 0,-1 1 0 0 0,1-1 0 0 0,0 0 0 0 0,0 0 0 0 0,0 0 0 0 0,0 0 0 0 0,0-1 0 0 0,0 1 0 0 0,0 0 0 0 0,-1 0 0 0 0,1-1 0 0 0,0 1 0 0 0,0 0 0 0 0,0-1 0 0 0,0 1 0 0 0,0-1 0 0 0,0 0 0 0 0,0 1 0 0 0,0-1 0 0 0,1 0 0 0 0,-1 1 0 0 0,0-1 0 0 0,0 0 0 0 0,-1-2 0 0 0,-1-1 0 0 0,-1 0 0 0 0,1-1 0 0 0,0 1 0 0 0,-3-8 0 0 0,-44-112 0 0 0,40 96 0 0 0,8 25 0 0 0,1-1 0 0 0,-1 0 0 0 0,0 1 0 0 0,0-1 0 0 0,0 1 0 0 0,-1-1 0 0 0,1 1 0 0 0,-1 0 0 0 0,0 0 0 0 0,0 0 0 0 0,0 1 0 0 0,0-1 0 0 0,0 1 0 0 0,0-1 0 0 0,-1 1 0 0 0,0 0 0 0 0,1 1 0 0 0,-5-3 0 0 0,0 2 0 0 0,1 0 0 0 0,-1 0 0 0 0,1 0 0 0 0,-1 1 0 0 0,0 1 0 0 0,1-1 0 0 0,-1 1 0 0 0,-14 2 0 0 0,19-2 2 0 0,-1 1 0 0 0,0 0-1 0 0,1 1 1 0 0,0-1 0 0 0,-1 1-1 0 0,1-1 1 0 0,0 1 0 0 0,0 0-1 0 0,0 0 1 0 0,0 0-1 0 0,0 1 1 0 0,0-1 0 0 0,1 1-1 0 0,-1 0 1 0 0,1-1 0 0 0,-1 1-1 0 0,-1 4 1 0 0,0-2 6 0 0,-1 0 1 0 0,0 1 0 0 0,-6 4-1 0 0,11-10-8 0 0,-1 1 0 0 0,1-1 0 0 0,-1 0 0 0 0,1 1 0 0 0,-1-1 0 0 0,1 0 0 0 0,-1 0 0 0 0,1 0 0 0 0,-1 0 0 0 0,1 1 0 0 0,-1-1 0 0 0,1 0 0 0 0,-1 0 0 0 0,0 0 0 0 0,1 0 0 0 0,-1 0 0 0 0,1 0 0 0 0,-1 0 0 0 0,1 0 0 0 0,-1-1 0 0 0,0 1 0 0 0,1 0 0 0 0,-1 0 0 0 0,1 0 0 0 0,-1 0 0 0 0,1 0 0 0 0,-1 0 0 0 0,1 0 0 0 0,-1 0 0 0 0,1 0 0 0 0,-1 0 0 0 0,1 0 0 0 0,-1 0 0 0 0,1 0 0 0 0,-1 0 0 0 0,1 0 0 0 0,-1 1 0 0 0,1-1 0 0 0,0 0 0 0 0,-1 0 0 0 0,1 0 0 0 0,-1 1 0 0 0,1-1 0 0 0,-6 6 0 0 0,1 0 0 0 0,1 0 0 0 0,-1 0 0 0 0,-4 11 0 0 0,-5 4 0 0 0,7-11 0 0 0,6-7 0 0 0,-1 0 0 0 0,1 0 0 0 0,-1 0 0 0 0,0-1 0 0 0,-1 1 0 0 0,1-1 0 0 0,0 1 0 0 0,-1-1 0 0 0,1 0 0 0 0,-1 0 0 0 0,0 0 0 0 0,-5 3 0 0 0,6-3 0 0 0,0-1 0 0 0,-1 1 0 0 0,1 0 0 0 0,0 0 0 0 0,1 0 0 0 0,-1 0 0 0 0,0 0 0 0 0,0 0 0 0 0,1 1 0 0 0,-1-1 0 0 0,-1 5 0 0 0,-10 11 0 0 0,11-15 0 0 0,-1-1 0 0 0,1 1 0 0 0,-1-1 0 0 0,0 0 0 0 0,0 0 0 0 0,0 0 0 0 0,0 0 0 0 0,0-1 0 0 0,0 1 0 0 0,0-1 0 0 0,-5 2 0 0 0,6-3 0 0 0,-1 0 0 0 0,1 0 0 0 0,0 0 0 0 0,-1 0 0 0 0,1 0 0 0 0,0 0 0 0 0,-1 0 0 0 0,1-1 0 0 0,0 0 0 0 0,-1 1 0 0 0,1-1 0 0 0,0 0 0 0 0,0 0 0 0 0,-1 0 0 0 0,1 0 0 0 0,0 0 0 0 0,-2-3 0 0 0,-20-15 0 0 0,1-1 0 0 0,-31-33 0 0 0,22 20 0 0 0,16 15 0 0 0,-19-27 0 0 0,26 33 0 0 0,0 0 0 0 0,-1 0 0 0 0,0 0 0 0 0,-1 1 0 0 0,-21-16 0 0 0,27 24 0 0 0,0-1 0 0 0,-1 1 0 0 0,1 0 0 0 0,-1 0 0 0 0,0 0 0 0 0,0 1 0 0 0,0 0 0 0 0,-10-2 0 0 0,13 4 0 0 0,0-1 0 0 0,0 1 0 0 0,0 0 0 0 0,-1 1 0 0 0,1-1 0 0 0,0 0 0 0 0,0 1 0 0 0,0 0 0 0 0,0-1 0 0 0,0 1 0 0 0,0 1 0 0 0,0-1 0 0 0,0 0 0 0 0,0 1 0 0 0,1-1 0 0 0,-1 1 0 0 0,0 0 0 0 0,1 0 0 0 0,-3 2 0 0 0,-7 9 0 0 0,0 0 0 0 0,1 1 0 0 0,-16 27 0 0 0,2-4 0 0 0,14-22 0 0 0,0 0 0 0 0,0-2 0 0 0,-2 1 0 0 0,-15 13 0 0 0,24-24 0 0 0,0 0 0 0 0,1 0 0 0 0,-1-1 0 0 0,-1 1 0 0 0,1-1 0 0 0,0 0 0 0 0,-1 0 0 0 0,1 0 0 0 0,-1 0 0 0 0,1-1 0 0 0,-1 0 0 0 0,0 0 0 0 0,1 0 0 0 0,-1-1 0 0 0,0 1 0 0 0,0-1 0 0 0,0 0 0 0 0,1 0 0 0 0,-1-1 0 0 0,-8-1 0 0 0,-8-5 0 0 0,0-1 0 0 0,1-1 0 0 0,-32-18 0 0 0,-50-41 0 0 0,84 55 0 0 0,1 3 0 0 0,-1 0 0 0 0,0 1 0 0 0,0 1 0 0 0,-33-10 0 0 0,15 5 0 0 0,16 7 0 0 0,1 1 0 0 0,-1 1 0 0 0,0 1 0 0 0,0 1 0 0 0,0 1 0 0 0,-35 1 0 0 0,44 2 0 0 0,0 0 0 0 0,0 0 0 0 0,0 0 0 0 0,1 2 0 0 0,-1-1 0 0 0,1 1 0 0 0,0 1 0 0 0,0 0 0 0 0,1 0 0 0 0,-1 1 0 0 0,1 0 0 0 0,0 1 0 0 0,1 0 0 0 0,0 0 0 0 0,0 1 0 0 0,0 0 0 0 0,-9 13 0 0 0,12-15 0 0 0,0 1 0 0 0,-1-1 0 0 0,0 0 0 0 0,0 0 0 0 0,-1-1 0 0 0,0 1 0 0 0,-9 4 0 0 0,12-8 0 0 0,0 0 0 0 0,0 0 0 0 0,0-1 0 0 0,0 1 0 0 0,0-1 0 0 0,0 0 0 0 0,-1 0 0 0 0,1-1 0 0 0,0 1 0 0 0,-1-1 0 0 0,1 0 0 0 0,0 0 0 0 0,-1-1 0 0 0,1 1 0 0 0,0-1 0 0 0,-6-1 0 0 0,0-2 0 0 0,-1 0 0 0 0,1 0 0 0 0,0-1 0 0 0,0-1 0 0 0,-15-10 0 0 0,-43-40 0 0 0,40 32 0 0 0,-5-6 0 0 0,18 15 0 0 0,0 2 0 0 0,-23-16 0 0 0,33 25 0 0 0,0 2 0 0 0,0-1 0 0 0,0 0 0 0 0,0 1 0 0 0,0 0 0 0 0,0 0 0 0 0,-1 1 0 0 0,1-1 0 0 0,0 1 0 0 0,-1 0 0 0 0,0 1 0 0 0,1-1 0 0 0,-8 2 0 0 0,12-1 0 0 0,-1 0 0 0 0,1 0 0 0 0,-1 0 0 0 0,1 0 0 0 0,-1-1 0 0 0,1 1 0 0 0,-1 0 0 0 0,1-1 0 0 0,-1 1 0 0 0,1-1 0 0 0,0 1 0 0 0,-1-1 0 0 0,1 0 0 0 0,0 1 0 0 0,-3-3 0 0 0,-1 0 0 0 0,5 3 0 0 0,0 0 0 0 0,-1 0 0 0 0,1-1 0 0 0,-1 1 0 0 0,1 0 0 0 0,-1 0 0 0 0,1 0 0 0 0,-1 0 0 0 0,1 0 0 0 0,-1 0 0 0 0,1 0 0 0 0,0 0 0 0 0,-1 0 0 0 0,1 0 0 0 0,-1 0 0 0 0,1 0 0 0 0,-1 0 0 0 0,1 0 0 0 0,-1 0 0 0 0,1 0 0 0 0,-1 0 0 0 0,1 1 0 0 0,-1-1 0 0 0,1 0 0 0 0,-1 1 0 0 0,-10 9 0 0 0,10-9 0 0 0,0 0 0 0 0,0 0 0 0 0,0 0 0 0 0,0 0 0 0 0,0 0 0 0 0,0 0 0 0 0,0 0 0 0 0,0 0 0 0 0,0 0 0 0 0,-1 0 0 0 0,1-1 0 0 0,0 1 0 0 0,-3 0 0 0 0,3-1 0 0 0,0 0 0 0 0,0 0 0 0 0,0 0 0 0 0,0 0 0 0 0,-1 1 0 0 0,1-1 0 0 0,0 0 0 0 0,0 1 0 0 0,0-1 0 0 0,0 0 0 0 0,0 1 0 0 0,0-1 0 0 0,0 1 0 0 0,0 0 0 0 0,0-1 0 0 0,0 1 0 0 0,0 0 0 0 0,0 0 0 0 0,0-1 0 0 0,1 1 0 0 0,-1 0 0 0 0,0 0 0 0 0,1 0 0 0 0,-1 0 0 0 0,-1 2 0 0 0,-3 5 0 0 0,-1 0 0 0 0,0-1 0 0 0,-1 0 0 0 0,0 0 0 0 0,0 0 0 0 0,0-1 0 0 0,-1 0 0 0 0,0 0 0 0 0,0-1 0 0 0,-1 0 0 0 0,1 0 0 0 0,-1-1 0 0 0,0 0 0 0 0,0-1 0 0 0,-1 0 0 0 0,1-1 0 0 0,-1 1 0 0 0,1-2 0 0 0,-1 1 0 0 0,0-2 0 0 0,0 1 0 0 0,1-1 0 0 0,-16-2 0 0 0,-12-3 0 0 0,1-2 0 0 0,-1-2 0 0 0,1-1 0 0 0,-36-17 0 0 0,47 15 0 0 0,19 8 0 0 0,0 1 0 0 0,0 0 0 0 0,-11-4 0 0 0,0 2 0 0 0,11 3 0 0 0,0 0 0 0 0,0 1 0 0 0,0-1 0 0 0,-1 1 0 0 0,1 0 0 0 0,-10 0 0 0 0,3 2 0 0 0,0 0 0 0 0,1 1 0 0 0,-1 0 0 0 0,-23 7 0 0 0,29-6 0 0 0,-1-1 0 0 0,1 1 0 0 0,-1-2 0 0 0,1 1 0 0 0,-1-1 0 0 0,0 0 0 0 0,1 0 0 0 0,-1-1 0 0 0,0 0 0 0 0,-14-3 0 0 0,19 3 0 0 0,0 0 0 0 0,-1 0 0 0 0,1 0 0 0 0,-1 1 0 0 0,1-1 0 0 0,0 1 0 0 0,-1-1 0 0 0,1 1 0 0 0,0 0 0 0 0,0 1 0 0 0,0-1 0 0 0,0 0 0 0 0,0 1 0 0 0,0 0 0 0 0,0-1 0 0 0,0 1 0 0 0,-3 3 0 0 0,-18 10 0 0 0,15-10 0 0 0,1-2 0 0 0,-1 1 0 0 0,0-1 0 0 0,0-1 0 0 0,0 1 0 0 0,-1-1 0 0 0,1-1 0 0 0,0 0 0 0 0,-16 0 0 0 0,17-1 0 0 0,-1 0 0 0 0,0 1 0 0 0,-12 2 0 0 0,13-1 0 0 0,1-1 0 0 0,-1 0 0 0 0,0-1 0 0 0,-14 0 0 0 0,8-2 0 0 0,0-1 0 0 0,0 0 0 0 0,0-1 0 0 0,-13-6 0 0 0,-52-27 0 0 0,37 16 0 0 0,-58-34 0 0 0,64 37 0 0 0,21 9 0 0 0,-1 2 0 0 0,-25-10 0 0 0,34 15 0 0 0,1 1 0 0 0,-1 0 0 0 0,1 0 0 0 0,-1 0 0 0 0,0 1 0 0 0,1-1 0 0 0,-1 2 0 0 0,0-1 0 0 0,0 1 0 0 0,-8 2 0 0 0,6-1 1 0 0,1 1-1 0 0,-1 0 0 0 0,1 1 0 0 0,-1-1 0 0 0,1 2 0 0 0,0-1 1 0 0,1 1-1 0 0,-10 8 0 0 0,-4 6-3 0 0,-26 28 0 0 0,32-30 17 0 0,-1-1 1 0 0,-1 0-1 0 0,-23 16 1 0 0,35-28-13 0 0,-1-1 0 0 0,1 0 1 0 0,-1 1-1 0 0,-10 2 0 0 0,13-5-2 0 0,0 0 0 0 0,0-1 0 0 0,0 1 0 0 0,0-1 0 0 0,1 0 0 0 0,-1 0 0 0 0,0 0 0 0 0,0 0 0 0 0,0-1 0 0 0,0 1 0 0 0,0-1 0 0 0,0 0 0 0 0,-3-1-1 0 0,-3-1 1 0 0,1-1 0 0 0,0 1 0 0 0,-1-2 0 0 0,1 1 0 0 0,1-1 0 0 0,-1 0 0 0 0,-12-12 0 0 0,-25-23 1 0 0,-48-48 52 0 0,68 61-47 0 0,-43-35-1 0 0,58 54-5 0 0,0 0 0 0 0,-1 1 0 0 0,1 1 0 0 0,-2 0 0 0 0,1 0 0 0 0,0 1 0 0 0,-1 1 0 0 0,-14-5-1 0 0,19 8 1 0 0,1 1 0 0 0,0-1 0 0 0,0 1 0 0 0,0 0 0 0 0,0 1 0 0 0,-1 0 0 0 0,1-1 0 0 0,0 2 0 0 0,0-1 0 0 0,0 1 0 0 0,1 0 0 0 0,-1 0 0 0 0,0 1 0 0 0,1 0 0 0 0,-1 0 0 0 0,1 0 0 0 0,0 0 0 0 0,-5 5 0 0 0,-7 6 0 0 0,1 1 0 0 0,0 0 0 0 0,-22 29 0 0 0,-2 14 0 0 0,28-38 0 0 0,-25 29 0 0 0,32-43 0 0 0,0-1 0 0 0,0 0 0 0 0,-1 0 0 0 0,1 0 0 0 0,-1-1 0 0 0,0 0 0 0 0,-1 0 0 0 0,1-1 0 0 0,-10 5 0 0 0,12-7 0 0 0,0 0 0 0 0,1-1 0 0 0,-1 1 0 0 0,0-1 0 0 0,0 0 0 0 0,0 0 0 0 0,0 0 0 0 0,0 0 0 0 0,1-1 0 0 0,-1 1 0 0 0,0-1 0 0 0,0 0 0 0 0,1 0 0 0 0,-1-1 0 0 0,0 1 0 0 0,1-1 0 0 0,-1 0 0 0 0,1 0 0 0 0,0 0 0 0 0,0 0 0 0 0,-4-3 0 0 0,-5-5 0 0 0,1 0 0 0 0,0-1 0 0 0,1 0 0 0 0,-11-14 0 0 0,7 7 0 0 0,7 7 0 0 0,-2 0 0 0 0,0 1 0 0 0,-11-11 0 0 0,-6-2 0 0 0,-22-19 0 0 0,42 37 0 0 0,0 1 0 0 0,-1 0 0 0 0,1 0 0 0 0,-1 1 0 0 0,0 0 0 0 0,-9-3 0 0 0,14 5 0 0 0,1 1 0 0 0,-1-1 0 0 0,0 1 0 0 0,1 0 0 0 0,-1 0 0 0 0,0 0 0 0 0,1 0 0 0 0,-1 0 0 0 0,0 0 0 0 0,1 0 0 0 0,-1 1 0 0 0,0-1 0 0 0,1 1 0 0 0,-1-1 0 0 0,0 1 0 0 0,1-1 0 0 0,-1 1 0 0 0,1 0 0 0 0,-1 0 0 0 0,1 0 0 0 0,0 0 0 0 0,-1 0 0 0 0,1 0 0 0 0,-2 2 0 0 0,-2 2 0 0 0,1 1 0 0 0,-1 0 0 0 0,1 1 0 0 0,-5 9 0 0 0,7-10 0 0 0,-1-1 0 0 0,0 0 0 0 0,0 0 0 0 0,0-1 0 0 0,-1 1 0 0 0,-3 4 0 0 0,-4-4 0 0 0,9-4 0 0 0</inkml:trace>
+</inkml:ink>
+</file>
+
+<file path=ppt/ink/ink34.xml><?xml version="1.0" encoding="utf-8"?>
+<inkml:ink xmlns:inkml="http://www.w3.org/2003/InkML">
+  <inkml:definitions>
+    <inkml:context xml:id="ctx0">
+      <inkml:inkSource xml:id="inkSrc0">
+        <inkml:traceFormat>
+          <inkml:channel name="X" type="integer" min="-2.14748E9" max="2.14748E9" units="cm"/>
+          <inkml:channel name="Y" type="integer" min="-2.14748E9" max="2.14748E9" units="cm"/>
+          <inkml:channel name="F" type="integer" max="32767" units="dev"/>
+          <inkml:channel name="OA" type="integer" max="360" units="deg"/>
+          <inkml:channel name="OE" type="integer" max="90" units="deg"/>
+        </inkml:traceFormat>
+        <inkml:channelProperties>
+          <inkml:channelProperty channel="X" name="resolution" value="1000" units="1/cm"/>
+          <inkml:channelProperty channel="Y" name="resolution" value="1000" units="1/cm"/>
+          <inkml:channelProperty channel="F" name="resolution" value="0" units="1/dev"/>
+          <inkml:channelProperty channel="OA" name="resolution" value="1000" units="1/deg"/>
+          <inkml:channelProperty channel="OE" name="resolution" value="1000" units="1/deg"/>
+        </inkml:channelProperties>
+      </inkml:inkSource>
+      <inkml:timestamp xml:id="ts0" timeString="2024-11-03T00:07:03.529"/>
+    </inkml:context>
+    <inkml:brush xml:id="br0">
+      <inkml:brushProperty name="width" value="0.2" units="cm"/>
+      <inkml:brushProperty name="height" value="0.2" units="cm"/>
+      <inkml:brushProperty name="color" value="#004F8B"/>
+    </inkml:brush>
+  </inkml:definitions>
+  <inkml:trace contextRef="#ctx0" brushRef="#br0">188 132 7 0 0,'-1'-22'16'0'0,"-1"1"0"0"0,-1-1 0 0 0,-8-25 0 0 0,9 41 2 0 0,-1-6 49 0 0,3 10-34 0 0,4 8-12 0 0,12 16 11 0 0,0 0-1 0 0,2-1 1 0 0,1 0 0 0 0,24 20-1 0 0,-5-5-8 0 0,-30-26-23 0 0,1 1 0 0 0,-1-1 0 0 0,-1 2 0 0 0,10 17 0 0 0,0 3 0 0 0,-9-19 0 0 0,0 1 0 0 0,-2 0 0 0 0,0 0 0 0 0,0 1 0 0 0,-1 0 0 0 0,-1 0 0 0 0,-1 0 0 0 0,0 1 0 0 0,-1-1 0 0 0,0 1 0 0 0,-1-1 0 0 0,-1 1 0 0 0,-4 28 0 0 0,3-38 0 0 0,0-1 0 0 0,-1 1 0 0 0,0-1 0 0 0,0 0 0 0 0,0 1 0 0 0,-1-1 0 0 0,0 0 0 0 0,0 0 0 0 0,0-1 0 0 0,0 1 0 0 0,-1-1 0 0 0,0 1 0 0 0,0-1 0 0 0,0 0 0 0 0,0-1 0 0 0,-1 1 0 0 0,1-1 0 0 0,-1 0 0 0 0,-6 4 0 0 0,1-2 0 0 0,0-1 0 0 0,0 0 0 0 0,-1 0 0 0 0,1-1 0 0 0,-1-1 0 0 0,0 0 0 0 0,1 0 0 0 0,-1-1 0 0 0,-14 0 0 0 0,14 0 0 0 0,0-1 0 0 0,1 0 0 0 0,0-1 0 0 0,-16-2 0 0 0,24 3 0 0 0,0 0 0 0 0,0-1 0 0 0,0 1 0 0 0,0-1 0 0 0,0 0 0 0 0,0 1 0 0 0,1-1 0 0 0,-1 0 0 0 0,0 0 0 0 0,0 0 0 0 0,1 0 0 0 0,-1-1 0 0 0,1 1 0 0 0,-1 0 0 0 0,1-1 0 0 0,-1 1 0 0 0,1-1 0 0 0,0 1 0 0 0,0-1 0 0 0,0 0 0 0 0,0 1 0 0 0,0-1 0 0 0,0 0 0 0 0,-1-3 0 0 0,2 4 0 0 0,0 0 0 0 0,0 0 0 0 0,1 0 0 0 0,-1 0 0 0 0,0 0 0 0 0,0 0 0 0 0,1 0 0 0 0,-1 0 0 0 0,0 0 0 0 0,1 0 0 0 0,-1 1 0 0 0,1-1 0 0 0,-1 0 0 0 0,1 0 0 0 0,0 0 0 0 0,-1 0 0 0 0,1 1 0 0 0,0-1 0 0 0,-1 0 0 0 0,1 1 0 0 0,0-1 0 0 0,0 0 0 0 0,0 1 0 0 0,0-1 0 0 0,1 0 0 0 0,2-1 0 0 0,-1 0 0 0 0,1 1 0 0 0,0-1 0 0 0,0 1 0 0 0,5-2 0 0 0,3 1 0 0 0,0 1 0 0 0,0 1 0 0 0,0 0 0 0 0,-1 0 0 0 0,21 4 0 0 0,-6 1 0 0 0,39 13 0 0 0,-45-10 0 0 0,-1 0 0 0 0,0 1 0 0 0,0 1 0 0 0,-1 1 0 0 0,0 0 0 0 0,-1 1 0 0 0,0 1 0 0 0,-1 1 0 0 0,0 1 0 0 0,-1 0 0 0 0,-1 0 0 0 0,-1 2 0 0 0,0 0 0 0 0,14 23 0 0 0,-26-37 0 0 0,1-1 0 0 0,-1 1 0 0 0,0 0 0 0 0,0 0 0 0 0,0 0 0 0 0,0 0 0 0 0,0-1 0 0 0,0 1 0 0 0,-1 0 0 0 0,0 1 0 0 0,1-1 0 0 0,-1 0 0 0 0,0 0 0 0 0,-1 0 0 0 0,1 0 0 0 0,-2 6 0 0 0,1-6 0 0 0,0 0 0 0 0,-1 1 0 0 0,1-1 0 0 0,-1 0 0 0 0,0 0 0 0 0,0 0 0 0 0,-1 0 0 0 0,1 0 0 0 0,0-1 0 0 0,-1 1 0 0 0,0-1 0 0 0,-4 4 0 0 0,-2 0 0 0 0,0-1 0 0 0,-1 1 0 0 0,0-2 0 0 0,0 1 0 0 0,0-1 0 0 0,0-1 0 0 0,-1 0 0 0 0,-15 3 0 0 0,-17-2 0 0 0,1-2 0 0 0,-84-6 0 0 0,62 0 0 0 0,14 0 0 0 0,45 3 0 0 0,0 0 0 0 0,1 0 0 0 0,-1 0 0 0 0,0 0 0 0 0,1-1 0 0 0,-1 1 0 0 0,1-1 0 0 0,-6-4 0 0 0,6 3 0 0 0,1 0 0 0 0,0 0 0 0 0,0 0 0 0 0,0 0 0 0 0,0-1 0 0 0,0 1 0 0 0,1-1 0 0 0,0 0 0 0 0,0 1 0 0 0,0-1 0 0 0,-2-5 0 0 0,0-4 0 0 0,0 1 0 0 0,-2-19 0 0 0,-4-15 0 0 0,7 44 0 0 0,1 1 0 0 0,-1 0 0 0 0,0 0 0 0 0,1 0 0 0 0,-1 0 0 0 0,0 0 0 0 0,0 1 0 0 0,0-1 0 0 0,-4 1 0 0 0,-7-3 0 0 0,0 2 0 0 0,7 1 0 0 0</inkml:trace>
+</inkml:ink>
+</file>
+
+<file path=ppt/ink/ink35.xml><?xml version="1.0" encoding="utf-8"?>
+<inkml:ink xmlns:inkml="http://www.w3.org/2003/InkML">
+  <inkml:definitions>
+    <inkml:context xml:id="ctx0">
+      <inkml:inkSource xml:id="inkSrc0">
+        <inkml:traceFormat>
+          <inkml:channel name="X" type="integer" min="-2.14748E9" max="2.14748E9" units="cm"/>
+          <inkml:channel name="Y" type="integer" min="-2.14748E9" max="2.14748E9" units="cm"/>
+          <inkml:channel name="F" type="integer" max="32767" units="dev"/>
+          <inkml:channel name="OA" type="integer" max="360" units="deg"/>
+          <inkml:channel name="OE" type="integer" max="90" units="deg"/>
+        </inkml:traceFormat>
+        <inkml:channelProperties>
+          <inkml:channelProperty channel="X" name="resolution" value="1000" units="1/cm"/>
+          <inkml:channelProperty channel="Y" name="resolution" value="1000" units="1/cm"/>
+          <inkml:channelProperty channel="F" name="resolution" value="0" units="1/dev"/>
+          <inkml:channelProperty channel="OA" name="resolution" value="1000" units="1/deg"/>
+          <inkml:channelProperty channel="OE" name="resolution" value="1000" units="1/deg"/>
+        </inkml:channelProperties>
+      </inkml:inkSource>
+      <inkml:timestamp xml:id="ts0" timeString="2024-11-03T00:07:04.644"/>
+    </inkml:context>
+    <inkml:brush xml:id="br0">
+      <inkml:brushProperty name="width" value="0.2" units="cm"/>
+      <inkml:brushProperty name="height" value="0.2" units="cm"/>
+      <inkml:brushProperty name="color" value="#004F8B"/>
+    </inkml:brush>
+  </inkml:definitions>
+  <inkml:trace contextRef="#ctx0" brushRef="#br0">364 1347 24 0 0,'2'0'-1'0'0,"-1"0"1"0"0,1 0 0 0 0,-1-1 0 0 0,1 1 0 0 0,-1 0 0 0 0,0 1 0 0 0,1-1 0 0 0,-1 0 0 0 0,1 0 0 0 0,-1 1 0 0 0,1-1 0 0 0,-1 0 0 0 0,0 1 0 0 0,1 0 0 0 0,1 0 0 0 0,23 13 1 0 0,-23-12-1 0 0,19 10 18 0 0,1-1 0 0 0,0-1 0 0 0,1-1 0 0 0,26 6 1 0 0,100 16 62 0 0,-132-27-62 0 0,8-1-19 0 0,1 0 0 0 0,-1-2 0 0 0,1 0 0 0 0,30-4 0 0 0,-13-3 0 0 0,73-18 0 0 0,-99 19 0 0 0,0-1 0 0 0,0 0 0 0 0,-1-2 0 0 0,0 0 0 0 0,0-1 0 0 0,-1-1 0 0 0,0 0 0 0 0,-1-1 0 0 0,0-1 0 0 0,-1 0 0 0 0,0-1 0 0 0,-1-1 0 0 0,0 0 0 0 0,-1 0 0 0 0,-1-1 0 0 0,0-1 0 0 0,-2 0 0 0 0,1 0 0 0 0,6-19 0 0 0,8-26 0 0 0,-2-1 0 0 0,14-70 0 0 0,-28 97 0 0 0,-2 0 0 0 0,-2-1 0 0 0,-2 1 0 0 0,-1-1 0 0 0,-5-53 0 0 0,-1 57 0 0 0,-3 0 0 0 0,0 1 0 0 0,-2-1 0 0 0,-28-58 0 0 0,31 76 0 0 0,0 0 0 0 0,-1 0 0 0 0,0 1 0 0 0,-1 0 0 0 0,0 1 0 0 0,-1 0 0 0 0,0 0 0 0 0,-1 1 0 0 0,-1 1 0 0 0,-22-17 0 0 0,1 2 0 0 0,-2 3 0 0 0,-1 0 0 0 0,-70-30 0 0 0,81 43 0 0 0,-213-76 0 0 0,213 77 0 0 0,0-1 0 0 0,0-1 0 0 0,-39-22 0 0 0,59 29 1 0 0,0 0 0 0 0,0 1-1 0 0,-1-1 1 0 0,1 1-1 0 0,-1 1 1 0 0,0-1 0 0 0,1 1-1 0 0,-1 0 1 0 0,0 0-1 0 0,0 1 1 0 0,0-1 0 0 0,1 1-1 0 0,-1 1 1 0 0,0-1-1 0 0,0 1 1 0 0,0 0 0 0 0,0 0-1 0 0,-10 4 1 0 0,3 0 16 0 0,0 1-1 0 0,1 0 1 0 0,0 1 0 0 0,0 0-1 0 0,0 1 1 0 0,-18 17-1 0 0,-51 48-16 0 0,-111 130 0 0 0,183-192 3 0 0,-2 1 13 0 0,1 1-1 0 0,1 0 0 0 0,-17 28 0 0 0,20-22-5 0 0,0 0-1 0 0,1 1 1 0 0,0 0-1 0 0,2 0 1 0 0,-1 25-1 0 0,0-7-2 0 0,-1 5 1 0 0,0-2 20 0 0,-15 64 0 0 0,16-88-28 0 0,1 1 0 0 0,1-1 0 0 0,0 1 0 0 0,1 0 0 0 0,1-1 0 0 0,1 1 0 0 0,0 0 0 0 0,1-1 0 0 0,7 26 0 0 0,-4-24 0 0 0,1 1 0 0 0,1-1 0 0 0,1 0 0 0 0,0-1 0 0 0,1 0 0 0 0,1 0 0 0 0,1-1 0 0 0,13 16 0 0 0,-16-24 0 0 0,0 0 0 0 0,1-1 0 0 0,0-1 0 0 0,0 0 0 0 0,1 0 0 0 0,0 0 0 0 0,0-1 0 0 0,11 4 0 0 0,16 6 0 0 0,38 11 0 0 0,-62-23 0 0 0,61 15 64 0 0,-73-18-64 0 0,0 0 0 0 0,0 0 0 0 0,-1 0 0 0 0,1 0 0 0 0,0 0 0 0 0,-1 1 0 0 0,1-1 0 0 0,-1 0 0 0 0,1 0 0 0 0,-1 1 0 0 0,0-1 0 0 0,0 0 0 0 0,1 1 0 0 0,-1-1 0 0 0,0 1 0 0 0,0-1 0 0 0,0 0 0 0 0,-1 3 0 0 0,0-3 0 0 0,0-1 0 0 0,0 1 0 0 0,0 0 0 0 0,0 0 0 0 0,0 0 0 0 0,0 0 0 0 0,0 0 0 0 0,0 0 0 0 0,0 0 0 0 0,0 0 0 0 0,0 2 0 0 0,-3 2 0 0 0</inkml:trace>
+</inkml:ink>
+</file>
+
+<file path=ppt/ink/ink36.xml><?xml version="1.0" encoding="utf-8"?>
+<inkml:ink xmlns:inkml="http://www.w3.org/2003/InkML">
+  <inkml:definitions>
+    <inkml:context xml:id="ctx0">
+      <inkml:inkSource xml:id="inkSrc0">
+        <inkml:traceFormat>
+          <inkml:channel name="X" type="integer" min="-2.14748E9" max="2.14748E9" units="cm"/>
+          <inkml:channel name="Y" type="integer" min="-2.14748E9" max="2.14748E9" units="cm"/>
+          <inkml:channel name="F" type="integer" max="32767" units="dev"/>
+          <inkml:channel name="OA" type="integer" max="360" units="deg"/>
+          <inkml:channel name="OE" type="integer" max="90" units="deg"/>
+        </inkml:traceFormat>
+        <inkml:channelProperties>
+          <inkml:channelProperty channel="X" name="resolution" value="1000" units="1/cm"/>
+          <inkml:channelProperty channel="Y" name="resolution" value="1000" units="1/cm"/>
+          <inkml:channelProperty channel="F" name="resolution" value="0" units="1/dev"/>
+          <inkml:channelProperty channel="OA" name="resolution" value="1000" units="1/deg"/>
+          <inkml:channelProperty channel="OE" name="resolution" value="1000" units="1/deg"/>
+        </inkml:channelProperties>
+      </inkml:inkSource>
+      <inkml:timestamp xml:id="ts0" timeString="2024-11-03T00:07:06.736"/>
+    </inkml:context>
+    <inkml:brush xml:id="br0">
+      <inkml:brushProperty name="width" value="0.2" units="cm"/>
+      <inkml:brushProperty name="height" value="0.2" units="cm"/>
+      <inkml:brushProperty name="color" value="#004F8B"/>
+    </inkml:brush>
+  </inkml:definitions>
+  <inkml:trace contextRef="#ctx0" brushRef="#br0">390 70 55 0 0,'1'0'3'0'0,"0"0"-1"0"0,-1 0 0 0 0,1-1 1 0 0,0 1-1 0 0,0 0 0 0 0,-1-1 0 0 0,1 1 1 0 0,0-1-1 0 0,0 1 0 0 0,-1-1 1 0 0,1 0-1 0 0,-1 1 0 0 0,1-1 0 0 0,0 1 1 0 0,-1-1-1 0 0,1 0 0 0 0,-1 0 1 0 0,0 1-1 0 0,1-1 0 0 0,-1 0 0 0 0,0 0 1 0 0,1 1-1 0 0,-1-1 0 0 0,0 0 1 0 0,0 0-1 0 0,0 0 0 0 0,1-1 0 0 0,-2 1 1 0 0,1 0 0 0 0,-1 0 0 0 0,1 0 0 0 0,-1 0-1 0 0,1 0 1 0 0,-1 1 0 0 0,0-1 0 0 0,1 0 0 0 0,-1 0-1 0 0,0 1 1 0 0,0-1 0 0 0,1 0 0 0 0,-1 1-1 0 0,0-1 1 0 0,0 1 0 0 0,0-1 0 0 0,0 1 0 0 0,0-1-1 0 0,0 1 1 0 0,0 0 0 0 0,0 0 0 0 0,-1-1-1 0 0,-73-12 62 0 0,51 6-46 0 0,0 0 0 0 0,-29-3 0 0 0,49 10-14 0 0,0 0 0 0 0,-1 1 0 0 0,1-1 1 0 0,0 1-1 0 0,0-1 0 0 0,-1 2 0 0 0,1-1 0 0 0,0 0 0 0 0,-7 4 1 0 0,-35 21 27 0 0,39-22-32 0 0,-2 2 6 0 0,-1 0 0 0 0,1 0 0 0 0,1 1 0 0 0,-1 1 0 0 0,1 0-1 0 0,0 0 1 0 0,1 0 0 0 0,0 1 0 0 0,0 0 0 0 0,-7 15-1 0 0,11-19-5 0 0,2-3 0 0 0,0 0 0 0 0,-1 0 0 0 0,2 0 0 0 0,-1 1 0 0 0,0-1 0 0 0,0 0 0 0 0,1 1 0 0 0,-1-1 0 0 0,1 0 0 0 0,0 1 0 0 0,-1 2 0 0 0,4 35 0 0 0,1 0 0 0 0,16 67 0 0 0,-4-25 11 0 0,-9-41 20 0 0,7 35-23 0 0,-3 1-1 0 0,0 79 0 0 0,-18 29-7 0 0,2-104 0 0 0,3 1 0 0 0,11 87 0 0 0,31 66 0 0 0,-38-229 0 0 0,3 24 0 0 0,4 47 0 0 0,-9-64 0 0 0,0-1 0 0 0,0 1 0 0 0,-2 0 0 0 0,1 0 0 0 0,-1-1 0 0 0,-6 17 0 0 0,8-29 0 0 0,0 0 0 0 0,0 1 0 0 0,0-1 0 0 0,0 0 0 0 0,1 1 0 0 0,-1-1 0 0 0,0 0 0 0 0,0 1 0 0 0,0-1 0 0 0,0 0 0 0 0,0 1 0 0 0,0-1 0 0 0,0 0 0 0 0,1 1 0 0 0,-1-1 0 0 0,0 0 0 0 0,0 0 0 0 0,0 1 0 0 0,1-1 0 0 0,-1 0 0 0 0,0 0 0 0 0,1 1 0 0 0,-1-1 0 0 0,0 0 0 0 0,0 0 0 0 0,1 0 0 0 0,-1 0 0 0 0,0 1 0 0 0,1-1 0 0 0,-1 0 0 0 0,0 0 0 0 0,1 0 0 0 0,-1 0 0 0 0,0 0 0 0 0,1 0 0 0 0,16 3 0 0 0,-13-2 0 0 0,88 22 0 0 0,-22-5 0 0 0,-58-15 0 0 0,17 4 0 0 0,0-1 0 0 0,1-2 0 0 0,-1 0 0 0 0,48-2 0 0 0,-58-3 0 0 0,0 1 0 0 0,31 4 0 0 0,-49-4 0 0 0,1 0 0 0 0,0 1 0 0 0,0-1 0 0 0,0 1 0 0 0,-1 0 0 0 0,1-1 0 0 0,0 1 0 0 0,2 1 0 0 0,-4-1 0 0 0,0-1 0 0 0,1 0 0 0 0,-1 0 0 0 0,0 0 0 0 0,0 1 0 0 0,1-1 0 0 0,-1 0 0 0 0,0 0 0 0 0,0 1 0 0 0,0-1 0 0 0,1 0 0 0 0,-1 0 0 0 0,0 1 0 0 0,0-1 0 0 0,0 0 0 0 0,0 1 0 0 0,0-1 0 0 0,1 0 0 0 0,-1 1 0 0 0,0-1 0 0 0,0 0 0 0 0,0 1 0 0 0,0-1 0 0 0,0 0 0 0 0,0 1 0 0 0,0-1 0 0 0,0 0 0 0 0,0 1 0 0 0,0-1 0 0 0,0 0 0 0 0,-1 1 0 0 0,1-1 0 0 0,0 0 0 0 0,0 1 0 0 0,0-1 0 0 0,0 0 0 0 0,0 1 0 0 0,-1-1 0 0 0,1 0 0 0 0,0 0 0 0 0,0 1 0 0 0,0-1 0 0 0,-1 0 0 0 0,1 0 0 0 0,-1 1 0 0 0,-2 3 0 0 0</inkml:trace>
+</inkml:ink>
+</file>
+
+<file path=ppt/ink/ink37.xml><?xml version="1.0" encoding="utf-8"?>
+<inkml:ink xmlns:inkml="http://www.w3.org/2003/InkML">
+  <inkml:definitions>
+    <inkml:context xml:id="ctx0">
+      <inkml:inkSource xml:id="inkSrc0">
+        <inkml:traceFormat>
+          <inkml:channel name="X" type="integer" min="-2.14748E9" max="2.14748E9" units="cm"/>
+          <inkml:channel name="Y" type="integer" min="-2.14748E9" max="2.14748E9" units="cm"/>
+          <inkml:channel name="F" type="integer" max="32767" units="dev"/>
+          <inkml:channel name="OA" type="integer" max="360" units="deg"/>
+          <inkml:channel name="OE" type="integer" max="90" units="deg"/>
+        </inkml:traceFormat>
+        <inkml:channelProperties>
+          <inkml:channelProperty channel="X" name="resolution" value="1000" units="1/cm"/>
+          <inkml:channelProperty channel="Y" name="resolution" value="1000" units="1/cm"/>
+          <inkml:channelProperty channel="F" name="resolution" value="0" units="1/dev"/>
+          <inkml:channelProperty channel="OA" name="resolution" value="1000" units="1/deg"/>
+          <inkml:channelProperty channel="OE" name="resolution" value="1000" units="1/deg"/>
+        </inkml:channelProperties>
+      </inkml:inkSource>
+      <inkml:timestamp xml:id="ts0" timeString="2024-11-03T00:07:07.571"/>
+    </inkml:context>
+    <inkml:brush xml:id="br0">
+      <inkml:brushProperty name="width" value="0.2" units="cm"/>
+      <inkml:brushProperty name="height" value="0.2" units="cm"/>
+      <inkml:brushProperty name="color" value="#004F8B"/>
+    </inkml:brush>
+  </inkml:definitions>
+  <inkml:trace contextRef="#ctx0" brushRef="#br0">112 1 143 0 0,'2'1'0'0'0,"0"1"0"0"0,-1-1 0 0 0,1 1 0 0 0,-1 0 0 0 0,1 0 0 0 0,-1-1 0 0 0,0 1 0 0 0,0 0 0 0 0,0 0 0 0 0,0 0 0 0 0,0 0 0 0 0,0 0 0 0 0,-1 1 0 0 0,2 3 0 0 0,5 32 0 0 0,-6-31 0 0 0,-1-1 0 0 0,0 1 0 0 0,0-1 0 0 0,0 1 0 0 0,-1-1 0 0 0,0 1 0 0 0,0-1 0 0 0,0 0 0 0 0,-1 1 0 0 0,0-1 0 0 0,-1 0 0 0 0,1 0 0 0 0,-6 8 0 0 0,-2 2 0 0 0,-2 0 0 0 0,0 0 0 0 0,-15 15 0 0 0,-7 7 0 0 0,31-34 3 0 0,1 0-1 0 0,-1 0 1 0 0,1 0-1 0 0,0 0 1 0 0,0 0-1 0 0,0 1 0 0 0,0-1 1 0 0,1 1-1 0 0,0-1 1 0 0,0 1-1 0 0,0-1 1 0 0,1 1-1 0 0,-1 0 0 0 0,1 0 1 0 0,1 8-1 0 0,-1-9 5 0 0,1-1-1 0 0,0 1 0 0 0,-1-1 0 0 0,1 1 0 0 0,0-1 1 0 0,1 0-1 0 0,-1 0 0 0 0,1 1 0 0 0,-1-1 0 0 0,1 0 0 0 0,0 0 1 0 0,0-1-1 0 0,0 1 0 0 0,1 0 0 0 0,-1-1 0 0 0,1 1 1 0 0,-1-1-1 0 0,1 0 0 0 0,0 1 0 0 0,0-1 0 0 0,0-1 1 0 0,4 3-1 0 0,24 13 40 0 0,-23-12-38 0 0,0-1 0 0 0,0 0 0 0 0,0 0-1 0 0,11 3 1 0 0,13-1 9 0 0,0 0 0 0 0,1-2-1 0 0,0-1 1 0 0,-1-2 0 0 0,1-1 0 0 0,38-6-1 0 0,-49 4-16 0 0,123-6 0 0 0,-132 10 0 0 0,-13-2 0 0 0,0 1 0 0 0,0-1 0 0 0,0 0 0 0 0,0 0 0 0 0,0 1 0 0 0,0-1 0 0 0,0 0 0 0 0,0 0 0 0 0,0 1 0 0 0,0-1 0 0 0,0 0 0 0 0,0 1 0 0 0,0-1 0 0 0,0 0 0 0 0,0 0 0 0 0,0 1 0 0 0,0-1 0 0 0,0 0 0 0 0,0 0 0 0 0,0 1 0 0 0,0-1 0 0 0,-1 0 0 0 0,1 0 0 0 0,0 0 0 0 0,0 1 0 0 0,0-1 0 0 0,0 0 0 0 0,-1 0 0 0 0,1 0 0 0 0,0 1 0 0 0,0-1 0 0 0,0 0 0 0 0,-1 0 0 0 0,1 0 0 0 0,0 0 0 0 0,0 0 0 0 0,-1 0 0 0 0,1 0 0 0 0,0 1 0 0 0,0-1 0 0 0,-1 0 0 0 0,1 0 0 0 0,-17 5 0 0 0,11-5 0 0 0</inkml:trace>
+</inkml:ink>
+</file>
+
+<file path=ppt/ink/ink38.xml><?xml version="1.0" encoding="utf-8"?>
+<inkml:ink xmlns:inkml="http://www.w3.org/2003/InkML">
+  <inkml:definitions>
+    <inkml:context xml:id="ctx0">
+      <inkml:inkSource xml:id="inkSrc0">
+        <inkml:traceFormat>
+          <inkml:channel name="X" type="integer" min="-2.14748E9" max="2.14748E9" units="cm"/>
+          <inkml:channel name="Y" type="integer" min="-2.14748E9" max="2.14748E9" units="cm"/>
+          <inkml:channel name="F" type="integer" max="32767" units="dev"/>
+          <inkml:channel name="OA" type="integer" max="360" units="deg"/>
+          <inkml:channel name="OE" type="integer" max="90" units="deg"/>
+        </inkml:traceFormat>
+        <inkml:channelProperties>
+          <inkml:channelProperty channel="X" name="resolution" value="1000" units="1/cm"/>
+          <inkml:channelProperty channel="Y" name="resolution" value="1000" units="1/cm"/>
+          <inkml:channelProperty channel="F" name="resolution" value="0" units="1/dev"/>
+          <inkml:channelProperty channel="OA" name="resolution" value="1000" units="1/deg"/>
+          <inkml:channelProperty channel="OE" name="resolution" value="1000" units="1/deg"/>
+        </inkml:channelProperties>
+      </inkml:inkSource>
+      <inkml:timestamp xml:id="ts0" timeString="2024-11-03T00:07:07.972"/>
+    </inkml:context>
+    <inkml:brush xml:id="br0">
+      <inkml:brushProperty name="width" value="0.2" units="cm"/>
+      <inkml:brushProperty name="height" value="0.2" units="cm"/>
+      <inkml:brushProperty name="color" value="#004F8B"/>
+    </inkml:brush>
+  </inkml:definitions>
+  <inkml:trace contextRef="#ctx0" brushRef="#br0">71 13 111 0 0,'0'0'0'0'0,"0"-1"0"0"0,0 1 0 0 0,0 0 0 0 0,0-1 0 0 0,0 1 0 0 0,0-1 0 0 0,0 1 0 0 0,1-1 0 0 0,-1 1 0 0 0,0 0 0 0 0,0-1 0 0 0,0 1 0 0 0,0 0 0 0 0,1-1 0 0 0,-1 1 0 0 0,0-1 0 0 0,0 1 0 0 0,1 0 0 0 0,-1-1 0 0 0,0 1 0 0 0,1 0 0 0 0,-1 0 0 0 0,0-1 0 0 0,1 1 0 0 0,-1 0 0 0 0,0 0 0 0 0,1 0 0 0 0,-1-1 0 0 0,0 1 0 0 0,1 0 0 0 0,-1 0 0 0 0,1 0 0 0 0,6-2 0 0 0,-7 2 0 0 0,1 0 0 0 0,-1 0 0 0 0,1 1 0 0 0,-1-1 0 0 0,1 0 0 0 0,-1 1 0 0 0,0-1 0 0 0,1 1-1 0 0,-1-1 1 0 0,0 0 0 0 0,1 1 0 0 0,-1-1 0 0 0,0 1 0 0 0,1-1 0 0 0,-1 1 0 0 0,0-1-1 0 0,0 1 1 0 0,0-1 0 0 0,0 1 0 0 0,1 0 0 0 0,-1 0 0 0 0,4 13 13 0 0,-1 0 9 0 0,-1 0 0 0 0,0 0 0 0 0,-1 0 0 0 0,0 0 0 0 0,-1 0 0 0 0,-1 0-1 0 0,-1 0 1 0 0,-3 20 0 0 0,-6 9 42 0 0,-23 56 1 0 0,-4 19-14 0 0,33-101-52 0 0,2 0 1 0 0,0 0-1 0 0,1 0 0 0 0,1 1 1 0 0,1 18-1 0 0,1-23 1 0 0,1 0 0 0 0,7 23 0 0 0,0 0 0 0 0,-8-26 0 0 0</inkml:trace>
+</inkml:ink>
+</file>
+
+<file path=ppt/ink/ink39.xml><?xml version="1.0" encoding="utf-8"?>
+<inkml:ink xmlns:inkml="http://www.w3.org/2003/InkML">
+  <inkml:definitions>
+    <inkml:context xml:id="ctx0">
+      <inkml:inkSource xml:id="inkSrc0">
+        <inkml:traceFormat>
+          <inkml:channel name="X" type="integer" min="-2.14748E9" max="2.14748E9" units="cm"/>
+          <inkml:channel name="Y" type="integer" min="-2.14748E9" max="2.14748E9" units="cm"/>
+          <inkml:channel name="F" type="integer" max="32767" units="dev"/>
+          <inkml:channel name="OA" type="integer" max="360" units="deg"/>
+          <inkml:channel name="OE" type="integer" max="90" units="deg"/>
+        </inkml:traceFormat>
+        <inkml:channelProperties>
+          <inkml:channelProperty channel="X" name="resolution" value="1000" units="1/cm"/>
+          <inkml:channelProperty channel="Y" name="resolution" value="1000" units="1/cm"/>
+          <inkml:channelProperty channel="F" name="resolution" value="0" units="1/dev"/>
+          <inkml:channelProperty channel="OA" name="resolution" value="1000" units="1/deg"/>
+          <inkml:channelProperty channel="OE" name="resolution" value="1000" units="1/deg"/>
+        </inkml:channelProperties>
+      </inkml:inkSource>
+      <inkml:timestamp xml:id="ts0" timeString="2024-11-03T00:07:08.587"/>
+    </inkml:context>
+    <inkml:brush xml:id="br0">
+      <inkml:brushProperty name="width" value="0.2" units="cm"/>
+      <inkml:brushProperty name="height" value="0.2" units="cm"/>
+      <inkml:brushProperty name="color" value="#004F8B"/>
+    </inkml:brush>
+  </inkml:definitions>
+  <inkml:trace contextRef="#ctx0" brushRef="#br0">718 1333 24 0 0,'5'7'0'0'0,"3"3"0"0"0,24 12 0 0 0,-19-13 19 0 0,-12-8-17 0 0,-1 0 0 0 0,1 0 0 0 0,0-1 0 0 0,-1 1 0 0 0,1-1-1 0 0,0 1 1 0 0,0 0 0 0 0,-1-1 0 0 0,1 1 0 0 0,0-1 0 0 0,0 0-1 0 0,0 1 1 0 0,0-1 0 0 0,-1 1 0 0 0,1-1 0 0 0,0 0 0 0 0,0 0-1 0 0,0 0 1 0 0,0 0 0 0 0,0 0 0 0 0,0 0 0 0 0,0 0 0 0 0,1 0-1 0 0,-1 0 0 0 0,2-1 8 0 0,1 0 0 0 0,-1 0 0 0 0,1 0 0 0 0,0 1 0 0 0,-1 0 0 0 0,1-1 0 0 0,0 1 0 0 0,-1 1 0 0 0,1-1 0 0 0,0 0 0 0 0,-1 1 0 0 0,8 2 0 0 0,-10-3-9 0 0,1 0 1 0 0,-1 0-1 0 0,1 0 1 0 0,0 0 0 0 0,-1 0-1 0 0,1 0 1 0 0,-1-1-1 0 0,1 1 1 0 0,-1 0-1 0 0,1-1 1 0 0,-1 1-1 0 0,1-1 1 0 0,-1 0 0 0 0,1 1-1 0 0,-1-1 1 0 0,0 0-1 0 0,1 0 1 0 0,0-1-1 0 0,11-5 0 0 0,19-3 17 0 0,49-10 0 0 0,-59 16-12 0 0,1-2 0 0 0,-1 0 0 0 0,0-1 0 0 0,0-1 0 0 0,24-13 0 0 0,-38 17-5 0 0,52-34 0 0 0,-53 32 0 0 0,1 0 0 0 0,-1 0 0 0 0,-1-1 0 0 0,1 0 0 0 0,7-11 0 0 0,-2-1 0 0 0,0-1 0 0 0,-2 0 0 0 0,0 0 0 0 0,-2-1 0 0 0,0-1 0 0 0,-1 1 0 0 0,-2-1 0 0 0,4-25 0 0 0,-2-4 0 0 0,-2-1 0 0 0,-3-75 0 0 0,-6 70 0 0 0,-20-105 0 0 0,20 146 0 0 0,-2-1 0 0 0,0 0 0 0 0,-16-28 0 0 0,20 40 0 0 0,-10-17 0 0 0,-26-34 0 0 0,13 21 0 0 0,18 25 0 0 0,0 0 0 0 0,-1 1 0 0 0,-1 1 0 0 0,0-1 0 0 0,-16-11 0 0 0,-52-31 0 0 0,66 45 0 0 0,-47-27 0 0 0,-1 4 0 0 0,-1 2 0 0 0,-1 2 0 0 0,-2 3 0 0 0,0 3 0 0 0,-1 3 0 0 0,-101-13 0 0 0,138 27 10 0 0,1 1 0 0 0,-50 5 0 0 0,-2 0 24 0 0,69-4-33 0 0,0 1 0 0 0,0 0 0 0 0,0 0 0 0 0,0 1 0 0 0,0 0 0 0 0,0 0 0 0 0,1 1 0 0 0,-1 0 0 0 0,1 1 0 0 0,0 0 0 0 0,-11 6 0 0 0,12-5 13 0 0,0-1-1 0 0,0 1 0 0 0,1 0 0 0 0,0 0 1 0 0,-1 0-1 0 0,2 1 0 0 0,-1 0 0 0 0,1 0 1 0 0,0 1-1 0 0,0 0 0 0 0,0-1 0 0 0,1 1 1 0 0,-4 11-1 0 0,-8 20 13 0 0,2 0 0 0 0,1 1 1 0 0,2 0-1 0 0,2 0 0 0 0,2 1 1 0 0,2 1-1 0 0,-1 75 0 0 0,7-57-15 0 0,3 0 0 0 0,3 0-1 0 0,2-1 1 0 0,3 0 0 0 0,25 75-1 0 0,-26-99-3 0 0,-5-12-10 0 0,1-1-1 0 0,1 0 1 0 0,15 27-1 0 0,-20-42 10 0 0,1 0-1 0 0,0 0 1 0 0,1 0-1 0 0,-1-1 1 0 0,1 0-1 0 0,0 0 0 0 0,1 0 1 0 0,-1 0-1 0 0,1-1 1 0 0,0 0-1 0 0,0 0 1 0 0,1 0-1 0 0,-1-1 1 0 0,12 5-1 0 0,8-1 31 0 0,-1-1 1 0 0,1-2-1 0 0,1 0 0 0 0,33 0 0 0 0,-49-3-32 0 0,1 0-1 0 0,0 1 0 0 0,0 1 1 0 0,-1 0-1 0 0,0 0 0 0 0,1 1 1 0 0,-1 0-1 0 0,0 1 0 0 0,-1 1 0 0 0,1 0 1 0 0,-1 0-1 0 0,-1 1 0 0 0,1 0 1 0 0,10 10-1 0 0,-7-5-77 0 0</inkml:trace>
+</inkml:ink>
+</file>
+
+<file path=ppt/ink/ink4.xml><?xml version="1.0" encoding="utf-8"?>
+<inkml:ink xmlns:inkml="http://www.w3.org/2003/InkML">
+  <inkml:definitions>
+    <inkml:context xml:id="ctx0">
+      <inkml:inkSource xml:id="inkSrc0">
+        <inkml:traceFormat>
+          <inkml:channel name="X" type="integer" min="-2.14748E9" max="2.14748E9" units="cm"/>
+          <inkml:channel name="Y" type="integer" min="-2.14748E9" max="2.14748E9" units="cm"/>
+          <inkml:channel name="F" type="integer" max="32767" units="dev"/>
+          <inkml:channel name="OA" type="integer" max="360" units="deg"/>
+          <inkml:channel name="OE" type="integer" max="90" units="deg"/>
+        </inkml:traceFormat>
+        <inkml:channelProperties>
+          <inkml:channelProperty channel="X" name="resolution" value="1000" units="1/cm"/>
+          <inkml:channelProperty channel="Y" name="resolution" value="1000" units="1/cm"/>
+          <inkml:channelProperty channel="F" name="resolution" value="0" units="1/dev"/>
+          <inkml:channelProperty channel="OA" name="resolution" value="1000" units="1/deg"/>
+          <inkml:channelProperty channel="OE" name="resolution" value="1000" units="1/deg"/>
+        </inkml:channelProperties>
+      </inkml:inkSource>
+      <inkml:timestamp xml:id="ts0" timeString="2024-11-03T00:06:17.039"/>
+    </inkml:context>
+    <inkml:brush xml:id="br0">
+      <inkml:brushProperty name="width" value="0.2" units="cm"/>
+      <inkml:brushProperty name="height" value="0.2" units="cm"/>
+      <inkml:brushProperty name="color" value="#004F8B"/>
+    </inkml:brush>
+  </inkml:definitions>
+  <inkml:trace contextRef="#ctx0" brushRef="#br0">39 38 7 0 0,'15'-15'1'0'0,"-11"12"4"0"0,1 0 0 0 0,-1 1 0 0 0,1-1 1 0 0,0 1-1 0 0,10-3 0 0 0,-14 4-3 0 0,1 0-1 0 0,0 1 1 0 0,-1-1-1 0 0,1 1 1 0 0,0 0-1 0 0,0-1 1 0 0,-1 1-1 0 0,1 0 1 0 0,0 0-1 0 0,0 0 0 0 0,0 0 1 0 0,-1 0-1 0 0,1 1 1 0 0,0-1-1 0 0,0 0 1 0 0,-1 1-1 0 0,1 0 1 0 0,0-1-1 0 0,-1 1 1 0 0,1 0-1 0 0,1 1 0 0 0,1 2 4 0 0,-2-2 1 0 0,0 0 0 0 0,0-1 0 0 0,0 1 0 0 0,0 0 0 0 0,0-1 0 0 0,0 1 0 0 0,0-1 0 0 0,0 0 0 0 0,4 2-1 0 0,-5-2-5 0 0,1-1 0 0 0,-1 1 0 0 0,0 0 0 0 0,0 0 0 0 0,0 0 0 0 0,1 0 0 0 0,-1 0 0 0 0,0 0 0 0 0,0 0 0 0 0,0 0 0 0 0,0 1 0 0 0,-1-1 0 0 0,1 0 0 0 0,0 1 0 0 0,0-1 0 0 0,-1 0 0 0 0,1 1 0 0 0,-1-1 0 0 0,1 1 0 0 0,-1-1 0 0 0,0 1 0 0 0,0-1 0 0 0,1 1 0 0 0,-1-1 0 0 0,0 1 0 0 0,0-1 0 0 0,0 1 0 0 0,-1-1 0 0 0,1 1 0 0 0,0-1 0 0 0,-1 1 0 0 0,1-1 0 0 0,-1 3 0 0 0,0-1 0 0 0,0 1 0 0 0,-1-1 0 0 0,1 0 0 0 0,0 1 0 0 0,-1-1 0 0 0,0 0 0 0 0,0 0 0 0 0,0 0 0 0 0,0 0 0 0 0,0-1 0 0 0,-1 1 0 0 0,1 0 0 0 0,-5 2 0 0 0,5-4 0 0 0,0 0 0 0 0,0 0 0 0 0,-1 0 0 0 0,1 0 0 0 0,0 0 0 0 0,-1 0 0 0 0,1-1 0 0 0,0 1 0 0 0,-1-1 0 0 0,1 0 0 0 0,-1 0 0 0 0,1 0 0 0 0,0 0 0 0 0,-1 0 0 0 0,-3-1 0 0 0,-3-1 0 0 0,1-1 0 0 0,-18-7 0 0 0,-8-3 0 0 0,31 13 0 0 0,1-1 0 0 0,-1 1 0 0 0,1-1 0 0 0,-1 0 0 0 0,1 0 0 0 0,0 0 0 0 0,-1 0 0 0 0,-2-3 0 0 0,5 4 0 0 0,0 0 0 0 0,-1 0 0 0 0,1-1 0 0 0,0 1 0 0 0,0 0 0 0 0,-1 0 0 0 0,1-1 0 0 0,0 1 0 0 0,0 0 0 0 0,0 0 0 0 0,0-1 0 0 0,0 1 0 0 0,-1 0 0 0 0,1-1 0 0 0,0 1 0 0 0,0 0 0 0 0,0-1 0 0 0,0 1 0 0 0,0 0 0 0 0,0-1 0 0 0,0 1 0 0 0,0 0 0 0 0,0-1 0 0 0,0 1 0 0 0,0-1 0 0 0,1 0 0 0 0,-1 1 0 0 0,1-1 0 0 0,-1 0 0 0 0,1 0 0 0 0,-1 1 0 0 0,1-1 0 0 0,0 0 0 0 0,-1 1 0 0 0,1-1 0 0 0,0 1 0 0 0,-1-1 0 0 0,1 0 0 0 0,1 0 0 0 0,3-1 0 0 0,0-1 0 0 0,0 1 0 0 0,0 0 0 0 0,0 1 0 0 0,0-1 0 0 0,0 1 0 0 0,1 0 0 0 0,9 0 0 0 0,-6 0 0 0 0,2-1 12 0 0,-10 1-10 0 0,1 1 0 0 0,-1-1 0 0 0,0 1 0 0 0,1-1 0 0 0,-1 1-1 0 0,0 0 1 0 0,1 0 0 0 0,-1 0 0 0 0,0 0 0 0 0,1 0 0 0 0,-1 0 0 0 0,1 0-1 0 0,-1 0 1 0 0,0 1 0 0 0,1-1 0 0 0,-1 0 0 0 0,0 1 0 0 0,0-1 0 0 0,1 1 0 0 0,-1-1-1 0 0,0 1 1 0 0,0 0 0 0 0,0 0 0 0 0,1-1 0 0 0,-1 1 0 0 0,0 0 0 0 0,1 2-1 0 0,1 2-1 0 0,0 0 0 0 0,-1 0 0 0 0,0 1 0 0 0,0-1 0 0 0,-1 1 0 0 0,3 8 0 0 0,-2-2 0 0 0,-2-8 0 0 0,0 1 0 0 0,0 0 0 0 0,-1 0 0 0 0,1 0 0 0 0,-1-1 0 0 0,0 1 0 0 0,-1 0 0 0 0,1-1 0 0 0,-1 1 0 0 0,-4 6 0 0 0,2 1 0 0 0,2-9 0 0 0,1 0 0 0 0,0 0 0 0 0,-1 0 0 0 0,1 0 0 0 0,-1 0 0 0 0,0 0 0 0 0,0-1 0 0 0,-2 4 0 0 0,3-5 0 0 0,0-1 0 0 0,0 1 0 0 0,0 0 0 0 0,0-1 0 0 0,0 1 0 0 0,0-1 0 0 0,0 1 0 0 0,0-1 0 0 0,0 0 0 0 0,0 1 0 0 0,0-1 0 0 0,0 0 0 0 0,0 0 0 0 0,0 0 0 0 0,0 0 0 0 0,-1 0 0 0 0,1 0 0 0 0,0 0 0 0 0,0 0 0 0 0,0 0 0 0 0,0 0 0 0 0,0 0 0 0 0,0-1 0 0 0,0 1 0 0 0,0-1 0 0 0,0 1 0 0 0,0 0 0 0 0,-1-2 0 0 0,-3 0 0 0 0,1 0 0 0 0,0-1 0 0 0,0 0 0 0 0,0 0 0 0 0,1 0 0 0 0,-7-6 0 0 0,8 7 0 0 0,1 0 0 0 0,-1 0 0 0 0,1 0 0 0 0,-1 0 0 0 0,1-1 0 0 0,0 1 0 0 0,0 0 0 0 0,0-1 0 0 0,0 1 0 0 0,0 0 0 0 0,1-1 0 0 0,-1 1 0 0 0,1-1 0 0 0,-1-3 0 0 0,1 4 0 0 0,1 1 0 0 0,-1-1 0 0 0,0 0 0 0 0,1 1 0 0 0,-1-1 0 0 0,1 0 0 0 0,-1 1 0 0 0,1-1 0 0 0,0 1 0 0 0,0-1 0 0 0,0 1 0 0 0,0-1 0 0 0,0 1 0 0 0,0 0 0 0 0,0-1 0 0 0,0 1 0 0 0,0 0 0 0 0,1 0 0 0 0,1-1 0 0 0,-3 1 0 0 0,1 1 0 0 0,0-1 0 0 0,0 1 0 0 0,0-1 0 0 0,0 1 0 0 0,-1 0 0 0 0,1-1 0 0 0,0 1 0 0 0,0 0 0 0 0,0 0 0 0 0,0-1 0 0 0,0 1 0 0 0,0 0 0 0 0,0 0 0 0 0,0 0 0 0 0,0 0 0 0 0,0 0 0 0 0,0 0 0 0 0,0 1 0 0 0,0-1 0 0 0,-1 0 0 0 0,1 0 0 0 0,0 1 0 0 0,0-1 0 0 0,0 0 0 0 0,0 1 0 0 0,0-1 0 0 0,-1 1 0 0 0,1 0 0 0 0,0-1 0 0 0,0 1 0 0 0,-1-1 0 0 0,1 1 0 0 0,0 0 0 0 0,0 1 0 0 0,3 3 0 0 0,-3-4 0 0 0,-1 0 0 0 0,1 0 0 0 0,-1 0 0 0 0,1 0 0 0 0,-1-1 0 0 0,1 1 0 0 0,-1 0 0 0 0,1-1 0 0 0,0 1 0 0 0,0 0 0 0 0,-1-1 0 0 0,1 1 0 0 0,0-1 0 0 0,0 1 0 0 0,0-1 0 0 0,0 1 0 0 0,-1-1 0 0 0,3 1 0 0 0,4 3 0 0 0,-7-3 0 0 0,0-1 0 0 0,0 0 0 0 0,0 0 0 0 0,0 0 0 0 0,1 0 0 0 0,-1 1 0 0 0,0-1 0 0 0,0 0 0 0 0,0 0 0 0 0,0 0 0 0 0,0 0 0 0 0,1 0 0 0 0,-1 1 0 0 0,0-1 0 0 0,0 0 0 0 0,0 0 0 0 0,0 0 0 0 0,0 0 0 0 0,1 0 0 0 0,-1 0 0 0 0,0 0 0 0 0,0 0 0 0 0,0 0 0 0 0,1 0 0 0 0,-1 0 0 0 0,0 0 0 0 0,0 0 0 0 0,0 0 0 0 0,1 0 0 0 0,-1 0 0 0 0,0 0 0 0 0,0 0 0 0 0,0 0 0 0 0,1 0 0 0 0,-1 0 0 0 0,0 0 0 0 0,0 0 0 0 0,0 0 0 0 0,0 0 0 0 0,1 0 0 0 0,-1 0 0 0 0,0 0 0 0 0,0-1 0 0 0,0 1 0 0 0,0 0 0 0 0,0 0 0 0 0,1 0 0 0 0,-1 0 0 0 0,0-1 0 0 0,0 2 0 0 0,1-1 0 0 0,-1 0 0 0 0,0 1 0 0 0,1-1 0 0 0,-1 1 0 0 0,0-1 0 0 0,0 1 0 0 0,0-1 0 0 0,1 1 0 0 0,-1-1 0 0 0,0 0 0 0 0,0 1 0 0 0,0-1 0 0 0,0 1 0 0 0,0-1 0 0 0,0 1 0 0 0,0-1 0 0 0,0 1 0 0 0,0-1 0 0 0,0 1 0 0 0,0-1 0 0 0,0 1 0 0 0,0 0 0 0 0,-1 19 0 0 0,0-17 0 0 0,0 1 0 0 0,-1 0 0 0 0,1-1 0 0 0,-1 0 0 0 0,1 1 0 0 0,-1-1 0 0 0,0 0 0 0 0,-1 0 0 0 0,1 0 0 0 0,-4 3 0 0 0,6-5 0 0 0,-1 0 0 0 0,0 0 0 0 0,0 0 0 0 0,0 0 0 0 0,0 0 0 0 0,0-1 0 0 0,-1 1 0 0 0,1 0 0 0 0,0-1 0 0 0,0 1 0 0 0,0 0 0 0 0,-1-1 0 0 0,1 0 0 0 0,0 1 0 0 0,0-1 0 0 0,-1 0 0 0 0,1 0 0 0 0,0 1 0 0 0,-1-1 0 0 0,1 0 0 0 0,0 0 0 0 0,-1 0 0 0 0,1-1 0 0 0,0 1 0 0 0,-1 0 0 0 0,1-1 0 0 0,0 1 0 0 0,0 0 0 0 0,-1-1 0 0 0,1 1 0 0 0,-2-2 0 0 0,3 1 0 0 0,-1 1 0 0 0,0-1 0 0 0,1 0 0 0 0,-1 1 0 0 0,1-1 0 0 0,0 0 0 0 0,-1 0 0 0 0,1 1 0 0 0,0-1 0 0 0,-1 0 0 0 0,1 0 0 0 0,0 0 0 0 0,0 0 0 0 0,0 1 0 0 0,0-1 0 0 0,-1 0 0 0 0,1 0 0 0 0,0 0 0 0 0,1 0 0 0 0,-1 0 0 0 0,0 0 0 0 0,0 1 0 0 0,0-1 0 0 0,0 0 0 0 0,1 0 0 0 0,-1 0 0 0 0,0 1 0 0 0,1-1 0 0 0,0-1 0 0 0,12-21 0 0 0,22-15 0 0 0,-23 26 8 0 0,-10 9-5 0 0,-1 1 0 0 0,1 0 0 0 0,0-1 0 0 0,1 1 0 0 0,-1 0 1 0 0,0 0-1 0 0,1 1 0 0 0,-1-1 0 0 0,1 0 0 0 0,-1 1 0 0 0,1 0 1 0 0,0-1-1 0 0,0 1 0 0 0,-1 0 0 0 0,1 0 0 0 0,0 1 0 0 0,5-2 0 0 0,-2 2-3 0 0,-1 0 0 0 0,0 0 0 0 0,1 1 0 0 0,-1 0 0 0 0,0-1 0 0 0,1 2 0 0 0,-1-1 0 0 0,0 1 0 0 0,0 0 0 0 0,0 0 0 0 0,0 0 0 0 0,-1 0 0 0 0,1 1 0 0 0,-1 0 0 0 0,1 0 0 0 0,-1 0 0 0 0,0 1 0 0 0,0-1 0 0 0,4 5 0 0 0,-2 0 0 0 0,0 0 0 0 0,0 0 0 0 0,-1 0 0 0 0,0 1 0 0 0,0 0 0 0 0,-1 0 0 0 0,0 0 0 0 0,3 13 0 0 0,-3-7 0 0 0,-1 1 0 0 0,-1 0 0 0 0,0-1 0 0 0,0 24 0 0 0,-2-36 0 0 0,0 1 0 0 0,0-1 0 0 0,-1 1 0 0 0,1-1 0 0 0,-1 0 0 0 0,0 1 0 0 0,1-1 0 0 0,-1 0 0 0 0,-1 0 0 0 0,1 1 0 0 0,0-1 0 0 0,-1 0 0 0 0,0 0 0 0 0,0-1 0 0 0,0 1 0 0 0,0 0 0 0 0,0-1 0 0 0,0 1 0 0 0,-1-1 0 0 0,1 1 0 0 0,-1-1 0 0 0,0 0 0 0 0,1 0 0 0 0,-1 0 0 0 0,0-1 0 0 0,0 1 0 0 0,0-1 0 0 0,-1 0 0 0 0,1 1 0 0 0,0-1 0 0 0,0-1 0 0 0,-1 1 0 0 0,1 0 0 0 0,0-1 0 0 0,-1 0 0 0 0,1 0 0 0 0,-4 0 0 0 0,-2 0 0 0 0,8-1 0 0 0,0 1 0 0 0,0 0 0 0 0,0 0 0 0 0,0-1 0 0 0,0 1 0 0 0,0 0 0 0 0,0 0 0 0 0,0 0 0 0 0,0 0 0 0 0,0 0 0 0 0,0 1 0 0 0,0-1 0 0 0,0 0 0 0 0,0 0 0 0 0,0 1 0 0 0,0-1 0 0 0,0 0 0 0 0,0 1 0 0 0,0-1 0 0 0,0 1 0 0 0,0-1 0 0 0,0 1 0 0 0,1 0 0 0 0,-1-1 0 0 0,-1 2 0 0 0,-2 5 0 0 0</inkml:trace>
+</inkml:ink>
+</file>
+
+<file path=ppt/ink/ink40.xml><?xml version="1.0" encoding="utf-8"?>
+<inkml:ink xmlns:inkml="http://www.w3.org/2003/InkML">
+  <inkml:definitions>
+    <inkml:context xml:id="ctx0">
+      <inkml:inkSource xml:id="inkSrc0">
+        <inkml:traceFormat>
+          <inkml:channel name="X" type="integer" min="-2.14748E9" max="2.14748E9" units="cm"/>
+          <inkml:channel name="Y" type="integer" min="-2.14748E9" max="2.14748E9" units="cm"/>
+          <inkml:channel name="F" type="integer" max="32767" units="dev"/>
+          <inkml:channel name="OA" type="integer" max="360" units="deg"/>
+          <inkml:channel name="OE" type="integer" max="90" units="deg"/>
+        </inkml:traceFormat>
+        <inkml:channelProperties>
+          <inkml:channelProperty channel="X" name="resolution" value="1000" units="1/cm"/>
+          <inkml:channelProperty channel="Y" name="resolution" value="1000" units="1/cm"/>
+          <inkml:channelProperty channel="F" name="resolution" value="0" units="1/dev"/>
+          <inkml:channelProperty channel="OA" name="resolution" value="1000" units="1/deg"/>
+          <inkml:channelProperty channel="OE" name="resolution" value="1000" units="1/deg"/>
+        </inkml:channelProperties>
+      </inkml:inkSource>
+      <inkml:timestamp xml:id="ts0" timeString="2024-11-03T00:07:10.361"/>
+    </inkml:context>
+    <inkml:brush xml:id="br0">
+      <inkml:brushProperty name="width" value="0.2" units="cm"/>
+      <inkml:brushProperty name="height" value="0.2" units="cm"/>
+      <inkml:brushProperty name="color" value="#004F8B"/>
+    </inkml:brush>
+  </inkml:definitions>
+  <inkml:trace contextRef="#ctx0" brushRef="#br0">789 40 24 0 0,'1'0'-1'0'0,"7"0"2"0"0,-7-1-1 0 0,-1 0-1 0 0,-7-3 2 0 0,-5-4 15 0 0,4 2 0 0 0,-1 0 0 0 0,-11-5-1 0 0,17 11-13 0 0,1-1 0 0 0,-1 1 0 0 0,1-1-1 0 0,-1 1 1 0 0,0 0 0 0 0,1 0-1 0 0,-1 0 1 0 0,1 0 0 0 0,-1 0-1 0 0,0 1 1 0 0,1-1 0 0 0,-1 1 0 0 0,1 0-1 0 0,0-1 1 0 0,-1 1 0 0 0,1 0-1 0 0,-5 3 1 0 0,-4 3 9 0 0,1-1 0 0 0,-13 12 0 0 0,20-17-11 0 0,-1 3 0 0 0,-15 11 0 0 0,-26 15 0 0 0,38-25 0 0 0,-1-1 0 0 0,0-1 0 0 0,0 0 0 0 0,0 0 0 0 0,0 0 0 0 0,0-1 0 0 0,-12 2 0 0 0,-29 0 16 0 0,1-1 0 0 0,-1-3 0 0 0,-78-9 0 0 0,113 7-9 0 0,-1 1 0 0 0,1 0-1 0 0,0 1 1 0 0,-1 0 0 0 0,1 1-1 0 0,-1 1 1 0 0,-20 5 0 0 0,30-6-5 0 0,1 1 0 0 0,0-1 0 0 0,-1 0 0 0 0,1 0-1 0 0,-8 0 1 0 0,10-1-2 0 0,0-1 0 0 0,0 1 0 0 0,0 0 0 0 0,0-1 0 0 0,0 1 0 0 0,0-1 0 0 0,0 1 0 0 0,0-1 0 0 0,0 0 0 0 0,1 0 0 0 0,-1 0 0 0 0,0 0 0 0 0,0 0 0 0 0,-2-3-1 0 0,-22-14 1 0 0,24 16 0 0 0,2 2 6 0 0,-1 2-18 0 0,10 7 82 0 0,-5-6-52 0 0,-2 0-14 0 0,1 0 1 0 0,0-1-1 0 0,0 0 0 0 0,0 1 0 0 0,0-1 0 0 0,1 0 1 0 0,-1 0-1 0 0,1-1 0 0 0,-1 1 0 0 0,6 1 0 0 0,3-2 9 0 0,0 0 0 0 0,0-1 0 0 0,0-1 0 0 0,0 0 0 0 0,0-1 0 0 0,12-3 0 0 0,30-3 24 0 0,4 9-37 0 0,-22 0 0 0 0,19-1 0 0 0,0 2 0 0 0,81 15 0 0 0,-5 20 0 0 0,-102-26 0 0 0,-23-8 0 0 0,1 0 0 0 0,0 0 0 0 0,0-1 0 0 0,0 0 0 0 0,0 0 0 0 0,0-1 0 0 0,10 1 0 0 0,16 1 0 0 0,-26-2 0 0 0,0-1 0 0 0,0 1 0 0 0,0-1 0 0 0,0 0 0 0 0,9-2 0 0 0,-5-3 0 0 0,-14 7 0 0 0,0 0 0 0 0,0 0 0 0 0,0 0 0 0 0,-1-1 0 0 0,1 1 0 0 0,-7 1 0 0 0,9-3 0 0 0,0 0 0 0 0,0 0 0 0 0,0 1 0 0 0,0-1 0 0 0,0 0 0 0 0,1 0 0 0 0,-1 0 0 0 0,0 0 0 0 0,0-1 0 0 0,0 1 0 0 0,0 0 0 0 0,0 0 0 0 0,0 0 0 0 0,0-1 0 0 0,0 1 0 0 0,0 0 0 0 0,0-1 0 0 0,-1 0 0 0 0,2 0 0 0 0,-1 1 0 0 0,1 0 0 0 0,-1-1 0 0 0,0 1 0 0 0,1 0 0 0 0,-1-1 0 0 0,0 1 0 0 0,0 0 0 0 0,1 0 0 0 0,-1 0 0 0 0,0 0 0 0 0,1 0 0 0 0,-1 0 0 0 0,0 0 0 0 0,0 0 0 0 0,-4 1 0 0 0,1 0 0 0 0,-1 1 0 0 0,1-1 0 0 0,-8 6 0 0 0,-10 3 0 0 0,9-5 0 0 0,0-1 0 0 0,0 0 0 0 0,0-1 0 0 0,-1 0 0 0 0,1-1 0 0 0,-1-1 0 0 0,1 0 0 0 0,-17-1 0 0 0,27 0 0 0 0,-171-11 0 0 0,70 9 0 0 0,103 2 0 0 0,-1 1 0 0 0,0-1 0 0 0,0 1 0 0 0,0-1 0 0 0,0 1 0 0 0,0 0 0 0 0,0 0 0 0 0,-1 1 0 0 0,3-2 0 0 0,0 0 0 0 0,0 0 0 0 0,1 0 0 0 0,-1 0 0 0 0,0 0 0 0 0,0 0 0 0 0,1 0 0 0 0,-1 0 0 0 0,0 0 0 0 0,0 0 0 0 0,0 0 0 0 0,1 0 0 0 0,-1 1 0 0 0,0-1 0 0 0,0 0 0 0 0,0 0 0 0 0,1 0 0 0 0,-1 0 0 0 0,0 0 0 0 0,0 1 0 0 0,0-1 0 0 0,0 0 0 0 0,1 0 0 0 0,-1 0 0 0 0,0 1 0 0 0,0-1 0 0 0,0 0 0 0 0,0 0 0 0 0,0 0 0 0 0,0 1 0 0 0,0-1 0 0 0,0 0 0 0 0,0 0 0 0 0,0 1 0 0 0,0-1 0 0 0,0 0 0 0 0,0 0 0 0 0,0 1 0 0 0,0-1 0 0 0,0 0 0 0 0,0 0 0 0 0,0 0 0 0 0,0 1 0 0 0,0-1 0 0 0,0 0 0 0 0,0 0 0 0 0,0 1 0 0 0,0-1 0 0 0,0 0 0 0 0,-1 0 0 0 0,1 0 0 0 0,0 1 0 0 0,0-1 0 0 0,0 0 0 0 0,0 0 0 0 0,0 0 0 0 0,-1 0 0 0 0,1 1 0 0 0,0-1 0 0 0,0 0 0 0 0,0 0 0 0 0,-1 0 0 0 0,1 0 0 0 0,0 0 0 0 0,0 0 0 0 0,-1 0 0 0 0,16 7 24 0 0,-13-6-18 0 0,0 0-1 0 0,0-1 1 0 0,0 1 0 0 0,0 0-1 0 0,0-1 1 0 0,0 1-1 0 0,0-1 1 0 0,0 1-1 0 0,0-1 1 0 0,0 0 0 0 0,2 0-1 0 0,14-1 27 0 0,0-1-1 0 0,0-1 1 0 0,0 0-1 0 0,-1-2 1 0 0,20-7-1 0 0,-11 1-14 0 0,0-3 0 0 0,37-24-1 0 0,-15 7-2 0 0,-18 17-14 0 0,-29 13 0 0 0,1 0 0 0 0,0 1 0 0 0,-1-1 0 0 0,1 1 0 0 0,0-1 0 0 0,-1 1 0 0 0,1 0 0 0 0,0 0 0 0 0,0 0 0 0 0,-1 0 0 0 0,1 0 0 0 0,0 0 0 0 0,0 0 0 0 0,-1 0 0 0 0,1 1 0 0 0,2 0 0 0 0,1 5 0 0 0,-2 4 0 0 0</inkml:trace>
+</inkml:ink>
+</file>
+
+<file path=ppt/ink/ink41.xml><?xml version="1.0" encoding="utf-8"?>
+<inkml:ink xmlns:inkml="http://www.w3.org/2003/InkML">
+  <inkml:definitions>
+    <inkml:context xml:id="ctx0">
+      <inkml:inkSource xml:id="inkSrc0">
+        <inkml:traceFormat>
+          <inkml:channel name="X" type="integer" min="-2.14748E9" max="2.14748E9" units="cm"/>
+          <inkml:channel name="Y" type="integer" min="-2.14748E9" max="2.14748E9" units="cm"/>
+          <inkml:channel name="F" type="integer" max="32767" units="dev"/>
+          <inkml:channel name="OA" type="integer" max="360" units="deg"/>
+          <inkml:channel name="OE" type="integer" max="90" units="deg"/>
+        </inkml:traceFormat>
+        <inkml:channelProperties>
+          <inkml:channelProperty channel="X" name="resolution" value="1000" units="1/cm"/>
+          <inkml:channelProperty channel="Y" name="resolution" value="1000" units="1/cm"/>
+          <inkml:channelProperty channel="F" name="resolution" value="0" units="1/dev"/>
+          <inkml:channelProperty channel="OA" name="resolution" value="1000" units="1/deg"/>
+          <inkml:channelProperty channel="OE" name="resolution" value="1000" units="1/deg"/>
+        </inkml:channelProperties>
+      </inkml:inkSource>
+      <inkml:timestamp xml:id="ts0" timeString="2024-11-03T00:07:18.500"/>
+    </inkml:context>
+    <inkml:brush xml:id="br0">
+      <inkml:brushProperty name="width" value="0.2" units="cm"/>
+      <inkml:brushProperty name="height" value="0.2" units="cm"/>
+      <inkml:brushProperty name="color" value="#004F8B"/>
+    </inkml:brush>
+  </inkml:definitions>
+  <inkml:trace contextRef="#ctx0" brushRef="#br0">18 371 24 0 0,'0'0'0'0'0,"0"-1"0"0"0,1 1 1 0 0,-1 0-1 0 0,0 0 0 0 0,1 0 1 0 0,-1 0-1 0 0,0 0 1 0 0,0 0-1 0 0,1 0 0 0 0,-1 0 1 0 0,0-1-1 0 0,1 1 1 0 0,-1 0-1 0 0,0 0 0 0 0,0 0 1 0 0,1-1-1 0 0,-1 1 0 0 0,0 0 1 0 0,0 0-1 0 0,0-1 1 0 0,1 1-1 0 0,-1 0 0 0 0,0-1 1 0 0,0 1-1 0 0,0 0 1 0 0,0 0-1 0 0,0-1 0 0 0,1 1 1 0 0,-1 0-1 0 0,0-1 0 0 0,0-15 31 0 0,-6-21 46 0 0,5 32-65 0 0,-2-12 40 0 0,-1-26-1 0 0,3 28-18 0 0,0 0-1 0 0,-5-17 0 0 0,5 27-13 0 0,1 1-1 0 0,-1-1 0 0 0,1 0 0 0 0,0 1 0 0 0,0-1 0 0 0,1 0 0 0 0,-1 1 0 0 0,1-1 0 0 0,0 1 1 0 0,0-1-1 0 0,2-4 0 0 0,-2 9-12 0 0,-1 1 0 0 0,1-1 0 0 0,0 0 1 0 0,-1 0-1 0 0,1 0 0 0 0,-1 0 0 0 0,1 0 1 0 0,0 0-1 0 0,-1 0 0 0 0,1 0 0 0 0,0 0 0 0 0,-1-1 1 0 0,1 1-1 0 0,-1 0 0 0 0,1 0 0 0 0,0 0 1 0 0,-1-1-1 0 0,1 1 0 0 0,-1 0 0 0 0,2-1 0 0 0,9-11 53 0 0,-5 5-56 0 0,0 1-1 0 0,0 0 1 0 0,1 1 0 0 0,12-9-1 0 0,2 2 9 0 0,0 2 0 0 0,1 0-1 0 0,0 1 1 0 0,0 1 0 0 0,28-6-1 0 0,-36 11-3 0 0,1 1-1 0 0,-1 0 1 0 0,1 1-1 0 0,0 0 0 0 0,-1 1 1 0 0,1 1-1 0 0,0 0 1 0 0,-1 1-1 0 0,23 7 0 0 0,-25-6-6 0 0,-1 1 0 0 0,0 1 0 0 0,0-1 0 0 0,11 8 0 0 0,-18-9 0 0 0,1 0 0 0 0,-1 0 0 0 0,1 1 0 0 0,-1-1 0 0 0,0 1 0 0 0,0 0 0 0 0,-1 1 0 0 0,1-1 0 0 0,-1 0 0 0 0,5 10 0 0 0,-7-11 0 0 0,0-1 0 0 0,-1 1 0 0 0,1 0 0 0 0,-1 0 0 0 0,1 0 0 0 0,-1 0 0 0 0,0 0 0 0 0,0 0 0 0 0,-1 0 0 0 0,1 0 0 0 0,0 0 0 0 0,-1 0 0 0 0,0 0 0 0 0,0 0 0 0 0,0 0 0 0 0,-2 4 0 0 0,-5 9 0 0 0,-15 25 0 0 0,17-31 0 0 0,-24 34 0 0 0,19-30 0 0 0,2 0 0 0 0,-16 31 0 0 0,21-35 0 0 0,0 0 0 0 0,0 0 0 0 0,1 1 0 0 0,1-1 0 0 0,-1 1 0 0 0,2 0 0 0 0,0-1 0 0 0,0 1 0 0 0,1 0 0 0 0,0 0 0 0 0,2 12 0 0 0,-1-18 2 0 0,-1 0-1 0 0,1-1 0 0 0,1 1 0 0 0,-1-1 1 0 0,0 1-1 0 0,1-1 0 0 0,0 0 0 0 0,0 1 1 0 0,1-1-1 0 0,-1 0 0 0 0,1 0 0 0 0,0 0 1 0 0,0-1-1 0 0,4 5 0 0 0,-1-2 4 0 0,1-1 0 0 0,1 0 0 0 0,-1 0 0 0 0,1 0 0 0 0,0-1 0 0 0,13 6 0 0 0,2-1 91 0 0,36 10 0 0 0,-53-17-79 0 0,12 4 21 0 0,-18-6-37 0 0,0 0-1 0 0,0 0 0 0 0,0 0 1 0 0,1 1-1 0 0,-1-1 1 0 0,0 0-1 0 0,1 0 1 0 0,-1 0-1 0 0,0 0 1 0 0,0 0-1 0 0,1 0 1 0 0,-1 0-1 0 0,0 0 1 0 0,0 0-1 0 0,1 0 0 0 0,-1 0 1 0 0,0 0-1 0 0,1 0 1 0 0,-1 0-1 0 0,0 0 1 0 0,0 0-1 0 0,1 0 1 0 0,-1 0-1 0 0,0-1 1 0 0,0 1-1 0 0,1 0 1 0 0,-1 0-1 0 0,0 0 0 0 0,0 0 1 0 0,1 0-1 0 0,-1-1 1 0 0,0 1-1 0 0,0 0 1 0 0,0 0-1 0 0,1 0 1 0 0,-1-1-1 0 0,0 1 1 0 0,0 0-1 0 0,0 0 1 0 0,0-1-1 0 0,0 1 0 0 0,0-1 1 0 0,1 1-3 0 0,-1-1-1 0 0,0 0 1 0 0,-1 1-1 0 0,1-1 1 0 0,0 0 0 0 0,0 1-1 0 0,0-1 1 0 0,0 0-1 0 0,0 1 1 0 0,-1-1-1 0 0,1 0 1 0 0,0 1-1 0 0,-1-1 1 0 0,1 1-1 0 0,0-1 1 0 0,-1 1-1 0 0,1-1 1 0 0,-1 1 0 0 0,1-1-1 0 0,-1 1 1 0 0,1-1-1 0 0,-1 1 1 0 0,1-1-1 0 0,-1 1 1 0 0,1 0-1 0 0,-1-1 1 0 0,1 1-1 0 0,-1 0 1 0 0,0-1-1 0 0,1 1 1 0 0,-1 0 0 0 0,0 0-1 0 0,1 0 1 0 0,-2 0-1 0 0,-26-5-424 0 0</inkml:trace>
+</inkml:ink>
+</file>
+
+<file path=ppt/ink/ink42.xml><?xml version="1.0" encoding="utf-8"?>
+<inkml:ink xmlns:inkml="http://www.w3.org/2003/InkML">
+  <inkml:definitions>
+    <inkml:context xml:id="ctx0">
+      <inkml:inkSource xml:id="inkSrc0">
+        <inkml:traceFormat>
+          <inkml:channel name="X" type="integer" min="-2.14748E9" max="2.14748E9" units="cm"/>
+          <inkml:channel name="Y" type="integer" min="-2.14748E9" max="2.14748E9" units="cm"/>
+          <inkml:channel name="F" type="integer" max="32767" units="dev"/>
+          <inkml:channel name="OA" type="integer" max="360" units="deg"/>
+          <inkml:channel name="OE" type="integer" max="90" units="deg"/>
+        </inkml:traceFormat>
+        <inkml:channelProperties>
+          <inkml:channelProperty channel="X" name="resolution" value="1000" units="1/cm"/>
+          <inkml:channelProperty channel="Y" name="resolution" value="1000" units="1/cm"/>
+          <inkml:channelProperty channel="F" name="resolution" value="0" units="1/dev"/>
+          <inkml:channelProperty channel="OA" name="resolution" value="1000" units="1/deg"/>
+          <inkml:channelProperty channel="OE" name="resolution" value="1000" units="1/deg"/>
+        </inkml:channelProperties>
+      </inkml:inkSource>
+      <inkml:timestamp xml:id="ts0" timeString="2024-11-03T00:07:19.063"/>
+    </inkml:context>
+    <inkml:brush xml:id="br0">
+      <inkml:brushProperty name="width" value="0.2" units="cm"/>
+      <inkml:brushProperty name="height" value="0.2" units="cm"/>
+      <inkml:brushProperty name="color" value="#004F8B"/>
+    </inkml:brush>
+  </inkml:definitions>
+  <inkml:trace contextRef="#ctx0" brushRef="#br0">108 164 55 0 0,'2'0'0'0'0,"1"-1"0"0"0,-1 1 0 0 0,0-1 0 0 0,1 1 0 0 0,-1-1 0 0 0,0 0 0 0 0,1 1 0 0 0,-1-1 0 0 0,3-2 0 0 0,-4 2 0 0 0,0 0 0 0 0,0 0 0 0 0,0 0 0 0 0,0 0 0 0 0,0 0 0 0 0,0 0 0 0 0,0-1 0 0 0,-1 1 0 0 0,1 0 0 0 0,0 0 0 0 0,-1-1 0 0 0,1 1 0 0 0,-1-1 0 0 0,1 1 0 0 0,-1 0 0 0 0,0-1 0 0 0,1-1 0 0 0,-1-2 8 0 0,1 0-1 0 0,-1 0 1 0 0,0 0-1 0 0,0 0 0 0 0,-1 0 1 0 0,0 0-1 0 0,0 0 1 0 0,0 0-1 0 0,0 0 0 0 0,-1 0 1 0 0,1 1-1 0 0,-4-6 0 0 0,4 8-3 0 0,0 0-1 0 0,0 0 0 0 0,0 1 0 0 0,0-1 0 0 0,-1 0 0 0 0,1 1 0 0 0,-1-1 0 0 0,1 1 0 0 0,-1-1 0 0 0,1 1 1 0 0,-1-1-1 0 0,0 1 0 0 0,0 0 0 0 0,0 0 0 0 0,0 0 0 0 0,0 0 0 0 0,0 0 0 0 0,0 1 0 0 0,0-1 0 0 0,0 1 1 0 0,0-1-1 0 0,0 1 0 0 0,0 0 0 0 0,0-1 0 0 0,-1 1 0 0 0,1 0 0 0 0,0 0 0 0 0,0 1 0 0 0,0-1 0 0 0,-4 1 0 0 0,4 0 0 0 0,0 0-1 0 0,0 0 0 0 0,0 0 0 0 0,0 0 0 0 0,1 0 0 0 0,-1 0 0 0 0,0 1 0 0 0,0-1 0 0 0,1 1 0 0 0,-1-1 0 0 0,1 1 0 0 0,-1 0 0 0 0,-1 2 0 0 0,-10 10 23 0 0,11-12-22 0 0,1 0 1 0 0,-1 1 0 0 0,0-1-1 0 0,1 0 1 0 0,-1 0 0 0 0,1 1-1 0 0,0-1 1 0 0,0 1 0 0 0,0 0-1 0 0,0-1 1 0 0,0 1 0 0 0,1-1-1 0 0,-2 6 1 0 0,0 36 70 0 0,2-43-71 0 0,0 5 0 0 0,0-1 0 0 0,0 1 0 0 0,0-1 1 0 0,1 1-1 0 0,0-1 0 0 0,0 0 0 0 0,1 0 0 0 0,2 8 0 0 0,-3-11 0 0 0,1 0-1 0 0,-1 0 0 0 0,1 0 0 0 0,-1 0 0 0 0,1 0 1 0 0,0 0-1 0 0,-1 0 0 0 0,1-1 0 0 0,0 1 0 0 0,0-1 1 0 0,0 1-1 0 0,1-1 0 0 0,-1 0 0 0 0,0 0 0 0 0,0 0 1 0 0,1 0-1 0 0,-1 0 0 0 0,0-1 0 0 0,1 1 0 0 0,3 0 0 0 0,-2-1-2 0 0,-1 1 0 0 0,1-1 0 0 0,-1 0 0 0 0,1-1 0 0 0,-1 1 0 0 0,1-1 0 0 0,-1 1 0 0 0,1-1 0 0 0,-1 0 0 0 0,0 0 0 0 0,1-1 0 0 0,-1 1 0 0 0,0-1 0 0 0,0 1 0 0 0,0-1 0 0 0,0 0 0 0 0,0 0 0 0 0,0 0 0 0 0,0-1 0 0 0,-1 1 0 0 0,1-1 0 0 0,-1 1 0 0 0,4-7 0 0 0,0 0 0 0 0,1 0 0 0 0,-2-1 0 0 0,0 1 0 0 0,0-2 0 0 0,0 1 0 0 0,3-15 0 0 0,-6 19 0 0 0,-1-1 0 0 0,0 0 0 0 0,0 0 0 0 0,0 1 0 0 0,-1-1 0 0 0,0 0 0 0 0,0 0 0 0 0,-1 0 0 0 0,0 0 0 0 0,-2-8 0 0 0,2 13 0 0 0,1 0 0 0 0,-1 0 0 0 0,1 0 0 0 0,-1 0 0 0 0,0 1 0 0 0,0-1 0 0 0,0 0 0 0 0,0 0 0 0 0,0 1 0 0 0,0-1 0 0 0,0 1 0 0 0,-1-1 0 0 0,1 1 0 0 0,-1-1 0 0 0,1 1 0 0 0,-1 0 0 0 0,1 0 0 0 0,-1 0 0 0 0,0 0 0 0 0,1 0 0 0 0,-1 0 0 0 0,0 0 0 0 0,0 0 0 0 0,0 1 0 0 0,0-1 0 0 0,1 1 0 0 0,-1-1 0 0 0,0 1 0 0 0,0 0 0 0 0,0 0 0 0 0,0 0 0 0 0,0 0 0 0 0,0 0 0 0 0,0 0 0 0 0,0 1 0 0 0,0-1 0 0 0,0 0 0 0 0,-3 2 0 0 0,-9 3 0 0 0,1 1 0 0 0,0 0 0 0 0,0 0 0 0 0,-18 14 0 0 0,0-2 0 0 0,30-17 0 0 0,0 0 0 0 0,0 0 0 0 0,0 0 0 0 0,0 0 0 0 0,0 0 0 0 0,0 0 0 0 0,0 0 0 0 0,0 0 0 0 0,1 0 0 0 0,-1 0 0 0 0,0 1 0 0 0,1-1 0 0 0,-2 2 0 0 0,0 3 0 0 0</inkml:trace>
+</inkml:ink>
+</file>
+
+<file path=ppt/ink/ink43.xml><?xml version="1.0" encoding="utf-8"?>
+<inkml:ink xmlns:inkml="http://www.w3.org/2003/InkML">
+  <inkml:definitions>
+    <inkml:context xml:id="ctx0">
+      <inkml:inkSource xml:id="inkSrc0">
+        <inkml:traceFormat>
+          <inkml:channel name="X" type="integer" min="-2.14748E9" max="2.14748E9" units="cm"/>
+          <inkml:channel name="Y" type="integer" min="-2.14748E9" max="2.14748E9" units="cm"/>
+          <inkml:channel name="F" type="integer" max="32767" units="dev"/>
+          <inkml:channel name="OA" type="integer" max="360" units="deg"/>
+          <inkml:channel name="OE" type="integer" max="90" units="deg"/>
+        </inkml:traceFormat>
+        <inkml:channelProperties>
+          <inkml:channelProperty channel="X" name="resolution" value="1000" units="1/cm"/>
+          <inkml:channelProperty channel="Y" name="resolution" value="1000" units="1/cm"/>
+          <inkml:channelProperty channel="F" name="resolution" value="0" units="1/dev"/>
+          <inkml:channelProperty channel="OA" name="resolution" value="1000" units="1/deg"/>
+          <inkml:channelProperty channel="OE" name="resolution" value="1000" units="1/deg"/>
+        </inkml:channelProperties>
+      </inkml:inkSource>
+      <inkml:timestamp xml:id="ts0" timeString="2024-11-03T00:07:20.005"/>
+    </inkml:context>
+    <inkml:brush xml:id="br0">
+      <inkml:brushProperty name="width" value="0.2" units="cm"/>
+      <inkml:brushProperty name="height" value="0.2" units="cm"/>
+      <inkml:brushProperty name="color" value="#004F8B"/>
+    </inkml:brush>
+  </inkml:definitions>
+  <inkml:trace contextRef="#ctx0" brushRef="#br0">9 68 24 0 0,'1'-5'-1'0'0,"1"1"1"0"0,-1-1 1 0 0,0 0-1 0 0,0 1 0 0 0,0-8 0 0 0,0 9 13 0 0,0 1 0 0 0,-1-1 1 0 0,1 1-1 0 0,1-1 0 0 0,-1 1 1 0 0,3-5-1 0 0,0 0 37 0 0,-4 7-47 0 0,0 0-1 0 0,0 0 1 0 0,0 0-1 0 0,0 0 1 0 0,0 0-1 0 0,0 0 0 0 0,1 0 1 0 0,-1 0-1 0 0,0 1 1 0 0,0-1-1 0 0,0 0 1 0 0,0 0-1 0 0,0 0 0 0 0,1 0 1 0 0,-1 0-1 0 0,0 0 1 0 0,0-1-1 0 0,0 1 1 0 0,0 0-1 0 0,0 0 0 0 0,1 0 1 0 0,-1 0-1 0 0,0 0 1 0 0,0 0-1 0 0,0 0 1 0 0,0 0-1 0 0,0 0 0 0 0,0 0 1 0 0,0 0-1 0 0,1 0 1 0 0,-1 0-1 0 0,0-1 1 0 0,0 1-1 0 0,0 0 0 0 0,0 0 1 0 0,0 0-1 0 0,0 0 1 0 0,0 0-1 0 0,0 0 1 0 0,0 0-1 0 0,0-1 0 0 0,1 1 1 0 0,-1 0-1 0 0,0 0 1 0 0,0 0-1 0 0,0 0 1 0 0,0 0-1 0 0,0-1 0 0 0,0 1 1 0 0,0 0-1 0 0,0 0 1 0 0,0 0-1 0 0,0 0 1 0 0,0 0-1 0 0,-1-1 0 0 0,2 6 15 0 0,0-1-1 0 0,-1 0 0 0 0,0 1 0 0 0,0-1 1 0 0,0 1-1 0 0,-2 7 0 0 0,1 1-2 0 0,-15 434 90 0 0,2-20-8 0 0,13-414-96 0 0,0-6 0 0 0,1 1 0 0 0,-1-1 0 0 0,1 1 0 0 0,1-1 0 0 0,0 1 0 0 0,2 12 0 0 0,-3-19 0 0 0,0-1 0 0 0,0 0 0 0 0,0 0 0 0 0,0 1 0 0 0,0-1 0 0 0,0 0 0 0 0,0 0 0 0 0,1 1 0 0 0,-1-1 0 0 0,0 0 0 0 0,0 1 0 0 0,0-1 0 0 0,0 0 0 0 0,0 0 0 0 0,1 0 0 0 0,-1 1 0 0 0,0-1 0 0 0,0 0 0 0 0,0 0 0 0 0,1 0 0 0 0,-1 1 0 0 0,0-1 0 0 0,0 0 0 0 0,1 0 0 0 0,-1 0 0 0 0,0 0 0 0 0,0 0 0 0 0,1 0 0 0 0,-1 0 0 0 0,0 1 0 0 0,0-1 0 0 0,1 0 0 0 0,-1 0 0 0 0,0 0 0 0 0,0 0 0 0 0,1 0 0 0 0,-1 0 0 0 0,1 0 0 0 0,8-9 0 0 0,5-18 0 0 0,-13 27 0 0 0,9-28 0 0 0,-6 14 0 0 0</inkml:trace>
+</inkml:ink>
+</file>
+
+<file path=ppt/ink/ink44.xml><?xml version="1.0" encoding="utf-8"?>
+<inkml:ink xmlns:inkml="http://www.w3.org/2003/InkML">
+  <inkml:definitions>
+    <inkml:context xml:id="ctx0">
+      <inkml:inkSource xml:id="inkSrc0">
+        <inkml:traceFormat>
+          <inkml:channel name="X" type="integer" min="-2.14748E9" max="2.14748E9" units="cm"/>
+          <inkml:channel name="Y" type="integer" min="-2.14748E9" max="2.14748E9" units="cm"/>
+          <inkml:channel name="F" type="integer" max="32767" units="dev"/>
+          <inkml:channel name="OA" type="integer" max="360" units="deg"/>
+          <inkml:channel name="OE" type="integer" max="90" units="deg"/>
+        </inkml:traceFormat>
+        <inkml:channelProperties>
+          <inkml:channelProperty channel="X" name="resolution" value="1000" units="1/cm"/>
+          <inkml:channelProperty channel="Y" name="resolution" value="1000" units="1/cm"/>
+          <inkml:channelProperty channel="F" name="resolution" value="0" units="1/dev"/>
+          <inkml:channelProperty channel="OA" name="resolution" value="1000" units="1/deg"/>
+          <inkml:channelProperty channel="OE" name="resolution" value="1000" units="1/deg"/>
+        </inkml:channelProperties>
+      </inkml:inkSource>
+      <inkml:timestamp xml:id="ts0" timeString="2024-11-03T00:07:20.445"/>
+    </inkml:context>
+    <inkml:brush xml:id="br0">
+      <inkml:brushProperty name="width" value="0.2" units="cm"/>
+      <inkml:brushProperty name="height" value="0.2" units="cm"/>
+      <inkml:brushProperty name="color" value="#004F8B"/>
+    </inkml:brush>
+  </inkml:definitions>
+  <inkml:trace contextRef="#ctx0" brushRef="#br0">1 152 55 0 0,'3'-1'2'0'0,"0"-1"-1"0"0,0 0 0 0 0,0 1 0 0 0,0-1 0 0 0,-1 0 0 0 0,1-1 0 0 0,0 1 1 0 0,-1 0-1 0 0,0-1 0 0 0,3-3 0 0 0,19-31 26 0 0,-20 29-20 0 0,0 0 0 0 0,1 0 0 0 0,0 1 0 0 0,8-8 0 0 0,-8 10 2 0 0,0 1 0 0 0,1 0 0 0 0,-1 0 0 0 0,1 0-1 0 0,0 1 1 0 0,0 0 0 0 0,0 0 0 0 0,0 1 0 0 0,1-1 0 0 0,-1 1-1 0 0,1 1 1 0 0,0-1 0 0 0,-1 1 0 0 0,1 0 0 0 0,0 1 0 0 0,0-1-1 0 0,-1 2 1 0 0,1-1 0 0 0,0 1 0 0 0,0-1 0 0 0,-1 2 0 0 0,1-1 0 0 0,0 1-1 0 0,-1 0 1 0 0,0 1 0 0 0,1-1 0 0 0,-1 1 0 0 0,0 0 0 0 0,0 1-1 0 0,-1-1 1 0 0,1 1 0 0 0,-1 1 0 0 0,0-1 0 0 0,0 1 0 0 0,0 0-1 0 0,0 0 1 0 0,6 9 0 0 0,-6-6-4 0 0,0 1 0 0 0,-1 0-1 0 0,0 0 1 0 0,0 0 0 0 0,-1 0 0 0 0,0 1-1 0 0,-1 0 1 0 0,0-1 0 0 0,0 1 0 0 0,-1 0 0 0 0,-1 0-1 0 0,1 0 1 0 0,-2 10 0 0 0,0-13-2 0 0,0 1-1 0 0,0-1 1 0 0,-1 1 0 0 0,0-1 0 0 0,0 0 0 0 0,-1 0 0 0 0,0 0-1 0 0,0 0 1 0 0,-1 0 0 0 0,1-1 0 0 0,-1 1 0 0 0,-1-1-1 0 0,1 0 1 0 0,-1 0 0 0 0,-1-1 0 0 0,1 0 0 0 0,-10 8-1 0 0,5-6-2 0 0,1-1 0 0 0,-1 0 0 0 0,0 0 0 0 0,-16 5 0 0 0,19-9 0 0 0,1 0 0 0 0,0 0 0 0 0,-1-1 0 0 0,1 1 0 0 0,-1-2 0 0 0,0 1 0 0 0,1-1 0 0 0,-1 0 0 0 0,-8-1 0 0 0,14 1 0 0 0,0 0 0 0 0,-1-1 0 0 0,1 1 0 0 0,0 0 0 0 0,0-1 0 0 0,-1 1 0 0 0,1-1 0 0 0,0 1 0 0 0,0-1 0 0 0,0 1 0 0 0,0-1 0 0 0,0 0 0 0 0,0 0 0 0 0,0 1 0 0 0,0-1 0 0 0,0 0 0 0 0,0 0 0 0 0,0 0 0 0 0,0 0 0 0 0,1 0 0 0 0,-1 0 0 0 0,0 0 0 0 0,1-1 0 0 0,-1 1 0 0 0,1 0 0 0 0,-1 0 0 0 0,1 0 0 0 0,-1-1 0 0 0,1 1 0 0 0,0 0 0 0 0,0-2 0 0 0,-1-1 0 0 0,1 4 0 0 0,-1 0 0 0 0,1-1 0 0 0,0 1 0 0 0,0 0 0 0 0,-1 0 0 0 0,1-1 0 0 0,0 1 0 0 0,-1 0 0 0 0,1 0 0 0 0,0-1 0 0 0,0 1 0 0 0,-1 0 0 0 0,1 0 0 0 0,-1 0 0 0 0,1 0 0 0 0,0 0 0 0 0,-1 0 0 0 0,1-1 0 0 0,0 1 0 0 0,-1 0 0 0 0,1 0 0 0 0,0 0 0 0 0,-1 0 0 0 0,1 0 0 0 0,-1 0 0 0 0,1 0 0 0 0,0 1 0 0 0,-1-1 0 0 0,1 0 0 0 0,0 0 0 0 0,-1 0 0 0 0,1 0 0 0 0,0 0 0 0 0,-1 1 0 0 0,-7 0 0 0 0,0-3 0 0 0,5 0 0 0 0</inkml:trace>
+</inkml:ink>
+</file>
+
+<file path=ppt/ink/ink45.xml><?xml version="1.0" encoding="utf-8"?>
+<inkml:ink xmlns:inkml="http://www.w3.org/2003/InkML">
+  <inkml:definitions>
+    <inkml:context xml:id="ctx0">
+      <inkml:inkSource xml:id="inkSrc0">
+        <inkml:traceFormat>
+          <inkml:channel name="X" type="integer" min="-2.14748E9" max="2.14748E9" units="cm"/>
+          <inkml:channel name="Y" type="integer" min="-2.14748E9" max="2.14748E9" units="cm"/>
+          <inkml:channel name="F" type="integer" max="32767" units="dev"/>
+          <inkml:channel name="OA" type="integer" max="360" units="deg"/>
+          <inkml:channel name="OE" type="integer" max="90" units="deg"/>
+        </inkml:traceFormat>
+        <inkml:channelProperties>
+          <inkml:channelProperty channel="X" name="resolution" value="1000" units="1/cm"/>
+          <inkml:channelProperty channel="Y" name="resolution" value="1000" units="1/cm"/>
+          <inkml:channelProperty channel="F" name="resolution" value="0" units="1/dev"/>
+          <inkml:channelProperty channel="OA" name="resolution" value="1000" units="1/deg"/>
+          <inkml:channelProperty channel="OE" name="resolution" value="1000" units="1/deg"/>
+        </inkml:channelProperties>
+      </inkml:inkSource>
+      <inkml:timestamp xml:id="ts0" timeString="2024-11-03T00:07:20.901"/>
+    </inkml:context>
+    <inkml:brush xml:id="br0">
+      <inkml:brushProperty name="width" value="0.2" units="cm"/>
+      <inkml:brushProperty name="height" value="0.2" units="cm"/>
+      <inkml:brushProperty name="color" value="#004F8B"/>
+    </inkml:brush>
+  </inkml:definitions>
+  <inkml:trace contextRef="#ctx0" brushRef="#br0">1 0 79 0 0,'3'1'8'0'0,"1"-1"0"0"0,-1 1 0 0 0,1 0 0 0 0,-1 0-1 0 0,1 0 1 0 0,-1 0 0 0 0,0 0 0 0 0,1 1 0 0 0,-1 0-1 0 0,0-1 1 0 0,0 1 0 0 0,0 1 0 0 0,-1-1 0 0 0,1 0-1 0 0,0 0 1 0 0,-1 1 0 0 0,1 0 0 0 0,-1-1 0 0 0,0 1-1 0 0,0 0 1 0 0,0 0 0 0 0,0 0 0 0 0,-1 1 0 0 0,1-1-1 0 0,1 5 1 0 0,1 10 17 0 0,0-1 1 0 0,-1 1-1 0 0,-1 0 0 0 0,1 34 1 0 0,-2-17-12 0 0,47 550 50 0 0,-44-550-64 0 0,0 8 0 0 0,14 56 0 0 0,-14-89 0 0 0,-1 1 0 0 0,7 9 0 0 0,-3-2 0 0 0,-6-17 0 0 0,-1 0 0 0 0,1 0 0 0 0,-1 1 0 0 0,1-1 0 0 0,0 0 0 0 0,-1 0 0 0 0,1 0 0 0 0,0 0 0 0 0,0 0 0 0 0,0 0 0 0 0,0 0 0 0 0,1 2 0 0 0,-1-3 0 0 0,-1 0 0 0 0,1 0 0 0 0,0 0 0 0 0,-1 0 0 0 0,1 0 0 0 0,-1 0 0 0 0,1 0 0 0 0,-1 0 0 0 0,1 0 0 0 0,-1-1 0 0 0,1 1 0 0 0,-1 0 0 0 0,1 0 0 0 0,-1 0 0 0 0,1 0 0 0 0,-1-1 0 0 0,1 1 0 0 0,-1 0 0 0 0,1-1 0 0 0,-1 1 0 0 0,0 0 0 0 0,1-1 0 0 0,-1 1 0 0 0,1 0 0 0 0,-1-1 0 0 0,0 1 0 0 0,1-1 0 0 0,-1 1 0 0 0,0-1 0 0 0,0 1 0 0 0,1-1 0 0 0,-1 0 0 0 0,5-7 0 0 0,1 1 0 0 0,-1 0 0 0 0,2 0 0 0 0,11-10 0 0 0,-13 12 0 0 0</inkml:trace>
+</inkml:ink>
+</file>
+
+<file path=ppt/ink/ink46.xml><?xml version="1.0" encoding="utf-8"?>
+<inkml:ink xmlns:inkml="http://www.w3.org/2003/InkML">
+  <inkml:definitions>
+    <inkml:context xml:id="ctx0">
+      <inkml:inkSource xml:id="inkSrc0">
+        <inkml:traceFormat>
+          <inkml:channel name="X" type="integer" min="-2.14748E9" max="2.14748E9" units="cm"/>
+          <inkml:channel name="Y" type="integer" min="-2.14748E9" max="2.14748E9" units="cm"/>
+          <inkml:channel name="F" type="integer" max="32767" units="dev"/>
+          <inkml:channel name="OA" type="integer" max="360" units="deg"/>
+          <inkml:channel name="OE" type="integer" max="90" units="deg"/>
+        </inkml:traceFormat>
+        <inkml:channelProperties>
+          <inkml:channelProperty channel="X" name="resolution" value="1000" units="1/cm"/>
+          <inkml:channelProperty channel="Y" name="resolution" value="1000" units="1/cm"/>
+          <inkml:channelProperty channel="F" name="resolution" value="0" units="1/dev"/>
+          <inkml:channelProperty channel="OA" name="resolution" value="1000" units="1/deg"/>
+          <inkml:channelProperty channel="OE" name="resolution" value="1000" units="1/deg"/>
+        </inkml:channelProperties>
+      </inkml:inkSource>
+      <inkml:timestamp xml:id="ts0" timeString="2024-11-03T00:07:21.482"/>
+    </inkml:context>
+    <inkml:brush xml:id="br0">
+      <inkml:brushProperty name="width" value="0.2" units="cm"/>
+      <inkml:brushProperty name="height" value="0.2" units="cm"/>
+      <inkml:brushProperty name="color" value="#004F8B"/>
+    </inkml:brush>
+  </inkml:definitions>
+  <inkml:trace contextRef="#ctx0" brushRef="#br0">122 91 55 0 0,'7'-2'0'0'0,"1"-1"0"0"0,-1 0 0 0 0,0-1 0 0 0,9-4 0 0 0,-15 7 2 0 0,0 1 0 0 0,0-1-1 0 0,0 1 1 0 0,-1-1 0 0 0,1 1-1 0 0,0-1 1 0 0,-1 0 0 0 0,1 1-1 0 0,0-1 1 0 0,-1 0 0 0 0,1 0-1 0 0,-1 1 1 0 0,1-1-1 0 0,-1 0 1 0 0,1 0 0 0 0,-1 0-1 0 0,0 0 1 0 0,1 0 0 0 0,-1 1-1 0 0,0-1 1 0 0,0 0 0 0 0,1 0-1 0 0,-1 0 1 0 0,0 0 0 0 0,0 0-1 0 0,0 0 1 0 0,0 0-1 0 0,-1 0 1 0 0,1 0 0 0 0,0 0-1 0 0,0 0 1 0 0,0 0 0 0 0,-1 1-1 0 0,1-1 1 0 0,0 0 0 0 0,-1 0-1 0 0,1 0 1 0 0,-2-1-1 0 0,1 0 3 0 0,0 1 0 0 0,-1-1 0 0 0,1 1 0 0 0,-1-1-1 0 0,1 1 1 0 0,-1 0 0 0 0,0-1 0 0 0,1 1-1 0 0,-1 0 1 0 0,0 0 0 0 0,0 0 0 0 0,0 0-1 0 0,0 1 1 0 0,0-1 0 0 0,0 0 0 0 0,-3 0-1 0 0,2 1-1 0 0,-1 0 0 0 0,1 0 0 0 0,-1 0 0 0 0,1 0 0 0 0,-1 1 0 0 0,1-1 0 0 0,0 1 0 0 0,-1 0 0 0 0,1 0 0 0 0,-1 0 0 0 0,1 0 0 0 0,0 1 0 0 0,0-1 0 0 0,-4 3 0 0 0,3-1 6 0 0,-1 1-1 0 0,1 0 0 0 0,0 0 1 0 0,0 0-1 0 0,0 0 0 0 0,0 0 1 0 0,1 1-1 0 0,-3 5 0 0 0,-2 4 9 0 0,1 1 0 0 0,0 0 0 0 0,1 1 0 0 0,1-1 0 0 0,-4 21 0 0 0,6-22-16 0 0,1 0 0 0 0,0-1 0 0 0,1 1 0 0 0,1 0 0 0 0,0 0 0 0 0,4 25 0 0 0,-3-33 0 0 0,0 0 0 0 0,0 1 0 0 0,1-1 0 0 0,0 0 0 0 0,1 0 0 0 0,-1 0 0 0 0,1 0 0 0 0,0 0 0 0 0,0-1 0 0 0,1 1 0 0 0,0-1 0 0 0,0 0 0 0 0,0 0 0 0 0,0 0 0 0 0,1 0 0 0 0,8 6 0 0 0,-10-10 0 0 0,1 1 0 0 0,-1 0 0 0 0,1-1 0 0 0,-1 1 0 0 0,1-1 0 0 0,0 0 0 0 0,0 0 0 0 0,-1 0 0 0 0,1-1 0 0 0,0 0 0 0 0,0 1 0 0 0,0-1 0 0 0,0-1 0 0 0,-1 1 0 0 0,1 0 0 0 0,0-1 0 0 0,0 0 0 0 0,0 0 0 0 0,-1 0 0 0 0,1 0 0 0 0,0-1 0 0 0,-1 1 0 0 0,7-5 0 0 0,0 0 0 0 0,0-1 0 0 0,0 0 0 0 0,-1 0 0 0 0,0-1 0 0 0,0-1 0 0 0,10-11 0 0 0,-9 7 0 0 0,0 0 0 0 0,-1 0 0 0 0,0-1 0 0 0,-1 0 0 0 0,-1-1 0 0 0,8-20 0 0 0,-12 26 0 0 0,0 0 0 0 0,-1 0 0 0 0,0 0 0 0 0,-1 0 0 0 0,0-1 0 0 0,0 1 0 0 0,-1-1 0 0 0,0 1 0 0 0,0-1 0 0 0,-1 1 0 0 0,-1 0 0 0 0,-2-12 0 0 0,1 13 0 0 0,1 0 0 0 0,-1 0 0 0 0,0 1 0 0 0,-1-1 0 0 0,0 1 0 0 0,-5-8 0 0 0,7 12 0 0 0,0 1 0 0 0,0-1 0 0 0,-1 1 0 0 0,1 0 0 0 0,-1-1 0 0 0,1 1 0 0 0,-1 0 0 0 0,0 1 0 0 0,1-1 0 0 0,-1 0 0 0 0,0 1 0 0 0,0 0 0 0 0,-1 0 0 0 0,1 0 0 0 0,0 0 0 0 0,0 0 0 0 0,0 0 0 0 0,-6 0 0 0 0,-3 2 0 0 0,1 0 0 0 0,-1 1 0 0 0,0 0 0 0 0,1 0 0 0 0,-1 2 0 0 0,-12 4 0 0 0,22-7 0 0 0,-3 0 0 0 0,0 1 0 0 0,1-1 0 0 0,-1 1 0 0 0,1 0 0 0 0,-1 1 0 0 0,1-1 0 0 0,0 1 0 0 0,0 0 0 0 0,0 0 0 0 0,0 0 0 0 0,0 0 0 0 0,1 1 0 0 0,-5 5 0 0 0,2 0 0 0 0</inkml:trace>
+</inkml:ink>
+</file>
+
+<file path=ppt/ink/ink47.xml><?xml version="1.0" encoding="utf-8"?>
+<inkml:ink xmlns:inkml="http://www.w3.org/2003/InkML">
+  <inkml:definitions>
+    <inkml:context xml:id="ctx0">
+      <inkml:inkSource xml:id="inkSrc0">
+        <inkml:traceFormat>
+          <inkml:channel name="X" type="integer" min="-2.14748E9" max="2.14748E9" units="cm"/>
+          <inkml:channel name="Y" type="integer" min="-2.14748E9" max="2.14748E9" units="cm"/>
+          <inkml:channel name="F" type="integer" max="32767" units="dev"/>
+          <inkml:channel name="OA" type="integer" max="360" units="deg"/>
+          <inkml:channel name="OE" type="integer" max="90" units="deg"/>
+        </inkml:traceFormat>
+        <inkml:channelProperties>
+          <inkml:channelProperty channel="X" name="resolution" value="1000" units="1/cm"/>
+          <inkml:channelProperty channel="Y" name="resolution" value="1000" units="1/cm"/>
+          <inkml:channelProperty channel="F" name="resolution" value="0" units="1/dev"/>
+          <inkml:channelProperty channel="OA" name="resolution" value="1000" units="1/deg"/>
+          <inkml:channelProperty channel="OE" name="resolution" value="1000" units="1/deg"/>
+        </inkml:channelProperties>
+      </inkml:inkSource>
+      <inkml:timestamp xml:id="ts0" timeString="2024-11-03T00:07:21.828"/>
+    </inkml:context>
+    <inkml:brush xml:id="br0">
+      <inkml:brushProperty name="width" value="0.2" units="cm"/>
+      <inkml:brushProperty name="height" value="0.2" units="cm"/>
+      <inkml:brushProperty name="color" value="#004F8B"/>
+    </inkml:brush>
+  </inkml:definitions>
+  <inkml:trace contextRef="#ctx0" brushRef="#br0">0 88 79 0 0,'15'-1'0'0'0,"-10"1"0"0"0,0-1 0 0 0,0 1 0 0 0,10-4 0 0 0,-8 3 15 0 0,-1 0 0 0 0,1 0 0 0 0,-1 0-1 0 0,12 1 1 0 0,9-2 35 0 0,232-37 106 0 0,-250 38-156 0 0,20-4 0 0 0,-28 5 0 0 0,1 0 0 0 0,-1-1 0 0 0,0 1 0 0 0,1-1 0 0 0,-1 1 0 0 0,0-1 0 0 0,1 0 0 0 0,-1 1 0 0 0,0-1 0 0 0,0 0 0 0 0,0 0 0 0 0,0 0 0 0 0,0 0 0 0 0,0 0 0 0 0,0 0 0 0 0,1-1 0 0 0,2-10 0 0 0,-2 7 0 0 0</inkml:trace>
+</inkml:ink>
+</file>
+
+<file path=ppt/ink/ink48.xml><?xml version="1.0" encoding="utf-8"?>
+<inkml:ink xmlns:inkml="http://www.w3.org/2003/InkML">
+  <inkml:definitions>
+    <inkml:context xml:id="ctx0">
+      <inkml:inkSource xml:id="inkSrc0">
+        <inkml:traceFormat>
+          <inkml:channel name="X" type="integer" min="-2.14748E9" max="2.14748E9" units="cm"/>
+          <inkml:channel name="Y" type="integer" min="-2.14748E9" max="2.14748E9" units="cm"/>
+          <inkml:channel name="F" type="integer" max="32767" units="dev"/>
+          <inkml:channel name="OA" type="integer" max="360" units="deg"/>
+          <inkml:channel name="OE" type="integer" max="90" units="deg"/>
+        </inkml:traceFormat>
+        <inkml:channelProperties>
+          <inkml:channelProperty channel="X" name="resolution" value="1000" units="1/cm"/>
+          <inkml:channelProperty channel="Y" name="resolution" value="1000" units="1/cm"/>
+          <inkml:channelProperty channel="F" name="resolution" value="0" units="1/dev"/>
+          <inkml:channelProperty channel="OA" name="resolution" value="1000" units="1/deg"/>
+          <inkml:channelProperty channel="OE" name="resolution" value="1000" units="1/deg"/>
+        </inkml:channelProperties>
+      </inkml:inkSource>
+      <inkml:timestamp xml:id="ts0" timeString="2024-11-03T00:07:22.173"/>
+    </inkml:context>
+    <inkml:brush xml:id="br0">
+      <inkml:brushProperty name="width" value="0.2" units="cm"/>
+      <inkml:brushProperty name="height" value="0.2" units="cm"/>
+      <inkml:brushProperty name="color" value="#004F8B"/>
+    </inkml:brush>
+  </inkml:definitions>
+  <inkml:trace contextRef="#ctx0" brushRef="#br0">21 0 15 0 0,'3'0'2'0'0,"-1"0"0"0"0,1 0 0 0 0,0 1-1 0 0,0-1 1 0 0,0 1 0 0 0,0 0-1 0 0,-1-1 1 0 0,6 4 0 0 0,-7-4 2 0 0,0 1 0 0 0,0-1 0 0 0,0 1 0 0 0,0-1 1 0 0,-1 1-1 0 0,1 0 0 0 0,0 0 0 0 0,0-1 0 0 0,-1 1 1 0 0,1 0-1 0 0,0 0 0 0 0,-1 0 0 0 0,1 0 0 0 0,-1 0 0 0 0,1 0 1 0 0,-1 0-1 0 0,1 0 0 0 0,-1 0 0 0 0,0 0 0 0 0,1 0 0 0 0,-1 0 1 0 0,0 0-1 0 0,0 0 0 0 0,0 0 0 0 0,0 0 0 0 0,0 2 0 0 0,-3 18 24 0 0,-1 0 0 0 0,-9 27-1 0 0,-2 8 18 0 0,4 1-20 0 0,-5 65-1 0 0,14-97-21 0 0,2 1-1 0 0,1 0 1 0 0,0-1-1 0 0,2 1 1 0 0,6 25-1 0 0,-6-41-2 0 0,0 1 0 0 0,1-1 0 0 0,8 18 0 0 0,-10-24 0 0 0,0-1 1 0 0,0 1 0 0 0,0-1 0 0 0,1 0 0 0 0,-1 0 0 0 0,1 0-1 0 0,0 0 1 0 0,-1 0 0 0 0,1 0 0 0 0,1-1 0 0 0,-1 0 0 0 0,0 1-1 0 0,6 2 1 0 0,-7-5 2 0 0,0 1 0 0 0,-1-1 0 0 0,1 0 0 0 0,0 0 0 0 0,0 1 0 0 0,0-1 0 0 0,-1-1 0 0 0,1 1-1 0 0,0 0 1 0 0,0 0 0 0 0,-1-1 0 0 0,1 1 0 0 0,3-2 0 0 0,14-1 9 0 0,-1 4 6 0 0,-13 0-10 0 0,0-1-1 0 0,-1 0 1 0 0,1 0 0 0 0,0 0 0 0 0,8-2-1 0 0,-3-1-5 0 0,0 0 0 0 0,-1 0-1 0 0,0-1 1 0 0,0-1-1 0 0,0 1 1 0 0,10-8-1 0 0,-14 9 2 0 0,0 1-1 0 0,0 0 1 0 0,0 0-1 0 0,1 0 1 0 0,-1 0-1 0 0,0 1 1 0 0,1 0-1 0 0,-1 0 1 0 0,1 0 0 0 0,-1 1-1 0 0,1 0 1 0 0,-1 0-1 0 0,1 1 1 0 0,-1-1-1 0 0,1 1 1 0 0,-1 0-1 0 0,0 0 1 0 0,1 1-1 0 0,-1 0 1 0 0,7 3-1 0 0,-10-3-2 0 0,0-1 0 0 0,0 1 0 0 0,0 0 0 0 0,-1-1 0 0 0,1 1 0 0 0,-1 0 0 0 0,1 0 0 0 0,-1 0 0 0 0,0 1 0 0 0,0-1 0 0 0,0 0 0 0 0,0 0 0 0 0,0 1 0 0 0,0-1 0 0 0,-1 0 0 0 0,1 1 0 0 0,-1-1 0 0 0,0 1 0 0 0,0-1 0 0 0,0 4 0 0 0,-1 14 0 0 0</inkml:trace>
+</inkml:ink>
+</file>
+
+<file path=ppt/ink/ink49.xml><?xml version="1.0" encoding="utf-8"?>
+<inkml:ink xmlns:inkml="http://www.w3.org/2003/InkML">
+  <inkml:definitions>
+    <inkml:context xml:id="ctx0">
+      <inkml:inkSource xml:id="inkSrc0">
+        <inkml:traceFormat>
+          <inkml:channel name="X" type="integer" min="-2.14748E9" max="2.14748E9" units="cm"/>
+          <inkml:channel name="Y" type="integer" min="-2.14748E9" max="2.14748E9" units="cm"/>
+          <inkml:channel name="F" type="integer" max="32767" units="dev"/>
+          <inkml:channel name="OA" type="integer" max="360" units="deg"/>
+          <inkml:channel name="OE" type="integer" max="90" units="deg"/>
+        </inkml:traceFormat>
+        <inkml:channelProperties>
+          <inkml:channelProperty channel="X" name="resolution" value="1000" units="1/cm"/>
+          <inkml:channelProperty channel="Y" name="resolution" value="1000" units="1/cm"/>
+          <inkml:channelProperty channel="F" name="resolution" value="0" units="1/dev"/>
+          <inkml:channelProperty channel="OA" name="resolution" value="1000" units="1/deg"/>
+          <inkml:channelProperty channel="OE" name="resolution" value="1000" units="1/deg"/>
+        </inkml:channelProperties>
+      </inkml:inkSource>
+      <inkml:timestamp xml:id="ts0" timeString="2024-11-03T00:07:23.414"/>
+    </inkml:context>
+    <inkml:brush xml:id="br0">
+      <inkml:brushProperty name="width" value="0.2" units="cm"/>
+      <inkml:brushProperty name="height" value="0.2" units="cm"/>
+      <inkml:brushProperty name="color" value="#004F8B"/>
+    </inkml:brush>
+  </inkml:definitions>
+  <inkml:trace contextRef="#ctx0" brushRef="#br0">551 1 79 0 0,'1'0'3'0'0,"0"0"-1"0"0,0 0 0 0 0,-1 0 0 0 0,1 0 0 0 0,0 0 0 0 0,0 0 0 0 0,-1 0 0 0 0,1 0 0 0 0,0 0 0 0 0,-1 0 0 0 0,1 0 0 0 0,0 1 0 0 0,0-1 1 0 0,-1 0-1 0 0,1 1 0 0 0,0-1 0 0 0,-1 0 0 0 0,1 1 0 0 0,-1-1 0 0 0,2 1 0 0 0,7 5 29 0 0,15 1 51 0 0,-23-7-75 0 0,0 1 0 0 0,1-1 0 0 0,-1 0 0 0 0,1 1 0 0 0,-1-1 0 0 0,1 0 1 0 0,0 0-1 0 0,-1 0 0 0 0,1 0 0 0 0,-1 0 0 0 0,1-1 0 0 0,-1 1 0 0 0,3-1 0 0 0,-4 1-5 0 0,1 0-1 0 0,-1 0 1 0 0,0-1-1 0 0,0 1 1 0 0,0 0-1 0 0,0 0 0 0 0,0 0 1 0 0,0 0-1 0 0,0 0 1 0 0,0 0-1 0 0,0 0 0 0 0,0 0 1 0 0,0-1-1 0 0,1 1 1 0 0,-1 0-1 0 0,0 0 1 0 0,0 0-1 0 0,0 0 0 0 0,0 0 1 0 0,0 0-1 0 0,0 0 1 0 0,0-1-1 0 0,0 1 0 0 0,0 0 1 0 0,0 0-1 0 0,0 0 1 0 0,0 0-1 0 0,0 0 1 0 0,0 0-1 0 0,0 0 0 0 0,0-1 1 0 0,-1 1-1 0 0,1 0 1 0 0,0 0-1 0 0,0 0 0 0 0,0 0 1 0 0,0 0-1 0 0,0 0 1 0 0,0 0-1 0 0,0-1 0 0 0,0 1 1 0 0,0 0-1 0 0,-7-5 7 0 0,6 4-7 0 0,-1 1-1 0 0,1-1 1 0 0,0 1-1 0 0,0-1 1 0 0,-1 1-1 0 0,1-1 1 0 0,0 1-1 0 0,-1 0 1 0 0,1 0-1 0 0,0 0 1 0 0,-3 0-1 0 0,2 0 6 0 0,0 1 0 0 0,1 0 0 0 0,-1 0 0 0 0,0 0-1 0 0,0 1 1 0 0,1-1 0 0 0,-1 0 0 0 0,1 1 0 0 0,-1-1 0 0 0,1 1 0 0 0,0-1-1 0 0,-3 4 1 0 0,-12 25 38 0 0,13-25-36 0 0,-11 23 24 0 0,2 2 0 0 0,-11 33-1 0 0,-11 64-5 0 0,7-23-19 0 0,-66 199 28 0 0,-19-6-17 0 0,45-149-18 0 0,-70 171 0 0 0,127-292 0 0 0,-10 42 0 0 0,17-58 0 0 0,2-1 0 0 0,-1 0 0 0 0,1 0 0 0 0,1 1 0 0 0,0-1 0 0 0,0 0 0 0 0,4 18 0 0 0,-4-27 0 0 0,0 0 0 0 0,0-1 0 0 0,0 1 0 0 0,0 0 0 0 0,0-1 0 0 0,1 1 0 0 0,-1 0 0 0 0,0-1 0 0 0,1 1 0 0 0,-1-1 0 0 0,0 1 0 0 0,1 0 0 0 0,-1-1 0 0 0,0 1 0 0 0,1-1 0 0 0,-1 1 0 0 0,1-1 0 0 0,-1 1 0 0 0,1-1 0 0 0,-1 1 0 0 0,2 0 0 0 0,-1-1 0 0 0,-1 0 0 0 0,1 0 0 0 0,0 0 0 0 0,-1 0 0 0 0,1 0 0 0 0,0 0 0 0 0,-1-1 0 0 0,1 1 0 0 0,-1 0 0 0 0,1 0 0 0 0,-1 0 0 0 0,1-1 0 0 0,0 1 0 0 0,-1 0 0 0 0,1-1 0 0 0,-1 1 0 0 0,1 0 0 0 0,-1-1 0 0 0,1 0 0 0 0,4-4 0 0 0,0 0 0 0 0,-1 0 0 0 0,6-10 0 0 0,-4 8 0 0 0,37-44 0 0 0,-37 44 0 0 0</inkml:trace>
+</inkml:ink>
+</file>
+
+<file path=ppt/ink/ink5.xml><?xml version="1.0" encoding="utf-8"?>
+<inkml:ink xmlns:inkml="http://www.w3.org/2003/InkML">
+  <inkml:definitions>
+    <inkml:context xml:id="ctx0">
+      <inkml:inkSource xml:id="inkSrc0">
+        <inkml:traceFormat>
+          <inkml:channel name="X" type="integer" min="-2.14748E9" max="2.14748E9" units="cm"/>
+          <inkml:channel name="Y" type="integer" min="-2.14748E9" max="2.14748E9" units="cm"/>
+          <inkml:channel name="F" type="integer" max="32767" units="dev"/>
+          <inkml:channel name="OA" type="integer" max="360" units="deg"/>
+          <inkml:channel name="OE" type="integer" max="90" units="deg"/>
+        </inkml:traceFormat>
+        <inkml:channelProperties>
+          <inkml:channelProperty channel="X" name="resolution" value="1000" units="1/cm"/>
+          <inkml:channelProperty channel="Y" name="resolution" value="1000" units="1/cm"/>
+          <inkml:channelProperty channel="F" name="resolution" value="0" units="1/dev"/>
+          <inkml:channelProperty channel="OA" name="resolution" value="1000" units="1/deg"/>
+          <inkml:channelProperty channel="OE" name="resolution" value="1000" units="1/deg"/>
+        </inkml:channelProperties>
+      </inkml:inkSource>
+      <inkml:timestamp xml:id="ts0" timeString="2024-11-03T00:06:18.404"/>
+    </inkml:context>
+    <inkml:brush xml:id="br0">
+      <inkml:brushProperty name="width" value="0.2" units="cm"/>
+      <inkml:brushProperty name="height" value="0.2" units="cm"/>
+      <inkml:brushProperty name="color" value="#004F8B"/>
+    </inkml:brush>
+  </inkml:definitions>
+  <inkml:trace contextRef="#ctx0" brushRef="#br0">0 167 55 0 0,'3'1'4'0'0,"-1"0"0"0"0,0 0 0 0 0,1 0-1 0 0,-1 0 1 0 0,1-1 0 0 0,-1 1-1 0 0,1-1 1 0 0,-1 0 0 0 0,1 1 0 0 0,-1-1-1 0 0,1 0 1 0 0,-1-1 0 0 0,5 0-1 0 0,-6 1-1 0 0,6-1 0 0 0,0-1-1 0 0,0 0 1 0 0,0 0 0 0 0,-1-1-1 0 0,1 0 1 0 0,9-5 0 0 0,12-6 50 0 0,107-47 33 0 0,-85 37-35 0 0,32-14-45 0 0,-74 35-5 0 0,1 0-1 0 0,-1 1 1 0 0,1 0 0 0 0,-1 1 0 0 0,1-1 0 0 0,0 2 0 0 0,15-1-1 0 0,-22 1 1 0 0,-1 0 0 0 0,0 1 0 0 0,1-1 0 0 0,-1 0 0 0 0,0 0 0 0 0,1 1 0 0 0,-1-1 0 0 0,0 0 0 0 0,0 1 0 0 0,1-1 0 0 0,-1 1 0 0 0,0 0 0 0 0,0-1 0 0 0,0 1 0 0 0,0 0 0 0 0,0 0 0 0 0,0 0 0 0 0,0 0 0 0 0,0 0 0 0 0,0 0 0 0 0,0 0 0 0 0,0 0 0 0 0,-1 0 0 0 0,1 0 0 0 0,0 0 0 0 0,-1 0 0 0 0,1 1 0 0 0,-1-1 0 0 0,1 0 0 0 0,-1 0 0 0 0,0 1 0 0 0,1-1 0 0 0,-1 0 0 0 0,0 1 0 0 0,0-1 0 0 0,0 0 0 0 0,0 1 0 0 0,0-1 0 0 0,0 0 0 0 0,0 1 0 0 0,-1-1 0 0 0,0 2 0 0 0,-2 4 0 0 0</inkml:trace>
+</inkml:ink>
+</file>
+
+<file path=ppt/ink/ink50.xml><?xml version="1.0" encoding="utf-8"?>
+<inkml:ink xmlns:inkml="http://www.w3.org/2003/InkML">
+  <inkml:definitions>
+    <inkml:context xml:id="ctx0">
+      <inkml:inkSource xml:id="inkSrc0">
+        <inkml:traceFormat>
+          <inkml:channel name="X" type="integer" min="-2.14748E9" max="2.14748E9" units="cm"/>
+          <inkml:channel name="Y" type="integer" min="-2.14748E9" max="2.14748E9" units="cm"/>
+          <inkml:channel name="F" type="integer" max="32767" units="dev"/>
+          <inkml:channel name="OA" type="integer" max="360" units="deg"/>
+          <inkml:channel name="OE" type="integer" max="90" units="deg"/>
+        </inkml:traceFormat>
+        <inkml:channelProperties>
+          <inkml:channelProperty channel="X" name="resolution" value="1000" units="1/cm"/>
+          <inkml:channelProperty channel="Y" name="resolution" value="1000" units="1/cm"/>
+          <inkml:channelProperty channel="F" name="resolution" value="0" units="1/dev"/>
+          <inkml:channelProperty channel="OA" name="resolution" value="1000" units="1/deg"/>
+          <inkml:channelProperty channel="OE" name="resolution" value="1000" units="1/deg"/>
+        </inkml:channelProperties>
+      </inkml:inkSource>
+      <inkml:timestamp xml:id="ts0" timeString="2024-11-03T00:07:24.088"/>
+    </inkml:context>
+    <inkml:brush xml:id="br0">
+      <inkml:brushProperty name="width" value="0.2" units="cm"/>
+      <inkml:brushProperty name="height" value="0.2" units="cm"/>
+      <inkml:brushProperty name="color" value="#004F8B"/>
+    </inkml:brush>
+  </inkml:definitions>
+  <inkml:trace contextRef="#ctx0" brushRef="#br0">144 151 24 0 0,'2'0'-2'0'0,"4"0"8"0"0,0 0-1 0 0,-1 0 0 0 0,1-1 1 0 0,9-2-1 0 0,-13 3-1 0 0,-1-1 0 0 0,1 1 0 0 0,-1-1 0 0 0,0 0 0 0 0,1 1 0 0 0,-1-1 0 0 0,0 0 0 0 0,1 0 0 0 0,-1 0 0 0 0,0 0 0 0 0,0 0 0 0 0,0 0 0 0 0,0-1 0 0 0,0 1 0 0 0,0 0 0 0 0,0 0 0 0 0,0-1 0 0 0,-1 1 0 0 0,1 0 0 0 0,0-1 0 0 0,-1 1 0 0 0,1-3 0 0 0,-1 4-3 0 0,1-1 0 0 0,-1 0 1 0 0,0 0-1 0 0,0 0 0 0 0,1 1 0 0 0,-1-1 0 0 0,0 0 1 0 0,0 0-1 0 0,0 0 0 0 0,0 0 0 0 0,0 1 1 0 0,0-1-1 0 0,-1 0 0 0 0,1 0 0 0 0,0 0 0 0 0,0 0 1 0 0,-1 1-1 0 0,1-1 0 0 0,0 0 0 0 0,-1 0 1 0 0,0-1-1 0 0,0 2 0 0 0,1 0 1 0 0,-1-1 0 0 0,1 1-1 0 0,-1 0 1 0 0,1 0-1 0 0,-1 0 1 0 0,0-1 0 0 0,1 1-1 0 0,-1 0 1 0 0,1 0-1 0 0,-1 0 1 0 0,0 0-1 0 0,1 0 1 0 0,-1 0 0 0 0,0 0-1 0 0,1 0 1 0 0,-1 0-1 0 0,1 0 1 0 0,-1 1 0 0 0,0-1-1 0 0,1 0 1 0 0,-1 0-1 0 0,1 1 1 0 0,-1-1 0 0 0,0 0-1 0 0,1 1 1 0 0,-1-1-1 0 0,1 0 1 0 0,-1 1-1 0 0,-12 9 28 0 0,1 1-1 0 0,0 0 0 0 0,0 0 0 0 0,1 1 1 0 0,-11 16-1 0 0,2-2-6 0 0,5-8-22 0 0,2 2 0 0 0,0 0 0 0 0,1 0 0 0 0,-16 40 0 0 0,26-56 0 0 0,1 1 0 0 0,0-1 0 0 0,0 0 0 0 0,1 0 0 0 0,-1 1 0 0 0,1-1 0 0 0,0 1 0 0 0,0-1 0 0 0,0 0 0 0 0,1 1 0 0 0,0-1 0 0 0,0 0 0 0 0,0 1 0 0 0,0-1 0 0 0,4 8 0 0 0,-4-9 0 0 0,1 0 0 0 0,-1 0 0 0 0,1 1 0 0 0,0-1 0 0 0,0-1 0 0 0,0 1 0 0 0,1 0 0 0 0,-1 0 0 0 0,1-1 0 0 0,-1 0 0 0 0,1 1 0 0 0,0-1 0 0 0,0 0 0 0 0,0 0 0 0 0,0-1 0 0 0,0 1 0 0 0,0 0 0 0 0,1-1 0 0 0,6 2 0 0 0,-1-2 3 0 0,1 0-1 0 0,-1-1 0 0 0,0 0 0 0 0,1 0 0 0 0,-1-1 0 0 0,0-1 0 0 0,1 1 1 0 0,-1-2-1 0 0,0 1 0 0 0,0-1 0 0 0,0 0 0 0 0,-1-1 0 0 0,1 0 0 0 0,13-9 0 0 0,-8 4 2 0 0,0-1 0 0 0,0-1 0 0 0,-1 0 0 0 0,0-1 0 0 0,-1 0 0 0 0,-1-1 0 0 0,12-16 0 0 0,-10 9-4 0 0,0 1 0 0 0,-2-2 0 0 0,18-42 0 0 0,-24 48 0 0 0,-1 1 0 0 0,0-1 0 0 0,0-1 0 0 0,-2 1 0 0 0,0 0 0 0 0,0-30 0 0 0,-2 43 0 0 0,0 0 0 0 0,0 1 0 0 0,0-1 0 0 0,-1 0 0 0 0,1 1 0 0 0,-1-1 0 0 0,1 1 0 0 0,-1-1 0 0 0,0 0 0 0 0,1 1 0 0 0,-1 0 0 0 0,0-1 0 0 0,0 1 0 0 0,0-1 0 0 0,0 1 0 0 0,0 0 0 0 0,-1 0 0 0 0,1-1 0 0 0,0 1 0 0 0,0 0 0 0 0,-1 0 0 0 0,1 0 0 0 0,-3-1 0 0 0,-9-7 0 0 0,8 5 0 0 0,-1 0 0 0 0,0 0 0 0 0,0 1 0 0 0,0 0 0 0 0,0 0 0 0 0,0 1 0 0 0,-1-1 0 0 0,1 1 0 0 0,-1 1 0 0 0,0-1 0 0 0,1 1 0 0 0,-1 1 0 0 0,0-1 0 0 0,0 1 0 0 0,0 0 0 0 0,-8 1 0 0 0,-2 1 0 0 0,1 1 0 0 0,0 1 0 0 0,-1 0 0 0 0,1 1 0 0 0,-23 11 0 0 0,27-10 0 0 0,-20 12 0 0 0,28-15 0 0 0,0-1 0 0 0,1 1 0 0 0,-1 0 0 0 0,1 0 0 0 0,0 0 0 0 0,0 1 0 0 0,0-1 0 0 0,0 1 0 0 0,-2 3 0 0 0,3 3 0 0 0,2-5 0 0 0</inkml:trace>
+</inkml:ink>
+</file>
+
+<file path=ppt/ink/ink51.xml><?xml version="1.0" encoding="utf-8"?>
+<inkml:ink xmlns:inkml="http://www.w3.org/2003/InkML">
+  <inkml:definitions>
+    <inkml:context xml:id="ctx0">
+      <inkml:inkSource xml:id="inkSrc0">
+        <inkml:traceFormat>
+          <inkml:channel name="X" type="integer" min="-2.14748E9" max="2.14748E9" units="cm"/>
+          <inkml:channel name="Y" type="integer" min="-2.14748E9" max="2.14748E9" units="cm"/>
+          <inkml:channel name="F" type="integer" max="32767" units="dev"/>
+          <inkml:channel name="OA" type="integer" max="360" units="deg"/>
+          <inkml:channel name="OE" type="integer" max="90" units="deg"/>
+        </inkml:traceFormat>
+        <inkml:channelProperties>
+          <inkml:channelProperty channel="X" name="resolution" value="1000" units="1/cm"/>
+          <inkml:channelProperty channel="Y" name="resolution" value="1000" units="1/cm"/>
+          <inkml:channelProperty channel="F" name="resolution" value="0" units="1/dev"/>
+          <inkml:channelProperty channel="OA" name="resolution" value="1000" units="1/deg"/>
+          <inkml:channelProperty channel="OE" name="resolution" value="1000" units="1/deg"/>
+        </inkml:channelProperties>
+      </inkml:inkSource>
+      <inkml:timestamp xml:id="ts0" timeString="2024-11-03T00:07:24.527"/>
+    </inkml:context>
+    <inkml:brush xml:id="br0">
+      <inkml:brushProperty name="width" value="0.2" units="cm"/>
+      <inkml:brushProperty name="height" value="0.2" units="cm"/>
+      <inkml:brushProperty name="color" value="#004F8B"/>
+    </inkml:brush>
+  </inkml:definitions>
+  <inkml:trace contextRef="#ctx0" brushRef="#br0">52 0 79 0 0,'2'3'2'0'0,"0"-1"-1"0"0,0 1 1 0 0,-1-1-1 0 0,1 1 0 0 0,-1 0 1 0 0,0 0-1 0 0,0 0 0 0 0,0 0 1 0 0,0 0-1 0 0,0 0 0 0 0,0 0 1 0 0,-1 0-1 0 0,0 0 1 0 0,1 0-1 0 0,-1 5 0 0 0,-1 8 19 0 0,-5 29 1 0 0,3-25-9 0 0,-43 592 105 0 0,41-511-117 0 0,-3 285 0 0 0,17-284 0 0 0,-8-98 0 0 0,1-7 0 0 0,1-7 0 0 0,2-77 0 0 0,-3 59 0 0 0</inkml:trace>
+</inkml:ink>
+</file>
+
+<file path=ppt/ink/ink52.xml><?xml version="1.0" encoding="utf-8"?>
+<inkml:ink xmlns:inkml="http://www.w3.org/2003/InkML">
+  <inkml:definitions>
+    <inkml:context xml:id="ctx0">
+      <inkml:inkSource xml:id="inkSrc0">
+        <inkml:traceFormat>
+          <inkml:channel name="X" type="integer" min="-2.14748E9" max="2.14748E9" units="cm"/>
+          <inkml:channel name="Y" type="integer" min="-2.14748E9" max="2.14748E9" units="cm"/>
+          <inkml:channel name="F" type="integer" max="32767" units="dev"/>
+          <inkml:channel name="OA" type="integer" max="360" units="deg"/>
+          <inkml:channel name="OE" type="integer" max="90" units="deg"/>
+        </inkml:traceFormat>
+        <inkml:channelProperties>
+          <inkml:channelProperty channel="X" name="resolution" value="1000" units="1/cm"/>
+          <inkml:channelProperty channel="Y" name="resolution" value="1000" units="1/cm"/>
+          <inkml:channelProperty channel="F" name="resolution" value="0" units="1/dev"/>
+          <inkml:channelProperty channel="OA" name="resolution" value="1000" units="1/deg"/>
+          <inkml:channelProperty channel="OE" name="resolution" value="1000" units="1/deg"/>
+        </inkml:channelProperties>
+      </inkml:inkSource>
+      <inkml:timestamp xml:id="ts0" timeString="2024-11-03T00:07:24.888"/>
+    </inkml:context>
+    <inkml:brush xml:id="br0">
+      <inkml:brushProperty name="width" value="0.2" units="cm"/>
+      <inkml:brushProperty name="height" value="0.2" units="cm"/>
+      <inkml:brushProperty name="color" value="#004F8B"/>
+    </inkml:brush>
+  </inkml:definitions>
+  <inkml:trace contextRef="#ctx0" brushRef="#br0">0 75 55 0 0,'8'-7'10'0'0,"-1"-1"-1"0"0,1 2 0 0 0,1-1 0 0 0,-1 1 0 0 0,1 1 0 0 0,0 0 0 0 0,0 0 0 0 0,1 0 0 0 0,-1 1 0 0 0,1 1 0 0 0,0 0 0 0 0,0 0 0 0 0,0 1 0 0 0,1 0 0 0 0,-1 0 0 0 0,0 1 0 0 0,1 1 0 0 0,-1 0 0 0 0,1 0 0 0 0,-1 1 0 0 0,1 1 0 0 0,19 4 0 0 0,-20-4-3 0 0,-1 1-1 0 0,0-1 0 0 0,1 2 1 0 0,-1-1-1 0 0,-1 1 0 0 0,1 0 1 0 0,0 1-1 0 0,-1 0 0 0 0,0 1 1 0 0,0 0-1 0 0,8 7 0 0 0,-14-10-5 0 0,0 1 0 0 0,0-1 0 0 0,0 1 0 0 0,0-1 0 0 0,-1 1 0 0 0,1-1 0 0 0,-1 1 0 0 0,0 0 0 0 0,0 0 0 0 0,-1 0 0 0 0,1 0 0 0 0,-1 4 0 0 0,1 6 0 0 0,-1 0 0 0 0,-1 16 0 0 0,-1-19 0 0 0,1-1 0 0 0,-2 1 0 0 0,1-1 0 0 0,-1 0 0 0 0,-1 0 0 0 0,0 0 0 0 0,0-1 0 0 0,-1 1 0 0 0,0-1 0 0 0,-13 17 0 0 0,10-16 0 0 0,-1 0 0 0 0,0-1 0 0 0,-1 0 0 0 0,0 0 0 0 0,0-1 0 0 0,-1 0 0 0 0,0-1 0 0 0,-16 8 0 0 0,14-9 0 0 0,1 0 0 0 0,-1-1 0 0 0,0-1 0 0 0,0 0 0 0 0,0-1 0 0 0,0 0 0 0 0,-1-1 0 0 0,-15 1 0 0 0,29-3 0 0 0,-1 0 0 0 0,1 0 0 0 0,0-1 0 0 0,-1 1 0 0 0,1 0 0 0 0,0 0 0 0 0,-1 0 0 0 0,1 0 0 0 0,0 0 0 0 0,0 0 0 0 0,-1 0 0 0 0,1-1 0 0 0,0 1 0 0 0,0 0 0 0 0,-1 0 0 0 0,1 0 0 0 0,0-1 0 0 0,0 1 0 0 0,0 0 0 0 0,-1 0 0 0 0,1-1 0 0 0,0 1 0 0 0,0 0 0 0 0,0 0 0 0 0,0-1 0 0 0,0 1 0 0 0,0 0 0 0 0,-1 0 0 0 0,1-1 0 0 0,0 1 0 0 0,0 0 0 0 0,0-1 0 0 0,0 1 0 0 0,0 0 0 0 0,0-1 0 0 0,0 1 0 0 0,0 0 0 0 0,0 0 0 0 0,0-1 0 0 0,0 1 0 0 0,1 0 0 0 0,-1-1 0 0 0,0 1 0 0 0,0 0 0 0 0,0 0 0 0 0,0-1 0 0 0,0 1 0 0 0,0 0 0 0 0,1-1 0 0 0,7-14 0 0 0,-3 8 0 0 0</inkml:trace>
+</inkml:ink>
+</file>
+
+<file path=ppt/ink/ink53.xml><?xml version="1.0" encoding="utf-8"?>
+<inkml:ink xmlns:inkml="http://www.w3.org/2003/InkML">
+  <inkml:definitions>
+    <inkml:context xml:id="ctx0">
+      <inkml:inkSource xml:id="inkSrc0">
+        <inkml:traceFormat>
+          <inkml:channel name="X" type="integer" min="-2.14748E9" max="2.14748E9" units="cm"/>
+          <inkml:channel name="Y" type="integer" min="-2.14748E9" max="2.14748E9" units="cm"/>
+          <inkml:channel name="F" type="integer" max="32767" units="dev"/>
+          <inkml:channel name="OA" type="integer" max="360" units="deg"/>
+          <inkml:channel name="OE" type="integer" max="90" units="deg"/>
+        </inkml:traceFormat>
+        <inkml:channelProperties>
+          <inkml:channelProperty channel="X" name="resolution" value="1000" units="1/cm"/>
+          <inkml:channelProperty channel="Y" name="resolution" value="1000" units="1/cm"/>
+          <inkml:channelProperty channel="F" name="resolution" value="0" units="1/dev"/>
+          <inkml:channelProperty channel="OA" name="resolution" value="1000" units="1/deg"/>
+          <inkml:channelProperty channel="OE" name="resolution" value="1000" units="1/deg"/>
+        </inkml:channelProperties>
+      </inkml:inkSource>
+      <inkml:timestamp xml:id="ts0" timeString="2024-11-03T00:07:25.234"/>
+    </inkml:context>
+    <inkml:brush xml:id="br0">
+      <inkml:brushProperty name="width" value="0.2" units="cm"/>
+      <inkml:brushProperty name="height" value="0.2" units="cm"/>
+      <inkml:brushProperty name="color" value="#004F8B"/>
+    </inkml:brush>
+  </inkml:definitions>
+  <inkml:trace contextRef="#ctx0" brushRef="#br0">0 180 24 0 0,'2'-3'-1'0'0,"0"0"1"0"0,-1-1-1 0 0,1 1 1 0 0,-1-1 0 0 0,0 0-1 0 0,0 1 1 0 0,0-1 0 0 0,0 0-1 0 0,-1-6 1 0 0,1 5 4 0 0,0 0 1 0 0,-1 0-1 0 0,2 0 0 0 0,2-9 1 0 0,-3 12 3 0 0,-1 1 0 0 0,1 0-1 0 0,0-1 1 0 0,0 1 0 0 0,0 0 0 0 0,0-1 0 0 0,0 1 0 0 0,0 0 0 0 0,1 0 0 0 0,-1 0 0 0 0,0 0-1 0 0,1 0 1 0 0,-1 0 0 0 0,0 0 0 0 0,1 0 0 0 0,-1 1 0 0 0,1-1 0 0 0,-1 0 0 0 0,3 0-1 0 0,4 0 32 0 0,1 0 0 0 0,-1 0 0 0 0,0 1 0 0 0,0 0 0 0 0,1 0-1 0 0,14 3 1 0 0,18 1 31 0 0,-3-6-23 0 0,0 0 1 0 0,57-13-1 0 0,71-27-59 0 0,-92 18 12 0 0,-73 24 0 0 0,-3 1 0 0 0</inkml:trace>
+</inkml:ink>
+</file>
+
+<file path=ppt/ink/ink54.xml><?xml version="1.0" encoding="utf-8"?>
+<inkml:ink xmlns:inkml="http://www.w3.org/2003/InkML">
+  <inkml:definitions>
+    <inkml:context xml:id="ctx0">
+      <inkml:inkSource xml:id="inkSrc0">
+        <inkml:traceFormat>
+          <inkml:channel name="X" type="integer" min="-2.14748E9" max="2.14748E9" units="cm"/>
+          <inkml:channel name="Y" type="integer" min="-2.14748E9" max="2.14748E9" units="cm"/>
+          <inkml:channel name="F" type="integer" max="32767" units="dev"/>
+          <inkml:channel name="OA" type="integer" max="360" units="deg"/>
+          <inkml:channel name="OE" type="integer" max="90" units="deg"/>
+        </inkml:traceFormat>
+        <inkml:channelProperties>
+          <inkml:channelProperty channel="X" name="resolution" value="1000" units="1/cm"/>
+          <inkml:channelProperty channel="Y" name="resolution" value="1000" units="1/cm"/>
+          <inkml:channelProperty channel="F" name="resolution" value="0" units="1/dev"/>
+          <inkml:channelProperty channel="OA" name="resolution" value="1000" units="1/deg"/>
+          <inkml:channelProperty channel="OE" name="resolution" value="1000" units="1/deg"/>
+        </inkml:channelProperties>
+      </inkml:inkSource>
+      <inkml:timestamp xml:id="ts0" timeString="2024-11-03T00:07:25.579"/>
+    </inkml:context>
+    <inkml:brush xml:id="br0">
+      <inkml:brushProperty name="width" value="0.2" units="cm"/>
+      <inkml:brushProperty name="height" value="0.2" units="cm"/>
+      <inkml:brushProperty name="color" value="#004F8B"/>
+    </inkml:brush>
+  </inkml:definitions>
+  <inkml:trace contextRef="#ctx0" brushRef="#br0">0 1 24 0 0,'2'0'0'0'0,"0"0"0"0"0,-1 0 0 0 0,1 1 0 0 0,0-1 0 0 0,-1 0 0 0 0,1 1 0 0 0,-1 0 0 0 0,1-1 0 0 0,0 1 0 0 0,-1 0 0 0 0,0 0 0 0 0,1 0 0 0 0,-1 0 0 0 0,1 0 0 0 0,-1 0 0 0 0,0 0 0 0 0,0 0 0 0 0,0 1 0 0 0,0-1 0 0 0,0 0 0 0 0,0 1 0 0 0,0-1 0 0 0,0 1 0 0 0,0-1 0 0 0,0 3 0 0 0,3 6 14 0 0,-1 0 0 0 0,-1 0 0 0 0,1 0 0 0 0,-2 0 1 0 0,1 0-1 0 0,-1 19 0 0 0,-7 64 20 0 0,2-54-40 0 0,-9 554 6 0 0,14-581 0 0 0,2 68 0 0 0,-2-67 0 0 0,1-1 0 0 0,0 1 0 0 0,1-1 0 0 0,5 14 0 0 0,-8-26 0 0 0,0 1 0 0 0,1 0 0 0 0,-1-1 0 0 0,0 1 0 0 0,0 0 0 0 0,1-1 0 0 0,-1 1 0 0 0,0 0 0 0 0,1-1 0 0 0,-1 1 0 0 0,0-1 0 0 0,1 1 0 0 0,-1-1 0 0 0,1 1 0 0 0,-1-1 0 0 0,1 1 0 0 0,-1-1 0 0 0,1 1 0 0 0,-1-1 0 0 0,1 0 0 0 0,0 1 0 0 0,-1-1 0 0 0,1 0 0 0 0,-1 1 0 0 0,2-1 0 0 0,-1 0 0 0 0,0 0 0 0 0,-1-1 0 0 0,1 1 0 0 0,0 0 0 0 0,0-1 0 0 0,-1 1 0 0 0,1 0 0 0 0,0-1 0 0 0,-1 1 0 0 0,1-1 0 0 0,0 1 0 0 0,-1-1 0 0 0,1 0 0 0 0,-1 1 0 0 0,1-1 0 0 0,-1 1 0 0 0,1-1 0 0 0,-1-1 0 0 0,4-4 0 0 0,0-1 0 0 0,-1 0 0 0 0,3-9 0 0 0,0-2 0 0 0</inkml:trace>
+</inkml:ink>
+</file>
+
+<file path=ppt/ink/ink55.xml><?xml version="1.0" encoding="utf-8"?>
+<inkml:ink xmlns:inkml="http://www.w3.org/2003/InkML">
+  <inkml:definitions>
+    <inkml:context xml:id="ctx0">
+      <inkml:inkSource xml:id="inkSrc0">
+        <inkml:traceFormat>
+          <inkml:channel name="X" type="integer" min="-2.14748E9" max="2.14748E9" units="cm"/>
+          <inkml:channel name="Y" type="integer" min="-2.14748E9" max="2.14748E9" units="cm"/>
+          <inkml:channel name="F" type="integer" max="32767" units="dev"/>
+          <inkml:channel name="OA" type="integer" max="360" units="deg"/>
+          <inkml:channel name="OE" type="integer" max="90" units="deg"/>
+        </inkml:traceFormat>
+        <inkml:channelProperties>
+          <inkml:channelProperty channel="X" name="resolution" value="1000" units="1/cm"/>
+          <inkml:channelProperty channel="Y" name="resolution" value="1000" units="1/cm"/>
+          <inkml:channelProperty channel="F" name="resolution" value="0" units="1/dev"/>
+          <inkml:channelProperty channel="OA" name="resolution" value="1000" units="1/deg"/>
+          <inkml:channelProperty channel="OE" name="resolution" value="1000" units="1/deg"/>
+        </inkml:channelProperties>
+      </inkml:inkSource>
+      <inkml:timestamp xml:id="ts0" timeString="2024-11-03T00:07:25.925"/>
+    </inkml:context>
+    <inkml:brush xml:id="br0">
+      <inkml:brushProperty name="width" value="0.2" units="cm"/>
+      <inkml:brushProperty name="height" value="0.2" units="cm"/>
+      <inkml:brushProperty name="color" value="#004F8B"/>
+    </inkml:brush>
+  </inkml:definitions>
+  <inkml:trace contextRef="#ctx0" brushRef="#br0">1 9 24 0 0,'4'-2'0'0'0,"0"1"0"0"0,1 0 0 0 0,-1-1 0 0 0,1 2 0 0 0,0-1 0 0 0,-1 0 0 0 0,9 1 0 0 0,34 2 0 0 0,-42-1 0 0 0,16 0 15 0 0,24 7 1 0 0,-38-7-12 0 0,0 1 0 0 0,-1 0 0 0 0,1 0 0 0 0,-1 1 0 0 0,0 0 0 0 0,0 0 0 0 0,11 7 0 0 0,-10-3-4 0 0</inkml:trace>
+</inkml:ink>
+</file>
+
+<file path=ppt/ink/ink56.xml><?xml version="1.0" encoding="utf-8"?>
+<inkml:ink xmlns:inkml="http://www.w3.org/2003/InkML">
+  <inkml:definitions>
+    <inkml:context xml:id="ctx0">
+      <inkml:inkSource xml:id="inkSrc0">
+        <inkml:traceFormat>
+          <inkml:channel name="X" type="integer" min="-2.14748E9" max="2.14748E9" units="cm"/>
+          <inkml:channel name="Y" type="integer" min="-2.14748E9" max="2.14748E9" units="cm"/>
+          <inkml:channel name="F" type="integer" max="32767" units="dev"/>
+          <inkml:channel name="OA" type="integer" max="360" units="deg"/>
+          <inkml:channel name="OE" type="integer" max="90" units="deg"/>
+        </inkml:traceFormat>
+        <inkml:channelProperties>
+          <inkml:channelProperty channel="X" name="resolution" value="1000" units="1/cm"/>
+          <inkml:channelProperty channel="Y" name="resolution" value="1000" units="1/cm"/>
+          <inkml:channelProperty channel="F" name="resolution" value="0" units="1/dev"/>
+          <inkml:channelProperty channel="OA" name="resolution" value="1000" units="1/deg"/>
+          <inkml:channelProperty channel="OE" name="resolution" value="1000" units="1/deg"/>
+        </inkml:channelProperties>
+      </inkml:inkSource>
+      <inkml:timestamp xml:id="ts0" timeString="2024-11-03T00:07:26.255"/>
+    </inkml:context>
+    <inkml:brush xml:id="br0">
+      <inkml:brushProperty name="width" value="0.2" units="cm"/>
+      <inkml:brushProperty name="height" value="0.2" units="cm"/>
+      <inkml:brushProperty name="color" value="#004F8B"/>
+    </inkml:brush>
+  </inkml:definitions>
+  <inkml:trace contextRef="#ctx0" brushRef="#br0">33 1 55 0 0,'1'23'0'0'0,"-1"1"0"0"0,-6 39 0 0 0,2-18 0 0 0,-8 37 0 0 0,8-59 0 0 0,1 0 0 0 0,0 0 0 0 0,1 34 0 0 0,3-52 0 0 0,-1-1 0 0 0,1 1 0 0 0,0-1 0 0 0,2 8 0 0 0,-2-11 0 0 0,-1 1 0 0 0,1-1 0 0 0,0 0 0 0 0,0 1 0 0 0,-1-1 0 0 0,1 1 0 0 0,0-1 0 0 0,0 0 0 0 0,0 0 0 0 0,0 1 0 0 0,0-1 0 0 0,1 0 0 0 0,-1 0 0 0 0,0 0 0 0 0,0 0 0 0 0,3 1 0 0 0,-4-2 0 0 0,1 0 0 0 0,-1 0 0 0 0,1 0 0 0 0,0 0 0 0 0,-1 0 0 0 0,1 0 0 0 0,-1 0 0 0 0,1 0 0 0 0,0 0 0 0 0,-1 0 0 0 0,1-1 0 0 0,0 1 0 0 0,-1 0 0 0 0,1 0 0 0 0,-1 0 0 0 0,1-1 0 0 0,-1 1 0 0 0,1 0 0 0 0,-1-1 0 0 0,1 1 0 0 0,-1-1 0 0 0,1 1 0 0 0,-1 0 0 0 0,1-2 0 0 0,8-6 0 0 0</inkml:trace>
+</inkml:ink>
+</file>
+
+<file path=ppt/ink/ink57.xml><?xml version="1.0" encoding="utf-8"?>
+<inkml:ink xmlns:inkml="http://www.w3.org/2003/InkML">
+  <inkml:definitions>
+    <inkml:context xml:id="ctx0">
+      <inkml:inkSource xml:id="inkSrc0">
+        <inkml:traceFormat>
+          <inkml:channel name="X" type="integer" min="-2.14748E9" max="2.14748E9" units="cm"/>
+          <inkml:channel name="Y" type="integer" min="-2.14748E9" max="2.14748E9" units="cm"/>
+          <inkml:channel name="F" type="integer" max="32767" units="dev"/>
+          <inkml:channel name="OA" type="integer" max="360" units="deg"/>
+          <inkml:channel name="OE" type="integer" max="90" units="deg"/>
+        </inkml:traceFormat>
+        <inkml:channelProperties>
+          <inkml:channelProperty channel="X" name="resolution" value="1000" units="1/cm"/>
+          <inkml:channelProperty channel="Y" name="resolution" value="1000" units="1/cm"/>
+          <inkml:channelProperty channel="F" name="resolution" value="0" units="1/dev"/>
+          <inkml:channelProperty channel="OA" name="resolution" value="1000" units="1/deg"/>
+          <inkml:channelProperty channel="OE" name="resolution" value="1000" units="1/deg"/>
+        </inkml:channelProperties>
+      </inkml:inkSource>
+      <inkml:timestamp xml:id="ts0" timeString="2024-11-03T00:07:26.899"/>
+    </inkml:context>
+    <inkml:brush xml:id="br0">
+      <inkml:brushProperty name="width" value="0.2" units="cm"/>
+      <inkml:brushProperty name="height" value="0.2" units="cm"/>
+      <inkml:brushProperty name="color" value="#004F8B"/>
+    </inkml:brush>
+  </inkml:definitions>
+  <inkml:trace contextRef="#ctx0" brushRef="#br0">92 70 24 0 0,'0'0'0'0'0,"1"0"0"0"0,-1 0 0 0 0,1-1 0 0 0,-1 1 0 0 0,1 0 0 0 0,-1 0 0 0 0,1-1 0 0 0,-1 1 0 0 0,0 0 0 0 0,1 0 0 0 0,-1-1 0 0 0,1 1 0 0 0,-1 0 0 0 0,0-1 0 0 0,1 1 0 0 0,-1 0 0 0 0,0-1 0 0 0,0 1 0 0 0,1-1 0 0 0,-1 1 0 0 0,0-1 0 0 0,0 1 0 0 0,0-1 0 0 0,1 1 0 0 0,-1-1 0 0 0,0 1 0 0 0,0-1 0 0 0,0 1 0 0 0,0-1 0 0 0,0 1 0 0 0,0 0 0 0 0,0 0 0 0 0,0 0 0 0 0,0-1 0 0 0,0 1 0 0 0,0 0 0 0 0,0 0 0 0 0,0 0 0 0 0,0 0 0 0 0,0-1 0 0 0,0 1 0 0 0,0 0 0 0 0,1 0 0 0 0,-1 0 0 0 0,0 0 0 0 0,0-1 0 0 0,0 1 0 0 0,0 0 0 0 0,0 0 0 0 0,0 0 0 0 0,0 0 0 0 0,1 0 0 0 0,-1 0 0 0 0,0-1 0 0 0,0 1 0 0 0,0 0 0 0 0,0 0 0 0 0,1 0 0 0 0,-1 0 0 0 0,0 0 0 0 0,0 0 0 0 0,0 0 0 0 0,0 0 0 0 0,1 0 0 0 0,1-2 0 0 0,1 0 0 0 0,-1 0 0 0 0,0 0 0 0 0,1 0 0 0 0,-1 0 0 0 0,2-4 0 0 0,-3 4 5 0 0,0 1 1 0 0,1-1 0 0 0,-2 0 0 0 0,1 0 0 0 0,0 1-1 0 0,0-1 1 0 0,0 0 0 0 0,-1 0 0 0 0,1 0 0 0 0,-1-2-1 0 0,0 4-4 0 0,0 0 0 0 0,0 0 0 0 0,0-1 0 0 0,-1 1 0 0 0,1 0-1 0 0,0 0 1 0 0,0 0 0 0 0,-1 0 0 0 0,1 0 0 0 0,0 0-1 0 0,0 0 1 0 0,0 0 0 0 0,-1 0 0 0 0,1 0 0 0 0,0 0-1 0 0,0 0 1 0 0,-1 0 0 0 0,1 0 0 0 0,0 0 0 0 0,0 0-1 0 0,0 1 1 0 0,-1-1 0 0 0,1 0 0 0 0,0 0 0 0 0,0 0-1 0 0,-1 0 1 0 0,1 0 0 0 0,0 0 0 0 0,0 1 0 0 0,0-1-1 0 0,0 0 1 0 0,-1 0 0 0 0,1 0 0 0 0,0 0 0 0 0,0 1-1 0 0,-7 6 35 0 0,7-7-35 0 0,-11 13 0 0 0,1 0 0 0 0,1 1 0 0 0,1 0 0 0 0,0 0 0 0 0,-11 27 0 0 0,17-35 0 0 0,-3 6 4 0 0,0 0-1 0 0,1 1 0 0 0,1-1 1 0 0,0 1-1 0 0,-2 19 0 0 0,4-23 2 0 0,1 0 0 0 0,0 0 0 0 0,0 0 0 0 0,1 0 0 0 0,0 0 0 0 0,1 0 0 0 0,0 0 0 0 0,5 16-1 0 0,-4-20-4 0 0,-1-1 0 0 0,1 0 0 0 0,-1 0 0 0 0,1 0 0 0 0,0 0 0 0 0,0-1 0 0 0,1 1 0 0 0,-1-1 0 0 0,1 0 0 0 0,0 0 0 0 0,0 0 0 0 0,0 0 0 0 0,0-1 0 0 0,0 1 0 0 0,0-1 0 0 0,1 0 0 0 0,-1 0 0 0 0,1-1 0 0 0,0 0 0 0 0,-1 1 0 0 0,1-2 0 0 0,0 1 0 0 0,0 0 0 0 0,9-1 0 0 0,-6 0 0 0 0,-1 0 0 0 0,1-1 0 0 0,-1 1 0 0 0,1-2 0 0 0,-1 1 0 0 0,0-1 0 0 0,1 0 0 0 0,-1-1 0 0 0,0 1 0 0 0,0-1 0 0 0,-1-1 0 0 0,1 1 0 0 0,-1-1 0 0 0,1-1 0 0 0,9-8 0 0 0,-3-1 0 0 0,0-1 0 0 0,-2 0 0 0 0,1 0 0 0 0,-2-1 0 0 0,0-1 0 0 0,-1 0 0 0 0,-1 0 0 0 0,-1-1 0 0 0,0 0 0 0 0,5-22 0 0 0,-11 36 0 0 0,-1 0 0 0 0,1 0 0 0 0,-1 1 0 0 0,0-1 0 0 0,0 0 0 0 0,0 0 0 0 0,0 0 0 0 0,-1 0 0 0 0,0 0 0 0 0,0 1 0 0 0,0-1 0 0 0,0 0 0 0 0,0 1 0 0 0,-1-1 0 0 0,1 1 0 0 0,-1-1 0 0 0,0 1 0 0 0,0 0 0 0 0,-5-6 0 0 0,0 2 0 0 0,0 0 0 0 0,0 1 0 0 0,0 0 0 0 0,-1 0 0 0 0,0 1 0 0 0,-15-7 0 0 0,19 10 0 0 0,0 0 0 0 0,0 1 0 0 0,0 0 0 0 0,0 0 0 0 0,0 0 0 0 0,0 0 0 0 0,-1 1 0 0 0,1-1 0 0 0,0 1 0 0 0,-5 1 0 0 0,-8 0 0 0 0,-21 5 0 0 0,-12 1 0 0 0,21-10 0 0 0,26 2 0 0 0,0 0 0 0 0,0 0 0 0 0,-1 1 0 0 0,1 0 0 0 0,0-1 0 0 0,0 1 0 0 0,0 0 0 0 0,-1 0 0 0 0,1 1 0 0 0,0-1 0 0 0,-5 2 0 0 0,-6 6 0 0 0,11-6 0 0 0,1-1 0 0 0,0 1 0 0 0,-1-1 0 0 0,1 0 0 0 0,-1 0 0 0 0,-3 2 0 0 0,5-3 0 0 0,0 0 0 0 0,0 0 0 0 0,-1 0 0 0 0,1 0 0 0 0,0 1 0 0 0,0-1 0 0 0,0 0 0 0 0,0 1 0 0 0,0-1 0 0 0,0 1 0 0 0,0-1 0 0 0,0 1 0 0 0,0-1 0 0 0,1 1 0 0 0,-1 0 0 0 0,0 0 0 0 0,0-1 0 0 0,0 1 0 0 0,1 0 0 0 0,-1 0 0 0 0,0 0 0 0 0,1 0 0 0 0,-1 0 0 0 0,1 0 0 0 0,-1 0 0 0 0,1 0 0 0 0,-1 0 0 0 0,1 0 0 0 0,0 0 0 0 0,0 0 0 0 0,-1 0 0 0 0,1 1 0 0 0,-1 2 5 0 0,0-1 0 0 0,0 0 0 0 0,1 0 0 0 0,-1 0 0 0 0,1 0 0 0 0,0 0 0 0 0,0 1 0 0 0,0-1 0 0 0,0 0 0 0 0,0 0 0 0 0,1 0 0 0 0,0 4-1 0 0,0-8 0 0 0,0 1 0 0 0,0-1 0 0 0,-1 1 0 0 0,1-1 0 0 0,0 0 0 0 0,-1 1 0 0 0,1-1 0 0 0,-1 0 0 0 0,1 0 0 0 0,-1 1 0 0 0,1-1 0 0 0,-1 0 0 0 0,1-1 0 0 0,-1 2 0 0 0,1-1-1 0 0,-1 1-1 0 0,1 0 0 0 0,0 0 1 0 0,-1-1-1 0 0,1 1 0 0 0,0 0 1 0 0,-1 0-1 0 0,1 0 0 0 0,0 0 0 0 0,-1 0 1 0 0,1 0-1 0 0,0 0 0 0 0,-1 0 1 0 0,1 0-1 0 0,0 1 0 0 0,-1-1 1 0 0,1 0-1 0 0,0 0 0 0 0,-1 0 0 0 0,1 1 1 0 0,0-1-1 0 0,-1 0 0 0 0,1 1 1 0 0,0 0-1 0 0,16 4 24 0 0,-4-7-26 0 0,-1-1 0 0 0,0 0 0 0 0,1-1 0 0 0,-1 0 0 0 0,18-10 0 0 0,15-4 0 0 0,1-1 0 0 0,-32 13 0 0 0,1 0 0 0 0,-1 1 0 0 0,1 0 0 0 0,27-4 0 0 0,-18 7 0 0 0,0 0 0 0 0,0 2 0 0 0,25 2 0 0 0,-39-1 0 0 0,0 0 0 0 0,0 1 0 0 0,-1 0 0 0 0,1 1 0 0 0,-1 0 0 0 0,0 0 0 0 0,0 1 0 0 0,0 0 0 0 0,0 1 0 0 0,9 7 0 0 0,-12-8 0 0 0,-1 1 0 0 0,0 0 0 0 0,0 1 0 0 0,0-1 0 0 0,-1 1 0 0 0,0 0 0 0 0,0 0 0 0 0,-1 0 0 0 0,1 1 0 0 0,-1-1 0 0 0,-1 1 0 0 0,1 0 0 0 0,-1 0 0 0 0,2 9 0 0 0,0 11 0 0 0,0 1 0 0 0,0 38 0 0 0,-2-18 0 0 0,-1-24 0 0 0,-1 0 0 0 0,-1 0 0 0 0,-6 31 0 0 0,8-51 0 0 0,2-11 0 0 0,4-10 0 0 0,6-15 0 0 0,0 0 0 0 0,26-43 0 0 0,5-10 0 0 0,-39 75 0 0 0,0 0 0 0 0,1 1 0 0 0,0 0 0 0 0,1 0 0 0 0,0 1 0 0 0,0-1 0 0 0,1 2 0 0 0,0-1 0 0 0,0 1 0 0 0,1 0 0 0 0,-1 1 0 0 0,2 0 0 0 0,-1 0 0 0 0,1 1 0 0 0,0 0 0 0 0,16-5 0 0 0,-25 10 0 0 0,1-1 0 0 0,0 1 0 0 0,-1-1 0 0 0,1 1 0 0 0,0 0 0 0 0,0-1 0 0 0,0 1 0 0 0,-1 0 0 0 0,1 0 0 0 0,0 1 0 0 0,0-1 0 0 0,-1 0 0 0 0,1 1 0 0 0,0-1 0 0 0,-1 1 0 0 0,1-1 0 0 0,0 1 0 0 0,2 1 0 0 0,-1 0 0 0 0,0 1 0 0 0,0 0 0 0 0,0-1 0 0 0,0 1 0 0 0,0 1 0 0 0,2 2 0 0 0,13 14 0 0 0,-16-18 0 0 0,0 1 0 0 0,0 0 0 0 0,0-1 0 0 0,0 1 0 0 0,0 0 0 0 0,-1 0 0 0 0,0 0 0 0 0,1 0 0 0 0,-1 0 0 0 0,0 0 0 0 0,0 1 0 0 0,0 2 0 0 0,7 18 0 0 0,-4-14 0 0 0,-1 0 0 0 0,0 1 0 0 0,3 18 0 0 0,0 6 0 0 0,5 9 7 0 0,14 53 28 0 0,-22-86-32 0 0,2 1 0 0 0,0-1 0 0 0,0 0 1 0 0,1-1-1 0 0,0 1 0 0 0,8 9 0 0 0,-14-19-3 0 0,1 0 0 0 0,0 0 0 0 0,0 0 0 0 0,-1 0 0 0 0,1-1 0 0 0,0 1 0 0 0,0 0 0 0 0,0 0 0 0 0,0-1 0 0 0,0 1 0 0 0,0-1 0 0 0,0 1 0 0 0,0 0 0 0 0,0-1 0 0 0,0 0 0 0 0,0 1 0 0 0,0-1 0 0 0,1 0 0 0 0,-1 0 0 0 0,0 1 0 0 0,0-1 0 0 0,0 0 0 0 0,0 0 0 0 0,0 0 0 0 0,1 0 0 0 0,-1-1 0 0 0,2 1 0 0 0,1-2 0 0 0,0 0 0 0 0,-1 1 0 0 0,1-2 0 0 0,0 1 0 0 0,-1 0 0 0 0,5-5 0 0 0,-7 6 0 0 0,23-19 0 0 0,-13 10 0 0 0</inkml:trace>
+</inkml:ink>
+</file>
+
+<file path=ppt/ink/ink58.xml><?xml version="1.0" encoding="utf-8"?>
+<inkml:ink xmlns:inkml="http://www.w3.org/2003/InkML">
+  <inkml:definitions>
+    <inkml:context xml:id="ctx0">
+      <inkml:inkSource xml:id="inkSrc0">
+        <inkml:traceFormat>
+          <inkml:channel name="X" type="integer" min="-2.14748E9" max="2.14748E9" units="cm"/>
+          <inkml:channel name="Y" type="integer" min="-2.14748E9" max="2.14748E9" units="cm"/>
+          <inkml:channel name="F" type="integer" max="32767" units="dev"/>
+          <inkml:channel name="OA" type="integer" max="360" units="deg"/>
+          <inkml:channel name="OE" type="integer" max="90" units="deg"/>
+        </inkml:traceFormat>
+        <inkml:channelProperties>
+          <inkml:channelProperty channel="X" name="resolution" value="1000" units="1/cm"/>
+          <inkml:channelProperty channel="Y" name="resolution" value="1000" units="1/cm"/>
+          <inkml:channelProperty channel="F" name="resolution" value="0" units="1/dev"/>
+          <inkml:channelProperty channel="OA" name="resolution" value="1000" units="1/deg"/>
+          <inkml:channelProperty channel="OE" name="resolution" value="1000" units="1/deg"/>
+        </inkml:channelProperties>
+      </inkml:inkSource>
+      <inkml:timestamp xml:id="ts0" timeString="2024-11-03T00:07:27.370"/>
+    </inkml:context>
+    <inkml:brush xml:id="br0">
+      <inkml:brushProperty name="width" value="0.2" units="cm"/>
+      <inkml:brushProperty name="height" value="0.2" units="cm"/>
+      <inkml:brushProperty name="color" value="#004F8B"/>
+    </inkml:brush>
+  </inkml:definitions>
+  <inkml:trace contextRef="#ctx0" brushRef="#br0">388 183 24 0 0,'2'-2'0'0'0,"1"0"0"0"0,-1-1 0 0 0,1 1 0 0 0,-1-1 0 0 0,0 1 0 0 0,0-1 0 0 0,0 0 0 0 0,3-6 0 0 0,-5 8 0 0 0,6-5-1 0 0,-2 1 2 0 0,0-12-7 0 0,-3 9 12 0 0,1 0 1 0 0,-1 0 0 0 0,0 0-1 0 0,-1-15 1 0 0,0 21-2 0 0,-1-1 0 0 0,1 0-1 0 0,-1 0 1 0 0,0 1 0 0 0,0-1-1 0 0,0 1 1 0 0,0-1 0 0 0,0 1 0 0 0,-1-1-1 0 0,1 1 1 0 0,-1 0 0 0 0,1-1-1 0 0,-1 1 1 0 0,0 0 0 0 0,0 0 0 0 0,0 0-1 0 0,0 0 1 0 0,-3-1 0 0 0,-1-1-3 0 0,1 1 0 0 0,-1 0-1 0 0,-1 1 1 0 0,1-1 0 0 0,0 1 0 0 0,-1 0 0 0 0,1 1 0 0 0,-1-1 0 0 0,1 2-1 0 0,-1-1 1 0 0,0 1 0 0 0,0-1 0 0 0,-9 2 0 0 0,-6 2 14 0 0,-1 0 0 0 0,-35 10 0 0 0,23-4-17 0 0,11-4 14 0 0,2 1 0 0 0,-1 1 0 0 0,1 1 0 0 0,-27 14 0 0 0,47-21-10 0 0,0 0-1 0 0,0 1 1 0 0,0-1-1 0 0,1 1 0 0 0,-1-1 1 0 0,0 1-1 0 0,1-1 1 0 0,-1 1-1 0 0,1 0 0 0 0,0 0 1 0 0,0 0-1 0 0,-2 2 1 0 0,3-3 0 0 0,-1 0 1 0 0,1 0-1 0 0,0 0 0 0 0,-1 1 1 0 0,1-1-1 0 0,0 0 1 0 0,0 0-1 0 0,0 0 1 0 0,0 0-1 0 0,0 0 1 0 0,0 0-1 0 0,0 1 0 0 0,0-1 1 0 0,0 0-1 0 0,1 0 1 0 0,-1 0-1 0 0,0 0 1 0 0,1 0-1 0 0,-1 0 1 0 0,1 0-1 0 0,-1 0 0 0 0,1 0 1 0 0,-1 0-1 0 0,2 1 1 0 0,-2-2-4 0 0,0 0 1 0 0,0 1-1 0 0,1-1 0 0 0,-1 0 1 0 0,0 0-1 0 0,0 0 1 0 0,0 0-1 0 0,0 1 1 0 0,1-1-1 0 0,-1 0 0 0 0,0 0 1 0 0,0 0-1 0 0,0 0 1 0 0,0 0-1 0 0,1 0 0 0 0,-1 0 1 0 0,0 0-1 0 0,0 0 1 0 0,0 0-1 0 0,1 0 1 0 0,-1 1-1 0 0,0-1 0 0 0,0 0 1 0 0,0 0-1 0 0,1 0 1 0 0,-1-1-1 0 0,0 1 0 0 0,0 0 1 0 0,0 0-1 0 0,1 0 1 0 0,-1 0-1 0 0,0 0 1 0 0,0 0-1 0 0,0 0 0 0 0,1 0 1 0 0,-1 0-1 0 0,0-1 1 0 0,0 1 0 0 0,1 0 1 0 0,-1 0-1 0 0,0 0 1 0 0,0 0 0 0 0,1 0-1 0 0,-1 0 1 0 0,0 0-1 0 0,0 0 1 0 0,1 0-1 0 0,-1-1 1 0 0,0 1 0 0 0,0 0-1 0 0,1 0 1 0 0,-1 0-1 0 0,0 0 1 0 0,0 0-1 0 0,1 1 1 0 0,-1-1 0 0 0,0 0-1 0 0,0 0 1 0 0,1 0-1 0 0,-1 0 1 0 0,0 0-1 0 0,0 0 1 0 0,0 0 0 0 0,1 0-1 0 0,-1 0 1 0 0,0 1-1 0 0,0-1 1 0 0,0 0 0 0 0,1 0-1 0 0,-1 0 1 0 0,0 0-1 0 0,0 1 1 0 0,0-1-1 0 0,0 0 1 0 0,1 0 0 0 0,-1 1-1 0 0,3 3 5 0 0,0 1-1 0 0,-1 0 1 0 0,1 0 0 0 0,1 7-1 0 0,-2-7 0 0 0,0-1 0 0 0,0 1 0 0 0,0-1-1 0 0,0 0 1 0 0,1 1 0 0 0,5 5 0 0 0,-7-9-5 0 0,0 0 1 0 0,0 0 0 0 0,0 0-1 0 0,0 0 1 0 0,1-1-1 0 0,-1 1 1 0 0,0 0-1 0 0,1-1 1 0 0,-1 1-1 0 0,0-1 1 0 0,1 1 0 0 0,-1-1-1 0 0,1 0 1 0 0,-1 1-1 0 0,0-1 1 0 0,1 0-1 0 0,-1 0 1 0 0,1 0-1 0 0,-1 0 1 0 0,1-1 0 0 0,-1 1-1 0 0,1 0 1 0 0,-1 0-1 0 0,0-1 1 0 0,1 1-1 0 0,-1-1 1 0 0,2-1-1 0 0,0 2 0 0 0,-1 0 0 0 0,0 0 0 0 0,0-1 0 0 0,0 2 0 0 0,1-1 0 0 0,-1 0 0 0 0,0 0 0 0 0,0 1 0 0 0,1-1 0 0 0,-1 1 0 0 0,0-1 0 0 0,0 1 0 0 0,0 0 0 0 0,0 0 0 0 0,0 0 0 0 0,3 2 0 0 0,13 5 0 0 0,-2-2 0 0 0,0 0 0 0 0,-1 1 0 0 0,1 1 0 0 0,-2 0 0 0 0,20 14 0 0 0,-20-13 0 0 0,-12-8 0 0 0,1 1 0 0 0,0-1 0 0 0,0 1 0 0 0,-1 0 0 0 0,1 0 0 0 0,-1 0 0 0 0,0 1 0 0 0,0-1 0 0 0,1 0 0 0 0,1 4 0 0 0,1 4 0 0 0,0 1 0 0 0,0-1 0 0 0,-1 1 0 0 0,0 0 0 0 0,-1 0 0 0 0,-1 1 0 0 0,1-1 0 0 0,-2 1 0 0 0,0-1 0 0 0,0 1 0 0 0,-1 17 0 0 0,-1-22 0 0 0,0 0 0 0 0,0 0 0 0 0,-1 0 0 0 0,0 0 0 0 0,0 0 0 0 0,0-1 0 0 0,-1 1 0 0 0,-6 11 0 0 0,6-14 0 0 0,0 0 0 0 0,0 0 0 0 0,0 0 0 0 0,-1 0 0 0 0,1-1 0 0 0,-1 1 0 0 0,0-1 0 0 0,0 0 0 0 0,0 0 0 0 0,0-1 0 0 0,-1 1 0 0 0,1-1 0 0 0,-8 3 0 0 0,-9 1 0 0 0,0-1 0 0 0,0-1 0 0 0,0 0 0 0 0,0-2 0 0 0,-1-1 0 0 0,-29-1 0 0 0,9-6 0 0 0,27 3 0 0 0,-9 0 0 0 0</inkml:trace>
+</inkml:ink>
+</file>
+
+<file path=ppt/ink/ink6.xml><?xml version="1.0" encoding="utf-8"?>
+<inkml:ink xmlns:inkml="http://www.w3.org/2003/InkML">
+  <inkml:definitions>
+    <inkml:context xml:id="ctx0">
+      <inkml:inkSource xml:id="inkSrc0">
+        <inkml:traceFormat>
+          <inkml:channel name="X" type="integer" min="-2.14748E9" max="2.14748E9" units="cm"/>
+          <inkml:channel name="Y" type="integer" min="-2.14748E9" max="2.14748E9" units="cm"/>
+          <inkml:channel name="F" type="integer" max="32767" units="dev"/>
+          <inkml:channel name="OA" type="integer" max="360" units="deg"/>
+          <inkml:channel name="OE" type="integer" max="90" units="deg"/>
+        </inkml:traceFormat>
+        <inkml:channelProperties>
+          <inkml:channelProperty channel="X" name="resolution" value="1000" units="1/cm"/>
+          <inkml:channelProperty channel="Y" name="resolution" value="1000" units="1/cm"/>
+          <inkml:channelProperty channel="F" name="resolution" value="0" units="1/dev"/>
+          <inkml:channelProperty channel="OA" name="resolution" value="1000" units="1/deg"/>
+          <inkml:channelProperty channel="OE" name="resolution" value="1000" units="1/deg"/>
+        </inkml:channelProperties>
+      </inkml:inkSource>
+      <inkml:timestamp xml:id="ts0" timeString="2024-11-03T00:06:18.781"/>
+    </inkml:context>
+    <inkml:brush xml:id="br0">
+      <inkml:brushProperty name="width" value="0.2" units="cm"/>
+      <inkml:brushProperty name="height" value="0.2" units="cm"/>
+      <inkml:brushProperty name="color" value="#004F8B"/>
+    </inkml:brush>
+  </inkml:definitions>
+  <inkml:trace contextRef="#ctx0" brushRef="#br0">1 30 24 0 0,'8'-11'-1'0'0,"-8"10"6"0"0,1-1 0 0 0,0 0 0 0 0,0 1 0 0 0,0-1 0 0 0,0 1 0 0 0,0 0 0 0 0,1-1 0 0 0,-1 1 0 0 0,0 0 0 0 0,0 0 0 0 0,4-2 0 0 0,-5 3-2 0 0,1 0 0 0 0,0 1-1 0 0,-1-1 1 0 0,1 0 0 0 0,-1 1-1 0 0,1-1 1 0 0,0 1-1 0 0,-1-1 1 0 0,1 1 0 0 0,-1-1-1 0 0,0 1 1 0 0,1-1 0 0 0,-1 1-1 0 0,1 0 1 0 0,-1-1-1 0 0,0 1 1 0 0,1-1 0 0 0,-1 1-1 0 0,0 0 1 0 0,0-1-1 0 0,1 1 1 0 0,-1 0 0 0 0,0 0-1 0 0,0-1 1 0 0,0 1 0 0 0,0 1-1 0 0,3 24 70 0 0,-3-22-67 0 0,20 163 27 0 0,0 7 0 0 0,-18-160-32 0 0,-1 3 0 0 0,0 0 0 0 0,-1 0 0 0 0,0-1 0 0 0,-4 22 0 0 0,1-31 0 0 0,1-7 0 0 0</inkml:trace>
+</inkml:ink>
+</file>
+
+<file path=ppt/ink/ink7.xml><?xml version="1.0" encoding="utf-8"?>
+<inkml:ink xmlns:inkml="http://www.w3.org/2003/InkML">
+  <inkml:definitions>
+    <inkml:context xml:id="ctx0">
+      <inkml:inkSource xml:id="inkSrc0">
+        <inkml:traceFormat>
+          <inkml:channel name="X" type="integer" min="-2.14748E9" max="2.14748E9" units="cm"/>
+          <inkml:channel name="Y" type="integer" min="-2.14748E9" max="2.14748E9" units="cm"/>
+          <inkml:channel name="F" type="integer" max="32767" units="dev"/>
+          <inkml:channel name="OA" type="integer" max="360" units="deg"/>
+          <inkml:channel name="OE" type="integer" max="90" units="deg"/>
+        </inkml:traceFormat>
+        <inkml:channelProperties>
+          <inkml:channelProperty channel="X" name="resolution" value="1000" units="1/cm"/>
+          <inkml:channelProperty channel="Y" name="resolution" value="1000" units="1/cm"/>
+          <inkml:channelProperty channel="F" name="resolution" value="0" units="1/dev"/>
+          <inkml:channelProperty channel="OA" name="resolution" value="1000" units="1/deg"/>
+          <inkml:channelProperty channel="OE" name="resolution" value="1000" units="1/deg"/>
+        </inkml:channelProperties>
+      </inkml:inkSource>
+      <inkml:timestamp xml:id="ts0" timeString="2024-11-03T00:06:19.126"/>
+    </inkml:context>
+    <inkml:brush xml:id="br0">
+      <inkml:brushProperty name="width" value="0.2" units="cm"/>
+      <inkml:brushProperty name="height" value="0.2" units="cm"/>
+      <inkml:brushProperty name="color" value="#004F8B"/>
+    </inkml:brush>
+  </inkml:definitions>
+  <inkml:trace contextRef="#ctx0" brushRef="#br0">1 118 7 0 0,'0'-2'1'0'0,"0"0"-1"0"0,0 0 127 0 0,4-2-73 0 0,7-7-49 0 0,18-15 0 0 0,-16 17 3 0 0,0 1 0 0 0,0 0 0 0 0,0 1 0 0 0,1 0 0 0 0,0 1 0 0 0,0 0 0 0 0,1 2 0 0 0,-1-1 0 0 0,1 2 0 0 0,0 0 0 0 0,0 1 0 0 0,0 0 0 0 0,1 1 0 0 0,-1 1 0 0 0,24 3 0 0 0,-7-3-8 0 0,-33 0 0 0 0</inkml:trace>
+</inkml:ink>
+</file>
+
+<file path=ppt/ink/ink8.xml><?xml version="1.0" encoding="utf-8"?>
+<inkml:ink xmlns:inkml="http://www.w3.org/2003/InkML">
+  <inkml:definitions>
+    <inkml:context xml:id="ctx0">
+      <inkml:inkSource xml:id="inkSrc0">
+        <inkml:traceFormat>
+          <inkml:channel name="X" type="integer" min="-2.14748E9" max="2.14748E9" units="cm"/>
+          <inkml:channel name="Y" type="integer" min="-2.14748E9" max="2.14748E9" units="cm"/>
+          <inkml:channel name="F" type="integer" max="32767" units="dev"/>
+          <inkml:channel name="OA" type="integer" max="360" units="deg"/>
+          <inkml:channel name="OE" type="integer" max="90" units="deg"/>
+        </inkml:traceFormat>
+        <inkml:channelProperties>
+          <inkml:channelProperty channel="X" name="resolution" value="1000" units="1/cm"/>
+          <inkml:channelProperty channel="Y" name="resolution" value="1000" units="1/cm"/>
+          <inkml:channelProperty channel="F" name="resolution" value="0" units="1/dev"/>
+          <inkml:channelProperty channel="OA" name="resolution" value="1000" units="1/deg"/>
+          <inkml:channelProperty channel="OE" name="resolution" value="1000" units="1/deg"/>
+        </inkml:channelProperties>
+      </inkml:inkSource>
+      <inkml:timestamp xml:id="ts0" timeString="2024-11-03T00:06:19.472"/>
+    </inkml:context>
+    <inkml:brush xml:id="br0">
+      <inkml:brushProperty name="width" value="0.2" units="cm"/>
+      <inkml:brushProperty name="height" value="0.2" units="cm"/>
+      <inkml:brushProperty name="color" value="#004F8B"/>
+    </inkml:brush>
+  </inkml:definitions>
+  <inkml:trace contextRef="#ctx0" brushRef="#br0">1 280 55 0 0,'0'1'1'0'0,"1"-1"-1"0"0,-1 0 1 0 0,1 0-1 0 0,-1 0 1 0 0,1 0-1 0 0,-1 0 0 0 0,1 0 1 0 0,-1 0-1 0 0,1 0 1 0 0,0 0-1 0 0,-1 0 0 0 0,1 0 1 0 0,-1 0-1 0 0,1 0 1 0 0,-1 0-1 0 0,1 0 0 0 0,-1-1 1 0 0,1 1-1 0 0,-1 0 1 0 0,1 0-1 0 0,-1 0 0 0 0,1-1 1 0 0,-1 1-1 0 0,1 0 1 0 0,-1-1-1 0 0,0 1 1 0 0,1-1-1 0 0,18-16 25 0 0,-10 9-8 0 0,64-47 84 0 0,138-78 0 0 0,-194 123-101 0 0,1 1 0 0 0,0 1 0 0 0,1 0 0 0 0,0 2 0 0 0,0 0 0 0 0,1 1 0 0 0,0 1 0 0 0,0 1 0 0 0,30-2 0 0 0,-42 6 0 0 0,-9 1 0 0 0,-7 1 0 0 0,8-3 0 0 0,-6 2 0 0 0</inkml:trace>
+</inkml:ink>
+</file>
+
+<file path=ppt/ink/ink9.xml><?xml version="1.0" encoding="utf-8"?>
+<inkml:ink xmlns:inkml="http://www.w3.org/2003/InkML">
+  <inkml:definitions>
+    <inkml:context xml:id="ctx0">
+      <inkml:inkSource xml:id="inkSrc0">
+        <inkml:traceFormat>
+          <inkml:channel name="X" type="integer" min="-2.14748E9" max="2.14748E9" units="cm"/>
+          <inkml:channel name="Y" type="integer" min="-2.14748E9" max="2.14748E9" units="cm"/>
+          <inkml:channel name="F" type="integer" max="32767" units="dev"/>
+          <inkml:channel name="OA" type="integer" max="360" units="deg"/>
+          <inkml:channel name="OE" type="integer" max="90" units="deg"/>
+        </inkml:traceFormat>
+        <inkml:channelProperties>
+          <inkml:channelProperty channel="X" name="resolution" value="1000" units="1/cm"/>
+          <inkml:channelProperty channel="Y" name="resolution" value="1000" units="1/cm"/>
+          <inkml:channelProperty channel="F" name="resolution" value="0" units="1/dev"/>
+          <inkml:channelProperty channel="OA" name="resolution" value="1000" units="1/deg"/>
+          <inkml:channelProperty channel="OE" name="resolution" value="1000" units="1/deg"/>
+        </inkml:channelProperties>
+      </inkml:inkSource>
+      <inkml:timestamp xml:id="ts0" timeString="2024-11-03T00:06:19.817"/>
+    </inkml:context>
+    <inkml:brush xml:id="br0">
+      <inkml:brushProperty name="width" value="0.2" units="cm"/>
+      <inkml:brushProperty name="height" value="0.2" units="cm"/>
+      <inkml:brushProperty name="color" value="#004F8B"/>
+    </inkml:brush>
+  </inkml:definitions>
+  <inkml:trace contextRef="#ctx0" brushRef="#br0">273 1 24 0 0,'1'0'-1'0'0,"0"1"1"0"0,1 0 0 0 0,-1 0 0 0 0,0-1 0 0 0,0 1 0 0 0,1 0 0 0 0,-1 0 0 0 0,0 0 0 0 0,0 0 0 0 0,0 0 0 0 0,0 0 0 0 0,-1 1 0 0 0,1-1 0 0 0,0 0 0 0 0,0 0 0 0 0,0 3 0 0 0,0-1 0 0 0,-1-1 0 0 0,1 1 0 0 0,-1-1 0 0 0,0 0 0 0 0,0 1 1 0 0,0-1-1 0 0,0 1 0 0 0,0-1 0 0 0,-2 5 0 0 0,1-3 2 0 0,0 0 0 0 0,-1 0 0 0 0,1 0 0 0 0,-1 0 1 0 0,0 0-1 0 0,-1 0 0 0 0,1 0 0 0 0,-1-1 1 0 0,1 1-1 0 0,-7 5 0 0 0,-4 3 16 0 0,-19 14-1 0 0,16-13-13 0 0,-13 10-4 0 0,1 2 0 0 0,0 1 0 0 0,2 2 0 0 0,2 0 0 0 0,-35 51 0 0 0,51-66 0 0 0</inkml:trace>
+</inkml:ink>
+</file>
+
 <file path=ppt/slideLayouts/slideLayout1.xml><?xml version="1.0" encoding="utf-8"?>
 <p:sldLayout xmlns:a="http://schemas.openxmlformats.org/drawingml/2006/main" xmlns:r="http://schemas.openxmlformats.org/officeDocument/2006/relationships" xmlns:p="http://schemas.openxmlformats.org/presentationml/2006/main" type="title" preserve="1">
   <p:cSld name="タイトル スライド">
@@ -260,7 +2118,7 @@
           <a:p>
             <a:fld id="{FC181284-30F9-FD49-AF23-54095499FD8C}" type="datetimeFigureOut">
               <a:rPr kumimoji="1" lang="ja-JP" altLang="en-US" smtClean="0"/>
-              <a:t>2024/10/29</a:t>
+              <a:t>2024/11/3</a:t>
             </a:fld>
             <a:endParaRPr kumimoji="1" lang="ja-JP" altLang="en-US"/>
           </a:p>
@@ -490,7 +2348,7 @@
           <a:p>
             <a:fld id="{FC181284-30F9-FD49-AF23-54095499FD8C}" type="datetimeFigureOut">
               <a:rPr kumimoji="1" lang="ja-JP" altLang="en-US" smtClean="0"/>
-              <a:t>2024/10/29</a:t>
+              <a:t>2024/11/3</a:t>
             </a:fld>
             <a:endParaRPr kumimoji="1" lang="ja-JP" altLang="en-US"/>
           </a:p>
@@ -730,7 +2588,7 @@
           <a:p>
             <a:fld id="{FC181284-30F9-FD49-AF23-54095499FD8C}" type="datetimeFigureOut">
               <a:rPr kumimoji="1" lang="ja-JP" altLang="en-US" smtClean="0"/>
-              <a:t>2024/10/29</a:t>
+              <a:t>2024/11/3</a:t>
             </a:fld>
             <a:endParaRPr kumimoji="1" lang="ja-JP" altLang="en-US"/>
           </a:p>
@@ -960,7 +2818,7 @@
           <a:p>
             <a:fld id="{FC181284-30F9-FD49-AF23-54095499FD8C}" type="datetimeFigureOut">
               <a:rPr kumimoji="1" lang="ja-JP" altLang="en-US" smtClean="0"/>
-              <a:t>2024/10/29</a:t>
+              <a:t>2024/11/3</a:t>
             </a:fld>
             <a:endParaRPr kumimoji="1" lang="ja-JP" altLang="en-US"/>
           </a:p>
@@ -1235,7 +3093,7 @@
           <a:p>
             <a:fld id="{FC181284-30F9-FD49-AF23-54095499FD8C}" type="datetimeFigureOut">
               <a:rPr kumimoji="1" lang="ja-JP" altLang="en-US" smtClean="0"/>
-              <a:t>2024/10/29</a:t>
+              <a:t>2024/11/3</a:t>
             </a:fld>
             <a:endParaRPr kumimoji="1" lang="ja-JP" altLang="en-US"/>
           </a:p>
@@ -1564,7 +3422,7 @@
           <a:p>
             <a:fld id="{FC181284-30F9-FD49-AF23-54095499FD8C}" type="datetimeFigureOut">
               <a:rPr kumimoji="1" lang="ja-JP" altLang="en-US" smtClean="0"/>
-              <a:t>2024/10/29</a:t>
+              <a:t>2024/11/3</a:t>
             </a:fld>
             <a:endParaRPr kumimoji="1" lang="ja-JP" altLang="en-US"/>
           </a:p>
@@ -2040,7 +3898,7 @@
           <a:p>
             <a:fld id="{FC181284-30F9-FD49-AF23-54095499FD8C}" type="datetimeFigureOut">
               <a:rPr kumimoji="1" lang="ja-JP" altLang="en-US" smtClean="0"/>
-              <a:t>2024/10/29</a:t>
+              <a:t>2024/11/3</a:t>
             </a:fld>
             <a:endParaRPr kumimoji="1" lang="ja-JP" altLang="en-US"/>
           </a:p>
@@ -2181,7 +4039,7 @@
           <a:p>
             <a:fld id="{FC181284-30F9-FD49-AF23-54095499FD8C}" type="datetimeFigureOut">
               <a:rPr kumimoji="1" lang="ja-JP" altLang="en-US" smtClean="0"/>
-              <a:t>2024/10/29</a:t>
+              <a:t>2024/11/3</a:t>
             </a:fld>
             <a:endParaRPr kumimoji="1" lang="ja-JP" altLang="en-US"/>
           </a:p>
@@ -2294,7 +4152,7 @@
           <a:p>
             <a:fld id="{FC181284-30F9-FD49-AF23-54095499FD8C}" type="datetimeFigureOut">
               <a:rPr kumimoji="1" lang="ja-JP" altLang="en-US" smtClean="0"/>
-              <a:t>2024/10/29</a:t>
+              <a:t>2024/11/3</a:t>
             </a:fld>
             <a:endParaRPr kumimoji="1" lang="ja-JP" altLang="en-US"/>
           </a:p>
@@ -2637,7 +4495,7 @@
           <a:p>
             <a:fld id="{FC181284-30F9-FD49-AF23-54095499FD8C}" type="datetimeFigureOut">
               <a:rPr kumimoji="1" lang="ja-JP" altLang="en-US" smtClean="0"/>
-              <a:t>2024/10/29</a:t>
+              <a:t>2024/11/3</a:t>
             </a:fld>
             <a:endParaRPr kumimoji="1" lang="ja-JP" altLang="en-US"/>
           </a:p>
@@ -2925,7 +4783,7 @@
           <a:p>
             <a:fld id="{FC181284-30F9-FD49-AF23-54095499FD8C}" type="datetimeFigureOut">
               <a:rPr kumimoji="1" lang="ja-JP" altLang="en-US" smtClean="0"/>
-              <a:t>2024/10/29</a:t>
+              <a:t>2024/11/3</a:t>
             </a:fld>
             <a:endParaRPr kumimoji="1" lang="ja-JP" altLang="en-US"/>
           </a:p>
@@ -3198,7 +5056,7 @@
           <a:p>
             <a:fld id="{FC181284-30F9-FD49-AF23-54095499FD8C}" type="datetimeFigureOut">
               <a:rPr kumimoji="1" lang="ja-JP" altLang="en-US" smtClean="0"/>
-              <a:t>2024/10/29</a:t>
+              <a:t>2024/11/3</a:t>
             </a:fld>
             <a:endParaRPr kumimoji="1" lang="ja-JP" altLang="en-US"/>
           </a:p>
@@ -4271,6 +6129,3258 @@
 </p:sld>
 </file>
 
+<file path=ppt/slides/slide3.xml><?xml version="1.0" encoding="utf-8"?>
+<p:sld xmlns:a="http://schemas.openxmlformats.org/drawingml/2006/main" xmlns:r="http://schemas.openxmlformats.org/officeDocument/2006/relationships" xmlns:p="http://schemas.openxmlformats.org/presentationml/2006/main">
+  <p:cSld>
+    <p:spTree>
+      <p:nvGrpSpPr>
+        <p:cNvPr id="1" name="">
+          <a:extLst>
+            <a:ext uri="{FF2B5EF4-FFF2-40B4-BE49-F238E27FC236}">
+              <a16:creationId xmlns:a16="http://schemas.microsoft.com/office/drawing/2014/main" id="{E30F3EF9-88A9-B7E4-7B28-9D82BD2B98A8}"/>
+            </a:ext>
+          </a:extLst>
+        </p:cNvPr>
+        <p:cNvGrpSpPr/>
+        <p:nvPr/>
+      </p:nvGrpSpPr>
+      <p:grpSpPr>
+        <a:xfrm>
+          <a:off x="0" y="0"/>
+          <a:ext cx="0" cy="0"/>
+          <a:chOff x="0" y="0"/>
+          <a:chExt cx="0" cy="0"/>
+        </a:xfrm>
+      </p:grpSpPr>
+      <p:pic>
+        <p:nvPicPr>
+          <p:cNvPr id="6" name="図 5" descr="テキスト&#10;&#10;自動的に生成された説明">
+            <a:extLst>
+              <a:ext uri="{FF2B5EF4-FFF2-40B4-BE49-F238E27FC236}">
+                <a16:creationId xmlns:a16="http://schemas.microsoft.com/office/drawing/2014/main" id="{CC8239E3-D68C-339E-90F0-8C9055C23343}"/>
+              </a:ext>
+            </a:extLst>
+          </p:cNvPr>
+          <p:cNvPicPr>
+            <a:picLocks noChangeAspect="1"/>
+          </p:cNvPicPr>
+          <p:nvPr/>
+        </p:nvPicPr>
+        <p:blipFill>
+          <a:blip r:embed="rId2"/>
+          <a:stretch>
+            <a:fillRect/>
+          </a:stretch>
+        </p:blipFill>
+        <p:spPr>
+          <a:xfrm>
+            <a:off x="258026" y="394922"/>
+            <a:ext cx="4946177" cy="2403833"/>
+          </a:xfrm>
+          <a:prstGeom prst="rect">
+            <a:avLst/>
+          </a:prstGeom>
+        </p:spPr>
+      </p:pic>
+      <p:pic>
+        <p:nvPicPr>
+          <p:cNvPr id="10" name="図 9" descr="テキスト&#10;&#10;自動的に生成された説明">
+            <a:extLst>
+              <a:ext uri="{FF2B5EF4-FFF2-40B4-BE49-F238E27FC236}">
+                <a16:creationId xmlns:a16="http://schemas.microsoft.com/office/drawing/2014/main" id="{CDE957B1-5353-7A3B-6E8C-F5F153E1D3D5}"/>
+              </a:ext>
+            </a:extLst>
+          </p:cNvPr>
+          <p:cNvPicPr>
+            <a:picLocks noChangeAspect="1"/>
+          </p:cNvPicPr>
+          <p:nvPr/>
+        </p:nvPicPr>
+        <p:blipFill>
+          <a:blip r:embed="rId3"/>
+          <a:stretch>
+            <a:fillRect/>
+          </a:stretch>
+        </p:blipFill>
+        <p:spPr>
+          <a:xfrm>
+            <a:off x="161227" y="3276227"/>
+            <a:ext cx="6870604" cy="3664322"/>
+          </a:xfrm>
+          <a:prstGeom prst="rect">
+            <a:avLst/>
+          </a:prstGeom>
+        </p:spPr>
+      </p:pic>
+      <p:pic>
+        <p:nvPicPr>
+          <p:cNvPr id="16" name="図 15" descr="テキスト, 手紙">
+            <a:extLst>
+              <a:ext uri="{FF2B5EF4-FFF2-40B4-BE49-F238E27FC236}">
+                <a16:creationId xmlns:a16="http://schemas.microsoft.com/office/drawing/2014/main" id="{4C582737-153D-CD85-FF1C-C9F67649F93E}"/>
+              </a:ext>
+            </a:extLst>
+          </p:cNvPr>
+          <p:cNvPicPr>
+            <a:picLocks noChangeAspect="1"/>
+          </p:cNvPicPr>
+          <p:nvPr/>
+        </p:nvPicPr>
+        <p:blipFill>
+          <a:blip r:embed="rId4"/>
+          <a:stretch>
+            <a:fillRect/>
+          </a:stretch>
+        </p:blipFill>
+        <p:spPr>
+          <a:xfrm>
+            <a:off x="5538970" y="266700"/>
+            <a:ext cx="6697480" cy="4221489"/>
+          </a:xfrm>
+          <a:prstGeom prst="rect">
+            <a:avLst/>
+          </a:prstGeom>
+        </p:spPr>
+      </p:pic>
+      <mc:AlternateContent xmlns:mc="http://schemas.openxmlformats.org/markup-compatibility/2006">
+        <mc:Choice xmlns:p14="http://schemas.microsoft.com/office/powerpoint/2010/main" Requires="p14">
+          <p:contentPart p14:bwMode="auto" r:id="rId5">
+            <p14:nvContentPartPr>
+              <p14:cNvPr id="17" name="インク 16">
+                <a:extLst>
+                  <a:ext uri="{FF2B5EF4-FFF2-40B4-BE49-F238E27FC236}">
+                    <a16:creationId xmlns:a16="http://schemas.microsoft.com/office/drawing/2014/main" id="{5CDB6AFC-C697-C872-1EEB-5CF8A462CCB7}"/>
+                  </a:ext>
+                </a:extLst>
+              </p14:cNvPr>
+              <p14:cNvContentPartPr/>
+              <p14:nvPr/>
+            </p14:nvContentPartPr>
+            <p14:xfrm>
+              <a:off x="5926010" y="492700"/>
+              <a:ext cx="744840" cy="443880"/>
+            </p14:xfrm>
+          </p:contentPart>
+        </mc:Choice>
+        <mc:Fallback>
+          <p:pic>
+            <p:nvPicPr>
+              <p:cNvPr id="17" name="インク 16">
+                <a:extLst>
+                  <a:ext uri="{FF2B5EF4-FFF2-40B4-BE49-F238E27FC236}">
+                    <a16:creationId xmlns:a16="http://schemas.microsoft.com/office/drawing/2014/main" id="{5CDB6AFC-C697-C872-1EEB-5CF8A462CCB7}"/>
+                  </a:ext>
+                </a:extLst>
+              </p:cNvPr>
+              <p:cNvPicPr/>
+              <p:nvPr/>
+            </p:nvPicPr>
+            <p:blipFill>
+              <a:blip r:embed="rId6"/>
+              <a:stretch>
+                <a:fillRect/>
+              </a:stretch>
+            </p:blipFill>
+            <p:spPr>
+              <a:xfrm>
+                <a:off x="5890010" y="456700"/>
+                <a:ext cx="816480" cy="515520"/>
+              </a:xfrm>
+              <a:prstGeom prst="rect">
+                <a:avLst/>
+              </a:prstGeom>
+            </p:spPr>
+          </p:pic>
+        </mc:Fallback>
+      </mc:AlternateContent>
+      <p:grpSp>
+        <p:nvGrpSpPr>
+          <p:cNvPr id="33" name="グループ化 32">
+            <a:extLst>
+              <a:ext uri="{FF2B5EF4-FFF2-40B4-BE49-F238E27FC236}">
+                <a16:creationId xmlns:a16="http://schemas.microsoft.com/office/drawing/2014/main" id="{4CD58116-D14C-E52B-4F57-4DB8DDB5A358}"/>
+              </a:ext>
+            </a:extLst>
+          </p:cNvPr>
+          <p:cNvGrpSpPr/>
+          <p:nvPr/>
+        </p:nvGrpSpPr>
+        <p:grpSpPr>
+          <a:xfrm>
+            <a:off x="7637810" y="3510220"/>
+            <a:ext cx="1582200" cy="456120"/>
+            <a:chOff x="7637810" y="3510220"/>
+            <a:chExt cx="1582200" cy="456120"/>
+          </a:xfrm>
+        </p:grpSpPr>
+        <mc:AlternateContent xmlns:mc="http://schemas.openxmlformats.org/markup-compatibility/2006">
+          <mc:Choice xmlns:p14="http://schemas.microsoft.com/office/powerpoint/2010/main" Requires="p14">
+            <p:contentPart p14:bwMode="auto" r:id="rId7">
+              <p14:nvContentPartPr>
+                <p14:cNvPr id="18" name="インク 17">
+                  <a:extLst>
+                    <a:ext uri="{FF2B5EF4-FFF2-40B4-BE49-F238E27FC236}">
+                      <a16:creationId xmlns:a16="http://schemas.microsoft.com/office/drawing/2014/main" id="{8501E73C-F17F-B18D-CF94-3F21D6A85145}"/>
+                    </a:ext>
+                  </a:extLst>
+                </p14:cNvPr>
+                <p14:cNvContentPartPr/>
+                <p14:nvPr/>
+              </p14:nvContentPartPr>
+              <p14:xfrm>
+                <a:off x="7637810" y="3510220"/>
+                <a:ext cx="332640" cy="438480"/>
+              </p14:xfrm>
+            </p:contentPart>
+          </mc:Choice>
+          <mc:Fallback>
+            <p:pic>
+              <p:nvPicPr>
+                <p:cNvPr id="18" name="インク 17">
+                  <a:extLst>
+                    <a:ext uri="{FF2B5EF4-FFF2-40B4-BE49-F238E27FC236}">
+                      <a16:creationId xmlns:a16="http://schemas.microsoft.com/office/drawing/2014/main" id="{8501E73C-F17F-B18D-CF94-3F21D6A85145}"/>
+                    </a:ext>
+                  </a:extLst>
+                </p:cNvPr>
+                <p:cNvPicPr/>
+                <p:nvPr/>
+              </p:nvPicPr>
+              <p:blipFill>
+                <a:blip r:embed="rId8"/>
+                <a:stretch>
+                  <a:fillRect/>
+                </a:stretch>
+              </p:blipFill>
+              <p:spPr>
+                <a:xfrm>
+                  <a:off x="7602170" y="3474580"/>
+                  <a:ext cx="404280" cy="510120"/>
+                </a:xfrm>
+                <a:prstGeom prst="rect">
+                  <a:avLst/>
+                </a:prstGeom>
+              </p:spPr>
+            </p:pic>
+          </mc:Fallback>
+        </mc:AlternateContent>
+        <mc:AlternateContent xmlns:mc="http://schemas.openxmlformats.org/markup-compatibility/2006">
+          <mc:Choice xmlns:p14="http://schemas.microsoft.com/office/powerpoint/2010/main" Requires="p14">
+            <p:contentPart p14:bwMode="auto" r:id="rId9">
+              <p14:nvContentPartPr>
+                <p14:cNvPr id="19" name="インク 18">
+                  <a:extLst>
+                    <a:ext uri="{FF2B5EF4-FFF2-40B4-BE49-F238E27FC236}">
+                      <a16:creationId xmlns:a16="http://schemas.microsoft.com/office/drawing/2014/main" id="{39258C80-BB04-8C74-3632-B3CDF5BECB2D}"/>
+                    </a:ext>
+                  </a:extLst>
+                </p14:cNvPr>
+                <p14:cNvContentPartPr/>
+                <p14:nvPr/>
+              </p14:nvContentPartPr>
+              <p14:xfrm>
+                <a:off x="8176730" y="3628300"/>
+                <a:ext cx="59760" cy="96840"/>
+              </p14:xfrm>
+            </p:contentPart>
+          </mc:Choice>
+          <mc:Fallback>
+            <p:pic>
+              <p:nvPicPr>
+                <p:cNvPr id="19" name="インク 18">
+                  <a:extLst>
+                    <a:ext uri="{FF2B5EF4-FFF2-40B4-BE49-F238E27FC236}">
+                      <a16:creationId xmlns:a16="http://schemas.microsoft.com/office/drawing/2014/main" id="{39258C80-BB04-8C74-3632-B3CDF5BECB2D}"/>
+                    </a:ext>
+                  </a:extLst>
+                </p:cNvPr>
+                <p:cNvPicPr/>
+                <p:nvPr/>
+              </p:nvPicPr>
+              <p:blipFill>
+                <a:blip r:embed="rId10"/>
+                <a:stretch>
+                  <a:fillRect/>
+                </a:stretch>
+              </p:blipFill>
+              <p:spPr>
+                <a:xfrm>
+                  <a:off x="8140730" y="3592660"/>
+                  <a:ext cx="131400" cy="168480"/>
+                </a:xfrm>
+                <a:prstGeom prst="rect">
+                  <a:avLst/>
+                </a:prstGeom>
+              </p:spPr>
+            </p:pic>
+          </mc:Fallback>
+        </mc:AlternateContent>
+        <mc:AlternateContent xmlns:mc="http://schemas.openxmlformats.org/markup-compatibility/2006">
+          <mc:Choice xmlns:p14="http://schemas.microsoft.com/office/powerpoint/2010/main" Requires="p14">
+            <p:contentPart p14:bwMode="auto" r:id="rId11">
+              <p14:nvContentPartPr>
+                <p14:cNvPr id="20" name="インク 19">
+                  <a:extLst>
+                    <a:ext uri="{FF2B5EF4-FFF2-40B4-BE49-F238E27FC236}">
+                      <a16:creationId xmlns:a16="http://schemas.microsoft.com/office/drawing/2014/main" id="{AD28819C-B3D5-7E84-F3E7-E9CB06DA01E9}"/>
+                    </a:ext>
+                  </a:extLst>
+                </p14:cNvPr>
+                <p14:cNvContentPartPr/>
+                <p14:nvPr/>
+              </p14:nvContentPartPr>
+              <p14:xfrm>
+                <a:off x="8189690" y="3810460"/>
+                <a:ext cx="114480" cy="155880"/>
+              </p14:xfrm>
+            </p:contentPart>
+          </mc:Choice>
+          <mc:Fallback>
+            <p:pic>
+              <p:nvPicPr>
+                <p:cNvPr id="20" name="インク 19">
+                  <a:extLst>
+                    <a:ext uri="{FF2B5EF4-FFF2-40B4-BE49-F238E27FC236}">
+                      <a16:creationId xmlns:a16="http://schemas.microsoft.com/office/drawing/2014/main" id="{AD28819C-B3D5-7E84-F3E7-E9CB06DA01E9}"/>
+                    </a:ext>
+                  </a:extLst>
+                </p:cNvPr>
+                <p:cNvPicPr/>
+                <p:nvPr/>
+              </p:nvPicPr>
+              <p:blipFill>
+                <a:blip r:embed="rId12"/>
+                <a:stretch>
+                  <a:fillRect/>
+                </a:stretch>
+              </p:blipFill>
+              <p:spPr>
+                <a:xfrm>
+                  <a:off x="8153690" y="3774820"/>
+                  <a:ext cx="186120" cy="227520"/>
+                </a:xfrm>
+                <a:prstGeom prst="rect">
+                  <a:avLst/>
+                </a:prstGeom>
+              </p:spPr>
+            </p:pic>
+          </mc:Fallback>
+        </mc:AlternateContent>
+        <mc:AlternateContent xmlns:mc="http://schemas.openxmlformats.org/markup-compatibility/2006">
+          <mc:Choice xmlns:p14="http://schemas.microsoft.com/office/powerpoint/2010/main" Requires="p14">
+            <p:contentPart p14:bwMode="auto" r:id="rId13">
+              <p14:nvContentPartPr>
+                <p14:cNvPr id="22" name="インク 21">
+                  <a:extLst>
+                    <a:ext uri="{FF2B5EF4-FFF2-40B4-BE49-F238E27FC236}">
+                      <a16:creationId xmlns:a16="http://schemas.microsoft.com/office/drawing/2014/main" id="{CB02D285-B8E2-2119-7D06-AE160152801E}"/>
+                    </a:ext>
+                  </a:extLst>
+                </p14:cNvPr>
+                <p14:cNvContentPartPr/>
+                <p14:nvPr/>
+              </p14:nvContentPartPr>
+              <p14:xfrm>
+                <a:off x="8480570" y="3608500"/>
+                <a:ext cx="183240" cy="62640"/>
+              </p14:xfrm>
+            </p:contentPart>
+          </mc:Choice>
+          <mc:Fallback>
+            <p:pic>
+              <p:nvPicPr>
+                <p:cNvPr id="22" name="インク 21">
+                  <a:extLst>
+                    <a:ext uri="{FF2B5EF4-FFF2-40B4-BE49-F238E27FC236}">
+                      <a16:creationId xmlns:a16="http://schemas.microsoft.com/office/drawing/2014/main" id="{CB02D285-B8E2-2119-7D06-AE160152801E}"/>
+                    </a:ext>
+                  </a:extLst>
+                </p:cNvPr>
+                <p:cNvPicPr/>
+                <p:nvPr/>
+              </p:nvPicPr>
+              <p:blipFill>
+                <a:blip r:embed="rId14"/>
+                <a:stretch>
+                  <a:fillRect/>
+                </a:stretch>
+              </p:blipFill>
+              <p:spPr>
+                <a:xfrm>
+                  <a:off x="8444570" y="3572500"/>
+                  <a:ext cx="254880" cy="134280"/>
+                </a:xfrm>
+                <a:prstGeom prst="rect">
+                  <a:avLst/>
+                </a:prstGeom>
+              </p:spPr>
+            </p:pic>
+          </mc:Fallback>
+        </mc:AlternateContent>
+        <mc:AlternateContent xmlns:mc="http://schemas.openxmlformats.org/markup-compatibility/2006">
+          <mc:Choice xmlns:p14="http://schemas.microsoft.com/office/powerpoint/2010/main" Requires="p14">
+            <p:contentPart p14:bwMode="auto" r:id="rId15">
+              <p14:nvContentPartPr>
+                <p14:cNvPr id="23" name="インク 22">
+                  <a:extLst>
+                    <a:ext uri="{FF2B5EF4-FFF2-40B4-BE49-F238E27FC236}">
+                      <a16:creationId xmlns:a16="http://schemas.microsoft.com/office/drawing/2014/main" id="{F9BCFC90-1E15-73B6-D109-E8542EAFEFEE}"/>
+                    </a:ext>
+                  </a:extLst>
+                </p14:cNvPr>
+                <p14:cNvContentPartPr/>
+                <p14:nvPr/>
+              </p14:nvContentPartPr>
+              <p14:xfrm>
+                <a:off x="8598650" y="3554860"/>
+                <a:ext cx="29880" cy="185400"/>
+              </p14:xfrm>
+            </p:contentPart>
+          </mc:Choice>
+          <mc:Fallback>
+            <p:pic>
+              <p:nvPicPr>
+                <p:cNvPr id="23" name="インク 22">
+                  <a:extLst>
+                    <a:ext uri="{FF2B5EF4-FFF2-40B4-BE49-F238E27FC236}">
+                      <a16:creationId xmlns:a16="http://schemas.microsoft.com/office/drawing/2014/main" id="{F9BCFC90-1E15-73B6-D109-E8542EAFEFEE}"/>
+                    </a:ext>
+                  </a:extLst>
+                </p:cNvPr>
+                <p:cNvPicPr/>
+                <p:nvPr/>
+              </p:nvPicPr>
+              <p:blipFill>
+                <a:blip r:embed="rId16"/>
+                <a:stretch>
+                  <a:fillRect/>
+                </a:stretch>
+              </p:blipFill>
+              <p:spPr>
+                <a:xfrm>
+                  <a:off x="8563010" y="3519220"/>
+                  <a:ext cx="101520" cy="257040"/>
+                </a:xfrm>
+                <a:prstGeom prst="rect">
+                  <a:avLst/>
+                </a:prstGeom>
+              </p:spPr>
+            </p:pic>
+          </mc:Fallback>
+        </mc:AlternateContent>
+        <mc:AlternateContent xmlns:mc="http://schemas.openxmlformats.org/markup-compatibility/2006">
+          <mc:Choice xmlns:p14="http://schemas.microsoft.com/office/powerpoint/2010/main" Requires="p14">
+            <p:contentPart p14:bwMode="auto" r:id="rId17">
+              <p14:nvContentPartPr>
+                <p14:cNvPr id="24" name="インク 23">
+                  <a:extLst>
+                    <a:ext uri="{FF2B5EF4-FFF2-40B4-BE49-F238E27FC236}">
+                      <a16:creationId xmlns:a16="http://schemas.microsoft.com/office/drawing/2014/main" id="{96A6EE00-5E36-D3BE-6F33-D8C608522E00}"/>
+                    </a:ext>
+                  </a:extLst>
+                </p14:cNvPr>
+                <p14:cNvContentPartPr/>
+                <p14:nvPr/>
+              </p14:nvContentPartPr>
+              <p14:xfrm>
+                <a:off x="8533850" y="3682300"/>
+                <a:ext cx="118800" cy="42840"/>
+              </p14:xfrm>
+            </p:contentPart>
+          </mc:Choice>
+          <mc:Fallback>
+            <p:pic>
+              <p:nvPicPr>
+                <p:cNvPr id="24" name="インク 23">
+                  <a:extLst>
+                    <a:ext uri="{FF2B5EF4-FFF2-40B4-BE49-F238E27FC236}">
+                      <a16:creationId xmlns:a16="http://schemas.microsoft.com/office/drawing/2014/main" id="{96A6EE00-5E36-D3BE-6F33-D8C608522E00}"/>
+                    </a:ext>
+                  </a:extLst>
+                </p:cNvPr>
+                <p:cNvPicPr/>
+                <p:nvPr/>
+              </p:nvPicPr>
+              <p:blipFill>
+                <a:blip r:embed="rId18"/>
+                <a:stretch>
+                  <a:fillRect/>
+                </a:stretch>
+              </p:blipFill>
+              <p:spPr>
+                <a:xfrm>
+                  <a:off x="8498210" y="3646300"/>
+                  <a:ext cx="190440" cy="114480"/>
+                </a:xfrm>
+                <a:prstGeom prst="rect">
+                  <a:avLst/>
+                </a:prstGeom>
+              </p:spPr>
+            </p:pic>
+          </mc:Fallback>
+        </mc:AlternateContent>
+        <mc:AlternateContent xmlns:mc="http://schemas.openxmlformats.org/markup-compatibility/2006">
+          <mc:Choice xmlns:p14="http://schemas.microsoft.com/office/powerpoint/2010/main" Requires="p14">
+            <p:contentPart p14:bwMode="auto" r:id="rId19">
+              <p14:nvContentPartPr>
+                <p14:cNvPr id="25" name="インク 24">
+                  <a:extLst>
+                    <a:ext uri="{FF2B5EF4-FFF2-40B4-BE49-F238E27FC236}">
+                      <a16:creationId xmlns:a16="http://schemas.microsoft.com/office/drawing/2014/main" id="{4F4B21A5-7228-1B7C-19D4-750BFABE6F95}"/>
+                    </a:ext>
+                  </a:extLst>
+                </p14:cNvPr>
+                <p14:cNvContentPartPr/>
+                <p14:nvPr/>
+              </p14:nvContentPartPr>
+              <p14:xfrm>
+                <a:off x="8487770" y="3713260"/>
+                <a:ext cx="199800" cy="101520"/>
+              </p14:xfrm>
+            </p:contentPart>
+          </mc:Choice>
+          <mc:Fallback>
+            <p:pic>
+              <p:nvPicPr>
+                <p:cNvPr id="25" name="インク 24">
+                  <a:extLst>
+                    <a:ext uri="{FF2B5EF4-FFF2-40B4-BE49-F238E27FC236}">
+                      <a16:creationId xmlns:a16="http://schemas.microsoft.com/office/drawing/2014/main" id="{4F4B21A5-7228-1B7C-19D4-750BFABE6F95}"/>
+                    </a:ext>
+                  </a:extLst>
+                </p:cNvPr>
+                <p:cNvPicPr/>
+                <p:nvPr/>
+              </p:nvPicPr>
+              <p:blipFill>
+                <a:blip r:embed="rId20"/>
+                <a:stretch>
+                  <a:fillRect/>
+                </a:stretch>
+              </p:blipFill>
+              <p:spPr>
+                <a:xfrm>
+                  <a:off x="8452130" y="3677260"/>
+                  <a:ext cx="271440" cy="173160"/>
+                </a:xfrm>
+                <a:prstGeom prst="rect">
+                  <a:avLst/>
+                </a:prstGeom>
+              </p:spPr>
+            </p:pic>
+          </mc:Fallback>
+        </mc:AlternateContent>
+        <mc:AlternateContent xmlns:mc="http://schemas.openxmlformats.org/markup-compatibility/2006">
+          <mc:Choice xmlns:p14="http://schemas.microsoft.com/office/powerpoint/2010/main" Requires="p14">
+            <p:contentPart p14:bwMode="auto" r:id="rId21">
+              <p14:nvContentPartPr>
+                <p14:cNvPr id="26" name="インク 25">
+                  <a:extLst>
+                    <a:ext uri="{FF2B5EF4-FFF2-40B4-BE49-F238E27FC236}">
+                      <a16:creationId xmlns:a16="http://schemas.microsoft.com/office/drawing/2014/main" id="{D7903C4D-1637-AFB9-0928-E4D6CCEAD2F9}"/>
+                    </a:ext>
+                  </a:extLst>
+                </p14:cNvPr>
+                <p14:cNvContentPartPr/>
+                <p14:nvPr/>
+              </p14:nvContentPartPr>
+              <p14:xfrm>
+                <a:off x="8522690" y="3733780"/>
+                <a:ext cx="105840" cy="133200"/>
+              </p14:xfrm>
+            </p:contentPart>
+          </mc:Choice>
+          <mc:Fallback>
+            <p:pic>
+              <p:nvPicPr>
+                <p:cNvPr id="26" name="インク 25">
+                  <a:extLst>
+                    <a:ext uri="{FF2B5EF4-FFF2-40B4-BE49-F238E27FC236}">
+                      <a16:creationId xmlns:a16="http://schemas.microsoft.com/office/drawing/2014/main" id="{D7903C4D-1637-AFB9-0928-E4D6CCEAD2F9}"/>
+                    </a:ext>
+                  </a:extLst>
+                </p:cNvPr>
+                <p:cNvPicPr/>
+                <p:nvPr/>
+              </p:nvPicPr>
+              <p:blipFill>
+                <a:blip r:embed="rId22"/>
+                <a:stretch>
+                  <a:fillRect/>
+                </a:stretch>
+              </p:blipFill>
+              <p:spPr>
+                <a:xfrm>
+                  <a:off x="8486690" y="3698140"/>
+                  <a:ext cx="177480" cy="204840"/>
+                </a:xfrm>
+                <a:prstGeom prst="rect">
+                  <a:avLst/>
+                </a:prstGeom>
+              </p:spPr>
+            </p:pic>
+          </mc:Fallback>
+        </mc:AlternateContent>
+        <mc:AlternateContent xmlns:mc="http://schemas.openxmlformats.org/markup-compatibility/2006">
+          <mc:Choice xmlns:p14="http://schemas.microsoft.com/office/powerpoint/2010/main" Requires="p14">
+            <p:contentPart p14:bwMode="auto" r:id="rId23">
+              <p14:nvContentPartPr>
+                <p14:cNvPr id="27" name="インク 26">
+                  <a:extLst>
+                    <a:ext uri="{FF2B5EF4-FFF2-40B4-BE49-F238E27FC236}">
+                      <a16:creationId xmlns:a16="http://schemas.microsoft.com/office/drawing/2014/main" id="{AC85776F-770F-584E-9993-89F6E643A637}"/>
+                    </a:ext>
+                  </a:extLst>
+                </p14:cNvPr>
+                <p14:cNvContentPartPr/>
+                <p14:nvPr/>
+              </p14:nvContentPartPr>
+              <p14:xfrm>
+                <a:off x="8616650" y="3788140"/>
+                <a:ext cx="66240" cy="135360"/>
+              </p14:xfrm>
+            </p:contentPart>
+          </mc:Choice>
+          <mc:Fallback>
+            <p:pic>
+              <p:nvPicPr>
+                <p:cNvPr id="27" name="インク 26">
+                  <a:extLst>
+                    <a:ext uri="{FF2B5EF4-FFF2-40B4-BE49-F238E27FC236}">
+                      <a16:creationId xmlns:a16="http://schemas.microsoft.com/office/drawing/2014/main" id="{AC85776F-770F-584E-9993-89F6E643A637}"/>
+                    </a:ext>
+                  </a:extLst>
+                </p:cNvPr>
+                <p:cNvPicPr/>
+                <p:nvPr/>
+              </p:nvPicPr>
+              <p:blipFill>
+                <a:blip r:embed="rId24"/>
+                <a:stretch>
+                  <a:fillRect/>
+                </a:stretch>
+              </p:blipFill>
+              <p:spPr>
+                <a:xfrm>
+                  <a:off x="8581010" y="3752140"/>
+                  <a:ext cx="137880" cy="207000"/>
+                </a:xfrm>
+                <a:prstGeom prst="rect">
+                  <a:avLst/>
+                </a:prstGeom>
+              </p:spPr>
+            </p:pic>
+          </mc:Fallback>
+        </mc:AlternateContent>
+        <mc:AlternateContent xmlns:mc="http://schemas.openxmlformats.org/markup-compatibility/2006">
+          <mc:Choice xmlns:p14="http://schemas.microsoft.com/office/powerpoint/2010/main" Requires="p14">
+            <p:contentPart p14:bwMode="auto" r:id="rId25">
+              <p14:nvContentPartPr>
+                <p14:cNvPr id="28" name="インク 27">
+                  <a:extLst>
+                    <a:ext uri="{FF2B5EF4-FFF2-40B4-BE49-F238E27FC236}">
+                      <a16:creationId xmlns:a16="http://schemas.microsoft.com/office/drawing/2014/main" id="{A2F6AA5B-A68A-0DAA-2892-7E9B6D765D18}"/>
+                    </a:ext>
+                  </a:extLst>
+                </p14:cNvPr>
+                <p14:cNvContentPartPr/>
+                <p14:nvPr/>
+              </p14:nvContentPartPr>
+              <p14:xfrm>
+                <a:off x="8685770" y="3772660"/>
+                <a:ext cx="140400" cy="108000"/>
+              </p14:xfrm>
+            </p:contentPart>
+          </mc:Choice>
+          <mc:Fallback>
+            <p:pic>
+              <p:nvPicPr>
+                <p:cNvPr id="28" name="インク 27">
+                  <a:extLst>
+                    <a:ext uri="{FF2B5EF4-FFF2-40B4-BE49-F238E27FC236}">
+                      <a16:creationId xmlns:a16="http://schemas.microsoft.com/office/drawing/2014/main" id="{A2F6AA5B-A68A-0DAA-2892-7E9B6D765D18}"/>
+                    </a:ext>
+                  </a:extLst>
+                </p:cNvPr>
+                <p:cNvPicPr/>
+                <p:nvPr/>
+              </p:nvPicPr>
+              <p:blipFill>
+                <a:blip r:embed="rId26"/>
+                <a:stretch>
+                  <a:fillRect/>
+                </a:stretch>
+              </p:blipFill>
+              <p:spPr>
+                <a:xfrm>
+                  <a:off x="8650130" y="3736660"/>
+                  <a:ext cx="212040" cy="179640"/>
+                </a:xfrm>
+                <a:prstGeom prst="rect">
+                  <a:avLst/>
+                </a:prstGeom>
+              </p:spPr>
+            </p:pic>
+          </mc:Fallback>
+        </mc:AlternateContent>
+        <mc:AlternateContent xmlns:mc="http://schemas.openxmlformats.org/markup-compatibility/2006">
+          <mc:Choice xmlns:p14="http://schemas.microsoft.com/office/powerpoint/2010/main" Requires="p14">
+            <p:contentPart p14:bwMode="auto" r:id="rId27">
+              <p14:nvContentPartPr>
+                <p14:cNvPr id="29" name="インク 28">
+                  <a:extLst>
+                    <a:ext uri="{FF2B5EF4-FFF2-40B4-BE49-F238E27FC236}">
+                      <a16:creationId xmlns:a16="http://schemas.microsoft.com/office/drawing/2014/main" id="{25D3A66B-5390-FAB1-B011-4AC445EF0598}"/>
+                    </a:ext>
+                  </a:extLst>
+                </p14:cNvPr>
+                <p14:cNvContentPartPr/>
+                <p14:nvPr/>
+              </p14:nvContentPartPr>
+              <p14:xfrm>
+                <a:off x="8843810" y="3604540"/>
+                <a:ext cx="78480" cy="62280"/>
+              </p14:xfrm>
+            </p:contentPart>
+          </mc:Choice>
+          <mc:Fallback>
+            <p:pic>
+              <p:nvPicPr>
+                <p:cNvPr id="29" name="インク 28">
+                  <a:extLst>
+                    <a:ext uri="{FF2B5EF4-FFF2-40B4-BE49-F238E27FC236}">
+                      <a16:creationId xmlns:a16="http://schemas.microsoft.com/office/drawing/2014/main" id="{25D3A66B-5390-FAB1-B011-4AC445EF0598}"/>
+                    </a:ext>
+                  </a:extLst>
+                </p:cNvPr>
+                <p:cNvPicPr/>
+                <p:nvPr/>
+              </p:nvPicPr>
+              <p:blipFill>
+                <a:blip r:embed="rId28"/>
+                <a:stretch>
+                  <a:fillRect/>
+                </a:stretch>
+              </p:blipFill>
+              <p:spPr>
+                <a:xfrm>
+                  <a:off x="8807810" y="3568900"/>
+                  <a:ext cx="150120" cy="133920"/>
+                </a:xfrm>
+                <a:prstGeom prst="rect">
+                  <a:avLst/>
+                </a:prstGeom>
+              </p:spPr>
+            </p:pic>
+          </mc:Fallback>
+        </mc:AlternateContent>
+        <mc:AlternateContent xmlns:mc="http://schemas.openxmlformats.org/markup-compatibility/2006">
+          <mc:Choice xmlns:p14="http://schemas.microsoft.com/office/powerpoint/2010/main" Requires="p14">
+            <p:contentPart p14:bwMode="auto" r:id="rId29">
+              <p14:nvContentPartPr>
+                <p14:cNvPr id="30" name="インク 29">
+                  <a:extLst>
+                    <a:ext uri="{FF2B5EF4-FFF2-40B4-BE49-F238E27FC236}">
+                      <a16:creationId xmlns:a16="http://schemas.microsoft.com/office/drawing/2014/main" id="{F749AFB4-B14A-9780-766B-C1FE6DB307BF}"/>
+                    </a:ext>
+                  </a:extLst>
+                </p14:cNvPr>
+                <p14:cNvContentPartPr/>
+                <p14:nvPr/>
+              </p14:nvContentPartPr>
+              <p14:xfrm>
+                <a:off x="8826890" y="3698140"/>
+                <a:ext cx="127080" cy="59400"/>
+              </p14:xfrm>
+            </p:contentPart>
+          </mc:Choice>
+          <mc:Fallback>
+            <p:pic>
+              <p:nvPicPr>
+                <p:cNvPr id="30" name="インク 29">
+                  <a:extLst>
+                    <a:ext uri="{FF2B5EF4-FFF2-40B4-BE49-F238E27FC236}">
+                      <a16:creationId xmlns:a16="http://schemas.microsoft.com/office/drawing/2014/main" id="{F749AFB4-B14A-9780-766B-C1FE6DB307BF}"/>
+                    </a:ext>
+                  </a:extLst>
+                </p:cNvPr>
+                <p:cNvPicPr/>
+                <p:nvPr/>
+              </p:nvPicPr>
+              <p:blipFill>
+                <a:blip r:embed="rId30"/>
+                <a:stretch>
+                  <a:fillRect/>
+                </a:stretch>
+              </p:blipFill>
+              <p:spPr>
+                <a:xfrm>
+                  <a:off x="8791250" y="3662140"/>
+                  <a:ext cx="198720" cy="131040"/>
+                </a:xfrm>
+                <a:prstGeom prst="rect">
+                  <a:avLst/>
+                </a:prstGeom>
+              </p:spPr>
+            </p:pic>
+          </mc:Fallback>
+        </mc:AlternateContent>
+        <mc:AlternateContent xmlns:mc="http://schemas.openxmlformats.org/markup-compatibility/2006">
+          <mc:Choice xmlns:p14="http://schemas.microsoft.com/office/powerpoint/2010/main" Requires="p14">
+            <p:contentPart p14:bwMode="auto" r:id="rId31">
+              <p14:nvContentPartPr>
+                <p14:cNvPr id="31" name="インク 30">
+                  <a:extLst>
+                    <a:ext uri="{FF2B5EF4-FFF2-40B4-BE49-F238E27FC236}">
+                      <a16:creationId xmlns:a16="http://schemas.microsoft.com/office/drawing/2014/main" id="{D198332D-07D4-B99A-C40D-AA080A2A858B}"/>
+                    </a:ext>
+                  </a:extLst>
+                </p14:cNvPr>
+                <p14:cNvContentPartPr/>
+                <p14:nvPr/>
+              </p14:nvContentPartPr>
+              <p14:xfrm>
+                <a:off x="8909330" y="3718660"/>
+                <a:ext cx="81720" cy="189360"/>
+              </p14:xfrm>
+            </p:contentPart>
+          </mc:Choice>
+          <mc:Fallback>
+            <p:pic>
+              <p:nvPicPr>
+                <p:cNvPr id="31" name="インク 30">
+                  <a:extLst>
+                    <a:ext uri="{FF2B5EF4-FFF2-40B4-BE49-F238E27FC236}">
+                      <a16:creationId xmlns:a16="http://schemas.microsoft.com/office/drawing/2014/main" id="{D198332D-07D4-B99A-C40D-AA080A2A858B}"/>
+                    </a:ext>
+                  </a:extLst>
+                </p:cNvPr>
+                <p:cNvPicPr/>
+                <p:nvPr/>
+              </p:nvPicPr>
+              <p:blipFill>
+                <a:blip r:embed="rId32"/>
+                <a:stretch>
+                  <a:fillRect/>
+                </a:stretch>
+              </p:blipFill>
+              <p:spPr>
+                <a:xfrm>
+                  <a:off x="8873330" y="3682660"/>
+                  <a:ext cx="153360" cy="261000"/>
+                </a:xfrm>
+                <a:prstGeom prst="rect">
+                  <a:avLst/>
+                </a:prstGeom>
+              </p:spPr>
+            </p:pic>
+          </mc:Fallback>
+        </mc:AlternateContent>
+        <mc:AlternateContent xmlns:mc="http://schemas.openxmlformats.org/markup-compatibility/2006">
+          <mc:Choice xmlns:p14="http://schemas.microsoft.com/office/powerpoint/2010/main" Requires="p14">
+            <p:contentPart p14:bwMode="auto" r:id="rId33">
+              <p14:nvContentPartPr>
+                <p14:cNvPr id="32" name="インク 31">
+                  <a:extLst>
+                    <a:ext uri="{FF2B5EF4-FFF2-40B4-BE49-F238E27FC236}">
+                      <a16:creationId xmlns:a16="http://schemas.microsoft.com/office/drawing/2014/main" id="{E872D10A-8042-EDA7-C085-0ADCD5B0D3F5}"/>
+                    </a:ext>
+                  </a:extLst>
+                </p14:cNvPr>
+                <p14:cNvContentPartPr/>
+                <p14:nvPr/>
+              </p14:nvContentPartPr>
+              <p14:xfrm>
+                <a:off x="9117410" y="3836020"/>
+                <a:ext cx="102600" cy="79200"/>
+              </p14:xfrm>
+            </p:contentPart>
+          </mc:Choice>
+          <mc:Fallback>
+            <p:pic>
+              <p:nvPicPr>
+                <p:cNvPr id="32" name="インク 31">
+                  <a:extLst>
+                    <a:ext uri="{FF2B5EF4-FFF2-40B4-BE49-F238E27FC236}">
+                      <a16:creationId xmlns:a16="http://schemas.microsoft.com/office/drawing/2014/main" id="{E872D10A-8042-EDA7-C085-0ADCD5B0D3F5}"/>
+                    </a:ext>
+                  </a:extLst>
+                </p:cNvPr>
+                <p:cNvPicPr/>
+                <p:nvPr/>
+              </p:nvPicPr>
+              <p:blipFill>
+                <a:blip r:embed="rId34"/>
+                <a:stretch>
+                  <a:fillRect/>
+                </a:stretch>
+              </p:blipFill>
+              <p:spPr>
+                <a:xfrm>
+                  <a:off x="9081770" y="3800380"/>
+                  <a:ext cx="174240" cy="150840"/>
+                </a:xfrm>
+                <a:prstGeom prst="rect">
+                  <a:avLst/>
+                </a:prstGeom>
+              </p:spPr>
+            </p:pic>
+          </mc:Fallback>
+        </mc:AlternateContent>
+      </p:grpSp>
+      <p:grpSp>
+        <p:nvGrpSpPr>
+          <p:cNvPr id="46" name="グループ化 45">
+            <a:extLst>
+              <a:ext uri="{FF2B5EF4-FFF2-40B4-BE49-F238E27FC236}">
+                <a16:creationId xmlns:a16="http://schemas.microsoft.com/office/drawing/2014/main" id="{C87A874F-C136-B427-CC33-26D45872BBBB}"/>
+              </a:ext>
+            </a:extLst>
+          </p:cNvPr>
+          <p:cNvGrpSpPr/>
+          <p:nvPr/>
+        </p:nvGrpSpPr>
+        <p:grpSpPr>
+          <a:xfrm>
+            <a:off x="9441410" y="375700"/>
+            <a:ext cx="1914480" cy="717120"/>
+            <a:chOff x="9441410" y="375700"/>
+            <a:chExt cx="1914480" cy="717120"/>
+          </a:xfrm>
+        </p:grpSpPr>
+        <mc:AlternateContent xmlns:mc="http://schemas.openxmlformats.org/markup-compatibility/2006">
+          <mc:Choice xmlns:p14="http://schemas.microsoft.com/office/powerpoint/2010/main" Requires="p14">
+            <p:contentPart p14:bwMode="auto" r:id="rId35">
+              <p14:nvContentPartPr>
+                <p14:cNvPr id="34" name="インク 33">
+                  <a:extLst>
+                    <a:ext uri="{FF2B5EF4-FFF2-40B4-BE49-F238E27FC236}">
+                      <a16:creationId xmlns:a16="http://schemas.microsoft.com/office/drawing/2014/main" id="{21F82C50-CEB6-9695-FD86-77AB4FD5964A}"/>
+                    </a:ext>
+                  </a:extLst>
+                </p14:cNvPr>
+                <p14:cNvContentPartPr/>
+                <p14:nvPr/>
+              </p14:nvContentPartPr>
+              <p14:xfrm>
+                <a:off x="9441410" y="396580"/>
+                <a:ext cx="270000" cy="195480"/>
+              </p14:xfrm>
+            </p:contentPart>
+          </mc:Choice>
+          <mc:Fallback>
+            <p:pic>
+              <p:nvPicPr>
+                <p:cNvPr id="34" name="インク 33">
+                  <a:extLst>
+                    <a:ext uri="{FF2B5EF4-FFF2-40B4-BE49-F238E27FC236}">
+                      <a16:creationId xmlns:a16="http://schemas.microsoft.com/office/drawing/2014/main" id="{21F82C50-CEB6-9695-FD86-77AB4FD5964A}"/>
+                    </a:ext>
+                  </a:extLst>
+                </p:cNvPr>
+                <p:cNvPicPr/>
+                <p:nvPr/>
+              </p:nvPicPr>
+              <p:blipFill>
+                <a:blip r:embed="rId36"/>
+                <a:stretch>
+                  <a:fillRect/>
+                </a:stretch>
+              </p:blipFill>
+              <p:spPr>
+                <a:xfrm>
+                  <a:off x="9405410" y="360940"/>
+                  <a:ext cx="341640" cy="267120"/>
+                </a:xfrm>
+                <a:prstGeom prst="rect">
+                  <a:avLst/>
+                </a:prstGeom>
+              </p:spPr>
+            </p:pic>
+          </mc:Fallback>
+        </mc:AlternateContent>
+        <mc:AlternateContent xmlns:mc="http://schemas.openxmlformats.org/markup-compatibility/2006">
+          <mc:Choice xmlns:p14="http://schemas.microsoft.com/office/powerpoint/2010/main" Requires="p14">
+            <p:contentPart p14:bwMode="auto" r:id="rId37">
+              <p14:nvContentPartPr>
+                <p14:cNvPr id="35" name="インク 34">
+                  <a:extLst>
+                    <a:ext uri="{FF2B5EF4-FFF2-40B4-BE49-F238E27FC236}">
+                      <a16:creationId xmlns:a16="http://schemas.microsoft.com/office/drawing/2014/main" id="{89F8E088-3F97-C8F8-483C-CEFBC8B32323}"/>
+                    </a:ext>
+                  </a:extLst>
+                </p14:cNvPr>
+                <p14:cNvContentPartPr/>
+                <p14:nvPr/>
+              </p14:nvContentPartPr>
+              <p14:xfrm>
+                <a:off x="9769370" y="375700"/>
+                <a:ext cx="671400" cy="186480"/>
+              </p14:xfrm>
+            </p:contentPart>
+          </mc:Choice>
+          <mc:Fallback>
+            <p:pic>
+              <p:nvPicPr>
+                <p:cNvPr id="35" name="インク 34">
+                  <a:extLst>
+                    <a:ext uri="{FF2B5EF4-FFF2-40B4-BE49-F238E27FC236}">
+                      <a16:creationId xmlns:a16="http://schemas.microsoft.com/office/drawing/2014/main" id="{89F8E088-3F97-C8F8-483C-CEFBC8B32323}"/>
+                    </a:ext>
+                  </a:extLst>
+                </p:cNvPr>
+                <p:cNvPicPr/>
+                <p:nvPr/>
+              </p:nvPicPr>
+              <p:blipFill>
+                <a:blip r:embed="rId38"/>
+                <a:stretch>
+                  <a:fillRect/>
+                </a:stretch>
+              </p:blipFill>
+              <p:spPr>
+                <a:xfrm>
+                  <a:off x="9733370" y="339700"/>
+                  <a:ext cx="743040" cy="258120"/>
+                </a:xfrm>
+                <a:prstGeom prst="rect">
+                  <a:avLst/>
+                </a:prstGeom>
+              </p:spPr>
+            </p:pic>
+          </mc:Fallback>
+        </mc:AlternateContent>
+        <mc:AlternateContent xmlns:mc="http://schemas.openxmlformats.org/markup-compatibility/2006">
+          <mc:Choice xmlns:p14="http://schemas.microsoft.com/office/powerpoint/2010/main" Requires="p14">
+            <p:contentPart p14:bwMode="auto" r:id="rId39">
+              <p14:nvContentPartPr>
+                <p14:cNvPr id="36" name="インク 35">
+                  <a:extLst>
+                    <a:ext uri="{FF2B5EF4-FFF2-40B4-BE49-F238E27FC236}">
+                      <a16:creationId xmlns:a16="http://schemas.microsoft.com/office/drawing/2014/main" id="{9646C662-FA8E-B2D4-FDDE-C60D1BEA62ED}"/>
+                    </a:ext>
+                  </a:extLst>
+                </p14:cNvPr>
+                <p14:cNvContentPartPr/>
+                <p14:nvPr/>
+              </p14:nvContentPartPr>
+              <p14:xfrm>
+                <a:off x="10590890" y="385060"/>
+                <a:ext cx="50040" cy="74880"/>
+              </p14:xfrm>
+            </p:contentPart>
+          </mc:Choice>
+          <mc:Fallback>
+            <p:pic>
+              <p:nvPicPr>
+                <p:cNvPr id="36" name="インク 35">
+                  <a:extLst>
+                    <a:ext uri="{FF2B5EF4-FFF2-40B4-BE49-F238E27FC236}">
+                      <a16:creationId xmlns:a16="http://schemas.microsoft.com/office/drawing/2014/main" id="{9646C662-FA8E-B2D4-FDDE-C60D1BEA62ED}"/>
+                    </a:ext>
+                  </a:extLst>
+                </p:cNvPr>
+                <p:cNvPicPr/>
+                <p:nvPr/>
+              </p:nvPicPr>
+              <p:blipFill>
+                <a:blip r:embed="rId40"/>
+                <a:stretch>
+                  <a:fillRect/>
+                </a:stretch>
+              </p:blipFill>
+              <p:spPr>
+                <a:xfrm>
+                  <a:off x="10555250" y="349420"/>
+                  <a:ext cx="121680" cy="146520"/>
+                </a:xfrm>
+                <a:prstGeom prst="rect">
+                  <a:avLst/>
+                </a:prstGeom>
+              </p:spPr>
+            </p:pic>
+          </mc:Fallback>
+        </mc:AlternateContent>
+        <mc:AlternateContent xmlns:mc="http://schemas.openxmlformats.org/markup-compatibility/2006">
+          <mc:Choice xmlns:p14="http://schemas.microsoft.com/office/powerpoint/2010/main" Requires="p14">
+            <p:contentPart p14:bwMode="auto" r:id="rId41">
+              <p14:nvContentPartPr>
+                <p14:cNvPr id="37" name="インク 36">
+                  <a:extLst>
+                    <a:ext uri="{FF2B5EF4-FFF2-40B4-BE49-F238E27FC236}">
+                      <a16:creationId xmlns:a16="http://schemas.microsoft.com/office/drawing/2014/main" id="{4B8677BF-533B-0775-099D-149A3243A647}"/>
+                    </a:ext>
+                  </a:extLst>
+                </p14:cNvPr>
+                <p14:cNvContentPartPr/>
+                <p14:nvPr/>
+              </p14:nvContentPartPr>
+              <p14:xfrm>
+                <a:off x="10640570" y="542020"/>
+                <a:ext cx="41760" cy="91440"/>
+              </p14:xfrm>
+            </p:contentPart>
+          </mc:Choice>
+          <mc:Fallback>
+            <p:pic>
+              <p:nvPicPr>
+                <p:cNvPr id="37" name="インク 36">
+                  <a:extLst>
+                    <a:ext uri="{FF2B5EF4-FFF2-40B4-BE49-F238E27FC236}">
+                      <a16:creationId xmlns:a16="http://schemas.microsoft.com/office/drawing/2014/main" id="{4B8677BF-533B-0775-099D-149A3243A647}"/>
+                    </a:ext>
+                  </a:extLst>
+                </p:cNvPr>
+                <p:cNvPicPr/>
+                <p:nvPr/>
+              </p:nvPicPr>
+              <p:blipFill>
+                <a:blip r:embed="rId42"/>
+                <a:stretch>
+                  <a:fillRect/>
+                </a:stretch>
+              </p:blipFill>
+              <p:spPr>
+                <a:xfrm>
+                  <a:off x="10604570" y="506380"/>
+                  <a:ext cx="113400" cy="163080"/>
+                </a:xfrm>
+                <a:prstGeom prst="rect">
+                  <a:avLst/>
+                </a:prstGeom>
+              </p:spPr>
+            </p:pic>
+          </mc:Fallback>
+        </mc:AlternateContent>
+        <mc:AlternateContent xmlns:mc="http://schemas.openxmlformats.org/markup-compatibility/2006">
+          <mc:Choice xmlns:p14="http://schemas.microsoft.com/office/powerpoint/2010/main" Requires="p14">
+            <p:contentPart p14:bwMode="auto" r:id="rId43">
+              <p14:nvContentPartPr>
+                <p14:cNvPr id="38" name="インク 37">
+                  <a:extLst>
+                    <a:ext uri="{FF2B5EF4-FFF2-40B4-BE49-F238E27FC236}">
+                      <a16:creationId xmlns:a16="http://schemas.microsoft.com/office/drawing/2014/main" id="{8C41B533-3C45-9016-4910-4F2A394EE3AE}"/>
+                    </a:ext>
+                  </a:extLst>
+                </p14:cNvPr>
+                <p14:cNvContentPartPr/>
+                <p14:nvPr/>
+              </p14:nvContentPartPr>
+              <p14:xfrm>
+                <a:off x="10765490" y="398020"/>
+                <a:ext cx="185400" cy="29160"/>
+              </p14:xfrm>
+            </p:contentPart>
+          </mc:Choice>
+          <mc:Fallback>
+            <p:pic>
+              <p:nvPicPr>
+                <p:cNvPr id="38" name="インク 37">
+                  <a:extLst>
+                    <a:ext uri="{FF2B5EF4-FFF2-40B4-BE49-F238E27FC236}">
+                      <a16:creationId xmlns:a16="http://schemas.microsoft.com/office/drawing/2014/main" id="{8C41B533-3C45-9016-4910-4F2A394EE3AE}"/>
+                    </a:ext>
+                  </a:extLst>
+                </p:cNvPr>
+                <p:cNvPicPr/>
+                <p:nvPr/>
+              </p:nvPicPr>
+              <p:blipFill>
+                <a:blip r:embed="rId44"/>
+                <a:stretch>
+                  <a:fillRect/>
+                </a:stretch>
+              </p:blipFill>
+              <p:spPr>
+                <a:xfrm>
+                  <a:off x="10729490" y="362020"/>
+                  <a:ext cx="257040" cy="100800"/>
+                </a:xfrm>
+                <a:prstGeom prst="rect">
+                  <a:avLst/>
+                </a:prstGeom>
+              </p:spPr>
+            </p:pic>
+          </mc:Fallback>
+        </mc:AlternateContent>
+        <mc:AlternateContent xmlns:mc="http://schemas.openxmlformats.org/markup-compatibility/2006">
+          <mc:Choice xmlns:p14="http://schemas.microsoft.com/office/powerpoint/2010/main" Requires="p14">
+            <p:contentPart p14:bwMode="auto" r:id="rId45">
+              <p14:nvContentPartPr>
+                <p14:cNvPr id="39" name="インク 38">
+                  <a:extLst>
+                    <a:ext uri="{FF2B5EF4-FFF2-40B4-BE49-F238E27FC236}">
+                      <a16:creationId xmlns:a16="http://schemas.microsoft.com/office/drawing/2014/main" id="{BF62EAD8-2F82-AFFB-D1A8-625A0D6AE586}"/>
+                    </a:ext>
+                  </a:extLst>
+                </p14:cNvPr>
+                <p14:cNvContentPartPr/>
+                <p14:nvPr/>
+              </p14:nvContentPartPr>
+              <p14:xfrm>
+                <a:off x="10839650" y="539140"/>
+                <a:ext cx="144000" cy="19080"/>
+              </p14:xfrm>
+            </p:contentPart>
+          </mc:Choice>
+          <mc:Fallback>
+            <p:pic>
+              <p:nvPicPr>
+                <p:cNvPr id="39" name="インク 38">
+                  <a:extLst>
+                    <a:ext uri="{FF2B5EF4-FFF2-40B4-BE49-F238E27FC236}">
+                      <a16:creationId xmlns:a16="http://schemas.microsoft.com/office/drawing/2014/main" id="{BF62EAD8-2F82-AFFB-D1A8-625A0D6AE586}"/>
+                    </a:ext>
+                  </a:extLst>
+                </p:cNvPr>
+                <p:cNvPicPr/>
+                <p:nvPr/>
+              </p:nvPicPr>
+              <p:blipFill>
+                <a:blip r:embed="rId46"/>
+                <a:stretch>
+                  <a:fillRect/>
+                </a:stretch>
+              </p:blipFill>
+              <p:spPr>
+                <a:xfrm>
+                  <a:off x="10803650" y="503500"/>
+                  <a:ext cx="215640" cy="90720"/>
+                </a:xfrm>
+                <a:prstGeom prst="rect">
+                  <a:avLst/>
+                </a:prstGeom>
+              </p:spPr>
+            </p:pic>
+          </mc:Fallback>
+        </mc:AlternateContent>
+        <mc:AlternateContent xmlns:mc="http://schemas.openxmlformats.org/markup-compatibility/2006">
+          <mc:Choice xmlns:p14="http://schemas.microsoft.com/office/powerpoint/2010/main" Requires="p14">
+            <p:contentPart p14:bwMode="auto" r:id="rId47">
+              <p14:nvContentPartPr>
+                <p14:cNvPr id="40" name="インク 39">
+                  <a:extLst>
+                    <a:ext uri="{FF2B5EF4-FFF2-40B4-BE49-F238E27FC236}">
+                      <a16:creationId xmlns:a16="http://schemas.microsoft.com/office/drawing/2014/main" id="{87D4275F-624C-DD02-A255-74F9CEBF19E6}"/>
+                    </a:ext>
+                  </a:extLst>
+                </p14:cNvPr>
+                <p14:cNvContentPartPr/>
+                <p14:nvPr/>
+              </p14:nvContentPartPr>
+              <p14:xfrm>
+                <a:off x="10536530" y="771340"/>
+                <a:ext cx="109800" cy="253080"/>
+              </p14:xfrm>
+            </p:contentPart>
+          </mc:Choice>
+          <mc:Fallback>
+            <p:pic>
+              <p:nvPicPr>
+                <p:cNvPr id="40" name="インク 39">
+                  <a:extLst>
+                    <a:ext uri="{FF2B5EF4-FFF2-40B4-BE49-F238E27FC236}">
+                      <a16:creationId xmlns:a16="http://schemas.microsoft.com/office/drawing/2014/main" id="{87D4275F-624C-DD02-A255-74F9CEBF19E6}"/>
+                    </a:ext>
+                  </a:extLst>
+                </p:cNvPr>
+                <p:cNvPicPr/>
+                <p:nvPr/>
+              </p:nvPicPr>
+              <p:blipFill>
+                <a:blip r:embed="rId48"/>
+                <a:stretch>
+                  <a:fillRect/>
+                </a:stretch>
+              </p:blipFill>
+              <p:spPr>
+                <a:xfrm>
+                  <a:off x="10500530" y="735340"/>
+                  <a:ext cx="181440" cy="324720"/>
+                </a:xfrm>
+                <a:prstGeom prst="rect">
+                  <a:avLst/>
+                </a:prstGeom>
+              </p:spPr>
+            </p:pic>
+          </mc:Fallback>
+        </mc:AlternateContent>
+        <mc:AlternateContent xmlns:mc="http://schemas.openxmlformats.org/markup-compatibility/2006">
+          <mc:Choice xmlns:p14="http://schemas.microsoft.com/office/powerpoint/2010/main" Requires="p14">
+            <p:contentPart p14:bwMode="auto" r:id="rId49">
+              <p14:nvContentPartPr>
+                <p14:cNvPr id="41" name="インク 40">
+                  <a:extLst>
+                    <a:ext uri="{FF2B5EF4-FFF2-40B4-BE49-F238E27FC236}">
+                      <a16:creationId xmlns:a16="http://schemas.microsoft.com/office/drawing/2014/main" id="{3E5E0F51-0FD1-E000-AFB5-6F0EE5575F30}"/>
+                    </a:ext>
+                  </a:extLst>
+                </p14:cNvPr>
+                <p14:cNvContentPartPr/>
+                <p14:nvPr/>
+              </p14:nvContentPartPr>
+              <p14:xfrm>
+                <a:off x="10665410" y="814900"/>
+                <a:ext cx="149760" cy="100080"/>
+              </p14:xfrm>
+            </p:contentPart>
+          </mc:Choice>
+          <mc:Fallback>
+            <p:pic>
+              <p:nvPicPr>
+                <p:cNvPr id="41" name="インク 40">
+                  <a:extLst>
+                    <a:ext uri="{FF2B5EF4-FFF2-40B4-BE49-F238E27FC236}">
+                      <a16:creationId xmlns:a16="http://schemas.microsoft.com/office/drawing/2014/main" id="{3E5E0F51-0FD1-E000-AFB5-6F0EE5575F30}"/>
+                    </a:ext>
+                  </a:extLst>
+                </p:cNvPr>
+                <p:cNvPicPr/>
+                <p:nvPr/>
+              </p:nvPicPr>
+              <p:blipFill>
+                <a:blip r:embed="rId50"/>
+                <a:stretch>
+                  <a:fillRect/>
+                </a:stretch>
+              </p:blipFill>
+              <p:spPr>
+                <a:xfrm>
+                  <a:off x="10629410" y="778900"/>
+                  <a:ext cx="221400" cy="171720"/>
+                </a:xfrm>
+                <a:prstGeom prst="rect">
+                  <a:avLst/>
+                </a:prstGeom>
+              </p:spPr>
+            </p:pic>
+          </mc:Fallback>
+        </mc:AlternateContent>
+        <mc:AlternateContent xmlns:mc="http://schemas.openxmlformats.org/markup-compatibility/2006">
+          <mc:Choice xmlns:p14="http://schemas.microsoft.com/office/powerpoint/2010/main" Requires="p14">
+            <p:contentPart p14:bwMode="auto" r:id="rId51">
+              <p14:nvContentPartPr>
+                <p14:cNvPr id="42" name="インク 41">
+                  <a:extLst>
+                    <a:ext uri="{FF2B5EF4-FFF2-40B4-BE49-F238E27FC236}">
+                      <a16:creationId xmlns:a16="http://schemas.microsoft.com/office/drawing/2014/main" id="{F28B73CE-31B0-9E28-FF89-497E1690B242}"/>
+                    </a:ext>
+                  </a:extLst>
+                </p14:cNvPr>
+                <p14:cNvContentPartPr/>
+                <p14:nvPr/>
+              </p14:nvContentPartPr>
+              <p14:xfrm>
+                <a:off x="10725170" y="781420"/>
+                <a:ext cx="200160" cy="311400"/>
+              </p14:xfrm>
+            </p:contentPart>
+          </mc:Choice>
+          <mc:Fallback>
+            <p:pic>
+              <p:nvPicPr>
+                <p:cNvPr id="42" name="インク 41">
+                  <a:extLst>
+                    <a:ext uri="{FF2B5EF4-FFF2-40B4-BE49-F238E27FC236}">
+                      <a16:creationId xmlns:a16="http://schemas.microsoft.com/office/drawing/2014/main" id="{F28B73CE-31B0-9E28-FF89-497E1690B242}"/>
+                    </a:ext>
+                  </a:extLst>
+                </p:cNvPr>
+                <p:cNvPicPr/>
+                <p:nvPr/>
+              </p:nvPicPr>
+              <p:blipFill>
+                <a:blip r:embed="rId52"/>
+                <a:stretch>
+                  <a:fillRect/>
+                </a:stretch>
+              </p:blipFill>
+              <p:spPr>
+                <a:xfrm>
+                  <a:off x="10689530" y="745420"/>
+                  <a:ext cx="271800" cy="383040"/>
+                </a:xfrm>
+                <a:prstGeom prst="rect">
+                  <a:avLst/>
+                </a:prstGeom>
+              </p:spPr>
+            </p:pic>
+          </mc:Fallback>
+        </mc:AlternateContent>
+        <mc:AlternateContent xmlns:mc="http://schemas.openxmlformats.org/markup-compatibility/2006">
+          <mc:Choice xmlns:p14="http://schemas.microsoft.com/office/powerpoint/2010/main" Requires="p14">
+            <p:contentPart p14:bwMode="auto" r:id="rId53">
+              <p14:nvContentPartPr>
+                <p14:cNvPr id="43" name="インク 42">
+                  <a:extLst>
+                    <a:ext uri="{FF2B5EF4-FFF2-40B4-BE49-F238E27FC236}">
+                      <a16:creationId xmlns:a16="http://schemas.microsoft.com/office/drawing/2014/main" id="{FCF69324-4950-2470-6745-B2AA348D96BE}"/>
+                    </a:ext>
+                  </a:extLst>
+                </p14:cNvPr>
+                <p14:cNvContentPartPr/>
+                <p14:nvPr/>
+              </p14:nvContentPartPr>
+              <p14:xfrm>
+                <a:off x="10860890" y="765220"/>
+                <a:ext cx="82440" cy="16560"/>
+              </p14:xfrm>
+            </p:contentPart>
+          </mc:Choice>
+          <mc:Fallback>
+            <p:pic>
+              <p:nvPicPr>
+                <p:cNvPr id="43" name="インク 42">
+                  <a:extLst>
+                    <a:ext uri="{FF2B5EF4-FFF2-40B4-BE49-F238E27FC236}">
+                      <a16:creationId xmlns:a16="http://schemas.microsoft.com/office/drawing/2014/main" id="{FCF69324-4950-2470-6745-B2AA348D96BE}"/>
+                    </a:ext>
+                  </a:extLst>
+                </p:cNvPr>
+                <p:cNvPicPr/>
+                <p:nvPr/>
+              </p:nvPicPr>
+              <p:blipFill>
+                <a:blip r:embed="rId54"/>
+                <a:stretch>
+                  <a:fillRect/>
+                </a:stretch>
+              </p:blipFill>
+              <p:spPr>
+                <a:xfrm>
+                  <a:off x="10825250" y="729220"/>
+                  <a:ext cx="154080" cy="88200"/>
+                </a:xfrm>
+                <a:prstGeom prst="rect">
+                  <a:avLst/>
+                </a:prstGeom>
+              </p:spPr>
+            </p:pic>
+          </mc:Fallback>
+        </mc:AlternateContent>
+        <mc:AlternateContent xmlns:mc="http://schemas.openxmlformats.org/markup-compatibility/2006">
+          <mc:Choice xmlns:p14="http://schemas.microsoft.com/office/powerpoint/2010/main" Requires="p14">
+            <p:contentPart p14:bwMode="auto" r:id="rId55">
+              <p14:nvContentPartPr>
+                <p14:cNvPr id="44" name="インク 43">
+                  <a:extLst>
+                    <a:ext uri="{FF2B5EF4-FFF2-40B4-BE49-F238E27FC236}">
+                      <a16:creationId xmlns:a16="http://schemas.microsoft.com/office/drawing/2014/main" id="{45E9795A-BEBD-1C41-3B54-EBEE0152D83F}"/>
+                    </a:ext>
+                  </a:extLst>
+                </p14:cNvPr>
+                <p14:cNvContentPartPr/>
+                <p14:nvPr/>
+              </p14:nvContentPartPr>
+              <p14:xfrm>
+                <a:off x="11038730" y="690340"/>
+                <a:ext cx="317160" cy="389880"/>
+              </p14:xfrm>
+            </p:contentPart>
+          </mc:Choice>
+          <mc:Fallback>
+            <p:pic>
+              <p:nvPicPr>
+                <p:cNvPr id="44" name="インク 43">
+                  <a:extLst>
+                    <a:ext uri="{FF2B5EF4-FFF2-40B4-BE49-F238E27FC236}">
+                      <a16:creationId xmlns:a16="http://schemas.microsoft.com/office/drawing/2014/main" id="{45E9795A-BEBD-1C41-3B54-EBEE0152D83F}"/>
+                    </a:ext>
+                  </a:extLst>
+                </p:cNvPr>
+                <p:cNvPicPr/>
+                <p:nvPr/>
+              </p:nvPicPr>
+              <p:blipFill>
+                <a:blip r:embed="rId56"/>
+                <a:stretch>
+                  <a:fillRect/>
+                </a:stretch>
+              </p:blipFill>
+              <p:spPr>
+                <a:xfrm>
+                  <a:off x="11003090" y="654700"/>
+                  <a:ext cx="388800" cy="461520"/>
+                </a:xfrm>
+                <a:prstGeom prst="rect">
+                  <a:avLst/>
+                </a:prstGeom>
+              </p:spPr>
+            </p:pic>
+          </mc:Fallback>
+        </mc:AlternateContent>
+        <mc:AlternateContent xmlns:mc="http://schemas.openxmlformats.org/markup-compatibility/2006">
+          <mc:Choice xmlns:p14="http://schemas.microsoft.com/office/powerpoint/2010/main" Requires="p14">
+            <p:contentPart p14:bwMode="auto" r:id="rId57">
+              <p14:nvContentPartPr>
+                <p14:cNvPr id="45" name="インク 44">
+                  <a:extLst>
+                    <a:ext uri="{FF2B5EF4-FFF2-40B4-BE49-F238E27FC236}">
+                      <a16:creationId xmlns:a16="http://schemas.microsoft.com/office/drawing/2014/main" id="{65B6D97E-8CFF-0F5D-8960-04BB200EC587}"/>
+                    </a:ext>
+                  </a:extLst>
+                </p14:cNvPr>
+                <p14:cNvContentPartPr/>
+                <p14:nvPr/>
+              </p14:nvContentPartPr>
+              <p14:xfrm>
+                <a:off x="11081210" y="945220"/>
+                <a:ext cx="141840" cy="117360"/>
+              </p14:xfrm>
+            </p:contentPart>
+          </mc:Choice>
+          <mc:Fallback>
+            <p:pic>
+              <p:nvPicPr>
+                <p:cNvPr id="45" name="インク 44">
+                  <a:extLst>
+                    <a:ext uri="{FF2B5EF4-FFF2-40B4-BE49-F238E27FC236}">
+                      <a16:creationId xmlns:a16="http://schemas.microsoft.com/office/drawing/2014/main" id="{65B6D97E-8CFF-0F5D-8960-04BB200EC587}"/>
+                    </a:ext>
+                  </a:extLst>
+                </p:cNvPr>
+                <p:cNvPicPr/>
+                <p:nvPr/>
+              </p:nvPicPr>
+              <p:blipFill>
+                <a:blip r:embed="rId58"/>
+                <a:stretch>
+                  <a:fillRect/>
+                </a:stretch>
+              </p:blipFill>
+              <p:spPr>
+                <a:xfrm>
+                  <a:off x="11045570" y="909580"/>
+                  <a:ext cx="213480" cy="189000"/>
+                </a:xfrm>
+                <a:prstGeom prst="rect">
+                  <a:avLst/>
+                </a:prstGeom>
+              </p:spPr>
+            </p:pic>
+          </mc:Fallback>
+        </mc:AlternateContent>
+      </p:grpSp>
+      <p:grpSp>
+        <p:nvGrpSpPr>
+          <p:cNvPr id="49" name="グループ化 48">
+            <a:extLst>
+              <a:ext uri="{FF2B5EF4-FFF2-40B4-BE49-F238E27FC236}">
+                <a16:creationId xmlns:a16="http://schemas.microsoft.com/office/drawing/2014/main" id="{E5684053-68D9-4E61-0EAC-2FDC4F393D7F}"/>
+              </a:ext>
+            </a:extLst>
+          </p:cNvPr>
+          <p:cNvGrpSpPr/>
+          <p:nvPr/>
+        </p:nvGrpSpPr>
+        <p:grpSpPr>
+          <a:xfrm>
+            <a:off x="5593010" y="881860"/>
+            <a:ext cx="345600" cy="357480"/>
+            <a:chOff x="5593010" y="881860"/>
+            <a:chExt cx="345600" cy="357480"/>
+          </a:xfrm>
+        </p:grpSpPr>
+        <mc:AlternateContent xmlns:mc="http://schemas.openxmlformats.org/markup-compatibility/2006">
+          <mc:Choice xmlns:p14="http://schemas.microsoft.com/office/powerpoint/2010/main" Requires="p14">
+            <p:contentPart p14:bwMode="auto" r:id="rId59">
+              <p14:nvContentPartPr>
+                <p14:cNvPr id="47" name="インク 46">
+                  <a:extLst>
+                    <a:ext uri="{FF2B5EF4-FFF2-40B4-BE49-F238E27FC236}">
+                      <a16:creationId xmlns:a16="http://schemas.microsoft.com/office/drawing/2014/main" id="{264367F5-8019-5C66-3EDB-A9C4AA09D2F5}"/>
+                    </a:ext>
+                  </a:extLst>
+                </p14:cNvPr>
+                <p14:cNvContentPartPr/>
+                <p14:nvPr/>
+              </p14:nvContentPartPr>
+              <p14:xfrm>
+                <a:off x="5721530" y="992740"/>
+                <a:ext cx="41400" cy="152280"/>
+              </p14:xfrm>
+            </p:contentPart>
+          </mc:Choice>
+          <mc:Fallback>
+            <p:pic>
+              <p:nvPicPr>
+                <p:cNvPr id="47" name="インク 46">
+                  <a:extLst>
+                    <a:ext uri="{FF2B5EF4-FFF2-40B4-BE49-F238E27FC236}">
+                      <a16:creationId xmlns:a16="http://schemas.microsoft.com/office/drawing/2014/main" id="{264367F5-8019-5C66-3EDB-A9C4AA09D2F5}"/>
+                    </a:ext>
+                  </a:extLst>
+                </p:cNvPr>
+                <p:cNvPicPr/>
+                <p:nvPr/>
+              </p:nvPicPr>
+              <p:blipFill>
+                <a:blip r:embed="rId60"/>
+                <a:stretch>
+                  <a:fillRect/>
+                </a:stretch>
+              </p:blipFill>
+              <p:spPr>
+                <a:xfrm>
+                  <a:off x="5685890" y="957100"/>
+                  <a:ext cx="113040" cy="223920"/>
+                </a:xfrm>
+                <a:prstGeom prst="rect">
+                  <a:avLst/>
+                </a:prstGeom>
+              </p:spPr>
+            </p:pic>
+          </mc:Fallback>
+        </mc:AlternateContent>
+        <mc:AlternateContent xmlns:mc="http://schemas.openxmlformats.org/markup-compatibility/2006">
+          <mc:Choice xmlns:p14="http://schemas.microsoft.com/office/powerpoint/2010/main" Requires="p14">
+            <p:contentPart p14:bwMode="auto" r:id="rId61">
+              <p14:nvContentPartPr>
+                <p14:cNvPr id="48" name="インク 47">
+                  <a:extLst>
+                    <a:ext uri="{FF2B5EF4-FFF2-40B4-BE49-F238E27FC236}">
+                      <a16:creationId xmlns:a16="http://schemas.microsoft.com/office/drawing/2014/main" id="{7C178998-D986-F7B9-3380-86A49214FBD1}"/>
+                    </a:ext>
+                  </a:extLst>
+                </p14:cNvPr>
+                <p14:cNvContentPartPr/>
+                <p14:nvPr/>
+              </p14:nvContentPartPr>
+              <p14:xfrm>
+                <a:off x="5593010" y="881860"/>
+                <a:ext cx="345600" cy="357480"/>
+              </p14:xfrm>
+            </p:contentPart>
+          </mc:Choice>
+          <mc:Fallback>
+            <p:pic>
+              <p:nvPicPr>
+                <p:cNvPr id="48" name="インク 47">
+                  <a:extLst>
+                    <a:ext uri="{FF2B5EF4-FFF2-40B4-BE49-F238E27FC236}">
+                      <a16:creationId xmlns:a16="http://schemas.microsoft.com/office/drawing/2014/main" id="{7C178998-D986-F7B9-3380-86A49214FBD1}"/>
+                    </a:ext>
+                  </a:extLst>
+                </p:cNvPr>
+                <p:cNvPicPr/>
+                <p:nvPr/>
+              </p:nvPicPr>
+              <p:blipFill>
+                <a:blip r:embed="rId62"/>
+                <a:stretch>
+                  <a:fillRect/>
+                </a:stretch>
+              </p:blipFill>
+              <p:spPr>
+                <a:xfrm>
+                  <a:off x="5557370" y="846220"/>
+                  <a:ext cx="417240" cy="429120"/>
+                </a:xfrm>
+                <a:prstGeom prst="rect">
+                  <a:avLst/>
+                </a:prstGeom>
+              </p:spPr>
+            </p:pic>
+          </mc:Fallback>
+        </mc:AlternateContent>
+      </p:grpSp>
+      <p:grpSp>
+        <p:nvGrpSpPr>
+          <p:cNvPr id="52" name="グループ化 51">
+            <a:extLst>
+              <a:ext uri="{FF2B5EF4-FFF2-40B4-BE49-F238E27FC236}">
+                <a16:creationId xmlns:a16="http://schemas.microsoft.com/office/drawing/2014/main" id="{DE4397BE-C8FE-1FEA-5C02-0559C580FA81}"/>
+              </a:ext>
+            </a:extLst>
+          </p:cNvPr>
+          <p:cNvGrpSpPr/>
+          <p:nvPr/>
+        </p:nvGrpSpPr>
+        <p:grpSpPr>
+          <a:xfrm>
+            <a:off x="9479930" y="3515980"/>
+            <a:ext cx="465120" cy="422640"/>
+            <a:chOff x="9479930" y="3515980"/>
+            <a:chExt cx="465120" cy="422640"/>
+          </a:xfrm>
+        </p:grpSpPr>
+        <mc:AlternateContent xmlns:mc="http://schemas.openxmlformats.org/markup-compatibility/2006">
+          <mc:Choice xmlns:p14="http://schemas.microsoft.com/office/powerpoint/2010/main" Requires="p14">
+            <p:contentPart p14:bwMode="auto" r:id="rId63">
+              <p14:nvContentPartPr>
+                <p14:cNvPr id="50" name="インク 49">
+                  <a:extLst>
+                    <a:ext uri="{FF2B5EF4-FFF2-40B4-BE49-F238E27FC236}">
+                      <a16:creationId xmlns:a16="http://schemas.microsoft.com/office/drawing/2014/main" id="{8C454434-A8B7-6ADF-41D6-DD0CFA7139E4}"/>
+                    </a:ext>
+                  </a:extLst>
+                </p14:cNvPr>
+                <p14:cNvContentPartPr/>
+                <p14:nvPr/>
+              </p14:nvContentPartPr>
+              <p14:xfrm>
+                <a:off x="9593690" y="3614620"/>
+                <a:ext cx="186120" cy="227880"/>
+              </p14:xfrm>
+            </p:contentPart>
+          </mc:Choice>
+          <mc:Fallback>
+            <p:pic>
+              <p:nvPicPr>
+                <p:cNvPr id="50" name="インク 49">
+                  <a:extLst>
+                    <a:ext uri="{FF2B5EF4-FFF2-40B4-BE49-F238E27FC236}">
+                      <a16:creationId xmlns:a16="http://schemas.microsoft.com/office/drawing/2014/main" id="{8C454434-A8B7-6ADF-41D6-DD0CFA7139E4}"/>
+                    </a:ext>
+                  </a:extLst>
+                </p:cNvPr>
+                <p:cNvPicPr/>
+                <p:nvPr/>
+              </p:nvPicPr>
+              <p:blipFill>
+                <a:blip r:embed="rId64"/>
+                <a:stretch>
+                  <a:fillRect/>
+                </a:stretch>
+              </p:blipFill>
+              <p:spPr>
+                <a:xfrm>
+                  <a:off x="9557690" y="3578980"/>
+                  <a:ext cx="257760" cy="299520"/>
+                </a:xfrm>
+                <a:prstGeom prst="rect">
+                  <a:avLst/>
+                </a:prstGeom>
+              </p:spPr>
+            </p:pic>
+          </mc:Fallback>
+        </mc:AlternateContent>
+        <mc:AlternateContent xmlns:mc="http://schemas.openxmlformats.org/markup-compatibility/2006">
+          <mc:Choice xmlns:p14="http://schemas.microsoft.com/office/powerpoint/2010/main" Requires="p14">
+            <p:contentPart p14:bwMode="auto" r:id="rId65">
+              <p14:nvContentPartPr>
+                <p14:cNvPr id="51" name="インク 50">
+                  <a:extLst>
+                    <a:ext uri="{FF2B5EF4-FFF2-40B4-BE49-F238E27FC236}">
+                      <a16:creationId xmlns:a16="http://schemas.microsoft.com/office/drawing/2014/main" id="{45F0A116-2440-B7AE-1BC5-046AEBE2FEE7}"/>
+                    </a:ext>
+                  </a:extLst>
+                </p14:cNvPr>
+                <p14:cNvContentPartPr/>
+                <p14:nvPr/>
+              </p14:nvContentPartPr>
+              <p14:xfrm>
+                <a:off x="9479930" y="3515980"/>
+                <a:ext cx="465120" cy="422640"/>
+              </p14:xfrm>
+            </p:contentPart>
+          </mc:Choice>
+          <mc:Fallback>
+            <p:pic>
+              <p:nvPicPr>
+                <p:cNvPr id="51" name="インク 50">
+                  <a:extLst>
+                    <a:ext uri="{FF2B5EF4-FFF2-40B4-BE49-F238E27FC236}">
+                      <a16:creationId xmlns:a16="http://schemas.microsoft.com/office/drawing/2014/main" id="{45F0A116-2440-B7AE-1BC5-046AEBE2FEE7}"/>
+                    </a:ext>
+                  </a:extLst>
+                </p:cNvPr>
+                <p:cNvPicPr/>
+                <p:nvPr/>
+              </p:nvPicPr>
+              <p:blipFill>
+                <a:blip r:embed="rId66"/>
+                <a:stretch>
+                  <a:fillRect/>
+                </a:stretch>
+              </p:blipFill>
+              <p:spPr>
+                <a:xfrm>
+                  <a:off x="9444290" y="3479980"/>
+                  <a:ext cx="536760" cy="494280"/>
+                </a:xfrm>
+                <a:prstGeom prst="rect">
+                  <a:avLst/>
+                </a:prstGeom>
+              </p:spPr>
+            </p:pic>
+          </mc:Fallback>
+        </mc:AlternateContent>
+      </p:grpSp>
+      <mc:AlternateContent xmlns:mc="http://schemas.openxmlformats.org/markup-compatibility/2006">
+        <mc:Choice xmlns:p14="http://schemas.microsoft.com/office/powerpoint/2010/main" Requires="p14">
+          <p:contentPart p14:bwMode="auto" r:id="rId67">
+            <p14:nvContentPartPr>
+              <p14:cNvPr id="54" name="インク 53">
+                <a:extLst>
+                  <a:ext uri="{FF2B5EF4-FFF2-40B4-BE49-F238E27FC236}">
+                    <a16:creationId xmlns:a16="http://schemas.microsoft.com/office/drawing/2014/main" id="{CCA0A541-3019-A5CE-85A3-DBACD77085EB}"/>
+                  </a:ext>
+                </a:extLst>
+              </p14:cNvPr>
+              <p14:cNvContentPartPr/>
+              <p14:nvPr/>
+            </p14:nvContentPartPr>
+            <p14:xfrm>
+              <a:off x="5568530" y="262660"/>
+              <a:ext cx="17280" cy="24120"/>
+            </p14:xfrm>
+          </p:contentPart>
+        </mc:Choice>
+        <mc:Fallback>
+          <p:pic>
+            <p:nvPicPr>
+              <p:cNvPr id="54" name="インク 53">
+                <a:extLst>
+                  <a:ext uri="{FF2B5EF4-FFF2-40B4-BE49-F238E27FC236}">
+                    <a16:creationId xmlns:a16="http://schemas.microsoft.com/office/drawing/2014/main" id="{CCA0A541-3019-A5CE-85A3-DBACD77085EB}"/>
+                  </a:ext>
+                </a:extLst>
+              </p:cNvPr>
+              <p:cNvPicPr/>
+              <p:nvPr/>
+            </p:nvPicPr>
+            <p:blipFill>
+              <a:blip r:embed="rId68"/>
+              <a:stretch>
+                <a:fillRect/>
+              </a:stretch>
+            </p:blipFill>
+            <p:spPr>
+              <a:xfrm>
+                <a:off x="5532890" y="226660"/>
+                <a:ext cx="88920" cy="95760"/>
+              </a:xfrm>
+              <a:prstGeom prst="rect">
+                <a:avLst/>
+              </a:prstGeom>
+            </p:spPr>
+          </p:pic>
+        </mc:Fallback>
+      </mc:AlternateContent>
+      <p:grpSp>
+        <p:nvGrpSpPr>
+          <p:cNvPr id="59" name="グループ化 58">
+            <a:extLst>
+              <a:ext uri="{FF2B5EF4-FFF2-40B4-BE49-F238E27FC236}">
+                <a16:creationId xmlns:a16="http://schemas.microsoft.com/office/drawing/2014/main" id="{2CE0E0E1-DE78-A667-4886-A0663C012C04}"/>
+              </a:ext>
+            </a:extLst>
+          </p:cNvPr>
+          <p:cNvGrpSpPr/>
+          <p:nvPr/>
+        </p:nvGrpSpPr>
+        <p:grpSpPr>
+          <a:xfrm>
+            <a:off x="5743490" y="161500"/>
+            <a:ext cx="2767320" cy="528120"/>
+            <a:chOff x="5743490" y="161500"/>
+            <a:chExt cx="2767320" cy="528120"/>
+          </a:xfrm>
+        </p:grpSpPr>
+        <mc:AlternateContent xmlns:mc="http://schemas.openxmlformats.org/markup-compatibility/2006">
+          <mc:Choice xmlns:p14="http://schemas.microsoft.com/office/powerpoint/2010/main" Requires="p14">
+            <p:contentPart p14:bwMode="auto" r:id="rId69">
+              <p14:nvContentPartPr>
+                <p14:cNvPr id="56" name="インク 55">
+                  <a:extLst>
+                    <a:ext uri="{FF2B5EF4-FFF2-40B4-BE49-F238E27FC236}">
+                      <a16:creationId xmlns:a16="http://schemas.microsoft.com/office/drawing/2014/main" id="{9D5C835B-B658-9A94-F59D-7154D97456F4}"/>
+                    </a:ext>
+                  </a:extLst>
+                </p14:cNvPr>
+                <p14:cNvContentPartPr/>
+                <p14:nvPr/>
+              </p14:nvContentPartPr>
+              <p14:xfrm>
+                <a:off x="5743490" y="464980"/>
+                <a:ext cx="2094840" cy="196200"/>
+              </p14:xfrm>
+            </p:contentPart>
+          </mc:Choice>
+          <mc:Fallback>
+            <p:pic>
+              <p:nvPicPr>
+                <p:cNvPr id="56" name="インク 55">
+                  <a:extLst>
+                    <a:ext uri="{FF2B5EF4-FFF2-40B4-BE49-F238E27FC236}">
+                      <a16:creationId xmlns:a16="http://schemas.microsoft.com/office/drawing/2014/main" id="{9D5C835B-B658-9A94-F59D-7154D97456F4}"/>
+                    </a:ext>
+                  </a:extLst>
+                </p:cNvPr>
+                <p:cNvPicPr/>
+                <p:nvPr/>
+              </p:nvPicPr>
+              <p:blipFill>
+                <a:blip r:embed="rId70"/>
+                <a:stretch>
+                  <a:fillRect/>
+                </a:stretch>
+              </p:blipFill>
+              <p:spPr>
+                <a:xfrm>
+                  <a:off x="5707850" y="428980"/>
+                  <a:ext cx="2166480" cy="267840"/>
+                </a:xfrm>
+                <a:prstGeom prst="rect">
+                  <a:avLst/>
+                </a:prstGeom>
+              </p:spPr>
+            </p:pic>
+          </mc:Fallback>
+        </mc:AlternateContent>
+        <mc:AlternateContent xmlns:mc="http://schemas.openxmlformats.org/markup-compatibility/2006">
+          <mc:Choice xmlns:p14="http://schemas.microsoft.com/office/powerpoint/2010/main" Requires="p14">
+            <p:contentPart p14:bwMode="auto" r:id="rId71">
+              <p14:nvContentPartPr>
+                <p14:cNvPr id="57" name="インク 56">
+                  <a:extLst>
+                    <a:ext uri="{FF2B5EF4-FFF2-40B4-BE49-F238E27FC236}">
+                      <a16:creationId xmlns:a16="http://schemas.microsoft.com/office/drawing/2014/main" id="{494388B5-5491-0F8B-2259-4241B4B77981}"/>
+                    </a:ext>
+                  </a:extLst>
+                </p14:cNvPr>
+                <p14:cNvContentPartPr/>
+                <p14:nvPr/>
+              </p14:nvContentPartPr>
+              <p14:xfrm>
+                <a:off x="8137850" y="238540"/>
+                <a:ext cx="229320" cy="341640"/>
+              </p14:xfrm>
+            </p:contentPart>
+          </mc:Choice>
+          <mc:Fallback>
+            <p:pic>
+              <p:nvPicPr>
+                <p:cNvPr id="57" name="インク 56">
+                  <a:extLst>
+                    <a:ext uri="{FF2B5EF4-FFF2-40B4-BE49-F238E27FC236}">
+                      <a16:creationId xmlns:a16="http://schemas.microsoft.com/office/drawing/2014/main" id="{494388B5-5491-0F8B-2259-4241B4B77981}"/>
+                    </a:ext>
+                  </a:extLst>
+                </p:cNvPr>
+                <p:cNvPicPr/>
+                <p:nvPr/>
+              </p:nvPicPr>
+              <p:blipFill>
+                <a:blip r:embed="rId72"/>
+                <a:stretch>
+                  <a:fillRect/>
+                </a:stretch>
+              </p:blipFill>
+              <p:spPr>
+                <a:xfrm>
+                  <a:off x="8102210" y="202540"/>
+                  <a:ext cx="300960" cy="413280"/>
+                </a:xfrm>
+                <a:prstGeom prst="rect">
+                  <a:avLst/>
+                </a:prstGeom>
+              </p:spPr>
+            </p:pic>
+          </mc:Fallback>
+        </mc:AlternateContent>
+        <mc:AlternateContent xmlns:mc="http://schemas.openxmlformats.org/markup-compatibility/2006">
+          <mc:Choice xmlns:p14="http://schemas.microsoft.com/office/powerpoint/2010/main" Requires="p14">
+            <p:contentPart p14:bwMode="auto" r:id="rId73">
+              <p14:nvContentPartPr>
+                <p14:cNvPr id="58" name="インク 57">
+                  <a:extLst>
+                    <a:ext uri="{FF2B5EF4-FFF2-40B4-BE49-F238E27FC236}">
+                      <a16:creationId xmlns:a16="http://schemas.microsoft.com/office/drawing/2014/main" id="{C0F7F465-9B60-E920-0F53-97A8D85488B1}"/>
+                    </a:ext>
+                  </a:extLst>
+                </p14:cNvPr>
+                <p14:cNvContentPartPr/>
+                <p14:nvPr/>
+              </p14:nvContentPartPr>
+              <p14:xfrm>
+                <a:off x="7990250" y="161500"/>
+                <a:ext cx="520560" cy="528120"/>
+              </p14:xfrm>
+            </p:contentPart>
+          </mc:Choice>
+          <mc:Fallback>
+            <p:pic>
+              <p:nvPicPr>
+                <p:cNvPr id="58" name="インク 57">
+                  <a:extLst>
+                    <a:ext uri="{FF2B5EF4-FFF2-40B4-BE49-F238E27FC236}">
+                      <a16:creationId xmlns:a16="http://schemas.microsoft.com/office/drawing/2014/main" id="{C0F7F465-9B60-E920-0F53-97A8D85488B1}"/>
+                    </a:ext>
+                  </a:extLst>
+                </p:cNvPr>
+                <p:cNvPicPr/>
+                <p:nvPr/>
+              </p:nvPicPr>
+              <p:blipFill>
+                <a:blip r:embed="rId74"/>
+                <a:stretch>
+                  <a:fillRect/>
+                </a:stretch>
+              </p:blipFill>
+              <p:spPr>
+                <a:xfrm>
+                  <a:off x="7954250" y="125500"/>
+                  <a:ext cx="592200" cy="599760"/>
+                </a:xfrm>
+                <a:prstGeom prst="rect">
+                  <a:avLst/>
+                </a:prstGeom>
+              </p:spPr>
+            </p:pic>
+          </mc:Fallback>
+        </mc:AlternateContent>
+      </p:grpSp>
+      <p:grpSp>
+        <p:nvGrpSpPr>
+          <p:cNvPr id="65" name="グループ化 64">
+            <a:extLst>
+              <a:ext uri="{FF2B5EF4-FFF2-40B4-BE49-F238E27FC236}">
+                <a16:creationId xmlns:a16="http://schemas.microsoft.com/office/drawing/2014/main" id="{4A853891-E0C3-CDB2-44E3-5C44BEEF9D80}"/>
+              </a:ext>
+            </a:extLst>
+          </p:cNvPr>
+          <p:cNvGrpSpPr/>
+          <p:nvPr/>
+        </p:nvGrpSpPr>
+        <p:grpSpPr>
+          <a:xfrm>
+            <a:off x="5176850" y="3852580"/>
+            <a:ext cx="845280" cy="710280"/>
+            <a:chOff x="5176850" y="3852580"/>
+            <a:chExt cx="845280" cy="710280"/>
+          </a:xfrm>
+        </p:grpSpPr>
+        <mc:AlternateContent xmlns:mc="http://schemas.openxmlformats.org/markup-compatibility/2006">
+          <mc:Choice xmlns:p14="http://schemas.microsoft.com/office/powerpoint/2010/main" Requires="p14">
+            <p:contentPart p14:bwMode="auto" r:id="rId75">
+              <p14:nvContentPartPr>
+                <p14:cNvPr id="60" name="インク 59">
+                  <a:extLst>
+                    <a:ext uri="{FF2B5EF4-FFF2-40B4-BE49-F238E27FC236}">
+                      <a16:creationId xmlns:a16="http://schemas.microsoft.com/office/drawing/2014/main" id="{2ABFF315-C08A-3444-8DD9-DD33A4D9BCC0}"/>
+                    </a:ext>
+                  </a:extLst>
+                </p14:cNvPr>
+                <p14:cNvContentPartPr/>
+                <p14:nvPr/>
+              </p14:nvContentPartPr>
+              <p14:xfrm>
+                <a:off x="5794970" y="3889660"/>
+                <a:ext cx="227160" cy="673200"/>
+              </p14:xfrm>
+            </p:contentPart>
+          </mc:Choice>
+          <mc:Fallback>
+            <p:pic>
+              <p:nvPicPr>
+                <p:cNvPr id="60" name="インク 59">
+                  <a:extLst>
+                    <a:ext uri="{FF2B5EF4-FFF2-40B4-BE49-F238E27FC236}">
+                      <a16:creationId xmlns:a16="http://schemas.microsoft.com/office/drawing/2014/main" id="{2ABFF315-C08A-3444-8DD9-DD33A4D9BCC0}"/>
+                    </a:ext>
+                  </a:extLst>
+                </p:cNvPr>
+                <p:cNvPicPr/>
+                <p:nvPr/>
+              </p:nvPicPr>
+              <p:blipFill>
+                <a:blip r:embed="rId76"/>
+                <a:stretch>
+                  <a:fillRect/>
+                </a:stretch>
+              </p:blipFill>
+              <p:spPr>
+                <a:xfrm>
+                  <a:off x="5758970" y="3853660"/>
+                  <a:ext cx="298800" cy="744840"/>
+                </a:xfrm>
+                <a:prstGeom prst="rect">
+                  <a:avLst/>
+                </a:prstGeom>
+              </p:spPr>
+            </p:pic>
+          </mc:Fallback>
+        </mc:AlternateContent>
+        <mc:AlternateContent xmlns:mc="http://schemas.openxmlformats.org/markup-compatibility/2006">
+          <mc:Choice xmlns:p14="http://schemas.microsoft.com/office/powerpoint/2010/main" Requires="p14">
+            <p:contentPart p14:bwMode="auto" r:id="rId77">
+              <p14:nvContentPartPr>
+                <p14:cNvPr id="61" name="インク 60">
+                  <a:extLst>
+                    <a:ext uri="{FF2B5EF4-FFF2-40B4-BE49-F238E27FC236}">
+                      <a16:creationId xmlns:a16="http://schemas.microsoft.com/office/drawing/2014/main" id="{3646CBB3-0F4D-D41A-7C98-7A36E97BC0CC}"/>
+                    </a:ext>
+                  </a:extLst>
+                </p14:cNvPr>
+                <p14:cNvContentPartPr/>
+                <p14:nvPr/>
+              </p14:nvContentPartPr>
+              <p14:xfrm>
+                <a:off x="5378090" y="4018900"/>
+                <a:ext cx="207720" cy="177480"/>
+              </p14:xfrm>
+            </p:contentPart>
+          </mc:Choice>
+          <mc:Fallback>
+            <p:pic>
+              <p:nvPicPr>
+                <p:cNvPr id="61" name="インク 60">
+                  <a:extLst>
+                    <a:ext uri="{FF2B5EF4-FFF2-40B4-BE49-F238E27FC236}">
+                      <a16:creationId xmlns:a16="http://schemas.microsoft.com/office/drawing/2014/main" id="{3646CBB3-0F4D-D41A-7C98-7A36E97BC0CC}"/>
+                    </a:ext>
+                  </a:extLst>
+                </p:cNvPr>
+                <p:cNvPicPr/>
+                <p:nvPr/>
+              </p:nvPicPr>
+              <p:blipFill>
+                <a:blip r:embed="rId78"/>
+                <a:stretch>
+                  <a:fillRect/>
+                </a:stretch>
+              </p:blipFill>
+              <p:spPr>
+                <a:xfrm>
+                  <a:off x="5342090" y="3983260"/>
+                  <a:ext cx="279360" cy="249120"/>
+                </a:xfrm>
+                <a:prstGeom prst="rect">
+                  <a:avLst/>
+                </a:prstGeom>
+              </p:spPr>
+            </p:pic>
+          </mc:Fallback>
+        </mc:AlternateContent>
+        <mc:AlternateContent xmlns:mc="http://schemas.openxmlformats.org/markup-compatibility/2006">
+          <mc:Choice xmlns:p14="http://schemas.microsoft.com/office/powerpoint/2010/main" Requires="p14">
+            <p:contentPart p14:bwMode="auto" r:id="rId79">
+              <p14:nvContentPartPr>
+                <p14:cNvPr id="62" name="インク 61">
+                  <a:extLst>
+                    <a:ext uri="{FF2B5EF4-FFF2-40B4-BE49-F238E27FC236}">
+                      <a16:creationId xmlns:a16="http://schemas.microsoft.com/office/drawing/2014/main" id="{2BF78492-D945-994E-7665-032D835E252C}"/>
+                    </a:ext>
+                  </a:extLst>
+                </p14:cNvPr>
+                <p14:cNvContentPartPr/>
+                <p14:nvPr/>
+              </p14:nvContentPartPr>
+              <p14:xfrm>
+                <a:off x="5499770" y="4063180"/>
+                <a:ext cx="38160" cy="237960"/>
+              </p14:xfrm>
+            </p:contentPart>
+          </mc:Choice>
+          <mc:Fallback>
+            <p:pic>
+              <p:nvPicPr>
+                <p:cNvPr id="62" name="インク 61">
+                  <a:extLst>
+                    <a:ext uri="{FF2B5EF4-FFF2-40B4-BE49-F238E27FC236}">
+                      <a16:creationId xmlns:a16="http://schemas.microsoft.com/office/drawing/2014/main" id="{2BF78492-D945-994E-7665-032D835E252C}"/>
+                    </a:ext>
+                  </a:extLst>
+                </p:cNvPr>
+                <p:cNvPicPr/>
+                <p:nvPr/>
+              </p:nvPicPr>
+              <p:blipFill>
+                <a:blip r:embed="rId80"/>
+                <a:stretch>
+                  <a:fillRect/>
+                </a:stretch>
+              </p:blipFill>
+              <p:spPr>
+                <a:xfrm>
+                  <a:off x="5464130" y="4027540"/>
+                  <a:ext cx="109800" cy="309600"/>
+                </a:xfrm>
+                <a:prstGeom prst="rect">
+                  <a:avLst/>
+                </a:prstGeom>
+              </p:spPr>
+            </p:pic>
+          </mc:Fallback>
+        </mc:AlternateContent>
+        <mc:AlternateContent xmlns:mc="http://schemas.openxmlformats.org/markup-compatibility/2006">
+          <mc:Choice xmlns:p14="http://schemas.microsoft.com/office/powerpoint/2010/main" Requires="p14">
+            <p:contentPart p14:bwMode="auto" r:id="rId81">
+              <p14:nvContentPartPr>
+                <p14:cNvPr id="63" name="インク 62">
+                  <a:extLst>
+                    <a:ext uri="{FF2B5EF4-FFF2-40B4-BE49-F238E27FC236}">
+                      <a16:creationId xmlns:a16="http://schemas.microsoft.com/office/drawing/2014/main" id="{A3D9E25D-0645-2AA8-E09F-D226F06FEC66}"/>
+                    </a:ext>
+                  </a:extLst>
+                </p14:cNvPr>
+                <p14:cNvContentPartPr/>
+                <p14:nvPr/>
+              </p14:nvContentPartPr>
+              <p14:xfrm>
+                <a:off x="5176850" y="3852580"/>
+                <a:ext cx="495360" cy="500760"/>
+              </p14:xfrm>
+            </p:contentPart>
+          </mc:Choice>
+          <mc:Fallback>
+            <p:pic>
+              <p:nvPicPr>
+                <p:cNvPr id="63" name="インク 62">
+                  <a:extLst>
+                    <a:ext uri="{FF2B5EF4-FFF2-40B4-BE49-F238E27FC236}">
+                      <a16:creationId xmlns:a16="http://schemas.microsoft.com/office/drawing/2014/main" id="{A3D9E25D-0645-2AA8-E09F-D226F06FEC66}"/>
+                    </a:ext>
+                  </a:extLst>
+                </p:cNvPr>
+                <p:cNvPicPr/>
+                <p:nvPr/>
+              </p:nvPicPr>
+              <p:blipFill>
+                <a:blip r:embed="rId82"/>
+                <a:stretch>
+                  <a:fillRect/>
+                </a:stretch>
+              </p:blipFill>
+              <p:spPr>
+                <a:xfrm>
+                  <a:off x="5141210" y="3816580"/>
+                  <a:ext cx="567000" cy="572400"/>
+                </a:xfrm>
+                <a:prstGeom prst="rect">
+                  <a:avLst/>
+                </a:prstGeom>
+              </p:spPr>
+            </p:pic>
+          </mc:Fallback>
+        </mc:AlternateContent>
+      </p:grpSp>
+      <mc:AlternateContent xmlns:mc="http://schemas.openxmlformats.org/markup-compatibility/2006">
+        <mc:Choice xmlns:p14="http://schemas.microsoft.com/office/powerpoint/2010/main" Requires="p14">
+          <p:contentPart p14:bwMode="auto" r:id="rId83">
+            <p14:nvContentPartPr>
+              <p14:cNvPr id="64" name="インク 63">
+                <a:extLst>
+                  <a:ext uri="{FF2B5EF4-FFF2-40B4-BE49-F238E27FC236}">
+                    <a16:creationId xmlns:a16="http://schemas.microsoft.com/office/drawing/2014/main" id="{8E68E32F-F098-5EFD-E447-283A0F7BEA91}"/>
+                  </a:ext>
+                </a:extLst>
+              </p14:cNvPr>
+              <p14:cNvContentPartPr/>
+              <p14:nvPr/>
+            </p14:nvContentPartPr>
+            <p14:xfrm>
+              <a:off x="7318490" y="4196380"/>
+              <a:ext cx="311040" cy="99360"/>
+            </p14:xfrm>
+          </p:contentPart>
+        </mc:Choice>
+        <mc:Fallback>
+          <p:pic>
+            <p:nvPicPr>
+              <p:cNvPr id="64" name="インク 63">
+                <a:extLst>
+                  <a:ext uri="{FF2B5EF4-FFF2-40B4-BE49-F238E27FC236}">
+                    <a16:creationId xmlns:a16="http://schemas.microsoft.com/office/drawing/2014/main" id="{8E68E32F-F098-5EFD-E447-283A0F7BEA91}"/>
+                  </a:ext>
+                </a:extLst>
+              </p:cNvPr>
+              <p:cNvPicPr/>
+              <p:nvPr/>
+            </p:nvPicPr>
+            <p:blipFill>
+              <a:blip r:embed="rId84"/>
+              <a:stretch>
+                <a:fillRect/>
+              </a:stretch>
+            </p:blipFill>
+            <p:spPr>
+              <a:xfrm>
+                <a:off x="7282490" y="4160740"/>
+                <a:ext cx="382680" cy="171000"/>
+              </a:xfrm>
+              <a:prstGeom prst="rect">
+                <a:avLst/>
+              </a:prstGeom>
+            </p:spPr>
+          </p:pic>
+        </mc:Fallback>
+      </mc:AlternateContent>
+      <p:grpSp>
+        <p:nvGrpSpPr>
+          <p:cNvPr id="72" name="グループ化 71">
+            <a:extLst>
+              <a:ext uri="{FF2B5EF4-FFF2-40B4-BE49-F238E27FC236}">
+                <a16:creationId xmlns:a16="http://schemas.microsoft.com/office/drawing/2014/main" id="{26D903D0-E722-BC08-67FD-22D5D8E0E726}"/>
+              </a:ext>
+            </a:extLst>
+          </p:cNvPr>
+          <p:cNvGrpSpPr/>
+          <p:nvPr/>
+        </p:nvGrpSpPr>
+        <p:grpSpPr>
+          <a:xfrm>
+            <a:off x="7622330" y="4806580"/>
+            <a:ext cx="235800" cy="414000"/>
+            <a:chOff x="7622330" y="4806580"/>
+            <a:chExt cx="235800" cy="414000"/>
+          </a:xfrm>
+        </p:grpSpPr>
+        <mc:AlternateContent xmlns:mc="http://schemas.openxmlformats.org/markup-compatibility/2006">
+          <mc:Choice xmlns:p14="http://schemas.microsoft.com/office/powerpoint/2010/main" Requires="p14">
+            <p:contentPart p14:bwMode="auto" r:id="rId85">
+              <p14:nvContentPartPr>
+                <p14:cNvPr id="66" name="インク 65">
+                  <a:extLst>
+                    <a:ext uri="{FF2B5EF4-FFF2-40B4-BE49-F238E27FC236}">
+                      <a16:creationId xmlns:a16="http://schemas.microsoft.com/office/drawing/2014/main" id="{43C5A4F0-0668-44DA-B3C2-C16AF73E5037}"/>
+                    </a:ext>
+                  </a:extLst>
+                </p14:cNvPr>
+                <p14:cNvContentPartPr/>
+                <p14:nvPr/>
+              </p14:nvContentPartPr>
+              <p14:xfrm>
+                <a:off x="7622330" y="4806580"/>
+                <a:ext cx="214200" cy="221400"/>
+              </p14:xfrm>
+            </p:contentPart>
+          </mc:Choice>
+          <mc:Fallback>
+            <p:pic>
+              <p:nvPicPr>
+                <p:cNvPr id="66" name="インク 65">
+                  <a:extLst>
+                    <a:ext uri="{FF2B5EF4-FFF2-40B4-BE49-F238E27FC236}">
+                      <a16:creationId xmlns:a16="http://schemas.microsoft.com/office/drawing/2014/main" id="{43C5A4F0-0668-44DA-B3C2-C16AF73E5037}"/>
+                    </a:ext>
+                  </a:extLst>
+                </p:cNvPr>
+                <p:cNvPicPr/>
+                <p:nvPr/>
+              </p:nvPicPr>
+              <p:blipFill>
+                <a:blip r:embed="rId86"/>
+                <a:stretch>
+                  <a:fillRect/>
+                </a:stretch>
+              </p:blipFill>
+              <p:spPr>
+                <a:xfrm>
+                  <a:off x="7586690" y="4770580"/>
+                  <a:ext cx="285840" cy="293040"/>
+                </a:xfrm>
+                <a:prstGeom prst="rect">
+                  <a:avLst/>
+                </a:prstGeom>
+              </p:spPr>
+            </p:pic>
+          </mc:Fallback>
+        </mc:AlternateContent>
+        <mc:AlternateContent xmlns:mc="http://schemas.openxmlformats.org/markup-compatibility/2006">
+          <mc:Choice xmlns:p14="http://schemas.microsoft.com/office/powerpoint/2010/main" Requires="p14">
+            <p:contentPart p14:bwMode="auto" r:id="rId87">
+              <p14:nvContentPartPr>
+                <p14:cNvPr id="67" name="インク 66">
+                  <a:extLst>
+                    <a:ext uri="{FF2B5EF4-FFF2-40B4-BE49-F238E27FC236}">
+                      <a16:creationId xmlns:a16="http://schemas.microsoft.com/office/drawing/2014/main" id="{1D999F5C-9743-859B-793F-9BDE845E4A08}"/>
+                    </a:ext>
+                  </a:extLst>
+                </p14:cNvPr>
+                <p14:cNvContentPartPr/>
+                <p14:nvPr/>
+              </p14:nvContentPartPr>
+              <p14:xfrm>
+                <a:off x="7786850" y="5133460"/>
+                <a:ext cx="71280" cy="87120"/>
+              </p14:xfrm>
+            </p:contentPart>
+          </mc:Choice>
+          <mc:Fallback>
+            <p:pic>
+              <p:nvPicPr>
+                <p:cNvPr id="67" name="インク 66">
+                  <a:extLst>
+                    <a:ext uri="{FF2B5EF4-FFF2-40B4-BE49-F238E27FC236}">
+                      <a16:creationId xmlns:a16="http://schemas.microsoft.com/office/drawing/2014/main" id="{1D999F5C-9743-859B-793F-9BDE845E4A08}"/>
+                    </a:ext>
+                  </a:extLst>
+                </p:cNvPr>
+                <p:cNvPicPr/>
+                <p:nvPr/>
+              </p:nvPicPr>
+              <p:blipFill>
+                <a:blip r:embed="rId88"/>
+                <a:stretch>
+                  <a:fillRect/>
+                </a:stretch>
+              </p:blipFill>
+              <p:spPr>
+                <a:xfrm>
+                  <a:off x="7750850" y="5097820"/>
+                  <a:ext cx="142920" cy="158760"/>
+                </a:xfrm>
+                <a:prstGeom prst="rect">
+                  <a:avLst/>
+                </a:prstGeom>
+              </p:spPr>
+            </p:pic>
+          </mc:Fallback>
+        </mc:AlternateContent>
+      </p:grpSp>
+      <p:grpSp>
+        <p:nvGrpSpPr>
+          <p:cNvPr id="87" name="グループ化 86">
+            <a:extLst>
+              <a:ext uri="{FF2B5EF4-FFF2-40B4-BE49-F238E27FC236}">
+                <a16:creationId xmlns:a16="http://schemas.microsoft.com/office/drawing/2014/main" id="{29BED16C-2970-6606-A611-BD0A23B7CDD6}"/>
+              </a:ext>
+            </a:extLst>
+          </p:cNvPr>
+          <p:cNvGrpSpPr/>
+          <p:nvPr/>
+        </p:nvGrpSpPr>
+        <p:grpSpPr>
+          <a:xfrm>
+            <a:off x="8088890" y="4638460"/>
+            <a:ext cx="2662560" cy="642240"/>
+            <a:chOff x="8088890" y="4638460"/>
+            <a:chExt cx="2662560" cy="642240"/>
+          </a:xfrm>
+        </p:grpSpPr>
+        <mc:AlternateContent xmlns:mc="http://schemas.openxmlformats.org/markup-compatibility/2006">
+          <mc:Choice xmlns:p14="http://schemas.microsoft.com/office/powerpoint/2010/main" Requires="p14">
+            <p:contentPart p14:bwMode="auto" r:id="rId89">
+              <p14:nvContentPartPr>
+                <p14:cNvPr id="68" name="インク 67">
+                  <a:extLst>
+                    <a:ext uri="{FF2B5EF4-FFF2-40B4-BE49-F238E27FC236}">
+                      <a16:creationId xmlns:a16="http://schemas.microsoft.com/office/drawing/2014/main" id="{993C222E-D5E1-019E-6CF5-8A748E69CA87}"/>
+                    </a:ext>
+                  </a:extLst>
+                </p14:cNvPr>
+                <p14:cNvContentPartPr/>
+                <p14:nvPr/>
+              </p14:nvContentPartPr>
+              <p14:xfrm>
+                <a:off x="8088890" y="4916740"/>
+                <a:ext cx="18720" cy="363960"/>
+              </p14:xfrm>
+            </p:contentPart>
+          </mc:Choice>
+          <mc:Fallback>
+            <p:pic>
+              <p:nvPicPr>
+                <p:cNvPr id="68" name="インク 67">
+                  <a:extLst>
+                    <a:ext uri="{FF2B5EF4-FFF2-40B4-BE49-F238E27FC236}">
+                      <a16:creationId xmlns:a16="http://schemas.microsoft.com/office/drawing/2014/main" id="{993C222E-D5E1-019E-6CF5-8A748E69CA87}"/>
+                    </a:ext>
+                  </a:extLst>
+                </p:cNvPr>
+                <p:cNvPicPr/>
+                <p:nvPr/>
+              </p:nvPicPr>
+              <p:blipFill>
+                <a:blip r:embed="rId90"/>
+                <a:stretch>
+                  <a:fillRect/>
+                </a:stretch>
+              </p:blipFill>
+              <p:spPr>
+                <a:xfrm>
+                  <a:off x="8052890" y="4880740"/>
+                  <a:ext cx="90360" cy="435600"/>
+                </a:xfrm>
+                <a:prstGeom prst="rect">
+                  <a:avLst/>
+                </a:prstGeom>
+              </p:spPr>
+            </p:pic>
+          </mc:Fallback>
+        </mc:AlternateContent>
+        <mc:AlternateContent xmlns:mc="http://schemas.openxmlformats.org/markup-compatibility/2006">
+          <mc:Choice xmlns:p14="http://schemas.microsoft.com/office/powerpoint/2010/main" Requires="p14">
+            <p:contentPart p14:bwMode="auto" r:id="rId91">
+              <p14:nvContentPartPr>
+                <p14:cNvPr id="69" name="インク 68">
+                  <a:extLst>
+                    <a:ext uri="{FF2B5EF4-FFF2-40B4-BE49-F238E27FC236}">
+                      <a16:creationId xmlns:a16="http://schemas.microsoft.com/office/drawing/2014/main" id="{430D8CD5-5246-0AF5-06AE-1BFFF2881628}"/>
+                    </a:ext>
+                  </a:extLst>
+                </p14:cNvPr>
+                <p14:cNvContentPartPr/>
+                <p14:nvPr/>
+              </p14:nvContentPartPr>
+              <p14:xfrm>
+                <a:off x="8097170" y="4955980"/>
+                <a:ext cx="129600" cy="138240"/>
+              </p14:xfrm>
+            </p:contentPart>
+          </mc:Choice>
+          <mc:Fallback>
+            <p:pic>
+              <p:nvPicPr>
+                <p:cNvPr id="69" name="インク 68">
+                  <a:extLst>
+                    <a:ext uri="{FF2B5EF4-FFF2-40B4-BE49-F238E27FC236}">
+                      <a16:creationId xmlns:a16="http://schemas.microsoft.com/office/drawing/2014/main" id="{430D8CD5-5246-0AF5-06AE-1BFFF2881628}"/>
+                    </a:ext>
+                  </a:extLst>
+                </p:cNvPr>
+                <p:cNvPicPr/>
+                <p:nvPr/>
+              </p:nvPicPr>
+              <p:blipFill>
+                <a:blip r:embed="rId92"/>
+                <a:stretch>
+                  <a:fillRect/>
+                </a:stretch>
+              </p:blipFill>
+              <p:spPr>
+                <a:xfrm>
+                  <a:off x="8061530" y="4919980"/>
+                  <a:ext cx="201240" cy="209880"/>
+                </a:xfrm>
+                <a:prstGeom prst="rect">
+                  <a:avLst/>
+                </a:prstGeom>
+              </p:spPr>
+            </p:pic>
+          </mc:Fallback>
+        </mc:AlternateContent>
+        <mc:AlternateContent xmlns:mc="http://schemas.openxmlformats.org/markup-compatibility/2006">
+          <mc:Choice xmlns:p14="http://schemas.microsoft.com/office/powerpoint/2010/main" Requires="p14">
+            <p:contentPart p14:bwMode="auto" r:id="rId93">
+              <p14:nvContentPartPr>
+                <p14:cNvPr id="70" name="インク 69">
+                  <a:extLst>
+                    <a:ext uri="{FF2B5EF4-FFF2-40B4-BE49-F238E27FC236}">
+                      <a16:creationId xmlns:a16="http://schemas.microsoft.com/office/drawing/2014/main" id="{13F804AC-3D2F-8089-F9B7-B44EAD7C9B94}"/>
+                    </a:ext>
+                  </a:extLst>
+                </p14:cNvPr>
+                <p14:cNvContentPartPr/>
+                <p14:nvPr/>
+              </p14:nvContentPartPr>
+              <p14:xfrm>
+                <a:off x="8294090" y="4715500"/>
+                <a:ext cx="93960" cy="379080"/>
+              </p14:xfrm>
+            </p:contentPart>
+          </mc:Choice>
+          <mc:Fallback>
+            <p:pic>
+              <p:nvPicPr>
+                <p:cNvPr id="70" name="インク 69">
+                  <a:extLst>
+                    <a:ext uri="{FF2B5EF4-FFF2-40B4-BE49-F238E27FC236}">
+                      <a16:creationId xmlns:a16="http://schemas.microsoft.com/office/drawing/2014/main" id="{13F804AC-3D2F-8089-F9B7-B44EAD7C9B94}"/>
+                    </a:ext>
+                  </a:extLst>
+                </p:cNvPr>
+                <p:cNvPicPr/>
+                <p:nvPr/>
+              </p:nvPicPr>
+              <p:blipFill>
+                <a:blip r:embed="rId94"/>
+                <a:stretch>
+                  <a:fillRect/>
+                </a:stretch>
+              </p:blipFill>
+              <p:spPr>
+                <a:xfrm>
+                  <a:off x="8258450" y="4679500"/>
+                  <a:ext cx="165600" cy="450720"/>
+                </a:xfrm>
+                <a:prstGeom prst="rect">
+                  <a:avLst/>
+                </a:prstGeom>
+              </p:spPr>
+            </p:pic>
+          </mc:Fallback>
+        </mc:AlternateContent>
+        <mc:AlternateContent xmlns:mc="http://schemas.openxmlformats.org/markup-compatibility/2006">
+          <mc:Choice xmlns:p14="http://schemas.microsoft.com/office/powerpoint/2010/main" Requires="p14">
+            <p:contentPart p14:bwMode="auto" r:id="rId95">
+              <p14:nvContentPartPr>
+                <p14:cNvPr id="73" name="インク 72">
+                  <a:extLst>
+                    <a:ext uri="{FF2B5EF4-FFF2-40B4-BE49-F238E27FC236}">
+                      <a16:creationId xmlns:a16="http://schemas.microsoft.com/office/drawing/2014/main" id="{940D055B-9ED1-1BCB-6FDE-68B937077DE7}"/>
+                    </a:ext>
+                  </a:extLst>
+                </p14:cNvPr>
+                <p14:cNvContentPartPr/>
+                <p14:nvPr/>
+              </p14:nvContentPartPr>
+              <p14:xfrm>
+                <a:off x="8486330" y="4951300"/>
+                <a:ext cx="114120" cy="151560"/>
+              </p14:xfrm>
+            </p:contentPart>
+          </mc:Choice>
+          <mc:Fallback>
+            <p:pic>
+              <p:nvPicPr>
+                <p:cNvPr id="73" name="インク 72">
+                  <a:extLst>
+                    <a:ext uri="{FF2B5EF4-FFF2-40B4-BE49-F238E27FC236}">
+                      <a16:creationId xmlns:a16="http://schemas.microsoft.com/office/drawing/2014/main" id="{940D055B-9ED1-1BCB-6FDE-68B937077DE7}"/>
+                    </a:ext>
+                  </a:extLst>
+                </p:cNvPr>
+                <p:cNvPicPr/>
+                <p:nvPr/>
+              </p:nvPicPr>
+              <p:blipFill>
+                <a:blip r:embed="rId96"/>
+                <a:stretch>
+                  <a:fillRect/>
+                </a:stretch>
+              </p:blipFill>
+              <p:spPr>
+                <a:xfrm>
+                  <a:off x="8450690" y="4915300"/>
+                  <a:ext cx="185760" cy="223200"/>
+                </a:xfrm>
+                <a:prstGeom prst="rect">
+                  <a:avLst/>
+                </a:prstGeom>
+              </p:spPr>
+            </p:pic>
+          </mc:Fallback>
+        </mc:AlternateContent>
+        <mc:AlternateContent xmlns:mc="http://schemas.openxmlformats.org/markup-compatibility/2006">
+          <mc:Choice xmlns:p14="http://schemas.microsoft.com/office/powerpoint/2010/main" Requires="p14">
+            <p:contentPart p14:bwMode="auto" r:id="rId97">
+              <p14:nvContentPartPr>
+                <p14:cNvPr id="74" name="インク 73">
+                  <a:extLst>
+                    <a:ext uri="{FF2B5EF4-FFF2-40B4-BE49-F238E27FC236}">
+                      <a16:creationId xmlns:a16="http://schemas.microsoft.com/office/drawing/2014/main" id="{FD89D227-F82E-98DE-646D-8382CB27B532}"/>
+                    </a:ext>
+                  </a:extLst>
+                </p14:cNvPr>
+                <p14:cNvContentPartPr/>
+                <p14:nvPr/>
+              </p14:nvContentPartPr>
+              <p14:xfrm>
+                <a:off x="8663450" y="4898380"/>
+                <a:ext cx="158760" cy="31680"/>
+              </p14:xfrm>
+            </p:contentPart>
+          </mc:Choice>
+          <mc:Fallback>
+            <p:pic>
+              <p:nvPicPr>
+                <p:cNvPr id="74" name="インク 73">
+                  <a:extLst>
+                    <a:ext uri="{FF2B5EF4-FFF2-40B4-BE49-F238E27FC236}">
+                      <a16:creationId xmlns:a16="http://schemas.microsoft.com/office/drawing/2014/main" id="{FD89D227-F82E-98DE-646D-8382CB27B532}"/>
+                    </a:ext>
+                  </a:extLst>
+                </p:cNvPr>
+                <p:cNvPicPr/>
+                <p:nvPr/>
+              </p:nvPicPr>
+              <p:blipFill>
+                <a:blip r:embed="rId98"/>
+                <a:stretch>
+                  <a:fillRect/>
+                </a:stretch>
+              </p:blipFill>
+              <p:spPr>
+                <a:xfrm>
+                  <a:off x="8627450" y="4862740"/>
+                  <a:ext cx="230400" cy="103320"/>
+                </a:xfrm>
+                <a:prstGeom prst="rect">
+                  <a:avLst/>
+                </a:prstGeom>
+              </p:spPr>
+            </p:pic>
+          </mc:Fallback>
+        </mc:AlternateContent>
+        <mc:AlternateContent xmlns:mc="http://schemas.openxmlformats.org/markup-compatibility/2006">
+          <mc:Choice xmlns:p14="http://schemas.microsoft.com/office/powerpoint/2010/main" Requires="p14">
+            <p:contentPart p14:bwMode="auto" r:id="rId99">
+              <p14:nvContentPartPr>
+                <p14:cNvPr id="75" name="インク 74">
+                  <a:extLst>
+                    <a:ext uri="{FF2B5EF4-FFF2-40B4-BE49-F238E27FC236}">
+                      <a16:creationId xmlns:a16="http://schemas.microsoft.com/office/drawing/2014/main" id="{A14F8943-9277-CC64-7E3B-2C9AF0562F45}"/>
+                    </a:ext>
+                  </a:extLst>
+                </p14:cNvPr>
+                <p14:cNvContentPartPr/>
+                <p14:nvPr/>
+              </p14:nvContentPartPr>
+              <p14:xfrm>
+                <a:off x="8743010" y="4868500"/>
+                <a:ext cx="143280" cy="239400"/>
+              </p14:xfrm>
+            </p:contentPart>
+          </mc:Choice>
+          <mc:Fallback>
+            <p:pic>
+              <p:nvPicPr>
+                <p:cNvPr id="75" name="インク 74">
+                  <a:extLst>
+                    <a:ext uri="{FF2B5EF4-FFF2-40B4-BE49-F238E27FC236}">
+                      <a16:creationId xmlns:a16="http://schemas.microsoft.com/office/drawing/2014/main" id="{A14F8943-9277-CC64-7E3B-2C9AF0562F45}"/>
+                    </a:ext>
+                  </a:extLst>
+                </p:cNvPr>
+                <p:cNvPicPr/>
+                <p:nvPr/>
+              </p:nvPicPr>
+              <p:blipFill>
+                <a:blip r:embed="rId100"/>
+                <a:stretch>
+                  <a:fillRect/>
+                </a:stretch>
+              </p:blipFill>
+              <p:spPr>
+                <a:xfrm>
+                  <a:off x="8707370" y="4832500"/>
+                  <a:ext cx="214920" cy="311040"/>
+                </a:xfrm>
+                <a:prstGeom prst="rect">
+                  <a:avLst/>
+                </a:prstGeom>
+              </p:spPr>
+            </p:pic>
+          </mc:Fallback>
+        </mc:AlternateContent>
+        <mc:AlternateContent xmlns:mc="http://schemas.openxmlformats.org/markup-compatibility/2006">
+          <mc:Choice xmlns:p14="http://schemas.microsoft.com/office/powerpoint/2010/main" Requires="p14">
+            <p:contentPart p14:bwMode="auto" r:id="rId101">
+              <p14:nvContentPartPr>
+                <p14:cNvPr id="77" name="インク 76">
+                  <a:extLst>
+                    <a:ext uri="{FF2B5EF4-FFF2-40B4-BE49-F238E27FC236}">
+                      <a16:creationId xmlns:a16="http://schemas.microsoft.com/office/drawing/2014/main" id="{E27B71DD-05AC-2DD3-4679-A447EAE9195D}"/>
+                    </a:ext>
+                  </a:extLst>
+                </p14:cNvPr>
+                <p14:cNvContentPartPr/>
+                <p14:nvPr/>
+              </p14:nvContentPartPr>
+              <p14:xfrm>
+                <a:off x="8985290" y="4638460"/>
+                <a:ext cx="225000" cy="607320"/>
+              </p14:xfrm>
+            </p:contentPart>
+          </mc:Choice>
+          <mc:Fallback>
+            <p:pic>
+              <p:nvPicPr>
+                <p:cNvPr id="77" name="インク 76">
+                  <a:extLst>
+                    <a:ext uri="{FF2B5EF4-FFF2-40B4-BE49-F238E27FC236}">
+                      <a16:creationId xmlns:a16="http://schemas.microsoft.com/office/drawing/2014/main" id="{E27B71DD-05AC-2DD3-4679-A447EAE9195D}"/>
+                    </a:ext>
+                  </a:extLst>
+                </p:cNvPr>
+                <p:cNvPicPr/>
+                <p:nvPr/>
+              </p:nvPicPr>
+              <p:blipFill>
+                <a:blip r:embed="rId102"/>
+                <a:stretch>
+                  <a:fillRect/>
+                </a:stretch>
+              </p:blipFill>
+              <p:spPr>
+                <a:xfrm>
+                  <a:off x="8949650" y="4602820"/>
+                  <a:ext cx="296640" cy="678960"/>
+                </a:xfrm>
+                <a:prstGeom prst="rect">
+                  <a:avLst/>
+                </a:prstGeom>
+              </p:spPr>
+            </p:pic>
+          </mc:Fallback>
+        </mc:AlternateContent>
+        <mc:AlternateContent xmlns:mc="http://schemas.openxmlformats.org/markup-compatibility/2006">
+          <mc:Choice xmlns:p14="http://schemas.microsoft.com/office/powerpoint/2010/main" Requires="p14">
+            <p:contentPart p14:bwMode="auto" r:id="rId103">
+              <p14:nvContentPartPr>
+                <p14:cNvPr id="78" name="インク 77">
+                  <a:extLst>
+                    <a:ext uri="{FF2B5EF4-FFF2-40B4-BE49-F238E27FC236}">
+                      <a16:creationId xmlns:a16="http://schemas.microsoft.com/office/drawing/2014/main" id="{A9597593-1ACB-A00C-F90D-9EA2875D1308}"/>
+                    </a:ext>
+                  </a:extLst>
+                </p14:cNvPr>
+                <p14:cNvContentPartPr/>
+                <p14:nvPr/>
+              </p14:nvContentPartPr>
+              <p14:xfrm>
+                <a:off x="9247370" y="4889020"/>
+                <a:ext cx="151560" cy="172440"/>
+              </p14:xfrm>
+            </p:contentPart>
+          </mc:Choice>
+          <mc:Fallback>
+            <p:pic>
+              <p:nvPicPr>
+                <p:cNvPr id="78" name="インク 77">
+                  <a:extLst>
+                    <a:ext uri="{FF2B5EF4-FFF2-40B4-BE49-F238E27FC236}">
+                      <a16:creationId xmlns:a16="http://schemas.microsoft.com/office/drawing/2014/main" id="{A9597593-1ACB-A00C-F90D-9EA2875D1308}"/>
+                    </a:ext>
+                  </a:extLst>
+                </p:cNvPr>
+                <p:cNvPicPr/>
+                <p:nvPr/>
+              </p:nvPicPr>
+              <p:blipFill>
+                <a:blip r:embed="rId104"/>
+                <a:stretch>
+                  <a:fillRect/>
+                </a:stretch>
+              </p:blipFill>
+              <p:spPr>
+                <a:xfrm>
+                  <a:off x="9211370" y="4853380"/>
+                  <a:ext cx="223200" cy="244080"/>
+                </a:xfrm>
+                <a:prstGeom prst="rect">
+                  <a:avLst/>
+                </a:prstGeom>
+              </p:spPr>
+            </p:pic>
+          </mc:Fallback>
+        </mc:AlternateContent>
+        <mc:AlternateContent xmlns:mc="http://schemas.openxmlformats.org/markup-compatibility/2006">
+          <mc:Choice xmlns:p14="http://schemas.microsoft.com/office/powerpoint/2010/main" Requires="p14">
+            <p:contentPart p14:bwMode="auto" r:id="rId105">
+              <p14:nvContentPartPr>
+                <p14:cNvPr id="79" name="インク 78">
+                  <a:extLst>
+                    <a:ext uri="{FF2B5EF4-FFF2-40B4-BE49-F238E27FC236}">
+                      <a16:creationId xmlns:a16="http://schemas.microsoft.com/office/drawing/2014/main" id="{174550B0-D439-6BD0-A6DD-73ED0CE19D3F}"/>
+                    </a:ext>
+                  </a:extLst>
+                </p14:cNvPr>
+                <p14:cNvContentPartPr/>
+                <p14:nvPr/>
+              </p14:nvContentPartPr>
+              <p14:xfrm>
+                <a:off x="9511610" y="4795060"/>
+                <a:ext cx="24840" cy="481680"/>
+              </p14:xfrm>
+            </p:contentPart>
+          </mc:Choice>
+          <mc:Fallback>
+            <p:pic>
+              <p:nvPicPr>
+                <p:cNvPr id="79" name="インク 78">
+                  <a:extLst>
+                    <a:ext uri="{FF2B5EF4-FFF2-40B4-BE49-F238E27FC236}">
+                      <a16:creationId xmlns:a16="http://schemas.microsoft.com/office/drawing/2014/main" id="{174550B0-D439-6BD0-A6DD-73ED0CE19D3F}"/>
+                    </a:ext>
+                  </a:extLst>
+                </p:cNvPr>
+                <p:cNvPicPr/>
+                <p:nvPr/>
+              </p:nvPicPr>
+              <p:blipFill>
+                <a:blip r:embed="rId106"/>
+                <a:stretch>
+                  <a:fillRect/>
+                </a:stretch>
+              </p:blipFill>
+              <p:spPr>
+                <a:xfrm>
+                  <a:off x="9475610" y="4759060"/>
+                  <a:ext cx="96480" cy="553320"/>
+                </a:xfrm>
+                <a:prstGeom prst="rect">
+                  <a:avLst/>
+                </a:prstGeom>
+              </p:spPr>
+            </p:pic>
+          </mc:Fallback>
+        </mc:AlternateContent>
+        <mc:AlternateContent xmlns:mc="http://schemas.openxmlformats.org/markup-compatibility/2006">
+          <mc:Choice xmlns:p14="http://schemas.microsoft.com/office/powerpoint/2010/main" Requires="p14">
+            <p:contentPart p14:bwMode="auto" r:id="rId107">
+              <p14:nvContentPartPr>
+                <p14:cNvPr id="80" name="インク 79">
+                  <a:extLst>
+                    <a:ext uri="{FF2B5EF4-FFF2-40B4-BE49-F238E27FC236}">
+                      <a16:creationId xmlns:a16="http://schemas.microsoft.com/office/drawing/2014/main" id="{BF75FB53-9F33-CACA-C431-3CC2DC7AA553}"/>
+                    </a:ext>
+                  </a:extLst>
+                </p14:cNvPr>
+                <p14:cNvContentPartPr/>
+                <p14:nvPr/>
+              </p14:nvContentPartPr>
+              <p14:xfrm>
+                <a:off x="9523490" y="4888300"/>
+                <a:ext cx="133920" cy="152640"/>
+              </p14:xfrm>
+            </p:contentPart>
+          </mc:Choice>
+          <mc:Fallback>
+            <p:pic>
+              <p:nvPicPr>
+                <p:cNvPr id="80" name="インク 79">
+                  <a:extLst>
+                    <a:ext uri="{FF2B5EF4-FFF2-40B4-BE49-F238E27FC236}">
+                      <a16:creationId xmlns:a16="http://schemas.microsoft.com/office/drawing/2014/main" id="{BF75FB53-9F33-CACA-C431-3CC2DC7AA553}"/>
+                    </a:ext>
+                  </a:extLst>
+                </p:cNvPr>
+                <p:cNvPicPr/>
+                <p:nvPr/>
+              </p:nvPicPr>
+              <p:blipFill>
+                <a:blip r:embed="rId108"/>
+                <a:stretch>
+                  <a:fillRect/>
+                </a:stretch>
+              </p:blipFill>
+              <p:spPr>
+                <a:xfrm>
+                  <a:off x="9487490" y="4852660"/>
+                  <a:ext cx="205560" cy="224280"/>
+                </a:xfrm>
+                <a:prstGeom prst="rect">
+                  <a:avLst/>
+                </a:prstGeom>
+              </p:spPr>
+            </p:pic>
+          </mc:Fallback>
+        </mc:AlternateContent>
+        <mc:AlternateContent xmlns:mc="http://schemas.openxmlformats.org/markup-compatibility/2006">
+          <mc:Choice xmlns:p14="http://schemas.microsoft.com/office/powerpoint/2010/main" Requires="p14">
+            <p:contentPart p14:bwMode="auto" r:id="rId109">
+              <p14:nvContentPartPr>
+                <p14:cNvPr id="81" name="インク 80">
+                  <a:extLst>
+                    <a:ext uri="{FF2B5EF4-FFF2-40B4-BE49-F238E27FC236}">
+                      <a16:creationId xmlns:a16="http://schemas.microsoft.com/office/drawing/2014/main" id="{89CD08F5-9839-B759-BCD2-CBD58B7CEE13}"/>
+                    </a:ext>
+                  </a:extLst>
+                </p14:cNvPr>
+                <p14:cNvContentPartPr/>
+                <p14:nvPr/>
+              </p14:nvContentPartPr>
+              <p14:xfrm>
+                <a:off x="9713210" y="4835020"/>
+                <a:ext cx="206280" cy="65160"/>
+              </p14:xfrm>
+            </p:contentPart>
+          </mc:Choice>
+          <mc:Fallback>
+            <p:pic>
+              <p:nvPicPr>
+                <p:cNvPr id="81" name="インク 80">
+                  <a:extLst>
+                    <a:ext uri="{FF2B5EF4-FFF2-40B4-BE49-F238E27FC236}">
+                      <a16:creationId xmlns:a16="http://schemas.microsoft.com/office/drawing/2014/main" id="{89CD08F5-9839-B759-BCD2-CBD58B7CEE13}"/>
+                    </a:ext>
+                  </a:extLst>
+                </p:cNvPr>
+                <p:cNvPicPr/>
+                <p:nvPr/>
+              </p:nvPicPr>
+              <p:blipFill>
+                <a:blip r:embed="rId110"/>
+                <a:stretch>
+                  <a:fillRect/>
+                </a:stretch>
+              </p:blipFill>
+              <p:spPr>
+                <a:xfrm>
+                  <a:off x="9677210" y="4799380"/>
+                  <a:ext cx="277920" cy="136800"/>
+                </a:xfrm>
+                <a:prstGeom prst="rect">
+                  <a:avLst/>
+                </a:prstGeom>
+              </p:spPr>
+            </p:pic>
+          </mc:Fallback>
+        </mc:AlternateContent>
+        <mc:AlternateContent xmlns:mc="http://schemas.openxmlformats.org/markup-compatibility/2006">
+          <mc:Choice xmlns:p14="http://schemas.microsoft.com/office/powerpoint/2010/main" Requires="p14">
+            <p:contentPart p14:bwMode="auto" r:id="rId111">
+              <p14:nvContentPartPr>
+                <p14:cNvPr id="82" name="インク 81">
+                  <a:extLst>
+                    <a:ext uri="{FF2B5EF4-FFF2-40B4-BE49-F238E27FC236}">
+                      <a16:creationId xmlns:a16="http://schemas.microsoft.com/office/drawing/2014/main" id="{37EE663D-A6EE-AA38-B3DA-17327F1D1B68}"/>
+                    </a:ext>
+                  </a:extLst>
+                </p14:cNvPr>
+                <p14:cNvContentPartPr/>
+                <p14:nvPr/>
+              </p14:nvContentPartPr>
+              <p14:xfrm>
+                <a:off x="9814010" y="4732780"/>
+                <a:ext cx="34560" cy="368280"/>
+              </p14:xfrm>
+            </p:contentPart>
+          </mc:Choice>
+          <mc:Fallback>
+            <p:pic>
+              <p:nvPicPr>
+                <p:cNvPr id="82" name="インク 81">
+                  <a:extLst>
+                    <a:ext uri="{FF2B5EF4-FFF2-40B4-BE49-F238E27FC236}">
+                      <a16:creationId xmlns:a16="http://schemas.microsoft.com/office/drawing/2014/main" id="{37EE663D-A6EE-AA38-B3DA-17327F1D1B68}"/>
+                    </a:ext>
+                  </a:extLst>
+                </p:cNvPr>
+                <p:cNvPicPr/>
+                <p:nvPr/>
+              </p:nvPicPr>
+              <p:blipFill>
+                <a:blip r:embed="rId112"/>
+                <a:stretch>
+                  <a:fillRect/>
+                </a:stretch>
+              </p:blipFill>
+              <p:spPr>
+                <a:xfrm>
+                  <a:off x="9778010" y="4697140"/>
+                  <a:ext cx="106200" cy="439920"/>
+                </a:xfrm>
+                <a:prstGeom prst="rect">
+                  <a:avLst/>
+                </a:prstGeom>
+              </p:spPr>
+            </p:pic>
+          </mc:Fallback>
+        </mc:AlternateContent>
+        <mc:AlternateContent xmlns:mc="http://schemas.openxmlformats.org/markup-compatibility/2006">
+          <mc:Choice xmlns:p14="http://schemas.microsoft.com/office/powerpoint/2010/main" Requires="p14">
+            <p:contentPart p14:bwMode="auto" r:id="rId113">
+              <p14:nvContentPartPr>
+                <p14:cNvPr id="83" name="インク 82">
+                  <a:extLst>
+                    <a:ext uri="{FF2B5EF4-FFF2-40B4-BE49-F238E27FC236}">
+                      <a16:creationId xmlns:a16="http://schemas.microsoft.com/office/drawing/2014/main" id="{D1292605-CD36-1822-ECB6-5A3C7305ED88}"/>
+                    </a:ext>
+                  </a:extLst>
+                </p14:cNvPr>
+                <p14:cNvContentPartPr/>
+                <p14:nvPr/>
+              </p14:nvContentPartPr>
+              <p14:xfrm>
+                <a:off x="9927410" y="4773100"/>
+                <a:ext cx="83880" cy="16560"/>
+              </p14:xfrm>
+            </p:contentPart>
+          </mc:Choice>
+          <mc:Fallback>
+            <p:pic>
+              <p:nvPicPr>
+                <p:cNvPr id="83" name="インク 82">
+                  <a:extLst>
+                    <a:ext uri="{FF2B5EF4-FFF2-40B4-BE49-F238E27FC236}">
+                      <a16:creationId xmlns:a16="http://schemas.microsoft.com/office/drawing/2014/main" id="{D1292605-CD36-1822-ECB6-5A3C7305ED88}"/>
+                    </a:ext>
+                  </a:extLst>
+                </p:cNvPr>
+                <p:cNvPicPr/>
+                <p:nvPr/>
+              </p:nvPicPr>
+              <p:blipFill>
+                <a:blip r:embed="rId114"/>
+                <a:stretch>
+                  <a:fillRect/>
+                </a:stretch>
+              </p:blipFill>
+              <p:spPr>
+                <a:xfrm>
+                  <a:off x="9891770" y="4737460"/>
+                  <a:ext cx="155520" cy="88200"/>
+                </a:xfrm>
+                <a:prstGeom prst="rect">
+                  <a:avLst/>
+                </a:prstGeom>
+              </p:spPr>
+            </p:pic>
+          </mc:Fallback>
+        </mc:AlternateContent>
+        <mc:AlternateContent xmlns:mc="http://schemas.openxmlformats.org/markup-compatibility/2006">
+          <mc:Choice xmlns:p14="http://schemas.microsoft.com/office/powerpoint/2010/main" Requires="p14">
+            <p:contentPart p14:bwMode="auto" r:id="rId115">
+              <p14:nvContentPartPr>
+                <p14:cNvPr id="84" name="インク 83">
+                  <a:extLst>
+                    <a:ext uri="{FF2B5EF4-FFF2-40B4-BE49-F238E27FC236}">
+                      <a16:creationId xmlns:a16="http://schemas.microsoft.com/office/drawing/2014/main" id="{CEA75EAA-A3E0-E403-2181-947938014F93}"/>
+                    </a:ext>
+                  </a:extLst>
+                </p14:cNvPr>
+                <p14:cNvContentPartPr/>
+                <p14:nvPr/>
+              </p14:nvContentPartPr>
+              <p14:xfrm>
+                <a:off x="9975650" y="4896220"/>
+                <a:ext cx="17640" cy="149760"/>
+              </p14:xfrm>
+            </p:contentPart>
+          </mc:Choice>
+          <mc:Fallback>
+            <p:pic>
+              <p:nvPicPr>
+                <p:cNvPr id="84" name="インク 83">
+                  <a:extLst>
+                    <a:ext uri="{FF2B5EF4-FFF2-40B4-BE49-F238E27FC236}">
+                      <a16:creationId xmlns:a16="http://schemas.microsoft.com/office/drawing/2014/main" id="{CEA75EAA-A3E0-E403-2181-947938014F93}"/>
+                    </a:ext>
+                  </a:extLst>
+                </p:cNvPr>
+                <p:cNvPicPr/>
+                <p:nvPr/>
+              </p:nvPicPr>
+              <p:blipFill>
+                <a:blip r:embed="rId116"/>
+                <a:stretch>
+                  <a:fillRect/>
+                </a:stretch>
+              </p:blipFill>
+              <p:spPr>
+                <a:xfrm>
+                  <a:off x="9939650" y="4860580"/>
+                  <a:ext cx="89280" cy="221400"/>
+                </a:xfrm>
+                <a:prstGeom prst="rect">
+                  <a:avLst/>
+                </a:prstGeom>
+              </p:spPr>
+            </p:pic>
+          </mc:Fallback>
+        </mc:AlternateContent>
+        <mc:AlternateContent xmlns:mc="http://schemas.openxmlformats.org/markup-compatibility/2006">
+          <mc:Choice xmlns:p14="http://schemas.microsoft.com/office/powerpoint/2010/main" Requires="p14">
+            <p:contentPart p14:bwMode="auto" r:id="rId117">
+              <p14:nvContentPartPr>
+                <p14:cNvPr id="85" name="インク 84">
+                  <a:extLst>
+                    <a:ext uri="{FF2B5EF4-FFF2-40B4-BE49-F238E27FC236}">
+                      <a16:creationId xmlns:a16="http://schemas.microsoft.com/office/drawing/2014/main" id="{5C370735-8954-8289-F63C-A4AC514CCD73}"/>
+                    </a:ext>
+                  </a:extLst>
+                </p14:cNvPr>
+                <p14:cNvContentPartPr/>
+                <p14:nvPr/>
+              </p14:nvContentPartPr>
+              <p14:xfrm>
+                <a:off x="10104170" y="4853380"/>
+                <a:ext cx="432000" cy="183240"/>
+              </p14:xfrm>
+            </p:contentPart>
+          </mc:Choice>
+          <mc:Fallback>
+            <p:pic>
+              <p:nvPicPr>
+                <p:cNvPr id="85" name="インク 84">
+                  <a:extLst>
+                    <a:ext uri="{FF2B5EF4-FFF2-40B4-BE49-F238E27FC236}">
+                      <a16:creationId xmlns:a16="http://schemas.microsoft.com/office/drawing/2014/main" id="{5C370735-8954-8289-F63C-A4AC514CCD73}"/>
+                    </a:ext>
+                  </a:extLst>
+                </p:cNvPr>
+                <p:cNvPicPr/>
+                <p:nvPr/>
+              </p:nvPicPr>
+              <p:blipFill>
+                <a:blip r:embed="rId118"/>
+                <a:stretch>
+                  <a:fillRect/>
+                </a:stretch>
+              </p:blipFill>
+              <p:spPr>
+                <a:xfrm>
+                  <a:off x="10068530" y="4817740"/>
+                  <a:ext cx="503640" cy="254880"/>
+                </a:xfrm>
+                <a:prstGeom prst="rect">
+                  <a:avLst/>
+                </a:prstGeom>
+              </p:spPr>
+            </p:pic>
+          </mc:Fallback>
+        </mc:AlternateContent>
+        <mc:AlternateContent xmlns:mc="http://schemas.openxmlformats.org/markup-compatibility/2006">
+          <mc:Choice xmlns:p14="http://schemas.microsoft.com/office/powerpoint/2010/main" Requires="p14">
+            <p:contentPart p14:bwMode="auto" r:id="rId119">
+              <p14:nvContentPartPr>
+                <p14:cNvPr id="86" name="インク 85">
+                  <a:extLst>
+                    <a:ext uri="{FF2B5EF4-FFF2-40B4-BE49-F238E27FC236}">
+                      <a16:creationId xmlns:a16="http://schemas.microsoft.com/office/drawing/2014/main" id="{3A8799C8-36D9-390E-6E27-167CA47AC7AF}"/>
+                    </a:ext>
+                  </a:extLst>
+                </p14:cNvPr>
+                <p14:cNvContentPartPr/>
+                <p14:nvPr/>
+              </p14:nvContentPartPr>
+              <p14:xfrm>
+                <a:off x="10596650" y="4820620"/>
+                <a:ext cx="154800" cy="218880"/>
+              </p14:xfrm>
+            </p:contentPart>
+          </mc:Choice>
+          <mc:Fallback>
+            <p:pic>
+              <p:nvPicPr>
+                <p:cNvPr id="86" name="インク 85">
+                  <a:extLst>
+                    <a:ext uri="{FF2B5EF4-FFF2-40B4-BE49-F238E27FC236}">
+                      <a16:creationId xmlns:a16="http://schemas.microsoft.com/office/drawing/2014/main" id="{3A8799C8-36D9-390E-6E27-167CA47AC7AF}"/>
+                    </a:ext>
+                  </a:extLst>
+                </p:cNvPr>
+                <p:cNvPicPr/>
+                <p:nvPr/>
+              </p:nvPicPr>
+              <p:blipFill>
+                <a:blip r:embed="rId120"/>
+                <a:stretch>
+                  <a:fillRect/>
+                </a:stretch>
+              </p:blipFill>
+              <p:spPr>
+                <a:xfrm>
+                  <a:off x="10561010" y="4784620"/>
+                  <a:ext cx="226440" cy="290520"/>
+                </a:xfrm>
+                <a:prstGeom prst="rect">
+                  <a:avLst/>
+                </a:prstGeom>
+              </p:spPr>
+            </p:pic>
+          </mc:Fallback>
+        </mc:AlternateContent>
+      </p:grpSp>
+    </p:spTree>
+    <p:extLst>
+      <p:ext uri="{BB962C8B-B14F-4D97-AF65-F5344CB8AC3E}">
+        <p14:creationId xmlns:p14="http://schemas.microsoft.com/office/powerpoint/2010/main" val="1663265623"/>
+      </p:ext>
+    </p:extLst>
+  </p:cSld>
+  <p:clrMapOvr>
+    <a:masterClrMapping/>
+  </p:clrMapOvr>
+</p:sld>
+</file>
+
 <file path=ppt/theme/theme1.xml><?xml version="1.0" encoding="utf-8"?>
 <a:theme xmlns:a="http://schemas.openxmlformats.org/drawingml/2006/main" name="Office テーマ">
   <a:themeElements>
